--- a/Digital Art Solutions.pptx
+++ b/Digital Art Solutions.pptx
@@ -117,7 +117,7 @@
 <file path=ppt/revisionInfo.xml><?xml version="1.0" encoding="utf-8"?>
 <p1510:revInfo xmlns:a="http://schemas.openxmlformats.org/drawingml/2006/main" xmlns:r="http://schemas.openxmlformats.org/officeDocument/2006/relationships" xmlns:p1510="http://schemas.microsoft.com/office/powerpoint/2015/10/main">
   <p1510:revLst>
-    <p1510:client id="{9648910E-5F28-4431-A91B-D781C6A6B747}" v="1105" dt="2023-05-11T02:13:46.511"/>
+    <p1510:client id="{9648910E-5F28-4431-A91B-D781C6A6B747}" v="1172" dt="2023-05-11T14:07:03.364"/>
   </p1510:revLst>
 </p1510:revInfo>
 </file>
@@ -127,18 +127,18 @@
   <pc:docChgLst>
     <pc:chgData name="b d" userId="d8a693ecc95ea58f" providerId="LiveId" clId="{9648910E-5F28-4431-A91B-D781C6A6B747}"/>
     <pc:docChg chg="undo custSel delSld modSld">
-      <pc:chgData name="b d" userId="d8a693ecc95ea58f" providerId="LiveId" clId="{9648910E-5F28-4431-A91B-D781C6A6B747}" dt="2023-05-11T02:13:46.510" v="1146" actId="20577"/>
+      <pc:chgData name="b d" userId="d8a693ecc95ea58f" providerId="LiveId" clId="{9648910E-5F28-4431-A91B-D781C6A6B747}" dt="2023-05-11T14:07:40.492" v="1214" actId="20577"/>
       <pc:docMkLst>
         <pc:docMk/>
       </pc:docMkLst>
       <pc:sldChg chg="modSp mod">
-        <pc:chgData name="b d" userId="d8a693ecc95ea58f" providerId="LiveId" clId="{9648910E-5F28-4431-A91B-D781C6A6B747}" dt="2023-05-11T02:09:17.487" v="1140" actId="255"/>
+        <pc:chgData name="b d" userId="d8a693ecc95ea58f" providerId="LiveId" clId="{9648910E-5F28-4431-A91B-D781C6A6B747}" dt="2023-05-11T14:07:40.492" v="1214" actId="20577"/>
         <pc:sldMkLst>
           <pc:docMk/>
           <pc:sldMk cId="3452409421" sldId="257"/>
         </pc:sldMkLst>
         <pc:spChg chg="mod">
-          <ac:chgData name="b d" userId="d8a693ecc95ea58f" providerId="LiveId" clId="{9648910E-5F28-4431-A91B-D781C6A6B747}" dt="2023-05-11T02:09:17.487" v="1140" actId="255"/>
+          <ac:chgData name="b d" userId="d8a693ecc95ea58f" providerId="LiveId" clId="{9648910E-5F28-4431-A91B-D781C6A6B747}" dt="2023-05-11T14:07:40.492" v="1214" actId="20577"/>
           <ac:spMkLst>
             <pc:docMk/>
             <pc:sldMk cId="3452409421" sldId="257"/>
@@ -154,7 +154,7 @@
         </pc:sldMkLst>
       </pc:sldChg>
       <pc:sldChg chg="addSp modSp mod">
-        <pc:chgData name="b d" userId="d8a693ecc95ea58f" providerId="LiveId" clId="{9648910E-5F28-4431-A91B-D781C6A6B747}" dt="2023-05-11T02:13:46.510" v="1146" actId="20577"/>
+        <pc:chgData name="b d" userId="d8a693ecc95ea58f" providerId="LiveId" clId="{9648910E-5F28-4431-A91B-D781C6A6B747}" dt="2023-05-11T14:07:03.359" v="1213" actId="113"/>
         <pc:sldMkLst>
           <pc:docMk/>
           <pc:sldMk cId="1800016780" sldId="259"/>
@@ -168,7 +168,7 @@
           </ac:spMkLst>
         </pc:spChg>
         <pc:graphicFrameChg chg="mod modGraphic">
-          <ac:chgData name="b d" userId="d8a693ecc95ea58f" providerId="LiveId" clId="{9648910E-5F28-4431-A91B-D781C6A6B747}" dt="2023-05-11T02:13:46.510" v="1146" actId="20577"/>
+          <ac:chgData name="b d" userId="d8a693ecc95ea58f" providerId="LiveId" clId="{9648910E-5F28-4431-A91B-D781C6A6B747}" dt="2023-05-11T14:07:03.359" v="1213" actId="113"/>
           <ac:graphicFrameMkLst>
             <pc:docMk/>
             <pc:sldMk cId="1800016780" sldId="259"/>
@@ -2578,16 +2578,27 @@
             </a:lnSpc>
           </a:pPr>
           <a:r>
-            <a:rPr lang="en-US" b="0" i="0" baseline="0" dirty="0"/>
-            <a:t>Auction Smart Contract is deployed </a:t>
-          </a:r>
-          <a:r>
-            <a:rPr lang="en-US" b="0" i="0" baseline="0"/>
-            <a:t>via the </a:t>
+            <a:rPr lang="en-US" b="1" i="0" baseline="0" dirty="0"/>
+            <a:t>Admin</a:t>
           </a:r>
           <a:r>
             <a:rPr lang="en-US" b="0" i="0" baseline="0" dirty="0"/>
-            <a:t>Auction Deployer Smart Contract</a:t>
+            <a:t>: NFT Seller is the administrator</a:t>
+          </a:r>
+        </a:p>
+        <a:p>
+          <a:pPr>
+            <a:lnSpc>
+              <a:spcPct val="100000"/>
+            </a:lnSpc>
+          </a:pPr>
+          <a:r>
+            <a:rPr lang="en-US" b="1" i="0" baseline="0" dirty="0"/>
+            <a:t>Deployment</a:t>
+          </a:r>
+          <a:r>
+            <a:rPr lang="en-US" b="0" i="0" baseline="0" dirty="0"/>
+            <a:t>: Auction Smart Contract is deployed via the Auction Deployer Smart Contract</a:t>
           </a:r>
           <a:endParaRPr lang="en-US" dirty="0"/>
         </a:p>
@@ -3398,7 +3409,7 @@
         </a:bodyPr>
         <a:lstStyle/>
         <a:p>
-          <a:pPr marL="0" lvl="0" indent="0" algn="l" defTabSz="711200">
+          <a:pPr marL="0" lvl="0" indent="0" algn="l" defTabSz="666750">
             <a:lnSpc>
               <a:spcPct val="100000"/>
             </a:lnSpc>
@@ -3411,10 +3422,10 @@
             <a:buNone/>
           </a:pPr>
           <a:r>
-            <a:rPr lang="en-US" sz="1600" b="0" i="0" kern="1200" baseline="0" dirty="0"/>
+            <a:rPr lang="en-US" sz="1500" b="0" i="0" kern="1200" baseline="0" dirty="0"/>
             <a:t>A Solidity based Auction smart contract enables participants to bid on an NFT, with the highest bidder winning the auction. The building blocks of the Auction smart contract include:</a:t>
           </a:r>
-          <a:endParaRPr lang="en-US" sz="1600" kern="1200" dirty="0"/>
+          <a:endParaRPr lang="en-US" sz="1500" kern="1200" dirty="0"/>
         </a:p>
       </dsp:txBody>
       <dsp:txXfrm>
@@ -3801,7 +3812,7 @@
         </a:bodyPr>
         <a:lstStyle/>
         <a:p>
-          <a:pPr marL="0" lvl="0" indent="0" algn="l" defTabSz="711200">
+          <a:pPr marL="0" lvl="0" indent="0" algn="l" defTabSz="666750">
             <a:lnSpc>
               <a:spcPct val="100000"/>
             </a:lnSpc>
@@ -3814,18 +3825,36 @@
             <a:buNone/>
           </a:pPr>
           <a:r>
-            <a:rPr lang="en-US" sz="1600" b="0" i="0" kern="1200" baseline="0" dirty="0"/>
-            <a:t>Auction Smart Contract is deployed </a:t>
+            <a:rPr lang="en-US" sz="1500" b="1" i="0" kern="1200" baseline="0" dirty="0"/>
+            <a:t>Admin</a:t>
           </a:r>
           <a:r>
-            <a:rPr lang="en-US" sz="1600" b="0" i="0" kern="1200" baseline="0"/>
-            <a:t>via the </a:t>
+            <a:rPr lang="en-US" sz="1500" b="0" i="0" kern="1200" baseline="0" dirty="0"/>
+            <a:t>: NFT Seller is the administrator</a:t>
+          </a:r>
+        </a:p>
+        <a:p>
+          <a:pPr marL="0" lvl="0" indent="0" algn="l" defTabSz="666750">
+            <a:lnSpc>
+              <a:spcPct val="100000"/>
+            </a:lnSpc>
+            <a:spcBef>
+              <a:spcPct val="0"/>
+            </a:spcBef>
+            <a:spcAft>
+              <a:spcPct val="35000"/>
+            </a:spcAft>
+            <a:buNone/>
+          </a:pPr>
+          <a:r>
+            <a:rPr lang="en-US" sz="1500" b="1" i="0" kern="1200" baseline="0" dirty="0"/>
+            <a:t>Deployment</a:t>
           </a:r>
           <a:r>
-            <a:rPr lang="en-US" sz="1600" b="0" i="0" kern="1200" baseline="0" dirty="0"/>
-            <a:t>Auction Deployer Smart Contract</a:t>
+            <a:rPr lang="en-US" sz="1500" b="0" i="0" kern="1200" baseline="0" dirty="0"/>
+            <a:t>: Auction Smart Contract is deployed via the Auction Deployer Smart Contract</a:t>
           </a:r>
-          <a:endParaRPr lang="en-US" sz="1600" kern="1200" dirty="0"/>
+          <a:endParaRPr lang="en-US" sz="1500" kern="1200" dirty="0"/>
         </a:p>
       </dsp:txBody>
       <dsp:txXfrm>
@@ -6640,7 +6669,7 @@
           <a:p>
             <a:fld id="{B634EE48-03CC-4D00-B145-A19103A86E2C}" type="datetimeFigureOut">
               <a:rPr lang="en-US" smtClean="0"/>
-              <a:t>5/10/2023</a:t>
+              <a:t>5/11/2023</a:t>
             </a:fld>
             <a:endParaRPr lang="en-US"/>
           </a:p>
@@ -6838,7 +6867,7 @@
           <a:p>
             <a:fld id="{B634EE48-03CC-4D00-B145-A19103A86E2C}" type="datetimeFigureOut">
               <a:rPr lang="en-US" smtClean="0"/>
-              <a:t>5/10/2023</a:t>
+              <a:t>5/11/2023</a:t>
             </a:fld>
             <a:endParaRPr lang="en-US"/>
           </a:p>
@@ -7046,7 +7075,7 @@
           <a:p>
             <a:fld id="{B634EE48-03CC-4D00-B145-A19103A86E2C}" type="datetimeFigureOut">
               <a:rPr lang="en-US" smtClean="0"/>
-              <a:t>5/10/2023</a:t>
+              <a:t>5/11/2023</a:t>
             </a:fld>
             <a:endParaRPr lang="en-US"/>
           </a:p>
@@ -7244,7 +7273,7 @@
           <a:p>
             <a:fld id="{63D456BD-52B8-4176-8486-7C75A30CFD68}" type="datetimeFigureOut">
               <a:rPr lang="en-US" smtClean="0"/>
-              <a:t>5/10/2023</a:t>
+              <a:t>5/11/2023</a:t>
             </a:fld>
             <a:endParaRPr lang="en-US"/>
           </a:p>
@@ -7442,7 +7471,7 @@
           <a:p>
             <a:fld id="{B634EE48-03CC-4D00-B145-A19103A86E2C}" type="datetimeFigureOut">
               <a:rPr lang="en-US" smtClean="0"/>
-              <a:t>5/10/2023</a:t>
+              <a:t>5/11/2023</a:t>
             </a:fld>
             <a:endParaRPr lang="en-US"/>
           </a:p>
@@ -7717,7 +7746,7 @@
           <a:p>
             <a:fld id="{B634EE48-03CC-4D00-B145-A19103A86E2C}" type="datetimeFigureOut">
               <a:rPr lang="en-US" smtClean="0"/>
-              <a:t>5/10/2023</a:t>
+              <a:t>5/11/2023</a:t>
             </a:fld>
             <a:endParaRPr lang="en-US"/>
           </a:p>
@@ -7982,7 +8011,7 @@
           <a:p>
             <a:fld id="{B634EE48-03CC-4D00-B145-A19103A86E2C}" type="datetimeFigureOut">
               <a:rPr lang="en-US" smtClean="0"/>
-              <a:t>5/10/2023</a:t>
+              <a:t>5/11/2023</a:t>
             </a:fld>
             <a:endParaRPr lang="en-US"/>
           </a:p>
@@ -8394,7 +8423,7 @@
           <a:p>
             <a:fld id="{B634EE48-03CC-4D00-B145-A19103A86E2C}" type="datetimeFigureOut">
               <a:rPr lang="en-US" smtClean="0"/>
-              <a:t>5/10/2023</a:t>
+              <a:t>5/11/2023</a:t>
             </a:fld>
             <a:endParaRPr lang="en-US"/>
           </a:p>
@@ -8535,7 +8564,7 @@
           <a:p>
             <a:fld id="{B634EE48-03CC-4D00-B145-A19103A86E2C}" type="datetimeFigureOut">
               <a:rPr lang="en-US" smtClean="0"/>
-              <a:t>5/10/2023</a:t>
+              <a:t>5/11/2023</a:t>
             </a:fld>
             <a:endParaRPr lang="en-US"/>
           </a:p>
@@ -8648,7 +8677,7 @@
           <a:p>
             <a:fld id="{B634EE48-03CC-4D00-B145-A19103A86E2C}" type="datetimeFigureOut">
               <a:rPr lang="en-US" smtClean="0"/>
-              <a:t>5/10/2023</a:t>
+              <a:t>5/11/2023</a:t>
             </a:fld>
             <a:endParaRPr lang="en-US"/>
           </a:p>
@@ -8959,7 +8988,7 @@
           <a:p>
             <a:fld id="{B634EE48-03CC-4D00-B145-A19103A86E2C}" type="datetimeFigureOut">
               <a:rPr lang="en-US" smtClean="0"/>
-              <a:t>5/10/2023</a:t>
+              <a:t>5/11/2023</a:t>
             </a:fld>
             <a:endParaRPr lang="en-US"/>
           </a:p>
@@ -9247,7 +9276,7 @@
           <a:p>
             <a:fld id="{B634EE48-03CC-4D00-B145-A19103A86E2C}" type="datetimeFigureOut">
               <a:rPr lang="en-US" smtClean="0"/>
-              <a:t>5/10/2023</a:t>
+              <a:t>5/11/2023</a:t>
             </a:fld>
             <a:endParaRPr lang="en-US"/>
           </a:p>
@@ -9488,7 +9517,7 @@
           <a:p>
             <a:fld id="{B634EE48-03CC-4D00-B145-A19103A86E2C}" type="datetimeFigureOut">
               <a:rPr lang="en-US" smtClean="0"/>
-              <a:t>5/10/2023</a:t>
+              <a:t>5/11/2023</a:t>
             </a:fld>
             <a:endParaRPr lang="en-US"/>
           </a:p>
@@ -10183,9 +10212,10 @@
           <a:p>
             <a:pPr marR="0" lvl="1"/>
             <a:r>
-              <a:rPr lang="en-US" sz="2000" b="0" i="0" u="none" strike="noStrike" baseline="0" dirty="0"/>
-              <a:t>Back-end:</a:t>
+              <a:rPr lang="en-US" sz="2000" b="0" i="0" u="none" strike="noStrike" baseline="0"/>
+              <a:t>Back-end</a:t>
             </a:r>
+            <a:endParaRPr lang="en-US" sz="2000" b="0" i="0" u="none" strike="noStrike" baseline="0" dirty="0"/>
           </a:p>
           <a:p>
             <a:pPr marR="0" lvl="2"/>
@@ -10394,7 +10424,7 @@
           <p:nvPr>
             <p:extLst>
               <p:ext uri="{D42A27DB-BD31-4B8C-83A1-F6EECF244321}">
-                <p14:modId xmlns:p14="http://schemas.microsoft.com/office/powerpoint/2010/main" val="1369501494"/>
+                <p14:modId xmlns:p14="http://schemas.microsoft.com/office/powerpoint/2010/main" val="1228774675"/>
               </p:ext>
             </p:extLst>
           </p:nvPr>

--- a/Digital Art Solutions.pptx
+++ b/Digital Art Solutions.pptx
@@ -117,7 +117,7 @@
 <file path=ppt/revisionInfo.xml><?xml version="1.0" encoding="utf-8"?>
 <p1510:revInfo xmlns:a="http://schemas.openxmlformats.org/drawingml/2006/main" xmlns:r="http://schemas.openxmlformats.org/officeDocument/2006/relationships" xmlns:p1510="http://schemas.microsoft.com/office/powerpoint/2015/10/main">
   <p1510:revLst>
-    <p1510:client id="{9648910E-5F28-4431-A91B-D781C6A6B747}" v="1172" dt="2023-05-11T14:07:03.364"/>
+    <p1510:client id="{9648910E-5F28-4431-A91B-D781C6A6B747}" v="1315" dt="2023-05-12T02:26:21.774"/>
   </p1510:revLst>
 </p1510:revInfo>
 </file>
@@ -127,7 +127,7 @@
   <pc:docChgLst>
     <pc:chgData name="b d" userId="d8a693ecc95ea58f" providerId="LiveId" clId="{9648910E-5F28-4431-A91B-D781C6A6B747}"/>
     <pc:docChg chg="undo custSel delSld modSld">
-      <pc:chgData name="b d" userId="d8a693ecc95ea58f" providerId="LiveId" clId="{9648910E-5F28-4431-A91B-D781C6A6B747}" dt="2023-05-11T14:07:40.492" v="1214" actId="20577"/>
+      <pc:chgData name="b d" userId="d8a693ecc95ea58f" providerId="LiveId" clId="{9648910E-5F28-4431-A91B-D781C6A6B747}" dt="2023-05-12T02:26:21.774" v="1354" actId="20577"/>
       <pc:docMkLst>
         <pc:docMk/>
       </pc:docMkLst>
@@ -154,7 +154,7 @@
         </pc:sldMkLst>
       </pc:sldChg>
       <pc:sldChg chg="addSp modSp mod">
-        <pc:chgData name="b d" userId="d8a693ecc95ea58f" providerId="LiveId" clId="{9648910E-5F28-4431-A91B-D781C6A6B747}" dt="2023-05-11T14:07:03.359" v="1213" actId="113"/>
+        <pc:chgData name="b d" userId="d8a693ecc95ea58f" providerId="LiveId" clId="{9648910E-5F28-4431-A91B-D781C6A6B747}" dt="2023-05-12T02:26:21.774" v="1354" actId="20577"/>
         <pc:sldMkLst>
           <pc:docMk/>
           <pc:sldMk cId="1800016780" sldId="259"/>
@@ -168,7 +168,7 @@
           </ac:spMkLst>
         </pc:spChg>
         <pc:graphicFrameChg chg="mod modGraphic">
-          <ac:chgData name="b d" userId="d8a693ecc95ea58f" providerId="LiveId" clId="{9648910E-5F28-4431-A91B-D781C6A6B747}" dt="2023-05-11T14:07:03.359" v="1213" actId="113"/>
+          <ac:chgData name="b d" userId="d8a693ecc95ea58f" providerId="LiveId" clId="{9648910E-5F28-4431-A91B-D781C6A6B747}" dt="2023-05-12T02:26:21.774" v="1354" actId="20577"/>
           <ac:graphicFrameMkLst>
             <pc:docMk/>
             <pc:sldMk cId="1800016780" sldId="259"/>
@@ -2281,7 +2281,7 @@
           </a:r>
           <a:r>
             <a:rPr lang="en-US" b="0" i="0" baseline="0" dirty="0"/>
-            <a:t> and their initial values, such as the token (NFT Registry smart contract), token Id, highest bid, Auction end time. </a:t>
+            <a:t> and their initial values, such as the token (NFT Registry smart contract), token Id, highest bid, auction end time. </a:t>
           </a:r>
           <a:r>
             <a:rPr lang="en-US" b="0" i="1" u="none" baseline="0" dirty="0"/>
@@ -2289,7 +2289,7 @@
           </a:r>
           <a:r>
             <a:rPr lang="en-US" b="0" i="0" baseline="0" dirty="0"/>
-            <a:t> for initiation – Auction is not in progress; Initiated by the NFT Seller only.</a:t>
+            <a:t> for initiation – auction is not in progress; Initiated by the NFT Seller only.</a:t>
           </a:r>
           <a:endParaRPr lang="en-US" dirty="0"/>
         </a:p>
@@ -2357,7 +2357,7 @@
           </a:r>
           <a:r>
             <a:rPr lang="en-US" b="0" i="0" baseline="0" dirty="0"/>
-            <a:t> for initiation – Auction is in progress; bidder’s balance is higher than the bid.</a:t>
+            <a:t> for initiation – auction is in progress; a bidder’s balance must be higher than the bid; the seller cannot place bids.</a:t>
           </a:r>
           <a:endParaRPr lang="en-US" dirty="0"/>
         </a:p>
@@ -2485,7 +2485,7 @@
           </a:r>
           <a:r>
             <a:rPr lang="en-US" b="0" i="0" baseline="0" dirty="0"/>
-            <a:t>. The function checks the amount of the bid and transfers it back to the bidder's address. Withdrawals are allowed during and after the Auction period.</a:t>
+            <a:t>. The function checks the amount of the bid and transfers it back to the bidder's address. Withdrawals are allowed during and after the auction period.</a:t>
           </a:r>
           <a:endParaRPr lang="en-US" dirty="0"/>
         </a:p>
@@ -2696,7 +2696,7 @@
       <dgm:spPr/>
     </dgm:pt>
     <dgm:pt modelId="{21334611-4C75-4183-8585-5A0FDF696521}" type="pres">
-      <dgm:prSet presAssocID="{CDAA5682-53B8-4162-A759-27FF490D3EA0}" presName="bgRect" presStyleLbl="bgShp" presStyleIdx="1" presStyleCnt="2" custScaleX="68609" custScaleY="102476" custLinFactNeighborX="-8703" custLinFactNeighborY="-2144"/>
+      <dgm:prSet presAssocID="{CDAA5682-53B8-4162-A759-27FF490D3EA0}" presName="bgRect" presStyleLbl="bgShp" presStyleIdx="1" presStyleCnt="2" custScaleX="68609" custScaleY="102476" custLinFactNeighborX="-10023" custLinFactNeighborY="-2144"/>
       <dgm:spPr/>
     </dgm:pt>
     <dgm:pt modelId="{CAEE0621-7AF4-442B-8893-A7CE7B7C9FB3}" type="pres">
@@ -3502,7 +3502,7 @@
           </a:r>
           <a:r>
             <a:rPr lang="en-US" sz="1100" b="0" i="0" kern="1200" baseline="0" dirty="0"/>
-            <a:t> and their initial values, such as the token (NFT Registry smart contract), token Id, highest bid, Auction end time. </a:t>
+            <a:t> and their initial values, such as the token (NFT Registry smart contract), token Id, highest bid, auction end time. </a:t>
           </a:r>
           <a:r>
             <a:rPr lang="en-US" sz="1100" b="0" i="1" u="none" kern="1200" baseline="0" dirty="0"/>
@@ -3510,7 +3510,7 @@
           </a:r>
           <a:r>
             <a:rPr lang="en-US" sz="1100" b="0" i="0" kern="1200" baseline="0" dirty="0"/>
-            <a:t> for initiation – Auction is not in progress; Initiated by the NFT Seller only.</a:t>
+            <a:t> for initiation – auction is not in progress; Initiated by the NFT Seller only.</a:t>
           </a:r>
           <a:endParaRPr lang="en-US" sz="1100" kern="1200" dirty="0"/>
         </a:p>
@@ -3555,7 +3555,7 @@
           </a:r>
           <a:r>
             <a:rPr lang="en-US" sz="1100" b="0" i="0" kern="1200" baseline="0" dirty="0"/>
-            <a:t> for initiation – Auction is in progress; bidder’s balance is higher than the bid.</a:t>
+            <a:t> for initiation – auction is in progress; a bidder’s balance must be higher than the bid; the seller cannot place bids.</a:t>
           </a:r>
           <a:endParaRPr lang="en-US" sz="1100" kern="1200" dirty="0"/>
         </a:p>
@@ -3637,7 +3637,7 @@
           </a:r>
           <a:r>
             <a:rPr lang="en-US" sz="1100" b="0" i="0" kern="1200" baseline="0" dirty="0"/>
-            <a:t>. The function checks the amount of the bid and transfers it back to the bidder's address. Withdrawals are allowed during and after the Auction period.</a:t>
+            <a:t>. The function checks the amount of the bid and transfers it back to the bidder's address. Withdrawals are allowed during and after the auction period.</a:t>
           </a:r>
           <a:endParaRPr lang="en-US" sz="1100" kern="1200" dirty="0"/>
         </a:p>
@@ -3683,7 +3683,7 @@
       </dsp:nvSpPr>
       <dsp:spPr>
         <a:xfrm>
-          <a:off x="110371" y="2294463"/>
+          <a:off x="15137" y="2294463"/>
           <a:ext cx="4949897" cy="1335111"/>
         </a:xfrm>
         <a:prstGeom prst="roundRect">
@@ -10424,7 +10424,7 @@
           <p:nvPr>
             <p:extLst>
               <p:ext uri="{D42A27DB-BD31-4B8C-83A1-F6EECF244321}">
-                <p14:modId xmlns:p14="http://schemas.microsoft.com/office/powerpoint/2010/main" val="1228774675"/>
+                <p14:modId xmlns:p14="http://schemas.microsoft.com/office/powerpoint/2010/main" val="2353654667"/>
               </p:ext>
             </p:extLst>
           </p:nvPr>

--- a/Digital Art Solutions.pptx
+++ b/Digital Art Solutions.pptx
@@ -114,88 +114,6 @@
 </p:presentation>
 </file>
 
-<file path=ppt/revisionInfo.xml><?xml version="1.0" encoding="utf-8"?>
-<p1510:revInfo xmlns:a="http://schemas.openxmlformats.org/drawingml/2006/main" xmlns:r="http://schemas.openxmlformats.org/officeDocument/2006/relationships" xmlns:p1510="http://schemas.microsoft.com/office/powerpoint/2015/10/main">
-  <p1510:revLst>
-    <p1510:client id="{9648910E-5F28-4431-A91B-D781C6A6B747}" v="1315" dt="2023-05-12T02:26:21.774"/>
-  </p1510:revLst>
-</p1510:revInfo>
-</file>
-
-<file path=ppt/changesInfos/changesInfo1.xml><?xml version="1.0" encoding="utf-8"?>
-<pc:chgInfo xmlns:a="http://schemas.openxmlformats.org/drawingml/2006/main" xmlns:r="http://schemas.openxmlformats.org/officeDocument/2006/relationships" xmlns:ac="http://schemas.microsoft.com/office/drawing/2013/main/command" xmlns:pc="http://schemas.microsoft.com/office/powerpoint/2013/main/command">
-  <pc:docChgLst>
-    <pc:chgData name="b d" userId="d8a693ecc95ea58f" providerId="LiveId" clId="{9648910E-5F28-4431-A91B-D781C6A6B747}"/>
-    <pc:docChg chg="undo custSel delSld modSld">
-      <pc:chgData name="b d" userId="d8a693ecc95ea58f" providerId="LiveId" clId="{9648910E-5F28-4431-A91B-D781C6A6B747}" dt="2023-05-12T02:26:21.774" v="1354" actId="20577"/>
-      <pc:docMkLst>
-        <pc:docMk/>
-      </pc:docMkLst>
-      <pc:sldChg chg="modSp mod">
-        <pc:chgData name="b d" userId="d8a693ecc95ea58f" providerId="LiveId" clId="{9648910E-5F28-4431-A91B-D781C6A6B747}" dt="2023-05-11T14:07:40.492" v="1214" actId="20577"/>
-        <pc:sldMkLst>
-          <pc:docMk/>
-          <pc:sldMk cId="3452409421" sldId="257"/>
-        </pc:sldMkLst>
-        <pc:spChg chg="mod">
-          <ac:chgData name="b d" userId="d8a693ecc95ea58f" providerId="LiveId" clId="{9648910E-5F28-4431-A91B-D781C6A6B747}" dt="2023-05-11T14:07:40.492" v="1214" actId="20577"/>
-          <ac:spMkLst>
-            <pc:docMk/>
-            <pc:sldMk cId="3452409421" sldId="257"/>
-            <ac:spMk id="3" creationId="{13AEDD73-F284-6DF0-9001-C4BFFAD6F6EF}"/>
-          </ac:spMkLst>
-        </pc:spChg>
-      </pc:sldChg>
-      <pc:sldChg chg="del">
-        <pc:chgData name="b d" userId="d8a693ecc95ea58f" providerId="LiveId" clId="{9648910E-5F28-4431-A91B-D781C6A6B747}" dt="2023-05-11T02:06:54.614" v="1092" actId="47"/>
-        <pc:sldMkLst>
-          <pc:docMk/>
-          <pc:sldMk cId="3835275418" sldId="258"/>
-        </pc:sldMkLst>
-      </pc:sldChg>
-      <pc:sldChg chg="addSp modSp mod">
-        <pc:chgData name="b d" userId="d8a693ecc95ea58f" providerId="LiveId" clId="{9648910E-5F28-4431-A91B-D781C6A6B747}" dt="2023-05-12T02:26:21.774" v="1354" actId="20577"/>
-        <pc:sldMkLst>
-          <pc:docMk/>
-          <pc:sldMk cId="1800016780" sldId="259"/>
-        </pc:sldMkLst>
-        <pc:spChg chg="add mod">
-          <ac:chgData name="b d" userId="d8a693ecc95ea58f" providerId="LiveId" clId="{9648910E-5F28-4431-A91B-D781C6A6B747}" dt="2023-05-11T01:18:21.987" v="526"/>
-          <ac:spMkLst>
-            <pc:docMk/>
-            <pc:sldMk cId="1800016780" sldId="259"/>
-            <ac:spMk id="3" creationId="{7D181D68-E0CC-4BA8-B4E4-FA02448E6EE9}"/>
-          </ac:spMkLst>
-        </pc:spChg>
-        <pc:graphicFrameChg chg="mod modGraphic">
-          <ac:chgData name="b d" userId="d8a693ecc95ea58f" providerId="LiveId" clId="{9648910E-5F28-4431-A91B-D781C6A6B747}" dt="2023-05-12T02:26:21.774" v="1354" actId="20577"/>
-          <ac:graphicFrameMkLst>
-            <pc:docMk/>
-            <pc:sldMk cId="1800016780" sldId="259"/>
-            <ac:graphicFrameMk id="5" creationId="{E9DAC7D0-FC74-B73D-A277-378F7AA168A0}"/>
-          </ac:graphicFrameMkLst>
-        </pc:graphicFrameChg>
-      </pc:sldChg>
-      <pc:sldChg chg="modSp">
-        <pc:chgData name="b d" userId="d8a693ecc95ea58f" providerId="LiveId" clId="{9648910E-5F28-4431-A91B-D781C6A6B747}" dt="2023-05-11T01:41:23.432" v="530"/>
-        <pc:sldMkLst>
-          <pc:docMk/>
-          <pc:sldMk cId="1528351146" sldId="260"/>
-        </pc:sldMkLst>
-        <pc:graphicFrameChg chg="mod">
-          <ac:chgData name="b d" userId="d8a693ecc95ea58f" providerId="LiveId" clId="{9648910E-5F28-4431-A91B-D781C6A6B747}" dt="2023-05-11T01:41:23.432" v="530"/>
-          <ac:graphicFrameMkLst>
-            <pc:docMk/>
-            <pc:sldMk cId="1528351146" sldId="260"/>
-            <ac:graphicFrameMk id="5" creationId="{E9DAC7D0-FC74-B73D-A277-378F7AA168A0}"/>
-          </ac:graphicFrameMkLst>
-        </pc:graphicFrameChg>
-      </pc:sldChg>
-    </pc:docChg>
-  </pc:docChgLst>
-</pc:chgInfo>
-</file>
-
 <file path=ppt/diagrams/colors1.xml><?xml version="1.0" encoding="utf-8"?>
 <dgm:colorsDef xmlns:dgm="http://schemas.openxmlformats.org/drawingml/2006/diagram" xmlns:a="http://schemas.openxmlformats.org/drawingml/2006/main" uniqueId="urn:microsoft.com/office/officeart/2005/8/colors/accent1_2">
   <dgm:title val=""/>
@@ -1711,14 +1629,14 @@
         <a:bodyPr/>
         <a:lstStyle/>
         <a:p>
-          <a:pPr>
+          <a:pPr algn="just">
             <a:lnSpc>
               <a:spcPct val="100000"/>
             </a:lnSpc>
           </a:pPr>
           <a:r>
             <a:rPr lang="en-US" b="0" i="0" u="none" strike="noStrike" baseline="0" dirty="0"/>
-            <a:t>A Non-Fungible Token (NFT) minting smart contract is a program written in Solidity that allows users to create and mint new NFTs on a blockchain network. Here are the building blocks of an NFT minting smart contract:</a:t>
+            <a:t>A Solidity based Non-Fungible Token (NFT) minting and registration contract allows users to register and mint NFTs on a blockchain network. NFT smart contracts can utilize the ERC721 standard. Building blocks of the contract are:</a:t>
           </a:r>
           <a:endParaRPr lang="en-US" dirty="0"/>
         </a:p>
@@ -1753,16 +1671,134 @@
         <a:bodyPr/>
         <a:lstStyle/>
         <a:p>
-          <a:pPr>
+          <a:pPr algn="just">
             <a:lnSpc>
               <a:spcPct val="100000"/>
             </a:lnSpc>
           </a:pPr>
           <a:r>
-            <a:rPr lang="en-US" b="0" i="0" baseline="0"/>
-            <a:t>Contract Initialization: The first building block is to define the contract's variables and their initial values. The variables define the parameters of the auction, such as the start and end times, minimum bid increment, and the highest bidder's address.</a:t>
+            <a:rPr lang="en-US" b="1" i="0" baseline="0" dirty="0">
+              <a:solidFill>
+                <a:srgbClr val="FF0000"/>
+              </a:solidFill>
+            </a:rPr>
+            <a:t>Register Artwork: </a:t>
           </a:r>
-          <a:endParaRPr lang="en-US"/>
+          <a:r>
+            <a:rPr lang="en-US" b="0" i="0" baseline="0" dirty="0"/>
+            <a:t>This function defines the contracts variables, which include address of the owner, name of the artwork, name of the artist, initial value and the URI location of the artwork. </a:t>
+          </a:r>
+        </a:p>
+        <a:p>
+          <a:pPr algn="just">
+            <a:lnSpc>
+              <a:spcPct val="100000"/>
+            </a:lnSpc>
+          </a:pPr>
+          <a:r>
+            <a:rPr lang="en-US" b="1" i="0" baseline="0" dirty="0">
+              <a:solidFill>
+                <a:srgbClr val="FF0000"/>
+              </a:solidFill>
+            </a:rPr>
+            <a:t>Minting Tokens: </a:t>
+          </a:r>
+          <a:r>
+            <a:rPr lang="en-US" b="0" i="0" baseline="0" dirty="0">
+              <a:solidFill>
+                <a:schemeClr val="tx1"/>
+              </a:solidFill>
+            </a:rPr>
+            <a:t>The NFT smart contract includes functionality for minting unique NFT tokens. The safe Mint function ensures that new tokens can be safely created and transferred. </a:t>
+          </a:r>
+          <a:endParaRPr lang="en-US" b="0" i="0" baseline="0" dirty="0">
+            <a:solidFill>
+              <a:srgbClr val="C00000"/>
+            </a:solidFill>
+          </a:endParaRPr>
+        </a:p>
+        <a:p>
+          <a:pPr algn="just">
+            <a:lnSpc>
+              <a:spcPct val="100000"/>
+            </a:lnSpc>
+          </a:pPr>
+          <a:r>
+            <a:rPr lang="en-US" b="1" i="0" baseline="0" dirty="0">
+              <a:solidFill>
+                <a:srgbClr val="FF0000"/>
+              </a:solidFill>
+            </a:rPr>
+            <a:t>Metadata Storage: </a:t>
+          </a:r>
+          <a:r>
+            <a:rPr lang="en-US" b="0" i="0" baseline="0" dirty="0">
+              <a:solidFill>
+                <a:schemeClr val="tx1"/>
+              </a:solidFill>
+            </a:rPr>
+            <a:t>The smart contract allows for storage of the metadata of the NFT. </a:t>
+          </a:r>
+        </a:p>
+        <a:p>
+          <a:pPr algn="just">
+            <a:lnSpc>
+              <a:spcPct val="100000"/>
+            </a:lnSpc>
+          </a:pPr>
+          <a:r>
+            <a:rPr lang="en-US" b="1" i="0" baseline="0" dirty="0">
+              <a:solidFill>
+                <a:srgbClr val="FF0000"/>
+              </a:solidFill>
+            </a:rPr>
+            <a:t>SetApprovalForAll: </a:t>
+          </a:r>
+          <a:r>
+            <a:rPr lang="en-US" b="0" i="0" baseline="0" dirty="0"/>
+            <a:t>A</a:t>
+          </a:r>
+          <a:r>
+            <a:rPr lang="en-US" b="0" i="0" dirty="0"/>
+            <a:t>llows the owner of a NFT to grant approval to another address to manage their NFTs, the approved address can manage NFTs on their behalf. Utilizing this functionality allows the auction contract to transfer the NFT to the new owner if sold or back to the original owner if not sold. </a:t>
+          </a:r>
+          <a:endParaRPr lang="en-US" b="0" i="0" baseline="0" dirty="0">
+            <a:solidFill>
+              <a:schemeClr val="tx1"/>
+            </a:solidFill>
+          </a:endParaRPr>
+        </a:p>
+        <a:p>
+          <a:pPr algn="just">
+            <a:lnSpc>
+              <a:spcPct val="100000"/>
+            </a:lnSpc>
+          </a:pPr>
+          <a:r>
+            <a:rPr lang="en-US" b="1" i="0" baseline="0" dirty="0">
+              <a:solidFill>
+                <a:srgbClr val="FF0000"/>
+              </a:solidFill>
+            </a:rPr>
+            <a:t>Event Emission: </a:t>
+          </a:r>
+          <a:r>
+            <a:rPr lang="en-US" b="0" i="0" baseline="0" dirty="0">
+              <a:solidFill>
+                <a:schemeClr val="tx1"/>
+              </a:solidFill>
+            </a:rPr>
+            <a:t>E</a:t>
+          </a:r>
+          <a:r>
+            <a:rPr lang="en-US" b="0" i="0" baseline="0" dirty="0"/>
+            <a:t>vent emission is used to emit the unique Token ID of the NFT. Token ID </a:t>
+          </a:r>
+          <a:r>
+            <a:rPr lang="en-US" b="0" i="0" dirty="0"/>
+            <a:t>serves as a unique identifier and enables the NFT to be tracked on the blockchain.</a:t>
+          </a:r>
+          <a:endParaRPr lang="en-US" b="0" i="0" baseline="0" dirty="0"/>
         </a:p>
       </dgm:t>
     </dgm:pt>
@@ -1788,216 +1824,6 @@
         </a:p>
       </dgm:t>
     </dgm:pt>
-    <dgm:pt modelId="{8CE50C95-A02A-4987-8705-F773D9F03183}">
-      <dgm:prSet/>
-      <dgm:spPr/>
-      <dgm:t>
-        <a:bodyPr/>
-        <a:lstStyle/>
-        <a:p>
-          <a:pPr>
-            <a:lnSpc>
-              <a:spcPct val="100000"/>
-            </a:lnSpc>
-          </a:pPr>
-          <a:r>
-            <a:rPr lang="en-US" b="0" i="0" baseline="0"/>
-            <a:t>Bid Function: The next building block is the bidding function, which allows participants to place bids on the auction. When a bid is made, the function verifies that the bid amount is greater than the current highest bid and updates the highest bid accordingly. The function also stores the bidder's address and the amount of the bid.</a:t>
-          </a:r>
-          <a:endParaRPr lang="en-US"/>
-        </a:p>
-      </dgm:t>
-    </dgm:pt>
-    <dgm:pt modelId="{50E9B4BD-1918-4EF1-A311-C6F682DC0A5D}" type="parTrans" cxnId="{F44F14B5-DE74-40CA-AC6D-D772162BCAC3}">
-      <dgm:prSet/>
-      <dgm:spPr/>
-      <dgm:t>
-        <a:bodyPr/>
-        <a:lstStyle/>
-        <a:p>
-          <a:endParaRPr lang="en-US"/>
-        </a:p>
-      </dgm:t>
-    </dgm:pt>
-    <dgm:pt modelId="{03137D31-A743-4E26-BCD0-B470A9FFEEBD}" type="sibTrans" cxnId="{F44F14B5-DE74-40CA-AC6D-D772162BCAC3}">
-      <dgm:prSet/>
-      <dgm:spPr/>
-      <dgm:t>
-        <a:bodyPr/>
-        <a:lstStyle/>
-        <a:p>
-          <a:endParaRPr lang="en-US"/>
-        </a:p>
-      </dgm:t>
-    </dgm:pt>
-    <dgm:pt modelId="{2C913E6B-AB6C-495F-8194-72840CEF3FAD}">
-      <dgm:prSet/>
-      <dgm:spPr/>
-      <dgm:t>
-        <a:bodyPr/>
-        <a:lstStyle/>
-        <a:p>
-          <a:pPr>
-            <a:lnSpc>
-              <a:spcPct val="100000"/>
-            </a:lnSpc>
-          </a:pPr>
-          <a:r>
-            <a:rPr lang="en-US" b="0" i="0" baseline="0" dirty="0"/>
-            <a:t>End Auction Function: The end auction function is a building block that enables the owner to end the auction after the bidding period has ended. When the function is called, it checks if the bidding period has ended and that the auction is not yet finished. It then transfers the highest bid amount to the auction owner's address and marks the auction as ended.</a:t>
-          </a:r>
-          <a:endParaRPr lang="en-US" dirty="0"/>
-        </a:p>
-      </dgm:t>
-    </dgm:pt>
-    <dgm:pt modelId="{7C2524D1-95F1-4C59-8F8A-4CEEB7E61FEF}" type="parTrans" cxnId="{E9AC511C-B1BF-47ED-AB2B-9A2A89128723}">
-      <dgm:prSet/>
-      <dgm:spPr/>
-      <dgm:t>
-        <a:bodyPr/>
-        <a:lstStyle/>
-        <a:p>
-          <a:endParaRPr lang="en-US"/>
-        </a:p>
-      </dgm:t>
-    </dgm:pt>
-    <dgm:pt modelId="{A41CA1B1-B5FC-47B2-94DC-E0C8869BA3D4}" type="sibTrans" cxnId="{E9AC511C-B1BF-47ED-AB2B-9A2A89128723}">
-      <dgm:prSet/>
-      <dgm:spPr/>
-      <dgm:t>
-        <a:bodyPr/>
-        <a:lstStyle/>
-        <a:p>
-          <a:endParaRPr lang="en-US"/>
-        </a:p>
-      </dgm:t>
-    </dgm:pt>
-    <dgm:pt modelId="{7701B606-E8BF-4B4D-8DC9-31189527D0C4}">
-      <dgm:prSet/>
-      <dgm:spPr/>
-      <dgm:t>
-        <a:bodyPr/>
-        <a:lstStyle/>
-        <a:p>
-          <a:pPr>
-            <a:lnSpc>
-              <a:spcPct val="100000"/>
-            </a:lnSpc>
-          </a:pPr>
-          <a:r>
-            <a:rPr lang="en-US" b="0" i="0" baseline="0" dirty="0"/>
-            <a:t>Refund Function: The refund function is a building block that allows bidders to withdraw their bids if they are not the highest bidder. The function checks the amount of the bid and transfers it back to the bidder's address.</a:t>
-          </a:r>
-          <a:endParaRPr lang="en-US" dirty="0"/>
-        </a:p>
-      </dgm:t>
-    </dgm:pt>
-    <dgm:pt modelId="{2C4B43C7-9ED1-4D5B-90C1-3D2267F99744}" type="parTrans" cxnId="{40FA6D9F-73D8-4295-A6EF-ACADA0C1F3DA}">
-      <dgm:prSet/>
-      <dgm:spPr/>
-      <dgm:t>
-        <a:bodyPr/>
-        <a:lstStyle/>
-        <a:p>
-          <a:endParaRPr lang="en-US"/>
-        </a:p>
-      </dgm:t>
-    </dgm:pt>
-    <dgm:pt modelId="{8E66A10E-3F1E-4323-932E-9093840ACFB5}" type="sibTrans" cxnId="{40FA6D9F-73D8-4295-A6EF-ACADA0C1F3DA}">
-      <dgm:prSet/>
-      <dgm:spPr/>
-      <dgm:t>
-        <a:bodyPr/>
-        <a:lstStyle/>
-        <a:p>
-          <a:endParaRPr lang="en-US"/>
-        </a:p>
-      </dgm:t>
-    </dgm:pt>
-    <dgm:pt modelId="{C1388B86-4867-4FE4-A435-DDB881A1D4FF}">
-      <dgm:prSet/>
-      <dgm:spPr/>
-      <dgm:t>
-        <a:bodyPr/>
-        <a:lstStyle/>
-        <a:p>
-          <a:pPr>
-            <a:lnSpc>
-              <a:spcPct val="100000"/>
-            </a:lnSpc>
-          </a:pPr>
-          <a:r>
-            <a:rPr lang="en-US" b="0" i="0" baseline="0"/>
-            <a:t>Time Management: A crucial building block of an auction smart contract is time management. The smart contract must be programmed to track the start and end times of the auction and enforce rules based on those times, such as not allowing bids after the auction has ended.</a:t>
-          </a:r>
-          <a:endParaRPr lang="en-US"/>
-        </a:p>
-      </dgm:t>
-    </dgm:pt>
-    <dgm:pt modelId="{FEADFA9D-D2AE-4C71-8ADF-B1169108E804}" type="parTrans" cxnId="{DAB64001-BC48-4370-9FC1-F2651836CE9A}">
-      <dgm:prSet/>
-      <dgm:spPr/>
-      <dgm:t>
-        <a:bodyPr/>
-        <a:lstStyle/>
-        <a:p>
-          <a:endParaRPr lang="en-US"/>
-        </a:p>
-      </dgm:t>
-    </dgm:pt>
-    <dgm:pt modelId="{2C50F01D-F347-41A9-9CD9-34DA9F67F232}" type="sibTrans" cxnId="{DAB64001-BC48-4370-9FC1-F2651836CE9A}">
-      <dgm:prSet/>
-      <dgm:spPr/>
-      <dgm:t>
-        <a:bodyPr/>
-        <a:lstStyle/>
-        <a:p>
-          <a:endParaRPr lang="en-US"/>
-        </a:p>
-      </dgm:t>
-    </dgm:pt>
-    <dgm:pt modelId="{043B3176-E012-4C25-B060-778940DB1539}">
-      <dgm:prSet/>
-      <dgm:spPr/>
-      <dgm:t>
-        <a:bodyPr/>
-        <a:lstStyle/>
-        <a:p>
-          <a:pPr>
-            <a:lnSpc>
-              <a:spcPct val="100000"/>
-            </a:lnSpc>
-          </a:pPr>
-          <a:r>
-            <a:rPr lang="en-US" b="0" i="0" baseline="0"/>
-            <a:t>Event Emission: Finally, the building block of event emission enables the contract to emit events when specific actions occur, such as when a new bid is placed or when the auction ends. Events are essential for tracking the auction's progress and enabling users to monitor the auction's state.</a:t>
-          </a:r>
-          <a:endParaRPr lang="en-US"/>
-        </a:p>
-      </dgm:t>
-    </dgm:pt>
-    <dgm:pt modelId="{2D732F6D-D267-40F1-A389-006372DCEE71}" type="parTrans" cxnId="{318AF794-04D6-483C-9BAE-2C887DD83C0C}">
-      <dgm:prSet/>
-      <dgm:spPr/>
-      <dgm:t>
-        <a:bodyPr/>
-        <a:lstStyle/>
-        <a:p>
-          <a:endParaRPr lang="en-US"/>
-        </a:p>
-      </dgm:t>
-    </dgm:pt>
-    <dgm:pt modelId="{701534DC-2C35-4F97-A833-6EC33D097F9A}" type="sibTrans" cxnId="{318AF794-04D6-483C-9BAE-2C887DD83C0C}">
-      <dgm:prSet/>
-      <dgm:spPr/>
-      <dgm:t>
-        <a:bodyPr/>
-        <a:lstStyle/>
-        <a:p>
-          <a:endParaRPr lang="en-US"/>
-        </a:p>
-      </dgm:t>
-    </dgm:pt>
     <dgm:pt modelId="{CDAA5682-53B8-4162-A759-27FF490D3EA0}">
       <dgm:prSet/>
       <dgm:spPr/>
@@ -2005,16 +1831,58 @@
         <a:bodyPr/>
         <a:lstStyle/>
         <a:p>
-          <a:pPr>
+          <a:pPr algn="just">
             <a:lnSpc>
               <a:spcPct val="100000"/>
             </a:lnSpc>
           </a:pPr>
           <a:r>
-            <a:rPr lang="en-US" b="0" i="0" baseline="0"/>
-            <a:t>By utilizing these building blocks, you can create a robust and secure auction smart contract in Solidity that provides a fair and transparent auction process. It's essential to consider edge cases, security issues, and testing to ensure that your smart contract works correctly.</a:t>
+            <a:rPr lang="en-US" b="1" dirty="0"/>
+            <a:t>Artist: </a:t>
           </a:r>
-          <a:endParaRPr lang="en-US"/>
+          <a:r>
+            <a:rPr lang="en-US" b="0" dirty="0"/>
+            <a:t>Registers Artwork and </a:t>
+          </a:r>
+          <a:r>
+            <a:rPr lang="en-US" b="0"/>
+            <a:t>mints unique </a:t>
+          </a:r>
+          <a:r>
+            <a:rPr lang="en-US" b="0" dirty="0"/>
+            <a:t>NFT token</a:t>
+          </a:r>
+        </a:p>
+        <a:p>
+          <a:pPr algn="just">
+            <a:lnSpc>
+              <a:spcPct val="100000"/>
+            </a:lnSpc>
+          </a:pPr>
+          <a:r>
+            <a:rPr lang="en-US" b="1" dirty="0"/>
+            <a:t>Auction: </a:t>
+          </a:r>
+          <a:r>
+            <a:rPr lang="en-US" b="0" dirty="0"/>
+            <a:t>Approved to manage artwork transfer and payment</a:t>
+          </a:r>
+          <a:endParaRPr lang="en-US" b="1" dirty="0"/>
+        </a:p>
+        <a:p>
+          <a:pPr algn="just">
+            <a:lnSpc>
+              <a:spcPct val="100000"/>
+            </a:lnSpc>
+          </a:pPr>
+          <a:r>
+            <a:rPr lang="en-US" b="1" dirty="0"/>
+            <a:t>Deployment:</a:t>
+          </a:r>
+          <a:r>
+            <a:rPr lang="en-US" dirty="0"/>
+            <a:t> NFT Register Smart contract it deployed via the Auction Deployer Smart Contract</a:t>
+          </a:r>
         </a:p>
       </dgm:t>
     </dgm:pt>
@@ -2054,23 +1922,21 @@
       <dgm:spPr/>
     </dgm:pt>
     <dgm:pt modelId="{B226A255-440C-44E0-A84A-0973E3DB3A8D}" type="pres">
-      <dgm:prSet presAssocID="{83C20B4A-93A6-4570-8D0C-E2C7E0EB1B26}" presName="bgRect" presStyleLbl="bgShp" presStyleIdx="0" presStyleCnt="2"/>
+      <dgm:prSet presAssocID="{83C20B4A-93A6-4570-8D0C-E2C7E0EB1B26}" presName="bgRect" presStyleLbl="bgShp" presStyleIdx="0" presStyleCnt="2" custScaleX="76087" custScaleY="102653" custLinFactNeighborX="-9503" custLinFactNeighborY="11302"/>
       <dgm:spPr/>
     </dgm:pt>
     <dgm:pt modelId="{CBDB0C8D-A1B6-4452-B342-783558DD9492}" type="pres">
-      <dgm:prSet presAssocID="{83C20B4A-93A6-4570-8D0C-E2C7E0EB1B26}" presName="iconRect" presStyleLbl="node1" presStyleIdx="0" presStyleCnt="2"/>
+      <dgm:prSet presAssocID="{83C20B4A-93A6-4570-8D0C-E2C7E0EB1B26}" presName="iconRect" presStyleLbl="node1" presStyleIdx="0" presStyleCnt="2" custLinFactNeighborX="-6578" custLinFactNeighborY="17985"/>
       <dgm:spPr>
         <a:blipFill>
           <a:blip xmlns:r="http://schemas.openxmlformats.org/officeDocument/2006/relationships" r:embed="rId1">
             <a:extLst>
-              <a:ext uri="{28A0092B-C50C-407E-A947-70E740481C1C}">
-                <a14:useLocalDpi xmlns:a14="http://schemas.microsoft.com/office/drawing/2010/main" val="0"/>
-              </a:ext>
               <a:ext uri="{96DAC541-7B7A-43D3-8B79-37D633B846F1}">
                 <asvg:svgBlip xmlns:asvg="http://schemas.microsoft.com/office/drawing/2016/SVG/main" r:embed="rId2"/>
               </a:ext>
             </a:extLst>
           </a:blip>
+          <a:srcRect/>
           <a:stretch>
             <a:fillRect/>
           </a:stretch>
@@ -2078,7 +1944,7 @@
       </dgm:spPr>
       <dgm:extLst>
         <a:ext uri="{E40237B7-FDA0-4F09-8148-C483321AD2D9}">
-          <dgm14:cNvPr xmlns:dgm14="http://schemas.microsoft.com/office/drawing/2010/diagram" id="0" name="" descr="Gavel"/>
+          <dgm14:cNvPr xmlns:dgm14="http://schemas.microsoft.com/office/drawing/2010/diagram" id="0" name="" descr="Coins outline"/>
         </a:ext>
       </dgm:extLst>
     </dgm:pt>
@@ -2087,7 +1953,7 @@
       <dgm:spPr/>
     </dgm:pt>
     <dgm:pt modelId="{EA26FE2B-44A2-4198-A0D1-7CCD1FF23C26}" type="pres">
-      <dgm:prSet presAssocID="{83C20B4A-93A6-4570-8D0C-E2C7E0EB1B26}" presName="parTx" presStyleLbl="revTx" presStyleIdx="0" presStyleCnt="3">
+      <dgm:prSet presAssocID="{83C20B4A-93A6-4570-8D0C-E2C7E0EB1B26}" presName="parTx" presStyleLbl="revTx" presStyleIdx="0" presStyleCnt="3" custLinFactNeighborX="-4383" custLinFactNeighborY="9151">
         <dgm:presLayoutVars>
           <dgm:chMax val="0"/>
           <dgm:chPref val="0"/>
@@ -2096,7 +1962,7 @@
       <dgm:spPr/>
     </dgm:pt>
     <dgm:pt modelId="{5E5554BE-4F73-45A3-8F16-AC503B40ED41}" type="pres">
-      <dgm:prSet presAssocID="{83C20B4A-93A6-4570-8D0C-E2C7E0EB1B26}" presName="desTx" presStyleLbl="revTx" presStyleIdx="1" presStyleCnt="3">
+      <dgm:prSet presAssocID="{83C20B4A-93A6-4570-8D0C-E2C7E0EB1B26}" presName="desTx" presStyleLbl="revTx" presStyleIdx="1" presStyleCnt="3" custLinFactNeighborX="4624" custLinFactNeighborY="68574">
         <dgm:presLayoutVars/>
       </dgm:prSet>
       <dgm:spPr/>
@@ -2110,11 +1976,11 @@
       <dgm:spPr/>
     </dgm:pt>
     <dgm:pt modelId="{21334611-4C75-4183-8585-5A0FDF696521}" type="pres">
-      <dgm:prSet presAssocID="{CDAA5682-53B8-4162-A759-27FF490D3EA0}" presName="bgRect" presStyleLbl="bgShp" presStyleIdx="1" presStyleCnt="2"/>
+      <dgm:prSet presAssocID="{CDAA5682-53B8-4162-A759-27FF490D3EA0}" presName="bgRect" presStyleLbl="bgShp" presStyleIdx="1" presStyleCnt="2" custScaleX="76087" custLinFactNeighborX="-9503" custLinFactNeighborY="8465"/>
       <dgm:spPr/>
     </dgm:pt>
     <dgm:pt modelId="{CAEE0621-7AF4-442B-8893-A7CE7B7C9FB3}" type="pres">
-      <dgm:prSet presAssocID="{CDAA5682-53B8-4162-A759-27FF490D3EA0}" presName="iconRect" presStyleLbl="node1" presStyleIdx="1" presStyleCnt="2"/>
+      <dgm:prSet presAssocID="{CDAA5682-53B8-4162-A759-27FF490D3EA0}" presName="iconRect" presStyleLbl="node1" presStyleIdx="1" presStyleCnt="2" custLinFactNeighborY="17102"/>
       <dgm:spPr>
         <a:blipFill>
           <a:blip xmlns:r="http://schemas.openxmlformats.org/officeDocument/2006/relationships" r:embed="rId3">
@@ -2127,6 +1993,7 @@
               </a:ext>
             </a:extLst>
           </a:blip>
+          <a:srcRect/>
           <a:stretch>
             <a:fillRect/>
           </a:stretch>
@@ -2134,7 +2001,7 @@
       </dgm:spPr>
       <dgm:extLst>
         <a:ext uri="{E40237B7-FDA0-4F09-8148-C483321AD2D9}">
-          <dgm14:cNvPr xmlns:dgm14="http://schemas.microsoft.com/office/drawing/2010/diagram" id="0" name="" descr="Handshake"/>
+          <dgm14:cNvPr xmlns:dgm14="http://schemas.microsoft.com/office/drawing/2010/diagram" id="0" name="" descr="Link with solid fill"/>
         </a:ext>
       </dgm:extLst>
     </dgm:pt>
@@ -2143,7 +2010,7 @@
       <dgm:spPr/>
     </dgm:pt>
     <dgm:pt modelId="{BB688467-C19F-409F-AEF9-39453290C283}" type="pres">
-      <dgm:prSet presAssocID="{CDAA5682-53B8-4162-A759-27FF490D3EA0}" presName="parTx" presStyleLbl="revTx" presStyleIdx="2" presStyleCnt="3">
+      <dgm:prSet presAssocID="{CDAA5682-53B8-4162-A759-27FF490D3EA0}" presName="parTx" presStyleLbl="revTx" presStyleIdx="2" presStyleCnt="3" custScaleX="53795" custLinFactNeighborX="-26012" custLinFactNeighborY="11492">
         <dgm:presLayoutVars>
           <dgm:chMax val="0"/>
           <dgm:chPref val="0"/>
@@ -2153,22 +2020,12 @@
     </dgm:pt>
   </dgm:ptLst>
   <dgm:cxnLst>
-    <dgm:cxn modelId="{DAB64001-BC48-4370-9FC1-F2651836CE9A}" srcId="{83C20B4A-93A6-4570-8D0C-E2C7E0EB1B26}" destId="{C1388B86-4867-4FE4-A435-DDB881A1D4FF}" srcOrd="4" destOrd="0" parTransId="{FEADFA9D-D2AE-4C71-8ADF-B1169108E804}" sibTransId="{2C50F01D-F347-41A9-9CD9-34DA9F67F232}"/>
     <dgm:cxn modelId="{095CC612-1201-4C1C-937E-60313520AED0}" type="presOf" srcId="{CDAA5682-53B8-4162-A759-27FF490D3EA0}" destId="{BB688467-C19F-409F-AEF9-39453290C283}" srcOrd="0" destOrd="0" presId="urn:microsoft.com/office/officeart/2018/2/layout/IconVerticalSolidList"/>
-    <dgm:cxn modelId="{E9AC511C-B1BF-47ED-AB2B-9A2A89128723}" srcId="{83C20B4A-93A6-4570-8D0C-E2C7E0EB1B26}" destId="{2C913E6B-AB6C-495F-8194-72840CEF3FAD}" srcOrd="2" destOrd="0" parTransId="{7C2524D1-95F1-4C59-8F8A-4CEEB7E61FEF}" sibTransId="{A41CA1B1-B5FC-47B2-94DC-E0C8869BA3D4}"/>
-    <dgm:cxn modelId="{034C1E20-14B0-41A7-BB69-6289507D2D2F}" type="presOf" srcId="{7701B606-E8BF-4B4D-8DC9-31189527D0C4}" destId="{5E5554BE-4F73-45A3-8F16-AC503B40ED41}" srcOrd="0" destOrd="3" presId="urn:microsoft.com/office/officeart/2018/2/layout/IconVerticalSolidList"/>
     <dgm:cxn modelId="{2B0C0029-3F64-4CFA-97CA-B160A484DFBB}" type="presOf" srcId="{8AB6F308-FCF1-4AAC-B9AC-37733DCC0DC4}" destId="{7592645E-90DC-4019-BEAE-7E12D2E570A2}" srcOrd="0" destOrd="0" presId="urn:microsoft.com/office/officeart/2018/2/layout/IconVerticalSolidList"/>
     <dgm:cxn modelId="{B704AF31-9C4A-42DE-8368-251D7A50DDAE}" type="presOf" srcId="{83C20B4A-93A6-4570-8D0C-E2C7E0EB1B26}" destId="{EA26FE2B-44A2-4198-A0D1-7CCD1FF23C26}" srcOrd="0" destOrd="0" presId="urn:microsoft.com/office/officeart/2018/2/layout/IconVerticalSolidList"/>
     <dgm:cxn modelId="{2CF9913A-A6CD-475A-A4FE-D9A2654803FF}" srcId="{83C20B4A-93A6-4570-8D0C-E2C7E0EB1B26}" destId="{7D8EC1AB-87DF-4E29-AC64-036E16C7032F}" srcOrd="0" destOrd="0" parTransId="{E4403918-C1FA-4DB3-9996-C60B4B7DBD59}" sibTransId="{7C02EC4E-4B38-46DC-B460-84D71BA91883}"/>
-    <dgm:cxn modelId="{0A836867-292E-484E-BB94-B055D60392BD}" type="presOf" srcId="{8CE50C95-A02A-4987-8705-F773D9F03183}" destId="{5E5554BE-4F73-45A3-8F16-AC503B40ED41}" srcOrd="0" destOrd="1" presId="urn:microsoft.com/office/officeart/2018/2/layout/IconVerticalSolidList"/>
-    <dgm:cxn modelId="{9531BA6B-1EFE-4081-8C9C-39EAE0889060}" type="presOf" srcId="{043B3176-E012-4C25-B060-778940DB1539}" destId="{5E5554BE-4F73-45A3-8F16-AC503B40ED41}" srcOrd="0" destOrd="5" presId="urn:microsoft.com/office/officeart/2018/2/layout/IconVerticalSolidList"/>
-    <dgm:cxn modelId="{77BB218F-06AA-4445-8600-912D7FD5FCD9}" type="presOf" srcId="{2C913E6B-AB6C-495F-8194-72840CEF3FAD}" destId="{5E5554BE-4F73-45A3-8F16-AC503B40ED41}" srcOrd="0" destOrd="2" presId="urn:microsoft.com/office/officeart/2018/2/layout/IconVerticalSolidList"/>
-    <dgm:cxn modelId="{318AF794-04D6-483C-9BAE-2C887DD83C0C}" srcId="{83C20B4A-93A6-4570-8D0C-E2C7E0EB1B26}" destId="{043B3176-E012-4C25-B060-778940DB1539}" srcOrd="5" destOrd="0" parTransId="{2D732F6D-D267-40F1-A389-006372DCEE71}" sibTransId="{701534DC-2C35-4F97-A833-6EC33D097F9A}"/>
-    <dgm:cxn modelId="{40FA6D9F-73D8-4295-A6EF-ACADA0C1F3DA}" srcId="{83C20B4A-93A6-4570-8D0C-E2C7E0EB1B26}" destId="{7701B606-E8BF-4B4D-8DC9-31189527D0C4}" srcOrd="3" destOrd="0" parTransId="{2C4B43C7-9ED1-4D5B-90C1-3D2267F99744}" sibTransId="{8E66A10E-3F1E-4323-932E-9093840ACFB5}"/>
-    <dgm:cxn modelId="{F44F14B5-DE74-40CA-AC6D-D772162BCAC3}" srcId="{83C20B4A-93A6-4570-8D0C-E2C7E0EB1B26}" destId="{8CE50C95-A02A-4987-8705-F773D9F03183}" srcOrd="1" destOrd="0" parTransId="{50E9B4BD-1918-4EF1-A311-C6F682DC0A5D}" sibTransId="{03137D31-A743-4E26-BCD0-B470A9FFEEBD}"/>
     <dgm:cxn modelId="{6F58EDB7-3A8D-4ED1-AC75-8DDEF40889AC}" type="presOf" srcId="{7D8EC1AB-87DF-4E29-AC64-036E16C7032F}" destId="{5E5554BE-4F73-45A3-8F16-AC503B40ED41}" srcOrd="0" destOrd="0" presId="urn:microsoft.com/office/officeart/2018/2/layout/IconVerticalSolidList"/>
     <dgm:cxn modelId="{882D1ECA-DEBB-44D9-9837-B7296F4AE817}" srcId="{8AB6F308-FCF1-4AAC-B9AC-37733DCC0DC4}" destId="{83C20B4A-93A6-4570-8D0C-E2C7E0EB1B26}" srcOrd="0" destOrd="0" parTransId="{C17B312B-85CE-441F-B05E-F6B2D2877F1D}" sibTransId="{AE26CF7F-2E6F-481D-8522-67075D2016D1}"/>
-    <dgm:cxn modelId="{662068DB-0FBB-41EE-B94D-FC73D917DA57}" type="presOf" srcId="{C1388B86-4867-4FE4-A435-DDB881A1D4FF}" destId="{5E5554BE-4F73-45A3-8F16-AC503B40ED41}" srcOrd="0" destOrd="4" presId="urn:microsoft.com/office/officeart/2018/2/layout/IconVerticalSolidList"/>
     <dgm:cxn modelId="{08033CF7-16CD-469A-B587-278B1B89397F}" srcId="{8AB6F308-FCF1-4AAC-B9AC-37733DCC0DC4}" destId="{CDAA5682-53B8-4162-A759-27FF490D3EA0}" srcOrd="1" destOrd="0" parTransId="{BCA94332-E41E-4C30-993E-959332FB4CA7}" sibTransId="{47D446F3-501E-487E-BE0E-CC536A782E9F}"/>
     <dgm:cxn modelId="{89CCFABB-E49C-440F-861E-01989B74A2D7}" type="presParOf" srcId="{7592645E-90DC-4019-BEAE-7E12D2E570A2}" destId="{D7967FEA-6CD1-444E-9F0B-E62FD70B9F0F}" srcOrd="0" destOrd="0" presId="urn:microsoft.com/office/officeart/2018/2/layout/IconVerticalSolidList"/>
     <dgm:cxn modelId="{0E0F4E8A-B531-4513-A045-340BC56BC165}" type="presParOf" srcId="{D7967FEA-6CD1-444E-9F0B-E62FD70B9F0F}" destId="{B226A255-440C-44E0-A84A-0973E3DB3A8D}" srcOrd="0" destOrd="0" presId="urn:microsoft.com/office/officeart/2018/2/layout/IconVerticalSolidList"/>
@@ -2792,8 +2649,8 @@
       </dsp:nvSpPr>
       <dsp:spPr>
         <a:xfrm>
-          <a:off x="0" y="709959"/>
-          <a:ext cx="10515600" cy="1302853"/>
+          <a:off x="0" y="839925"/>
+          <a:ext cx="6087724" cy="1337417"/>
         </a:xfrm>
         <a:prstGeom prst="roundRect">
           <a:avLst>
@@ -2834,7 +2691,7 @@
       </dsp:nvSpPr>
       <dsp:spPr>
         <a:xfrm>
-          <a:off x="394113" y="1003101"/>
+          <a:off x="150656" y="1131976"/>
           <a:ext cx="716569" cy="716569"/>
         </a:xfrm>
         <a:prstGeom prst="rect">
@@ -2843,14 +2700,12 @@
         <a:blipFill>
           <a:blip xmlns:r="http://schemas.openxmlformats.org/officeDocument/2006/relationships" r:embed="rId1">
             <a:extLst>
-              <a:ext uri="{28A0092B-C50C-407E-A947-70E740481C1C}">
-                <a14:useLocalDpi xmlns:a14="http://schemas.microsoft.com/office/drawing/2010/main" val="0"/>
-              </a:ext>
               <a:ext uri="{96DAC541-7B7A-43D3-8B79-37D633B846F1}">
                 <asvg:svgBlip xmlns:asvg="http://schemas.microsoft.com/office/drawing/2016/SVG/main" r:embed="rId2"/>
               </a:ext>
             </a:extLst>
           </a:blip>
+          <a:srcRect/>
           <a:stretch>
             <a:fillRect/>
           </a:stretch>
@@ -2891,7 +2746,7 @@
       </dsp:nvSpPr>
       <dsp:spPr>
         <a:xfrm>
-          <a:off x="1504795" y="709959"/>
+          <a:off x="1101069" y="829183"/>
           <a:ext cx="4732020" cy="1302853"/>
         </a:xfrm>
         <a:prstGeom prst="rect">
@@ -2921,7 +2776,7 @@
         </a:bodyPr>
         <a:lstStyle/>
         <a:p>
-          <a:pPr marL="0" lvl="0" indent="0" algn="l" defTabSz="666750">
+          <a:pPr marL="0" lvl="0" indent="0" algn="just" defTabSz="622300">
             <a:lnSpc>
               <a:spcPct val="100000"/>
             </a:lnSpc>
@@ -2934,14 +2789,14 @@
             <a:buNone/>
           </a:pPr>
           <a:r>
-            <a:rPr lang="en-US" sz="1500" b="0" i="0" u="none" strike="noStrike" kern="1200" baseline="0" dirty="0"/>
-            <a:t>A Non-Fungible Token (NFT) minting smart contract is a program written in Solidity that allows users to create and mint new NFTs on a blockchain network. Here are the building blocks of an NFT minting smart contract:</a:t>
+            <a:rPr lang="en-US" sz="1400" b="0" i="0" u="none" strike="noStrike" kern="1200" baseline="0" dirty="0"/>
+            <a:t>A Solidity based Non-Fungible Token (NFT) minting and registration contract allows users to register and mint NFTs on a blockchain network. NFT smart contracts can utilize the ERC721 standard. Building blocks of the contract are:</a:t>
           </a:r>
-          <a:endParaRPr lang="en-US" sz="1500" kern="1200" dirty="0"/>
+          <a:endParaRPr lang="en-US" sz="1400" kern="1200" dirty="0"/>
         </a:p>
       </dsp:txBody>
       <dsp:txXfrm>
-        <a:off x="1504795" y="709959"/>
+        <a:off x="1101069" y="829183"/>
         <a:ext cx="4732020" cy="1302853"/>
       </dsp:txXfrm>
     </dsp:sp>
@@ -2952,7 +2807,7 @@
       </dsp:nvSpPr>
       <dsp:spPr>
         <a:xfrm>
-          <a:off x="6236815" y="709959"/>
+          <a:off x="6238277" y="1603377"/>
           <a:ext cx="4277313" cy="1302853"/>
         </a:xfrm>
         <a:prstGeom prst="rect">
@@ -2982,7 +2837,7 @@
         </a:bodyPr>
         <a:lstStyle/>
         <a:p>
-          <a:pPr marL="0" lvl="0" indent="0" algn="l" defTabSz="488950">
+          <a:pPr marL="0" lvl="0" indent="0" algn="just" defTabSz="488950">
             <a:lnSpc>
               <a:spcPct val="100000"/>
             </a:lnSpc>
@@ -2995,13 +2850,20 @@
             <a:buNone/>
           </a:pPr>
           <a:r>
-            <a:rPr lang="en-US" sz="1100" b="0" i="0" kern="1200" baseline="0"/>
-            <a:t>Contract Initialization: The first building block is to define the contract's variables and their initial values. The variables define the parameters of the auction, such as the start and end times, minimum bid increment, and the highest bidder's address.</a:t>
+            <a:rPr lang="en-US" sz="1100" b="1" i="0" kern="1200" baseline="0" dirty="0">
+              <a:solidFill>
+                <a:srgbClr val="FF0000"/>
+              </a:solidFill>
+            </a:rPr>
+            <a:t>Register Artwork: </a:t>
           </a:r>
-          <a:endParaRPr lang="en-US" sz="1100" kern="1200"/>
+          <a:r>
+            <a:rPr lang="en-US" sz="1100" b="0" i="0" kern="1200" baseline="0" dirty="0"/>
+            <a:t>This function defines the contracts variables, which include address of the owner, name of the artwork, name of the artist, initial value and the URI location of the artwork. </a:t>
+          </a:r>
         </a:p>
         <a:p>
-          <a:pPr marL="0" lvl="0" indent="0" algn="l" defTabSz="488950">
+          <a:pPr marL="0" lvl="0" indent="0" algn="just" defTabSz="488950">
             <a:lnSpc>
               <a:spcPct val="100000"/>
             </a:lnSpc>
@@ -3014,13 +2876,29 @@
             <a:buNone/>
           </a:pPr>
           <a:r>
-            <a:rPr lang="en-US" sz="1100" b="0" i="0" kern="1200" baseline="0"/>
-            <a:t>Bid Function: The next building block is the bidding function, which allows participants to place bids on the auction. When a bid is made, the function verifies that the bid amount is greater than the current highest bid and updates the highest bid accordingly. The function also stores the bidder's address and the amount of the bid.</a:t>
+            <a:rPr lang="en-US" sz="1100" b="1" i="0" kern="1200" baseline="0" dirty="0">
+              <a:solidFill>
+                <a:srgbClr val="FF0000"/>
+              </a:solidFill>
+            </a:rPr>
+            <a:t>Minting Tokens: </a:t>
           </a:r>
-          <a:endParaRPr lang="en-US" sz="1100" kern="1200"/>
+          <a:r>
+            <a:rPr lang="en-US" sz="1100" b="0" i="0" kern="1200" baseline="0" dirty="0">
+              <a:solidFill>
+                <a:schemeClr val="tx1"/>
+              </a:solidFill>
+            </a:rPr>
+            <a:t>The NFT smart contract includes functionality for minting unique NFT tokens. The safe Mint function ensures that new tokens can be safely created and transferred. </a:t>
+          </a:r>
+          <a:endParaRPr lang="en-US" sz="1100" b="0" i="0" kern="1200" baseline="0" dirty="0">
+            <a:solidFill>
+              <a:srgbClr val="C00000"/>
+            </a:solidFill>
+          </a:endParaRPr>
         </a:p>
         <a:p>
-          <a:pPr marL="0" lvl="0" indent="0" algn="l" defTabSz="488950">
+          <a:pPr marL="0" lvl="0" indent="0" algn="just" defTabSz="488950">
             <a:lnSpc>
               <a:spcPct val="100000"/>
             </a:lnSpc>
@@ -3033,13 +2911,24 @@
             <a:buNone/>
           </a:pPr>
           <a:r>
-            <a:rPr lang="en-US" sz="1100" b="0" i="0" kern="1200" baseline="0" dirty="0"/>
-            <a:t>End Auction Function: The end auction function is a building block that enables the owner to end the auction after the bidding period has ended. When the function is called, it checks if the bidding period has ended and that the auction is not yet finished. It then transfers the highest bid amount to the auction owner's address and marks the auction as ended.</a:t>
+            <a:rPr lang="en-US" sz="1100" b="1" i="0" kern="1200" baseline="0" dirty="0">
+              <a:solidFill>
+                <a:srgbClr val="FF0000"/>
+              </a:solidFill>
+            </a:rPr>
+            <a:t>Metadata Storage: </a:t>
           </a:r>
-          <a:endParaRPr lang="en-US" sz="1100" kern="1200" dirty="0"/>
+          <a:r>
+            <a:rPr lang="en-US" sz="1100" b="0" i="0" kern="1200" baseline="0" dirty="0">
+              <a:solidFill>
+                <a:schemeClr val="tx1"/>
+              </a:solidFill>
+            </a:rPr>
+            <a:t>The smart contract allows for storage of the metadata of the NFT. </a:t>
+          </a:r>
         </a:p>
         <a:p>
-          <a:pPr marL="0" lvl="0" indent="0" algn="l" defTabSz="488950">
+          <a:pPr marL="0" lvl="0" indent="0" algn="just" defTabSz="488950">
             <a:lnSpc>
               <a:spcPct val="100000"/>
             </a:lnSpc>
@@ -3052,13 +2941,29 @@
             <a:buNone/>
           </a:pPr>
           <a:r>
+            <a:rPr lang="en-US" sz="1100" b="1" i="0" kern="1200" baseline="0" dirty="0">
+              <a:solidFill>
+                <a:srgbClr val="FF0000"/>
+              </a:solidFill>
+            </a:rPr>
+            <a:t>SetApprovalForAll: </a:t>
+          </a:r>
+          <a:r>
             <a:rPr lang="en-US" sz="1100" b="0" i="0" kern="1200" baseline="0" dirty="0"/>
-            <a:t>Refund Function: The refund function is a building block that allows bidders to withdraw their bids if they are not the highest bidder. The function checks the amount of the bid and transfers it back to the bidder's address.</a:t>
+            <a:t>A</a:t>
           </a:r>
-          <a:endParaRPr lang="en-US" sz="1100" kern="1200" dirty="0"/>
+          <a:r>
+            <a:rPr lang="en-US" sz="1100" b="0" i="0" kern="1200" dirty="0"/>
+            <a:t>llows the owner of a NFT to grant approval to another address to manage their NFTs, the approved address can manage NFTs on their behalf. Utilizing this functionality allows the auction contract to transfer the NFT to the new owner if sold or back to the original owner if not sold. </a:t>
+          </a:r>
+          <a:endParaRPr lang="en-US" sz="1100" b="0" i="0" kern="1200" baseline="0" dirty="0">
+            <a:solidFill>
+              <a:schemeClr val="tx1"/>
+            </a:solidFill>
+          </a:endParaRPr>
         </a:p>
         <a:p>
-          <a:pPr marL="0" lvl="0" indent="0" algn="l" defTabSz="488950">
+          <a:pPr marL="0" lvl="0" indent="0" algn="just" defTabSz="488950">
             <a:lnSpc>
               <a:spcPct val="100000"/>
             </a:lnSpc>
@@ -3071,33 +2976,34 @@
             <a:buNone/>
           </a:pPr>
           <a:r>
-            <a:rPr lang="en-US" sz="1100" b="0" i="0" kern="1200" baseline="0"/>
-            <a:t>Time Management: A crucial building block of an auction smart contract is time management. The smart contract must be programmed to track the start and end times of the auction and enforce rules based on those times, such as not allowing bids after the auction has ended.</a:t>
+            <a:rPr lang="en-US" sz="1100" b="1" i="0" kern="1200" baseline="0" dirty="0">
+              <a:solidFill>
+                <a:srgbClr val="FF0000"/>
+              </a:solidFill>
+            </a:rPr>
+            <a:t>Event Emission: </a:t>
           </a:r>
-          <a:endParaRPr lang="en-US" sz="1100" kern="1200"/>
-        </a:p>
-        <a:p>
-          <a:pPr marL="0" lvl="0" indent="0" algn="l" defTabSz="488950">
-            <a:lnSpc>
-              <a:spcPct val="100000"/>
-            </a:lnSpc>
-            <a:spcBef>
-              <a:spcPct val="0"/>
-            </a:spcBef>
-            <a:spcAft>
-              <a:spcPct val="35000"/>
-            </a:spcAft>
-            <a:buNone/>
-          </a:pPr>
           <a:r>
-            <a:rPr lang="en-US" sz="1100" b="0" i="0" kern="1200" baseline="0"/>
-            <a:t>Event Emission: Finally, the building block of event emission enables the contract to emit events when specific actions occur, such as when a new bid is placed or when the auction ends. Events are essential for tracking the auction's progress and enabling users to monitor the auction's state.</a:t>
+            <a:rPr lang="en-US" sz="1100" b="0" i="0" kern="1200" baseline="0" dirty="0">
+              <a:solidFill>
+                <a:schemeClr val="tx1"/>
+              </a:solidFill>
+            </a:rPr>
+            <a:t>E</a:t>
           </a:r>
-          <a:endParaRPr lang="en-US" sz="1100" kern="1200"/>
+          <a:r>
+            <a:rPr lang="en-US" sz="1100" b="0" i="0" kern="1200" baseline="0" dirty="0"/>
+            <a:t>vent emission is used to emit the unique Token ID of the NFT. Token ID </a:t>
+          </a:r>
+          <a:r>
+            <a:rPr lang="en-US" sz="1100" b="0" i="0" kern="1200" dirty="0"/>
+            <a:t>serves as a unique identifier and enables the NFT to be tracked on the blockchain.</a:t>
+          </a:r>
+          <a:endParaRPr lang="en-US" sz="1100" b="0" i="0" kern="1200" baseline="0" dirty="0"/>
         </a:p>
       </dsp:txBody>
       <dsp:txXfrm>
-        <a:off x="6236815" y="709959"/>
+        <a:off x="6238277" y="1603377"/>
         <a:ext cx="4277313" cy="1302853"/>
       </dsp:txXfrm>
     </dsp:sp>
@@ -3108,8 +3014,8 @@
       </dsp:nvSpPr>
       <dsp:spPr>
         <a:xfrm>
-          <a:off x="0" y="2338525"/>
-          <a:ext cx="10515600" cy="1302853"/>
+          <a:off x="0" y="2466094"/>
+          <a:ext cx="6087724" cy="1302853"/>
         </a:xfrm>
         <a:prstGeom prst="roundRect">
           <a:avLst>
@@ -3150,7 +3056,7 @@
       </dsp:nvSpPr>
       <dsp:spPr>
         <a:xfrm>
-          <a:off x="394113" y="2631667"/>
+          <a:off x="197792" y="2771497"/>
           <a:ext cx="716569" cy="716569"/>
         </a:xfrm>
         <a:prstGeom prst="rect">
@@ -3167,6 +3073,7 @@
               </a:ext>
             </a:extLst>
           </a:blip>
+          <a:srcRect/>
           <a:stretch>
             <a:fillRect/>
           </a:stretch>
@@ -3207,8 +3114,8 @@
       </dsp:nvSpPr>
       <dsp:spPr>
         <a:xfrm>
-          <a:off x="1504795" y="2338525"/>
-          <a:ext cx="9009333" cy="1302853"/>
+          <a:off x="1046347" y="2505531"/>
+          <a:ext cx="4846571" cy="1302853"/>
         </a:xfrm>
         <a:prstGeom prst="rect">
           <a:avLst/>
@@ -3237,7 +3144,7 @@
         </a:bodyPr>
         <a:lstStyle/>
         <a:p>
-          <a:pPr marL="0" lvl="0" indent="0" algn="l" defTabSz="666750">
+          <a:pPr marL="0" lvl="0" indent="0" algn="just" defTabSz="622300">
             <a:lnSpc>
               <a:spcPct val="100000"/>
             </a:lnSpc>
@@ -3250,15 +3157,71 @@
             <a:buNone/>
           </a:pPr>
           <a:r>
-            <a:rPr lang="en-US" sz="1500" b="0" i="0" kern="1200" baseline="0"/>
-            <a:t>By utilizing these building blocks, you can create a robust and secure auction smart contract in Solidity that provides a fair and transparent auction process. It's essential to consider edge cases, security issues, and testing to ensure that your smart contract works correctly.</a:t>
+            <a:rPr lang="en-US" sz="1400" b="1" kern="1200" dirty="0"/>
+            <a:t>Artist: </a:t>
           </a:r>
-          <a:endParaRPr lang="en-US" sz="1500" kern="1200"/>
+          <a:r>
+            <a:rPr lang="en-US" sz="1400" b="0" kern="1200" dirty="0"/>
+            <a:t>Registers Artwork and </a:t>
+          </a:r>
+          <a:r>
+            <a:rPr lang="en-US" sz="1400" b="0" kern="1200"/>
+            <a:t>mints unique </a:t>
+          </a:r>
+          <a:r>
+            <a:rPr lang="en-US" sz="1400" b="0" kern="1200" dirty="0"/>
+            <a:t>NFT token</a:t>
+          </a:r>
+        </a:p>
+        <a:p>
+          <a:pPr marL="0" lvl="0" indent="0" algn="just" defTabSz="622300">
+            <a:lnSpc>
+              <a:spcPct val="100000"/>
+            </a:lnSpc>
+            <a:spcBef>
+              <a:spcPct val="0"/>
+            </a:spcBef>
+            <a:spcAft>
+              <a:spcPct val="35000"/>
+            </a:spcAft>
+            <a:buNone/>
+          </a:pPr>
+          <a:r>
+            <a:rPr lang="en-US" sz="1400" b="1" kern="1200" dirty="0"/>
+            <a:t>Auction: </a:t>
+          </a:r>
+          <a:r>
+            <a:rPr lang="en-US" sz="1400" b="0" kern="1200" dirty="0"/>
+            <a:t>Approved to manage artwork transfer and payment</a:t>
+          </a:r>
+          <a:endParaRPr lang="en-US" sz="1400" b="1" kern="1200" dirty="0"/>
+        </a:p>
+        <a:p>
+          <a:pPr marL="0" lvl="0" indent="0" algn="just" defTabSz="622300">
+            <a:lnSpc>
+              <a:spcPct val="100000"/>
+            </a:lnSpc>
+            <a:spcBef>
+              <a:spcPct val="0"/>
+            </a:spcBef>
+            <a:spcAft>
+              <a:spcPct val="35000"/>
+            </a:spcAft>
+            <a:buNone/>
+          </a:pPr>
+          <a:r>
+            <a:rPr lang="en-US" sz="1400" b="1" kern="1200" dirty="0"/>
+            <a:t>Deployment:</a:t>
+          </a:r>
+          <a:r>
+            <a:rPr lang="en-US" sz="1400" kern="1200" dirty="0"/>
+            <a:t> NFT Register Smart contract it deployed via the Auction Deployer Smart Contract</a:t>
+          </a:r>
         </a:p>
       </dsp:txBody>
       <dsp:txXfrm>
-        <a:off x="1504795" y="2338525"/>
-        <a:ext cx="9009333" cy="1302853"/>
+        <a:off x="1046347" y="2505531"/>
+        <a:ext cx="4846571" cy="1302853"/>
       </dsp:txXfrm>
     </dsp:sp>
   </dsp:spTree>
@@ -6669,7 +6632,7 @@
           <a:p>
             <a:fld id="{B634EE48-03CC-4D00-B145-A19103A86E2C}" type="datetimeFigureOut">
               <a:rPr lang="en-US" smtClean="0"/>
-              <a:t>5/11/2023</a:t>
+              <a:t>5/13/2023</a:t>
             </a:fld>
             <a:endParaRPr lang="en-US"/>
           </a:p>
@@ -6867,7 +6830,7 @@
           <a:p>
             <a:fld id="{B634EE48-03CC-4D00-B145-A19103A86E2C}" type="datetimeFigureOut">
               <a:rPr lang="en-US" smtClean="0"/>
-              <a:t>5/11/2023</a:t>
+              <a:t>5/13/2023</a:t>
             </a:fld>
             <a:endParaRPr lang="en-US"/>
           </a:p>
@@ -7075,7 +7038,7 @@
           <a:p>
             <a:fld id="{B634EE48-03CC-4D00-B145-A19103A86E2C}" type="datetimeFigureOut">
               <a:rPr lang="en-US" smtClean="0"/>
-              <a:t>5/11/2023</a:t>
+              <a:t>5/13/2023</a:t>
             </a:fld>
             <a:endParaRPr lang="en-US"/>
           </a:p>
@@ -7273,7 +7236,7 @@
           <a:p>
             <a:fld id="{63D456BD-52B8-4176-8486-7C75A30CFD68}" type="datetimeFigureOut">
               <a:rPr lang="en-US" smtClean="0"/>
-              <a:t>5/11/2023</a:t>
+              <a:t>5/13/2023</a:t>
             </a:fld>
             <a:endParaRPr lang="en-US"/>
           </a:p>
@@ -7471,7 +7434,7 @@
           <a:p>
             <a:fld id="{B634EE48-03CC-4D00-B145-A19103A86E2C}" type="datetimeFigureOut">
               <a:rPr lang="en-US" smtClean="0"/>
-              <a:t>5/11/2023</a:t>
+              <a:t>5/13/2023</a:t>
             </a:fld>
             <a:endParaRPr lang="en-US"/>
           </a:p>
@@ -7746,7 +7709,7 @@
           <a:p>
             <a:fld id="{B634EE48-03CC-4D00-B145-A19103A86E2C}" type="datetimeFigureOut">
               <a:rPr lang="en-US" smtClean="0"/>
-              <a:t>5/11/2023</a:t>
+              <a:t>5/13/2023</a:t>
             </a:fld>
             <a:endParaRPr lang="en-US"/>
           </a:p>
@@ -8011,7 +7974,7 @@
           <a:p>
             <a:fld id="{B634EE48-03CC-4D00-B145-A19103A86E2C}" type="datetimeFigureOut">
               <a:rPr lang="en-US" smtClean="0"/>
-              <a:t>5/11/2023</a:t>
+              <a:t>5/13/2023</a:t>
             </a:fld>
             <a:endParaRPr lang="en-US"/>
           </a:p>
@@ -8423,7 +8386,7 @@
           <a:p>
             <a:fld id="{B634EE48-03CC-4D00-B145-A19103A86E2C}" type="datetimeFigureOut">
               <a:rPr lang="en-US" smtClean="0"/>
-              <a:t>5/11/2023</a:t>
+              <a:t>5/13/2023</a:t>
             </a:fld>
             <a:endParaRPr lang="en-US"/>
           </a:p>
@@ -8564,7 +8527,7 @@
           <a:p>
             <a:fld id="{B634EE48-03CC-4D00-B145-A19103A86E2C}" type="datetimeFigureOut">
               <a:rPr lang="en-US" smtClean="0"/>
-              <a:t>5/11/2023</a:t>
+              <a:t>5/13/2023</a:t>
             </a:fld>
             <a:endParaRPr lang="en-US"/>
           </a:p>
@@ -8677,7 +8640,7 @@
           <a:p>
             <a:fld id="{B634EE48-03CC-4D00-B145-A19103A86E2C}" type="datetimeFigureOut">
               <a:rPr lang="en-US" smtClean="0"/>
-              <a:t>5/11/2023</a:t>
+              <a:t>5/13/2023</a:t>
             </a:fld>
             <a:endParaRPr lang="en-US"/>
           </a:p>
@@ -8988,7 +8951,7 @@
           <a:p>
             <a:fld id="{B634EE48-03CC-4D00-B145-A19103A86E2C}" type="datetimeFigureOut">
               <a:rPr lang="en-US" smtClean="0"/>
-              <a:t>5/11/2023</a:t>
+              <a:t>5/13/2023</a:t>
             </a:fld>
             <a:endParaRPr lang="en-US"/>
           </a:p>
@@ -9276,7 +9239,7 @@
           <a:p>
             <a:fld id="{B634EE48-03CC-4D00-B145-A19103A86E2C}" type="datetimeFigureOut">
               <a:rPr lang="en-US" smtClean="0"/>
-              <a:t>5/11/2023</a:t>
+              <a:t>5/13/2023</a:t>
             </a:fld>
             <a:endParaRPr lang="en-US"/>
           </a:p>
@@ -9517,7 +9480,7 @@
           <a:p>
             <a:fld id="{B634EE48-03CC-4D00-B145-A19103A86E2C}" type="datetimeFigureOut">
               <a:rPr lang="en-US" smtClean="0"/>
-              <a:t>5/11/2023</a:t>
+              <a:t>5/13/2023</a:t>
             </a:fld>
             <a:endParaRPr lang="en-US"/>
           </a:p>
@@ -10293,7 +10256,12 @@
             <p:ph type="title"/>
           </p:nvPr>
         </p:nvSpPr>
-        <p:spPr/>
+        <p:spPr>
+          <a:xfrm>
+            <a:off x="838200" y="195443"/>
+            <a:ext cx="10515600" cy="1325563"/>
+          </a:xfrm>
+        </p:spPr>
         <p:txBody>
           <a:bodyPr/>
           <a:lstStyle/>
@@ -10332,7 +10300,7 @@
           <p:nvPr>
             <p:extLst>
               <p:ext uri="{D42A27DB-BD31-4B8C-83A1-F6EECF244321}">
-                <p14:modId xmlns:p14="http://schemas.microsoft.com/office/powerpoint/2010/main" val="2344001179"/>
+                <p14:modId xmlns:p14="http://schemas.microsoft.com/office/powerpoint/2010/main" val="2711834432"/>
               </p:ext>
             </p:extLst>
           </p:nvPr>

--- a/Digital Art Solutions.pptx
+++ b/Digital Art Solutions.pptx
@@ -8,6 +8,7 @@
     <p:sldId id="257" r:id="rId2"/>
     <p:sldId id="260" r:id="rId3"/>
     <p:sldId id="259" r:id="rId4"/>
+    <p:sldId id="261" r:id="rId5"/>
   </p:sldIdLst>
   <p:sldSz cx="12192000" cy="6858000"/>
   <p:notesSz cx="6858000" cy="9144000"/>
@@ -114,6 +115,66 @@
 </p:presentation>
 </file>
 
+<file path=ppt/revisionInfo.xml><?xml version="1.0" encoding="utf-8"?>
+<p1510:revInfo xmlns:a="http://schemas.openxmlformats.org/drawingml/2006/main" xmlns:r="http://schemas.openxmlformats.org/officeDocument/2006/relationships" xmlns:p1510="http://schemas.microsoft.com/office/powerpoint/2015/10/main">
+  <p1510:revLst>
+    <p1510:client id="{2AD4B4F2-9A8D-4F93-BE81-9B174DA180E8}" v="1337" dt="2023-05-14T00:48:30.702"/>
+  </p1510:revLst>
+</p1510:revInfo>
+</file>
+
+<file path=ppt/changesInfos/changesInfo1.xml><?xml version="1.0" encoding="utf-8"?>
+<pc:chgInfo xmlns:a="http://schemas.openxmlformats.org/drawingml/2006/main" xmlns:r="http://schemas.openxmlformats.org/officeDocument/2006/relationships" xmlns:ac="http://schemas.microsoft.com/office/drawing/2013/main/command" xmlns:pc="http://schemas.microsoft.com/office/powerpoint/2013/main/command">
+  <pc:docChgLst>
+    <pc:chgData name="b d" userId="d8a693ecc95ea58f" providerId="LiveId" clId="{2AD4B4F2-9A8D-4F93-BE81-9B174DA180E8}"/>
+    <pc:docChg chg="addSld modSld">
+      <pc:chgData name="b d" userId="d8a693ecc95ea58f" providerId="LiveId" clId="{2AD4B4F2-9A8D-4F93-BE81-9B174DA180E8}" dt="2023-05-14T00:48:30.702" v="1347" actId="20577"/>
+      <pc:docMkLst>
+        <pc:docMk/>
+      </pc:docMkLst>
+      <pc:sldChg chg="modSp">
+        <pc:chgData name="b d" userId="d8a693ecc95ea58f" providerId="LiveId" clId="{2AD4B4F2-9A8D-4F93-BE81-9B174DA180E8}" dt="2023-05-14T00:23:18.960" v="90" actId="20577"/>
+        <pc:sldMkLst>
+          <pc:docMk/>
+          <pc:sldMk cId="1528351146" sldId="260"/>
+        </pc:sldMkLst>
+        <pc:graphicFrameChg chg="mod">
+          <ac:chgData name="b d" userId="d8a693ecc95ea58f" providerId="LiveId" clId="{2AD4B4F2-9A8D-4F93-BE81-9B174DA180E8}" dt="2023-05-14T00:23:18.960" v="90" actId="20577"/>
+          <ac:graphicFrameMkLst>
+            <pc:docMk/>
+            <pc:sldMk cId="1528351146" sldId="260"/>
+            <ac:graphicFrameMk id="5" creationId="{E9DAC7D0-FC74-B73D-A277-378F7AA168A0}"/>
+          </ac:graphicFrameMkLst>
+        </pc:graphicFrameChg>
+      </pc:sldChg>
+      <pc:sldChg chg="modSp add mod">
+        <pc:chgData name="b d" userId="d8a693ecc95ea58f" providerId="LiveId" clId="{2AD4B4F2-9A8D-4F93-BE81-9B174DA180E8}" dt="2023-05-14T00:48:30.702" v="1347" actId="20577"/>
+        <pc:sldMkLst>
+          <pc:docMk/>
+          <pc:sldMk cId="1679028479" sldId="261"/>
+        </pc:sldMkLst>
+        <pc:spChg chg="mod">
+          <ac:chgData name="b d" userId="d8a693ecc95ea58f" providerId="LiveId" clId="{2AD4B4F2-9A8D-4F93-BE81-9B174DA180E8}" dt="2023-05-14T00:28:54.829" v="111" actId="20577"/>
+          <ac:spMkLst>
+            <pc:docMk/>
+            <pc:sldMk cId="1679028479" sldId="261"/>
+            <ac:spMk id="2" creationId="{C2B3D22C-836B-C84B-4B28-672653A87BE8}"/>
+          </ac:spMkLst>
+        </pc:spChg>
+        <pc:graphicFrameChg chg="mod">
+          <ac:chgData name="b d" userId="d8a693ecc95ea58f" providerId="LiveId" clId="{2AD4B4F2-9A8D-4F93-BE81-9B174DA180E8}" dt="2023-05-14T00:48:30.702" v="1347" actId="20577"/>
+          <ac:graphicFrameMkLst>
+            <pc:docMk/>
+            <pc:sldMk cId="1679028479" sldId="261"/>
+            <ac:graphicFrameMk id="5" creationId="{E9DAC7D0-FC74-B73D-A277-378F7AA168A0}"/>
+          </ac:graphicFrameMkLst>
+        </pc:graphicFrameChg>
+      </pc:sldChg>
+    </pc:docChg>
+  </pc:docChgLst>
+</pc:chgInfo>
+</file>
+
 <file path=ppt/diagrams/colors1.xml><?xml version="1.0" encoding="utf-8"?>
 <dgm:colorsDef xmlns:dgm="http://schemas.openxmlformats.org/drawingml/2006/diagram" xmlns:a="http://schemas.openxmlformats.org/drawingml/2006/main" uniqueId="urn:microsoft.com/office/officeart/2005/8/colors/accent1_2">
   <dgm:title val=""/>
@@ -862,6 +923,753 @@
 </file>
 
 <file path=ppt/diagrams/colors2.xml><?xml version="1.0" encoding="utf-8"?>
+<dgm:colorsDef xmlns:dgm="http://schemas.openxmlformats.org/drawingml/2006/diagram" xmlns:a="http://schemas.openxmlformats.org/drawingml/2006/main" uniqueId="urn:microsoft.com/office/officeart/2005/8/colors/accent1_2">
+  <dgm:title val=""/>
+  <dgm:desc val=""/>
+  <dgm:catLst>
+    <dgm:cat type="accent1" pri="11200"/>
+  </dgm:catLst>
+  <dgm:styleLbl name="node0">
+    <dgm:fillClrLst meth="repeat">
+      <a:schemeClr val="accent1"/>
+    </dgm:fillClrLst>
+    <dgm:linClrLst meth="repeat">
+      <a:schemeClr val="lt1"/>
+    </dgm:linClrLst>
+    <dgm:effectClrLst/>
+    <dgm:txLinClrLst/>
+    <dgm:txFillClrLst/>
+    <dgm:txEffectClrLst/>
+  </dgm:styleLbl>
+  <dgm:styleLbl name="alignNode1">
+    <dgm:fillClrLst meth="repeat">
+      <a:schemeClr val="accent1"/>
+    </dgm:fillClrLst>
+    <dgm:linClrLst meth="repeat">
+      <a:schemeClr val="accent1"/>
+    </dgm:linClrLst>
+    <dgm:effectClrLst/>
+    <dgm:txLinClrLst/>
+    <dgm:txFillClrLst/>
+    <dgm:txEffectClrLst/>
+  </dgm:styleLbl>
+  <dgm:styleLbl name="node1">
+    <dgm:fillClrLst meth="repeat">
+      <a:schemeClr val="accent1"/>
+    </dgm:fillClrLst>
+    <dgm:linClrLst meth="repeat">
+      <a:schemeClr val="lt1"/>
+    </dgm:linClrLst>
+    <dgm:effectClrLst/>
+    <dgm:txLinClrLst/>
+    <dgm:txFillClrLst/>
+    <dgm:txEffectClrLst/>
+  </dgm:styleLbl>
+  <dgm:styleLbl name="lnNode1">
+    <dgm:fillClrLst meth="repeat">
+      <a:schemeClr val="accent1"/>
+    </dgm:fillClrLst>
+    <dgm:linClrLst meth="repeat">
+      <a:schemeClr val="lt1"/>
+    </dgm:linClrLst>
+    <dgm:effectClrLst/>
+    <dgm:txLinClrLst/>
+    <dgm:txFillClrLst/>
+    <dgm:txEffectClrLst/>
+  </dgm:styleLbl>
+  <dgm:styleLbl name="vennNode1">
+    <dgm:fillClrLst meth="repeat">
+      <a:schemeClr val="accent1">
+        <a:alpha val="50000"/>
+      </a:schemeClr>
+    </dgm:fillClrLst>
+    <dgm:linClrLst meth="repeat">
+      <a:schemeClr val="lt1"/>
+    </dgm:linClrLst>
+    <dgm:effectClrLst/>
+    <dgm:txLinClrLst/>
+    <dgm:txFillClrLst/>
+    <dgm:txEffectClrLst/>
+  </dgm:styleLbl>
+  <dgm:styleLbl name="node2">
+    <dgm:fillClrLst meth="repeat">
+      <a:schemeClr val="accent1"/>
+    </dgm:fillClrLst>
+    <dgm:linClrLst meth="repeat">
+      <a:schemeClr val="lt1"/>
+    </dgm:linClrLst>
+    <dgm:effectClrLst/>
+    <dgm:txLinClrLst/>
+    <dgm:txFillClrLst/>
+    <dgm:txEffectClrLst/>
+  </dgm:styleLbl>
+  <dgm:styleLbl name="node3">
+    <dgm:fillClrLst meth="repeat">
+      <a:schemeClr val="accent1"/>
+    </dgm:fillClrLst>
+    <dgm:linClrLst meth="repeat">
+      <a:schemeClr val="lt1"/>
+    </dgm:linClrLst>
+    <dgm:effectClrLst/>
+    <dgm:txLinClrLst/>
+    <dgm:txFillClrLst/>
+    <dgm:txEffectClrLst/>
+  </dgm:styleLbl>
+  <dgm:styleLbl name="node4">
+    <dgm:fillClrLst meth="repeat">
+      <a:schemeClr val="accent1"/>
+    </dgm:fillClrLst>
+    <dgm:linClrLst meth="repeat">
+      <a:schemeClr val="lt1"/>
+    </dgm:linClrLst>
+    <dgm:effectClrLst/>
+    <dgm:txLinClrLst/>
+    <dgm:txFillClrLst/>
+    <dgm:txEffectClrLst/>
+  </dgm:styleLbl>
+  <dgm:styleLbl name="fgImgPlace1">
+    <dgm:fillClrLst meth="repeat">
+      <a:schemeClr val="accent1">
+        <a:tint val="50000"/>
+      </a:schemeClr>
+    </dgm:fillClrLst>
+    <dgm:linClrLst meth="repeat">
+      <a:schemeClr val="lt1"/>
+    </dgm:linClrLst>
+    <dgm:effectClrLst/>
+    <dgm:txLinClrLst/>
+    <dgm:txFillClrLst meth="repeat">
+      <a:schemeClr val="lt1"/>
+    </dgm:txFillClrLst>
+    <dgm:txEffectClrLst/>
+  </dgm:styleLbl>
+  <dgm:styleLbl name="alignImgPlace1">
+    <dgm:fillClrLst meth="repeat">
+      <a:schemeClr val="accent1">
+        <a:tint val="50000"/>
+      </a:schemeClr>
+    </dgm:fillClrLst>
+    <dgm:linClrLst meth="repeat">
+      <a:schemeClr val="lt1"/>
+    </dgm:linClrLst>
+    <dgm:effectClrLst/>
+    <dgm:txLinClrLst/>
+    <dgm:txFillClrLst meth="repeat">
+      <a:schemeClr val="lt1"/>
+    </dgm:txFillClrLst>
+    <dgm:txEffectClrLst/>
+  </dgm:styleLbl>
+  <dgm:styleLbl name="bgImgPlace1">
+    <dgm:fillClrLst meth="repeat">
+      <a:schemeClr val="accent1">
+        <a:tint val="50000"/>
+      </a:schemeClr>
+    </dgm:fillClrLst>
+    <dgm:linClrLst meth="repeat">
+      <a:schemeClr val="lt1"/>
+    </dgm:linClrLst>
+    <dgm:effectClrLst/>
+    <dgm:txLinClrLst/>
+    <dgm:txFillClrLst meth="repeat">
+      <a:schemeClr val="lt1"/>
+    </dgm:txFillClrLst>
+    <dgm:txEffectClrLst/>
+  </dgm:styleLbl>
+  <dgm:styleLbl name="sibTrans2D1">
+    <dgm:fillClrLst meth="repeat">
+      <a:schemeClr val="accent1">
+        <a:tint val="60000"/>
+      </a:schemeClr>
+    </dgm:fillClrLst>
+    <dgm:linClrLst meth="repeat">
+      <a:schemeClr val="accent1">
+        <a:tint val="60000"/>
+      </a:schemeClr>
+    </dgm:linClrLst>
+    <dgm:effectClrLst/>
+    <dgm:txLinClrLst/>
+    <dgm:txFillClrLst/>
+    <dgm:txEffectClrLst/>
+  </dgm:styleLbl>
+  <dgm:styleLbl name="fgSibTrans2D1">
+    <dgm:fillClrLst meth="repeat">
+      <a:schemeClr val="accent1">
+        <a:tint val="60000"/>
+      </a:schemeClr>
+    </dgm:fillClrLst>
+    <dgm:linClrLst meth="repeat">
+      <a:schemeClr val="accent1">
+        <a:tint val="60000"/>
+      </a:schemeClr>
+    </dgm:linClrLst>
+    <dgm:effectClrLst/>
+    <dgm:txLinClrLst/>
+    <dgm:txFillClrLst/>
+    <dgm:txEffectClrLst/>
+  </dgm:styleLbl>
+  <dgm:styleLbl name="bgSibTrans2D1">
+    <dgm:fillClrLst meth="repeat">
+      <a:schemeClr val="accent1">
+        <a:tint val="60000"/>
+      </a:schemeClr>
+    </dgm:fillClrLst>
+    <dgm:linClrLst meth="repeat">
+      <a:schemeClr val="accent1">
+        <a:tint val="60000"/>
+      </a:schemeClr>
+    </dgm:linClrLst>
+    <dgm:effectClrLst/>
+    <dgm:txLinClrLst/>
+    <dgm:txFillClrLst/>
+    <dgm:txEffectClrLst/>
+  </dgm:styleLbl>
+  <dgm:styleLbl name="sibTrans1D1">
+    <dgm:fillClrLst meth="repeat">
+      <a:schemeClr val="accent1"/>
+    </dgm:fillClrLst>
+    <dgm:linClrLst meth="repeat">
+      <a:schemeClr val="accent1"/>
+    </dgm:linClrLst>
+    <dgm:effectClrLst/>
+    <dgm:txLinClrLst/>
+    <dgm:txFillClrLst meth="repeat">
+      <a:schemeClr val="tx1"/>
+    </dgm:txFillClrLst>
+    <dgm:txEffectClrLst/>
+  </dgm:styleLbl>
+  <dgm:styleLbl name="callout">
+    <dgm:fillClrLst meth="repeat">
+      <a:schemeClr val="accent1"/>
+    </dgm:fillClrLst>
+    <dgm:linClrLst meth="repeat">
+      <a:schemeClr val="accent1">
+        <a:tint val="50000"/>
+      </a:schemeClr>
+    </dgm:linClrLst>
+    <dgm:effectClrLst/>
+    <dgm:txLinClrLst/>
+    <dgm:txFillClrLst meth="repeat">
+      <a:schemeClr val="tx1"/>
+    </dgm:txFillClrLst>
+    <dgm:txEffectClrLst/>
+  </dgm:styleLbl>
+  <dgm:styleLbl name="asst0">
+    <dgm:fillClrLst meth="repeat">
+      <a:schemeClr val="accent1"/>
+    </dgm:fillClrLst>
+    <dgm:linClrLst meth="repeat">
+      <a:schemeClr val="lt1"/>
+    </dgm:linClrLst>
+    <dgm:effectClrLst/>
+    <dgm:txLinClrLst/>
+    <dgm:txFillClrLst/>
+    <dgm:txEffectClrLst/>
+  </dgm:styleLbl>
+  <dgm:styleLbl name="asst1">
+    <dgm:fillClrLst meth="repeat">
+      <a:schemeClr val="accent1"/>
+    </dgm:fillClrLst>
+    <dgm:linClrLst meth="repeat">
+      <a:schemeClr val="lt1"/>
+    </dgm:linClrLst>
+    <dgm:effectClrLst/>
+    <dgm:txLinClrLst/>
+    <dgm:txFillClrLst/>
+    <dgm:txEffectClrLst/>
+  </dgm:styleLbl>
+  <dgm:styleLbl name="asst2">
+    <dgm:fillClrLst meth="repeat">
+      <a:schemeClr val="accent1"/>
+    </dgm:fillClrLst>
+    <dgm:linClrLst meth="repeat">
+      <a:schemeClr val="lt1"/>
+    </dgm:linClrLst>
+    <dgm:effectClrLst/>
+    <dgm:txLinClrLst/>
+    <dgm:txFillClrLst/>
+    <dgm:txEffectClrLst/>
+  </dgm:styleLbl>
+  <dgm:styleLbl name="asst3">
+    <dgm:fillClrLst meth="repeat">
+      <a:schemeClr val="accent1"/>
+    </dgm:fillClrLst>
+    <dgm:linClrLst meth="repeat">
+      <a:schemeClr val="lt1"/>
+    </dgm:linClrLst>
+    <dgm:effectClrLst/>
+    <dgm:txLinClrLst/>
+    <dgm:txFillClrLst/>
+    <dgm:txEffectClrLst/>
+  </dgm:styleLbl>
+  <dgm:styleLbl name="asst4">
+    <dgm:fillClrLst meth="repeat">
+      <a:schemeClr val="accent1"/>
+    </dgm:fillClrLst>
+    <dgm:linClrLst meth="repeat">
+      <a:schemeClr val="lt1"/>
+    </dgm:linClrLst>
+    <dgm:effectClrLst/>
+    <dgm:txLinClrLst/>
+    <dgm:txFillClrLst/>
+    <dgm:txEffectClrLst/>
+  </dgm:styleLbl>
+  <dgm:styleLbl name="parChTrans2D1">
+    <dgm:fillClrLst meth="repeat">
+      <a:schemeClr val="accent1">
+        <a:tint val="60000"/>
+      </a:schemeClr>
+    </dgm:fillClrLst>
+    <dgm:linClrLst meth="repeat">
+      <a:schemeClr val="accent1">
+        <a:tint val="60000"/>
+      </a:schemeClr>
+    </dgm:linClrLst>
+    <dgm:effectClrLst/>
+    <dgm:txLinClrLst/>
+    <dgm:txFillClrLst meth="repeat">
+      <a:schemeClr val="lt1"/>
+    </dgm:txFillClrLst>
+    <dgm:txEffectClrLst/>
+  </dgm:styleLbl>
+  <dgm:styleLbl name="parChTrans2D2">
+    <dgm:fillClrLst meth="repeat">
+      <a:schemeClr val="accent1"/>
+    </dgm:fillClrLst>
+    <dgm:linClrLst meth="repeat">
+      <a:schemeClr val="accent1"/>
+    </dgm:linClrLst>
+    <dgm:effectClrLst/>
+    <dgm:txLinClrLst/>
+    <dgm:txFillClrLst meth="repeat">
+      <a:schemeClr val="lt1"/>
+    </dgm:txFillClrLst>
+    <dgm:txEffectClrLst/>
+  </dgm:styleLbl>
+  <dgm:styleLbl name="parChTrans2D3">
+    <dgm:fillClrLst meth="repeat">
+      <a:schemeClr val="accent1"/>
+    </dgm:fillClrLst>
+    <dgm:linClrLst meth="repeat">
+      <a:schemeClr val="accent1"/>
+    </dgm:linClrLst>
+    <dgm:effectClrLst/>
+    <dgm:txLinClrLst/>
+    <dgm:txFillClrLst meth="repeat">
+      <a:schemeClr val="lt1"/>
+    </dgm:txFillClrLst>
+    <dgm:txEffectClrLst/>
+  </dgm:styleLbl>
+  <dgm:styleLbl name="parChTrans2D4">
+    <dgm:fillClrLst meth="repeat">
+      <a:schemeClr val="accent1"/>
+    </dgm:fillClrLst>
+    <dgm:linClrLst meth="repeat">
+      <a:schemeClr val="accent1"/>
+    </dgm:linClrLst>
+    <dgm:effectClrLst/>
+    <dgm:txLinClrLst/>
+    <dgm:txFillClrLst meth="repeat">
+      <a:schemeClr val="lt1"/>
+    </dgm:txFillClrLst>
+    <dgm:txEffectClrLst/>
+  </dgm:styleLbl>
+  <dgm:styleLbl name="parChTrans1D1">
+    <dgm:fillClrLst meth="repeat">
+      <a:schemeClr val="accent1"/>
+    </dgm:fillClrLst>
+    <dgm:linClrLst meth="repeat">
+      <a:schemeClr val="accent1">
+        <a:shade val="60000"/>
+      </a:schemeClr>
+    </dgm:linClrLst>
+    <dgm:effectClrLst/>
+    <dgm:txLinClrLst/>
+    <dgm:txFillClrLst meth="repeat">
+      <a:schemeClr val="tx1"/>
+    </dgm:txFillClrLst>
+    <dgm:txEffectClrLst/>
+  </dgm:styleLbl>
+  <dgm:styleLbl name="parChTrans1D2">
+    <dgm:fillClrLst meth="repeat">
+      <a:schemeClr val="accent1"/>
+    </dgm:fillClrLst>
+    <dgm:linClrLst meth="repeat">
+      <a:schemeClr val="accent1">
+        <a:shade val="60000"/>
+      </a:schemeClr>
+    </dgm:linClrLst>
+    <dgm:effectClrLst/>
+    <dgm:txLinClrLst/>
+    <dgm:txFillClrLst meth="repeat">
+      <a:schemeClr val="tx1"/>
+    </dgm:txFillClrLst>
+    <dgm:txEffectClrLst/>
+  </dgm:styleLbl>
+  <dgm:styleLbl name="parChTrans1D3">
+    <dgm:fillClrLst meth="repeat">
+      <a:schemeClr val="accent1"/>
+    </dgm:fillClrLst>
+    <dgm:linClrLst meth="repeat">
+      <a:schemeClr val="accent1">
+        <a:shade val="80000"/>
+      </a:schemeClr>
+    </dgm:linClrLst>
+    <dgm:effectClrLst/>
+    <dgm:txLinClrLst/>
+    <dgm:txFillClrLst meth="repeat">
+      <a:schemeClr val="tx1"/>
+    </dgm:txFillClrLst>
+    <dgm:txEffectClrLst/>
+  </dgm:styleLbl>
+  <dgm:styleLbl name="parChTrans1D4">
+    <dgm:fillClrLst meth="repeat">
+      <a:schemeClr val="accent1"/>
+    </dgm:fillClrLst>
+    <dgm:linClrLst meth="repeat">
+      <a:schemeClr val="accent1">
+        <a:shade val="80000"/>
+      </a:schemeClr>
+    </dgm:linClrLst>
+    <dgm:effectClrLst/>
+    <dgm:txLinClrLst/>
+    <dgm:txFillClrLst meth="repeat">
+      <a:schemeClr val="tx1"/>
+    </dgm:txFillClrLst>
+    <dgm:txEffectClrLst/>
+  </dgm:styleLbl>
+  <dgm:styleLbl name="fgAcc1">
+    <dgm:fillClrLst meth="repeat">
+      <a:schemeClr val="lt1">
+        <a:alpha val="90000"/>
+      </a:schemeClr>
+    </dgm:fillClrLst>
+    <dgm:linClrLst meth="repeat">
+      <a:schemeClr val="accent1"/>
+    </dgm:linClrLst>
+    <dgm:effectClrLst/>
+    <dgm:txLinClrLst/>
+    <dgm:txFillClrLst meth="repeat">
+      <a:schemeClr val="dk1"/>
+    </dgm:txFillClrLst>
+    <dgm:txEffectClrLst/>
+  </dgm:styleLbl>
+  <dgm:styleLbl name="conFgAcc1">
+    <dgm:fillClrLst meth="repeat">
+      <a:schemeClr val="lt1">
+        <a:alpha val="90000"/>
+      </a:schemeClr>
+    </dgm:fillClrLst>
+    <dgm:linClrLst meth="repeat">
+      <a:schemeClr val="accent1"/>
+    </dgm:linClrLst>
+    <dgm:effectClrLst/>
+    <dgm:txLinClrLst/>
+    <dgm:txFillClrLst meth="repeat">
+      <a:schemeClr val="dk1"/>
+    </dgm:txFillClrLst>
+    <dgm:txEffectClrLst/>
+  </dgm:styleLbl>
+  <dgm:styleLbl name="alignAcc1">
+    <dgm:fillClrLst meth="repeat">
+      <a:schemeClr val="lt1">
+        <a:alpha val="90000"/>
+      </a:schemeClr>
+    </dgm:fillClrLst>
+    <dgm:linClrLst meth="repeat">
+      <a:schemeClr val="accent1"/>
+    </dgm:linClrLst>
+    <dgm:effectClrLst/>
+    <dgm:txLinClrLst/>
+    <dgm:txFillClrLst meth="repeat">
+      <a:schemeClr val="dk1"/>
+    </dgm:txFillClrLst>
+    <dgm:txEffectClrLst/>
+  </dgm:styleLbl>
+  <dgm:styleLbl name="trAlignAcc1">
+    <dgm:fillClrLst meth="repeat">
+      <a:schemeClr val="lt1">
+        <a:alpha val="40000"/>
+      </a:schemeClr>
+    </dgm:fillClrLst>
+    <dgm:linClrLst meth="repeat">
+      <a:schemeClr val="accent1"/>
+    </dgm:linClrLst>
+    <dgm:effectClrLst/>
+    <dgm:txLinClrLst/>
+    <dgm:txFillClrLst meth="repeat">
+      <a:schemeClr val="dk1"/>
+    </dgm:txFillClrLst>
+    <dgm:txEffectClrLst/>
+  </dgm:styleLbl>
+  <dgm:styleLbl name="bgAcc1">
+    <dgm:fillClrLst meth="repeat">
+      <a:schemeClr val="lt1">
+        <a:alpha val="90000"/>
+      </a:schemeClr>
+    </dgm:fillClrLst>
+    <dgm:linClrLst meth="repeat">
+      <a:schemeClr val="accent1"/>
+    </dgm:linClrLst>
+    <dgm:effectClrLst/>
+    <dgm:txLinClrLst/>
+    <dgm:txFillClrLst meth="repeat">
+      <a:schemeClr val="dk1"/>
+    </dgm:txFillClrLst>
+    <dgm:txEffectClrLst/>
+  </dgm:styleLbl>
+  <dgm:styleLbl name="solidFgAcc1">
+    <dgm:fillClrLst meth="repeat">
+      <a:schemeClr val="lt1"/>
+    </dgm:fillClrLst>
+    <dgm:linClrLst meth="repeat">
+      <a:schemeClr val="accent1"/>
+    </dgm:linClrLst>
+    <dgm:effectClrLst/>
+    <dgm:txLinClrLst/>
+    <dgm:txFillClrLst meth="repeat">
+      <a:schemeClr val="dk1"/>
+    </dgm:txFillClrLst>
+    <dgm:txEffectClrLst/>
+  </dgm:styleLbl>
+  <dgm:styleLbl name="solidAlignAcc1">
+    <dgm:fillClrLst meth="repeat">
+      <a:schemeClr val="lt1"/>
+    </dgm:fillClrLst>
+    <dgm:linClrLst meth="repeat">
+      <a:schemeClr val="accent1"/>
+    </dgm:linClrLst>
+    <dgm:effectClrLst/>
+    <dgm:txLinClrLst/>
+    <dgm:txFillClrLst meth="repeat">
+      <a:schemeClr val="dk1"/>
+    </dgm:txFillClrLst>
+    <dgm:txEffectClrLst/>
+  </dgm:styleLbl>
+  <dgm:styleLbl name="solidBgAcc1">
+    <dgm:fillClrLst meth="repeat">
+      <a:schemeClr val="lt1"/>
+    </dgm:fillClrLst>
+    <dgm:linClrLst meth="repeat">
+      <a:schemeClr val="accent1"/>
+    </dgm:linClrLst>
+    <dgm:effectClrLst/>
+    <dgm:txLinClrLst/>
+    <dgm:txFillClrLst meth="repeat">
+      <a:schemeClr val="dk1"/>
+    </dgm:txFillClrLst>
+    <dgm:txEffectClrLst/>
+  </dgm:styleLbl>
+  <dgm:styleLbl name="fgAccFollowNode1">
+    <dgm:fillClrLst meth="repeat">
+      <a:schemeClr val="accent1">
+        <a:alpha val="90000"/>
+        <a:tint val="40000"/>
+      </a:schemeClr>
+    </dgm:fillClrLst>
+    <dgm:linClrLst meth="repeat">
+      <a:schemeClr val="accent1">
+        <a:alpha val="90000"/>
+        <a:tint val="40000"/>
+      </a:schemeClr>
+    </dgm:linClrLst>
+    <dgm:effectClrLst/>
+    <dgm:txLinClrLst/>
+    <dgm:txFillClrLst meth="repeat">
+      <a:schemeClr val="dk1"/>
+    </dgm:txFillClrLst>
+    <dgm:txEffectClrLst/>
+  </dgm:styleLbl>
+  <dgm:styleLbl name="alignAccFollowNode1">
+    <dgm:fillClrLst meth="repeat">
+      <a:schemeClr val="accent1">
+        <a:alpha val="90000"/>
+        <a:tint val="40000"/>
+      </a:schemeClr>
+    </dgm:fillClrLst>
+    <dgm:linClrLst meth="repeat">
+      <a:schemeClr val="accent1">
+        <a:alpha val="90000"/>
+        <a:tint val="40000"/>
+      </a:schemeClr>
+    </dgm:linClrLst>
+    <dgm:effectClrLst/>
+    <dgm:txLinClrLst/>
+    <dgm:txFillClrLst meth="repeat">
+      <a:schemeClr val="dk1"/>
+    </dgm:txFillClrLst>
+    <dgm:txEffectClrLst/>
+  </dgm:styleLbl>
+  <dgm:styleLbl name="bgAccFollowNode1">
+    <dgm:fillClrLst meth="repeat">
+      <a:schemeClr val="accent1">
+        <a:alpha val="90000"/>
+        <a:tint val="40000"/>
+      </a:schemeClr>
+    </dgm:fillClrLst>
+    <dgm:linClrLst meth="repeat">
+      <a:schemeClr val="accent1">
+        <a:alpha val="90000"/>
+        <a:tint val="40000"/>
+      </a:schemeClr>
+    </dgm:linClrLst>
+    <dgm:effectClrLst/>
+    <dgm:txLinClrLst/>
+    <dgm:txFillClrLst meth="repeat">
+      <a:schemeClr val="dk1"/>
+    </dgm:txFillClrLst>
+    <dgm:txEffectClrLst/>
+  </dgm:styleLbl>
+  <dgm:styleLbl name="fgAcc0">
+    <dgm:fillClrLst meth="repeat">
+      <a:schemeClr val="lt1">
+        <a:alpha val="90000"/>
+      </a:schemeClr>
+    </dgm:fillClrLst>
+    <dgm:linClrLst meth="repeat">
+      <a:schemeClr val="accent1"/>
+    </dgm:linClrLst>
+    <dgm:effectClrLst/>
+    <dgm:txLinClrLst/>
+    <dgm:txFillClrLst meth="repeat">
+      <a:schemeClr val="dk1"/>
+    </dgm:txFillClrLst>
+    <dgm:txEffectClrLst/>
+  </dgm:styleLbl>
+  <dgm:styleLbl name="fgAcc2">
+    <dgm:fillClrLst meth="repeat">
+      <a:schemeClr val="lt1">
+        <a:alpha val="90000"/>
+      </a:schemeClr>
+    </dgm:fillClrLst>
+    <dgm:linClrLst meth="repeat">
+      <a:schemeClr val="accent1"/>
+    </dgm:linClrLst>
+    <dgm:effectClrLst/>
+    <dgm:txLinClrLst/>
+    <dgm:txFillClrLst meth="repeat">
+      <a:schemeClr val="dk1"/>
+    </dgm:txFillClrLst>
+    <dgm:txEffectClrLst/>
+  </dgm:styleLbl>
+  <dgm:styleLbl name="fgAcc3">
+    <dgm:fillClrLst meth="repeat">
+      <a:schemeClr val="lt1">
+        <a:alpha val="90000"/>
+      </a:schemeClr>
+    </dgm:fillClrLst>
+    <dgm:linClrLst meth="repeat">
+      <a:schemeClr val="accent1"/>
+    </dgm:linClrLst>
+    <dgm:effectClrLst/>
+    <dgm:txLinClrLst/>
+    <dgm:txFillClrLst meth="repeat">
+      <a:schemeClr val="dk1"/>
+    </dgm:txFillClrLst>
+    <dgm:txEffectClrLst/>
+  </dgm:styleLbl>
+  <dgm:styleLbl name="fgAcc4">
+    <dgm:fillClrLst meth="repeat">
+      <a:schemeClr val="lt1">
+        <a:alpha val="90000"/>
+      </a:schemeClr>
+    </dgm:fillClrLst>
+    <dgm:linClrLst meth="repeat">
+      <a:schemeClr val="accent1"/>
+    </dgm:linClrLst>
+    <dgm:effectClrLst/>
+    <dgm:txLinClrLst/>
+    <dgm:txFillClrLst meth="repeat">
+      <a:schemeClr val="dk1"/>
+    </dgm:txFillClrLst>
+    <dgm:txEffectClrLst/>
+  </dgm:styleLbl>
+  <dgm:styleLbl name="bgShp">
+    <dgm:fillClrLst meth="repeat">
+      <a:schemeClr val="accent1">
+        <a:tint val="40000"/>
+      </a:schemeClr>
+    </dgm:fillClrLst>
+    <dgm:linClrLst meth="repeat">
+      <a:schemeClr val="accent1"/>
+    </dgm:linClrLst>
+    <dgm:effectClrLst/>
+    <dgm:txLinClrLst/>
+    <dgm:txFillClrLst meth="repeat">
+      <a:schemeClr val="dk1"/>
+    </dgm:txFillClrLst>
+    <dgm:txEffectClrLst/>
+  </dgm:styleLbl>
+  <dgm:styleLbl name="dkBgShp">
+    <dgm:fillClrLst meth="repeat">
+      <a:schemeClr val="accent1">
+        <a:shade val="80000"/>
+      </a:schemeClr>
+    </dgm:fillClrLst>
+    <dgm:linClrLst meth="repeat">
+      <a:schemeClr val="accent1"/>
+    </dgm:linClrLst>
+    <dgm:effectClrLst/>
+    <dgm:txLinClrLst/>
+    <dgm:txFillClrLst meth="repeat">
+      <a:schemeClr val="lt1"/>
+    </dgm:txFillClrLst>
+    <dgm:txEffectClrLst/>
+  </dgm:styleLbl>
+  <dgm:styleLbl name="trBgShp">
+    <dgm:fillClrLst meth="repeat">
+      <a:schemeClr val="accent1">
+        <a:tint val="50000"/>
+        <a:alpha val="40000"/>
+      </a:schemeClr>
+    </dgm:fillClrLst>
+    <dgm:linClrLst meth="repeat">
+      <a:schemeClr val="accent1"/>
+    </dgm:linClrLst>
+    <dgm:effectClrLst/>
+    <dgm:txLinClrLst/>
+    <dgm:txFillClrLst meth="repeat">
+      <a:schemeClr val="lt1"/>
+    </dgm:txFillClrLst>
+    <dgm:txEffectClrLst/>
+  </dgm:styleLbl>
+  <dgm:styleLbl name="fgShp">
+    <dgm:fillClrLst meth="repeat">
+      <a:schemeClr val="accent1">
+        <a:tint val="60000"/>
+      </a:schemeClr>
+    </dgm:fillClrLst>
+    <dgm:linClrLst meth="repeat">
+      <a:schemeClr val="lt1"/>
+    </dgm:linClrLst>
+    <dgm:effectClrLst/>
+    <dgm:txLinClrLst/>
+    <dgm:txFillClrLst meth="repeat">
+      <a:schemeClr val="dk1"/>
+    </dgm:txFillClrLst>
+    <dgm:txEffectClrLst/>
+  </dgm:styleLbl>
+  <dgm:styleLbl name="revTx">
+    <dgm:fillClrLst meth="repeat">
+      <a:schemeClr val="lt1">
+        <a:alpha val="0"/>
+      </a:schemeClr>
+    </dgm:fillClrLst>
+    <dgm:linClrLst meth="repeat">
+      <a:schemeClr val="dk1">
+        <a:alpha val="0"/>
+      </a:schemeClr>
+    </dgm:linClrLst>
+    <dgm:effectClrLst/>
+    <dgm:txLinClrLst/>
+    <dgm:txFillClrLst meth="repeat">
+      <a:schemeClr val="tx1"/>
+    </dgm:txFillClrLst>
+    <dgm:txEffectClrLst/>
+  </dgm:styleLbl>
+</dgm:colorsDef>
+</file>
+
+<file path=ppt/diagrams/colors3.xml><?xml version="1.0" encoding="utf-8"?>
 <dgm:colorsDef xmlns:dgm="http://schemas.openxmlformats.org/drawingml/2006/diagram" xmlns:a="http://schemas.openxmlformats.org/drawingml/2006/main" uniqueId="urn:microsoft.com/office/officeart/2005/8/colors/accent1_2">
   <dgm:title val=""/>
   <dgm:desc val=""/>
@@ -1796,7 +2604,7 @@
           </a:r>
           <a:r>
             <a:rPr lang="en-US" b="0" i="0" dirty="0"/>
-            <a:t>serves as a unique identifier and enables the NFT to be tracked on the blockchain.</a:t>
+            <a:t>serves as a unique identifier and enables the NFT to be tracked on the blockchain. Token Id is later used as one of the arguments to the Auction contract start function.</a:t>
           </a:r>
           <a:endParaRPr lang="en-US" b="0" i="0" baseline="0" dirty="0"/>
         </a:p>
@@ -2634,6 +3442,434 @@
 </dgm:dataModel>
 </file>
 
+<file path=ppt/diagrams/data3.xml><?xml version="1.0" encoding="utf-8"?>
+<dgm:dataModel xmlns:dgm="http://schemas.openxmlformats.org/drawingml/2006/diagram" xmlns:a="http://schemas.openxmlformats.org/drawingml/2006/main">
+  <dgm:ptLst>
+    <dgm:pt modelId="{8AB6F308-FCF1-4AAC-B9AC-37733DCC0DC4}" type="doc">
+      <dgm:prSet loTypeId="urn:microsoft.com/office/officeart/2018/2/layout/IconVerticalSolidList" loCatId="icon" qsTypeId="urn:microsoft.com/office/officeart/2005/8/quickstyle/simple1" qsCatId="simple" csTypeId="urn:microsoft.com/office/officeart/2005/8/colors/accent1_2" csCatId="accent1" phldr="1"/>
+      <dgm:spPr/>
+      <dgm:t>
+        <a:bodyPr/>
+        <a:lstStyle/>
+        <a:p>
+          <a:endParaRPr lang="en-US"/>
+        </a:p>
+      </dgm:t>
+    </dgm:pt>
+    <dgm:pt modelId="{83C20B4A-93A6-4570-8D0C-E2C7E0EB1B26}">
+      <dgm:prSet/>
+      <dgm:spPr/>
+      <dgm:t>
+        <a:bodyPr/>
+        <a:lstStyle/>
+        <a:p>
+          <a:pPr>
+            <a:lnSpc>
+              <a:spcPct val="100000"/>
+            </a:lnSpc>
+          </a:pPr>
+          <a:r>
+            <a:rPr lang="en-US" b="0" i="0" baseline="0" dirty="0"/>
+            <a:t>Web3.py is a library utilized by Digital Art Solutions application to connect to Ethereum nodes with Python. Web3.py is a software development kit (SDK) used to talk to the API originated from an Ethereum node.</a:t>
+          </a:r>
+          <a:endParaRPr lang="en-US" dirty="0"/>
+        </a:p>
+      </dgm:t>
+    </dgm:pt>
+    <dgm:pt modelId="{C17B312B-85CE-441F-B05E-F6B2D2877F1D}" type="parTrans" cxnId="{882D1ECA-DEBB-44D9-9837-B7296F4AE817}">
+      <dgm:prSet/>
+      <dgm:spPr/>
+      <dgm:t>
+        <a:bodyPr/>
+        <a:lstStyle/>
+        <a:p>
+          <a:endParaRPr lang="en-US"/>
+        </a:p>
+      </dgm:t>
+    </dgm:pt>
+    <dgm:pt modelId="{AE26CF7F-2E6F-481D-8522-67075D2016D1}" type="sibTrans" cxnId="{882D1ECA-DEBB-44D9-9837-B7296F4AE817}">
+      <dgm:prSet/>
+      <dgm:spPr/>
+      <dgm:t>
+        <a:bodyPr/>
+        <a:lstStyle/>
+        <a:p>
+          <a:endParaRPr lang="en-US"/>
+        </a:p>
+      </dgm:t>
+    </dgm:pt>
+    <dgm:pt modelId="{7D8EC1AB-87DF-4E29-AC64-036E16C7032F}">
+      <dgm:prSet/>
+      <dgm:spPr/>
+      <dgm:t>
+        <a:bodyPr/>
+        <a:lstStyle/>
+        <a:p>
+          <a:pPr>
+            <a:lnSpc>
+              <a:spcPct val="100000"/>
+            </a:lnSpc>
+          </a:pPr>
+          <a:r>
+            <a:rPr lang="en-US" b="1" i="0" baseline="0" dirty="0">
+              <a:solidFill>
+                <a:schemeClr val="accent2">
+                  <a:lumMod val="75000"/>
+                </a:schemeClr>
+              </a:solidFill>
+            </a:rPr>
+            <a:t>Connect to Smart Contracts:</a:t>
+          </a:r>
+          <a:r>
+            <a:rPr lang="en-US" b="0" i="0" baseline="0" dirty="0"/>
+            <a:t> Web3.py is used to load the smart contracts to the application and assign them to the contract variables.</a:t>
+          </a:r>
+          <a:endParaRPr lang="en-US" dirty="0"/>
+        </a:p>
+      </dgm:t>
+    </dgm:pt>
+    <dgm:pt modelId="{E4403918-C1FA-4DB3-9996-C60B4B7DBD59}" type="parTrans" cxnId="{2CF9913A-A6CD-475A-A4FE-D9A2654803FF}">
+      <dgm:prSet/>
+      <dgm:spPr/>
+      <dgm:t>
+        <a:bodyPr/>
+        <a:lstStyle/>
+        <a:p>
+          <a:endParaRPr lang="en-US"/>
+        </a:p>
+      </dgm:t>
+    </dgm:pt>
+    <dgm:pt modelId="{7C02EC4E-4B38-46DC-B460-84D71BA91883}" type="sibTrans" cxnId="{2CF9913A-A6CD-475A-A4FE-D9A2654803FF}">
+      <dgm:prSet/>
+      <dgm:spPr/>
+      <dgm:t>
+        <a:bodyPr/>
+        <a:lstStyle/>
+        <a:p>
+          <a:endParaRPr lang="en-US"/>
+        </a:p>
+      </dgm:t>
+    </dgm:pt>
+    <dgm:pt modelId="{8CE50C95-A02A-4987-8705-F773D9F03183}">
+      <dgm:prSet/>
+      <dgm:spPr/>
+      <dgm:t>
+        <a:bodyPr/>
+        <a:lstStyle/>
+        <a:p>
+          <a:pPr>
+            <a:lnSpc>
+              <a:spcPct val="100000"/>
+            </a:lnSpc>
+          </a:pPr>
+          <a:r>
+            <a:rPr lang="en-US" b="1" i="0" baseline="0" dirty="0">
+              <a:solidFill>
+                <a:schemeClr val="accent2">
+                  <a:lumMod val="75000"/>
+                </a:schemeClr>
+              </a:solidFill>
+            </a:rPr>
+            <a:t>Contract Variables: </a:t>
+          </a:r>
+          <a:r>
+            <a:rPr lang="en-US" b="0" i="0" baseline="0" dirty="0">
+              <a:solidFill>
+                <a:schemeClr val="tx1"/>
+              </a:solidFill>
+            </a:rPr>
+            <a:t>They are used to directly communicate with Ethereum blockchain via the respective smart contracts.</a:t>
+          </a:r>
+          <a:r>
+            <a:rPr lang="en-US" b="0" i="0" baseline="0" dirty="0"/>
+            <a:t> </a:t>
+          </a:r>
+        </a:p>
+        <a:p>
+          <a:pPr>
+            <a:lnSpc>
+              <a:spcPct val="100000"/>
+            </a:lnSpc>
+          </a:pPr>
+          <a:r>
+            <a:rPr lang="en-US" b="1" i="0" baseline="0" dirty="0">
+              <a:solidFill>
+                <a:schemeClr val="accent2">
+                  <a:lumMod val="75000"/>
+                </a:schemeClr>
+              </a:solidFill>
+            </a:rPr>
+            <a:t>Streamlit set-up:</a:t>
+          </a:r>
+          <a:r>
+            <a:rPr lang="en-US" b="0" i="0" baseline="0" dirty="0"/>
+            <a:t> Multi-page set-up is implemented with three  pages being created: </a:t>
+          </a:r>
+        </a:p>
+        <a:p>
+          <a:pPr>
+            <a:lnSpc>
+              <a:spcPct val="100000"/>
+            </a:lnSpc>
+          </a:pPr>
+          <a:r>
+            <a:rPr lang="en-US" b="0" i="0" baseline="0" dirty="0"/>
+            <a:t>1) Home page explains the content of the other pages and the rules of the Auction; </a:t>
+          </a:r>
+        </a:p>
+        <a:p>
+          <a:pPr>
+            <a:lnSpc>
+              <a:spcPct val="100000"/>
+            </a:lnSpc>
+          </a:pPr>
+          <a:r>
+            <a:rPr lang="en-US" b="0" i="0" baseline="0" dirty="0"/>
+            <a:t>2) Minting and Registration page allows an Artist to mint and register his/her digital artwork and auction it right away; </a:t>
+          </a:r>
+        </a:p>
+        <a:p>
+          <a:pPr>
+            <a:lnSpc>
+              <a:spcPct val="100000"/>
+            </a:lnSpc>
+          </a:pPr>
+          <a:r>
+            <a:rPr lang="en-US" b="0" i="0" baseline="0" dirty="0"/>
+            <a:t>3) Auction page displays the auction item, auction run-time and has a bidder portal, where bids can be placed and withdrawn. </a:t>
+          </a:r>
+          <a:endParaRPr lang="en-US" dirty="0"/>
+        </a:p>
+      </dgm:t>
+    </dgm:pt>
+    <dgm:pt modelId="{50E9B4BD-1918-4EF1-A311-C6F682DC0A5D}" type="parTrans" cxnId="{F44F14B5-DE74-40CA-AC6D-D772162BCAC3}">
+      <dgm:prSet/>
+      <dgm:spPr/>
+      <dgm:t>
+        <a:bodyPr/>
+        <a:lstStyle/>
+        <a:p>
+          <a:endParaRPr lang="en-US"/>
+        </a:p>
+      </dgm:t>
+    </dgm:pt>
+    <dgm:pt modelId="{03137D31-A743-4E26-BCD0-B470A9FFEEBD}" type="sibTrans" cxnId="{F44F14B5-DE74-40CA-AC6D-D772162BCAC3}">
+      <dgm:prSet/>
+      <dgm:spPr/>
+      <dgm:t>
+        <a:bodyPr/>
+        <a:lstStyle/>
+        <a:p>
+          <a:endParaRPr lang="en-US"/>
+        </a:p>
+      </dgm:t>
+    </dgm:pt>
+    <dgm:pt modelId="{CDAA5682-53B8-4162-A759-27FF490D3EA0}">
+      <dgm:prSet/>
+      <dgm:spPr/>
+      <dgm:t>
+        <a:bodyPr/>
+        <a:lstStyle/>
+        <a:p>
+          <a:pPr>
+            <a:lnSpc>
+              <a:spcPct val="100000"/>
+            </a:lnSpc>
+          </a:pPr>
+          <a:r>
+            <a:rPr lang="en-US" b="1" i="0" baseline="0" dirty="0"/>
+            <a:t>Back-end software to connect to the Smart Contracts</a:t>
+          </a:r>
+          <a:r>
+            <a:rPr lang="en-US" b="0" i="0" baseline="0" dirty="0"/>
+            <a:t>: Python</a:t>
+          </a:r>
+        </a:p>
+        <a:p>
+          <a:pPr>
+            <a:lnSpc>
+              <a:spcPct val="100000"/>
+            </a:lnSpc>
+          </a:pPr>
+          <a:r>
+            <a:rPr lang="en-US" b="1" i="0" baseline="0" dirty="0"/>
+            <a:t>Front-end software</a:t>
+          </a:r>
+          <a:r>
+            <a:rPr lang="en-US" b="0" i="0" baseline="0" dirty="0"/>
+            <a:t>: Streamlit</a:t>
+          </a:r>
+          <a:endParaRPr lang="en-US" dirty="0"/>
+        </a:p>
+      </dgm:t>
+    </dgm:pt>
+    <dgm:pt modelId="{BCA94332-E41E-4C30-993E-959332FB4CA7}" type="parTrans" cxnId="{08033CF7-16CD-469A-B587-278B1B89397F}">
+      <dgm:prSet/>
+      <dgm:spPr/>
+      <dgm:t>
+        <a:bodyPr/>
+        <a:lstStyle/>
+        <a:p>
+          <a:endParaRPr lang="en-US"/>
+        </a:p>
+      </dgm:t>
+    </dgm:pt>
+    <dgm:pt modelId="{47D446F3-501E-487E-BE0E-CC536A782E9F}" type="sibTrans" cxnId="{08033CF7-16CD-469A-B587-278B1B89397F}">
+      <dgm:prSet/>
+      <dgm:spPr/>
+      <dgm:t>
+        <a:bodyPr/>
+        <a:lstStyle/>
+        <a:p>
+          <a:endParaRPr lang="en-US"/>
+        </a:p>
+      </dgm:t>
+    </dgm:pt>
+    <dgm:pt modelId="{7592645E-90DC-4019-BEAE-7E12D2E570A2}" type="pres">
+      <dgm:prSet presAssocID="{8AB6F308-FCF1-4AAC-B9AC-37733DCC0DC4}" presName="root" presStyleCnt="0">
+        <dgm:presLayoutVars>
+          <dgm:dir/>
+          <dgm:resizeHandles val="exact"/>
+        </dgm:presLayoutVars>
+      </dgm:prSet>
+      <dgm:spPr/>
+    </dgm:pt>
+    <dgm:pt modelId="{D7967FEA-6CD1-444E-9F0B-E62FD70B9F0F}" type="pres">
+      <dgm:prSet presAssocID="{83C20B4A-93A6-4570-8D0C-E2C7E0EB1B26}" presName="compNode" presStyleCnt="0"/>
+      <dgm:spPr/>
+    </dgm:pt>
+    <dgm:pt modelId="{B226A255-440C-44E0-A84A-0973E3DB3A8D}" type="pres">
+      <dgm:prSet presAssocID="{83C20B4A-93A6-4570-8D0C-E2C7E0EB1B26}" presName="bgRect" presStyleLbl="bgShp" presStyleIdx="0" presStyleCnt="2"/>
+      <dgm:spPr/>
+    </dgm:pt>
+    <dgm:pt modelId="{CBDB0C8D-A1B6-4452-B342-783558DD9492}" type="pres">
+      <dgm:prSet presAssocID="{83C20B4A-93A6-4570-8D0C-E2C7E0EB1B26}" presName="iconRect" presStyleLbl="node1" presStyleIdx="0" presStyleCnt="2"/>
+      <dgm:spPr>
+        <a:blipFill>
+          <a:blip xmlns:r="http://schemas.openxmlformats.org/officeDocument/2006/relationships" r:embed="rId1">
+            <a:extLst>
+              <a:ext uri="{28A0092B-C50C-407E-A947-70E740481C1C}">
+                <a14:useLocalDpi xmlns:a14="http://schemas.microsoft.com/office/drawing/2010/main" val="0"/>
+              </a:ext>
+              <a:ext uri="{96DAC541-7B7A-43D3-8B79-37D633B846F1}">
+                <asvg:svgBlip xmlns:asvg="http://schemas.microsoft.com/office/drawing/2016/SVG/main" r:embed="rId2"/>
+              </a:ext>
+            </a:extLst>
+          </a:blip>
+          <a:stretch>
+            <a:fillRect/>
+          </a:stretch>
+        </a:blipFill>
+      </dgm:spPr>
+      <dgm:extLst>
+        <a:ext uri="{E40237B7-FDA0-4F09-8148-C483321AD2D9}">
+          <dgm14:cNvPr xmlns:dgm14="http://schemas.microsoft.com/office/drawing/2010/diagram" id="0" name="" descr="Gavel"/>
+        </a:ext>
+      </dgm:extLst>
+    </dgm:pt>
+    <dgm:pt modelId="{20479F87-12D9-40B5-849A-B8EEA2550022}" type="pres">
+      <dgm:prSet presAssocID="{83C20B4A-93A6-4570-8D0C-E2C7E0EB1B26}" presName="spaceRect" presStyleCnt="0"/>
+      <dgm:spPr/>
+    </dgm:pt>
+    <dgm:pt modelId="{EA26FE2B-44A2-4198-A0D1-7CCD1FF23C26}" type="pres">
+      <dgm:prSet presAssocID="{83C20B4A-93A6-4570-8D0C-E2C7E0EB1B26}" presName="parTx" presStyleLbl="revTx" presStyleIdx="0" presStyleCnt="3">
+        <dgm:presLayoutVars>
+          <dgm:chMax val="0"/>
+          <dgm:chPref val="0"/>
+        </dgm:presLayoutVars>
+      </dgm:prSet>
+      <dgm:spPr/>
+    </dgm:pt>
+    <dgm:pt modelId="{5E5554BE-4F73-45A3-8F16-AC503B40ED41}" type="pres">
+      <dgm:prSet presAssocID="{83C20B4A-93A6-4570-8D0C-E2C7E0EB1B26}" presName="desTx" presStyleLbl="revTx" presStyleIdx="1" presStyleCnt="3">
+        <dgm:presLayoutVars/>
+      </dgm:prSet>
+      <dgm:spPr/>
+    </dgm:pt>
+    <dgm:pt modelId="{C3540B8A-6D75-45C9-963D-E53D4E1305BB}" type="pres">
+      <dgm:prSet presAssocID="{AE26CF7F-2E6F-481D-8522-67075D2016D1}" presName="sibTrans" presStyleCnt="0"/>
+      <dgm:spPr/>
+    </dgm:pt>
+    <dgm:pt modelId="{22D93C91-547F-466C-9822-C6074B2AB149}" type="pres">
+      <dgm:prSet presAssocID="{CDAA5682-53B8-4162-A759-27FF490D3EA0}" presName="compNode" presStyleCnt="0"/>
+      <dgm:spPr/>
+    </dgm:pt>
+    <dgm:pt modelId="{21334611-4C75-4183-8585-5A0FDF696521}" type="pres">
+      <dgm:prSet presAssocID="{CDAA5682-53B8-4162-A759-27FF490D3EA0}" presName="bgRect" presStyleLbl="bgShp" presStyleIdx="1" presStyleCnt="2" custScaleX="68609" custScaleY="102476" custLinFactNeighborX="-10023" custLinFactNeighborY="-2144"/>
+      <dgm:spPr/>
+    </dgm:pt>
+    <dgm:pt modelId="{CAEE0621-7AF4-442B-8893-A7CE7B7C9FB3}" type="pres">
+      <dgm:prSet presAssocID="{CDAA5682-53B8-4162-A759-27FF490D3EA0}" presName="iconRect" presStyleLbl="node1" presStyleIdx="1" presStyleCnt="2" custLinFactNeighborX="56767" custLinFactNeighborY="-1734"/>
+      <dgm:spPr>
+        <a:blipFill>
+          <a:blip xmlns:r="http://schemas.openxmlformats.org/officeDocument/2006/relationships" r:embed="rId3">
+            <a:extLst>
+              <a:ext uri="{28A0092B-C50C-407E-A947-70E740481C1C}">
+                <a14:useLocalDpi xmlns:a14="http://schemas.microsoft.com/office/drawing/2010/main" val="0"/>
+              </a:ext>
+              <a:ext uri="{96DAC541-7B7A-43D3-8B79-37D633B846F1}">
+                <asvg:svgBlip xmlns:asvg="http://schemas.microsoft.com/office/drawing/2016/SVG/main" r:embed="rId4"/>
+              </a:ext>
+            </a:extLst>
+          </a:blip>
+          <a:stretch>
+            <a:fillRect/>
+          </a:stretch>
+        </a:blipFill>
+      </dgm:spPr>
+      <dgm:extLst>
+        <a:ext uri="{E40237B7-FDA0-4F09-8148-C483321AD2D9}">
+          <dgm14:cNvPr xmlns:dgm14="http://schemas.microsoft.com/office/drawing/2010/diagram" id="0" name="" descr="Handshake"/>
+        </a:ext>
+      </dgm:extLst>
+    </dgm:pt>
+    <dgm:pt modelId="{DFE44B0A-D03C-4B3C-B0F9-4222EE9C981B}" type="pres">
+      <dgm:prSet presAssocID="{CDAA5682-53B8-4162-A759-27FF490D3EA0}" presName="spaceRect" presStyleCnt="0"/>
+      <dgm:spPr/>
+    </dgm:pt>
+    <dgm:pt modelId="{BB688467-C19F-409F-AEF9-39453290C283}" type="pres">
+      <dgm:prSet presAssocID="{CDAA5682-53B8-4162-A759-27FF490D3EA0}" presName="parTx" presStyleLbl="revTx" presStyleIdx="2" presStyleCnt="3" custScaleX="43481" custLinFactNeighborX="-26582" custLinFactNeighborY="1429">
+        <dgm:presLayoutVars>
+          <dgm:chMax val="0"/>
+          <dgm:chPref val="0"/>
+        </dgm:presLayoutVars>
+      </dgm:prSet>
+      <dgm:spPr/>
+    </dgm:pt>
+  </dgm:ptLst>
+  <dgm:cxnLst>
+    <dgm:cxn modelId="{095CC612-1201-4C1C-937E-60313520AED0}" type="presOf" srcId="{CDAA5682-53B8-4162-A759-27FF490D3EA0}" destId="{BB688467-C19F-409F-AEF9-39453290C283}" srcOrd="0" destOrd="0" presId="urn:microsoft.com/office/officeart/2018/2/layout/IconVerticalSolidList"/>
+    <dgm:cxn modelId="{2B0C0029-3F64-4CFA-97CA-B160A484DFBB}" type="presOf" srcId="{8AB6F308-FCF1-4AAC-B9AC-37733DCC0DC4}" destId="{7592645E-90DC-4019-BEAE-7E12D2E570A2}" srcOrd="0" destOrd="0" presId="urn:microsoft.com/office/officeart/2018/2/layout/IconVerticalSolidList"/>
+    <dgm:cxn modelId="{B704AF31-9C4A-42DE-8368-251D7A50DDAE}" type="presOf" srcId="{83C20B4A-93A6-4570-8D0C-E2C7E0EB1B26}" destId="{EA26FE2B-44A2-4198-A0D1-7CCD1FF23C26}" srcOrd="0" destOrd="0" presId="urn:microsoft.com/office/officeart/2018/2/layout/IconVerticalSolidList"/>
+    <dgm:cxn modelId="{2CF9913A-A6CD-475A-A4FE-D9A2654803FF}" srcId="{83C20B4A-93A6-4570-8D0C-E2C7E0EB1B26}" destId="{7D8EC1AB-87DF-4E29-AC64-036E16C7032F}" srcOrd="0" destOrd="0" parTransId="{E4403918-C1FA-4DB3-9996-C60B4B7DBD59}" sibTransId="{7C02EC4E-4B38-46DC-B460-84D71BA91883}"/>
+    <dgm:cxn modelId="{0A836867-292E-484E-BB94-B055D60392BD}" type="presOf" srcId="{8CE50C95-A02A-4987-8705-F773D9F03183}" destId="{5E5554BE-4F73-45A3-8F16-AC503B40ED41}" srcOrd="0" destOrd="1" presId="urn:microsoft.com/office/officeart/2018/2/layout/IconVerticalSolidList"/>
+    <dgm:cxn modelId="{F44F14B5-DE74-40CA-AC6D-D772162BCAC3}" srcId="{83C20B4A-93A6-4570-8D0C-E2C7E0EB1B26}" destId="{8CE50C95-A02A-4987-8705-F773D9F03183}" srcOrd="1" destOrd="0" parTransId="{50E9B4BD-1918-4EF1-A311-C6F682DC0A5D}" sibTransId="{03137D31-A743-4E26-BCD0-B470A9FFEEBD}"/>
+    <dgm:cxn modelId="{6F58EDB7-3A8D-4ED1-AC75-8DDEF40889AC}" type="presOf" srcId="{7D8EC1AB-87DF-4E29-AC64-036E16C7032F}" destId="{5E5554BE-4F73-45A3-8F16-AC503B40ED41}" srcOrd="0" destOrd="0" presId="urn:microsoft.com/office/officeart/2018/2/layout/IconVerticalSolidList"/>
+    <dgm:cxn modelId="{882D1ECA-DEBB-44D9-9837-B7296F4AE817}" srcId="{8AB6F308-FCF1-4AAC-B9AC-37733DCC0DC4}" destId="{83C20B4A-93A6-4570-8D0C-E2C7E0EB1B26}" srcOrd="0" destOrd="0" parTransId="{C17B312B-85CE-441F-B05E-F6B2D2877F1D}" sibTransId="{AE26CF7F-2E6F-481D-8522-67075D2016D1}"/>
+    <dgm:cxn modelId="{08033CF7-16CD-469A-B587-278B1B89397F}" srcId="{8AB6F308-FCF1-4AAC-B9AC-37733DCC0DC4}" destId="{CDAA5682-53B8-4162-A759-27FF490D3EA0}" srcOrd="1" destOrd="0" parTransId="{BCA94332-E41E-4C30-993E-959332FB4CA7}" sibTransId="{47D446F3-501E-487E-BE0E-CC536A782E9F}"/>
+    <dgm:cxn modelId="{89CCFABB-E49C-440F-861E-01989B74A2D7}" type="presParOf" srcId="{7592645E-90DC-4019-BEAE-7E12D2E570A2}" destId="{D7967FEA-6CD1-444E-9F0B-E62FD70B9F0F}" srcOrd="0" destOrd="0" presId="urn:microsoft.com/office/officeart/2018/2/layout/IconVerticalSolidList"/>
+    <dgm:cxn modelId="{0E0F4E8A-B531-4513-A045-340BC56BC165}" type="presParOf" srcId="{D7967FEA-6CD1-444E-9F0B-E62FD70B9F0F}" destId="{B226A255-440C-44E0-A84A-0973E3DB3A8D}" srcOrd="0" destOrd="0" presId="urn:microsoft.com/office/officeart/2018/2/layout/IconVerticalSolidList"/>
+    <dgm:cxn modelId="{9B4B7E8F-7B60-477F-99B6-4880F997B3D6}" type="presParOf" srcId="{D7967FEA-6CD1-444E-9F0B-E62FD70B9F0F}" destId="{CBDB0C8D-A1B6-4452-B342-783558DD9492}" srcOrd="1" destOrd="0" presId="urn:microsoft.com/office/officeart/2018/2/layout/IconVerticalSolidList"/>
+    <dgm:cxn modelId="{4D10F875-E7F2-48C7-85DC-D4427F20F9BF}" type="presParOf" srcId="{D7967FEA-6CD1-444E-9F0B-E62FD70B9F0F}" destId="{20479F87-12D9-40B5-849A-B8EEA2550022}" srcOrd="2" destOrd="0" presId="urn:microsoft.com/office/officeart/2018/2/layout/IconVerticalSolidList"/>
+    <dgm:cxn modelId="{0F83A3EC-1B15-41C0-A7D5-06DE204D3542}" type="presParOf" srcId="{D7967FEA-6CD1-444E-9F0B-E62FD70B9F0F}" destId="{EA26FE2B-44A2-4198-A0D1-7CCD1FF23C26}" srcOrd="3" destOrd="0" presId="urn:microsoft.com/office/officeart/2018/2/layout/IconVerticalSolidList"/>
+    <dgm:cxn modelId="{CED0650C-43E6-42AA-B7F8-09AFDF591528}" type="presParOf" srcId="{D7967FEA-6CD1-444E-9F0B-E62FD70B9F0F}" destId="{5E5554BE-4F73-45A3-8F16-AC503B40ED41}" srcOrd="4" destOrd="0" presId="urn:microsoft.com/office/officeart/2018/2/layout/IconVerticalSolidList"/>
+    <dgm:cxn modelId="{BBD9AF79-8BF6-4DAB-8A79-C0FD155E5FC4}" type="presParOf" srcId="{7592645E-90DC-4019-BEAE-7E12D2E570A2}" destId="{C3540B8A-6D75-45C9-963D-E53D4E1305BB}" srcOrd="1" destOrd="0" presId="urn:microsoft.com/office/officeart/2018/2/layout/IconVerticalSolidList"/>
+    <dgm:cxn modelId="{9997C04F-633C-4E4B-A4ED-D4A0BFC1B130}" type="presParOf" srcId="{7592645E-90DC-4019-BEAE-7E12D2E570A2}" destId="{22D93C91-547F-466C-9822-C6074B2AB149}" srcOrd="2" destOrd="0" presId="urn:microsoft.com/office/officeart/2018/2/layout/IconVerticalSolidList"/>
+    <dgm:cxn modelId="{5062FFA1-19FB-4461-8B98-9FFC45667A2E}" type="presParOf" srcId="{22D93C91-547F-466C-9822-C6074B2AB149}" destId="{21334611-4C75-4183-8585-5A0FDF696521}" srcOrd="0" destOrd="0" presId="urn:microsoft.com/office/officeart/2018/2/layout/IconVerticalSolidList"/>
+    <dgm:cxn modelId="{EFFCB5E3-8CF5-4EA3-9B0F-37340050A502}" type="presParOf" srcId="{22D93C91-547F-466C-9822-C6074B2AB149}" destId="{CAEE0621-7AF4-442B-8893-A7CE7B7C9FB3}" srcOrd="1" destOrd="0" presId="urn:microsoft.com/office/officeart/2018/2/layout/IconVerticalSolidList"/>
+    <dgm:cxn modelId="{98FE15BD-923C-4DA8-A032-C870DF39ABDF}" type="presParOf" srcId="{22D93C91-547F-466C-9822-C6074B2AB149}" destId="{DFE44B0A-D03C-4B3C-B0F9-4222EE9C981B}" srcOrd="2" destOrd="0" presId="urn:microsoft.com/office/officeart/2018/2/layout/IconVerticalSolidList"/>
+    <dgm:cxn modelId="{A45DC422-6DDF-48C6-92C6-FD6EFA188A23}" type="presParOf" srcId="{22D93C91-547F-466C-9822-C6074B2AB149}" destId="{BB688467-C19F-409F-AEF9-39453290C283}" srcOrd="3" destOrd="0" presId="urn:microsoft.com/office/officeart/2018/2/layout/IconVerticalSolidList"/>
+  </dgm:cxnLst>
+  <dgm:bg/>
+  <dgm:whole/>
+  <dgm:extLst>
+    <a:ext uri="http://schemas.microsoft.com/office/drawing/2008/diagram">
+      <dsp:dataModelExt xmlns:dsp="http://schemas.microsoft.com/office/drawing/2008/diagram" relId="rId6" minVer="http://schemas.openxmlformats.org/drawingml/2006/diagram"/>
+    </a:ext>
+  </dgm:extLst>
+</dgm:dataModel>
+</file>
+
 <file path=ppt/diagrams/drawing1.xml><?xml version="1.0" encoding="utf-8"?>
 <dsp:drawing xmlns:dgm="http://schemas.openxmlformats.org/drawingml/2006/diagram" xmlns:dsp="http://schemas.microsoft.com/office/drawing/2008/diagram" xmlns:a="http://schemas.openxmlformats.org/drawingml/2006/main">
   <dsp:spTree>
@@ -2997,7 +4233,7 @@
           </a:r>
           <a:r>
             <a:rPr lang="en-US" sz="1100" b="0" i="0" kern="1200" dirty="0"/>
-            <a:t>serves as a unique identifier and enables the NFT to be tracked on the blockchain.</a:t>
+            <a:t>serves as a unique identifier and enables the NFT to be tracked on the blockchain. Token Id is later used as one of the arguments to the Auction contract start function.</a:t>
           </a:r>
           <a:endParaRPr lang="en-US" sz="1100" b="0" i="0" kern="1200" baseline="0" dirty="0"/>
         </a:p>
@@ -3829,6 +5065,554 @@
 </dsp:drawing>
 </file>
 
+<file path=ppt/diagrams/drawing3.xml><?xml version="1.0" encoding="utf-8"?>
+<dsp:drawing xmlns:dgm="http://schemas.openxmlformats.org/drawingml/2006/diagram" xmlns:dsp="http://schemas.microsoft.com/office/drawing/2008/diagram" xmlns:a="http://schemas.openxmlformats.org/drawingml/2006/main">
+  <dsp:spTree>
+    <dsp:nvGrpSpPr>
+      <dsp:cNvPr id="0" name=""/>
+      <dsp:cNvGrpSpPr/>
+    </dsp:nvGrpSpPr>
+    <dsp:grpSpPr/>
+    <dsp:sp modelId="{B226A255-440C-44E0-A84A-0973E3DB3A8D}">
+      <dsp:nvSpPr>
+        <dsp:cNvPr id="0" name=""/>
+        <dsp:cNvSpPr/>
+      </dsp:nvSpPr>
+      <dsp:spPr>
+        <a:xfrm>
+          <a:off x="0" y="693830"/>
+          <a:ext cx="10515600" cy="1302853"/>
+        </a:xfrm>
+        <a:prstGeom prst="roundRect">
+          <a:avLst>
+            <a:gd name="adj" fmla="val 10000"/>
+          </a:avLst>
+        </a:prstGeom>
+        <a:solidFill>
+          <a:schemeClr val="accent1">
+            <a:tint val="40000"/>
+            <a:hueOff val="0"/>
+            <a:satOff val="0"/>
+            <a:lumOff val="0"/>
+            <a:alphaOff val="0"/>
+          </a:schemeClr>
+        </a:solidFill>
+        <a:ln>
+          <a:noFill/>
+        </a:ln>
+        <a:effectLst/>
+      </dsp:spPr>
+      <dsp:style>
+        <a:lnRef idx="0">
+          <a:scrgbClr r="0" g="0" b="0"/>
+        </a:lnRef>
+        <a:fillRef idx="1">
+          <a:scrgbClr r="0" g="0" b="0"/>
+        </a:fillRef>
+        <a:effectRef idx="0">
+          <a:scrgbClr r="0" g="0" b="0"/>
+        </a:effectRef>
+        <a:fontRef idx="minor"/>
+      </dsp:style>
+    </dsp:sp>
+    <dsp:sp modelId="{CBDB0C8D-A1B6-4452-B342-783558DD9492}">
+      <dsp:nvSpPr>
+        <dsp:cNvPr id="0" name=""/>
+        <dsp:cNvSpPr/>
+      </dsp:nvSpPr>
+      <dsp:spPr>
+        <a:xfrm>
+          <a:off x="394113" y="986971"/>
+          <a:ext cx="716569" cy="716569"/>
+        </a:xfrm>
+        <a:prstGeom prst="rect">
+          <a:avLst/>
+        </a:prstGeom>
+        <a:blipFill>
+          <a:blip xmlns:r="http://schemas.openxmlformats.org/officeDocument/2006/relationships" r:embed="rId1">
+            <a:extLst>
+              <a:ext uri="{28A0092B-C50C-407E-A947-70E740481C1C}">
+                <a14:useLocalDpi xmlns:a14="http://schemas.microsoft.com/office/drawing/2010/main" val="0"/>
+              </a:ext>
+              <a:ext uri="{96DAC541-7B7A-43D3-8B79-37D633B846F1}">
+                <asvg:svgBlip xmlns:asvg="http://schemas.microsoft.com/office/drawing/2016/SVG/main" r:embed="rId2"/>
+              </a:ext>
+            </a:extLst>
+          </a:blip>
+          <a:stretch>
+            <a:fillRect/>
+          </a:stretch>
+        </a:blipFill>
+        <a:ln w="12700" cap="flat" cmpd="sng" algn="ctr">
+          <a:solidFill>
+            <a:schemeClr val="lt1">
+              <a:hueOff val="0"/>
+              <a:satOff val="0"/>
+              <a:lumOff val="0"/>
+              <a:alphaOff val="0"/>
+            </a:schemeClr>
+          </a:solidFill>
+          <a:prstDash val="solid"/>
+          <a:miter lim="800000"/>
+        </a:ln>
+        <a:effectLst/>
+      </dsp:spPr>
+      <dsp:style>
+        <a:lnRef idx="2">
+          <a:scrgbClr r="0" g="0" b="0"/>
+        </a:lnRef>
+        <a:fillRef idx="1">
+          <a:scrgbClr r="0" g="0" b="0"/>
+        </a:fillRef>
+        <a:effectRef idx="0">
+          <a:scrgbClr r="0" g="0" b="0"/>
+        </a:effectRef>
+        <a:fontRef idx="minor">
+          <a:schemeClr val="lt1"/>
+        </a:fontRef>
+      </dsp:style>
+    </dsp:sp>
+    <dsp:sp modelId="{EA26FE2B-44A2-4198-A0D1-7CCD1FF23C26}">
+      <dsp:nvSpPr>
+        <dsp:cNvPr id="0" name=""/>
+        <dsp:cNvSpPr/>
+      </dsp:nvSpPr>
+      <dsp:spPr>
+        <a:xfrm>
+          <a:off x="1504795" y="693830"/>
+          <a:ext cx="4732020" cy="1302853"/>
+        </a:xfrm>
+        <a:prstGeom prst="rect">
+          <a:avLst/>
+        </a:prstGeom>
+        <a:noFill/>
+        <a:ln>
+          <a:noFill/>
+        </a:ln>
+        <a:effectLst/>
+      </dsp:spPr>
+      <dsp:style>
+        <a:lnRef idx="0">
+          <a:scrgbClr r="0" g="0" b="0"/>
+        </a:lnRef>
+        <a:fillRef idx="0">
+          <a:scrgbClr r="0" g="0" b="0"/>
+        </a:fillRef>
+        <a:effectRef idx="0">
+          <a:scrgbClr r="0" g="0" b="0"/>
+        </a:effectRef>
+        <a:fontRef idx="minor"/>
+      </dsp:style>
+      <dsp:txBody>
+        <a:bodyPr spcFirstLastPara="0" vert="horz" wrap="square" lIns="137885" tIns="137885" rIns="137885" bIns="137885" numCol="1" spcCol="1270" anchor="ctr" anchorCtr="0">
+          <a:noAutofit/>
+        </a:bodyPr>
+        <a:lstStyle/>
+        <a:p>
+          <a:pPr marL="0" lvl="0" indent="0" algn="l" defTabSz="666750">
+            <a:lnSpc>
+              <a:spcPct val="100000"/>
+            </a:lnSpc>
+            <a:spcBef>
+              <a:spcPct val="0"/>
+            </a:spcBef>
+            <a:spcAft>
+              <a:spcPct val="35000"/>
+            </a:spcAft>
+            <a:buNone/>
+          </a:pPr>
+          <a:r>
+            <a:rPr lang="en-US" sz="1500" b="0" i="0" kern="1200" baseline="0" dirty="0"/>
+            <a:t>Web3.py is a library utilized by Digital Art Solutions application to connect to Ethereum nodes with Python. Web3.py is a software development kit (SDK) used to talk to the API originated from an Ethereum node.</a:t>
+          </a:r>
+          <a:endParaRPr lang="en-US" sz="1500" kern="1200" dirty="0"/>
+        </a:p>
+      </dsp:txBody>
+      <dsp:txXfrm>
+        <a:off x="1504795" y="693830"/>
+        <a:ext cx="4732020" cy="1302853"/>
+      </dsp:txXfrm>
+    </dsp:sp>
+    <dsp:sp modelId="{5E5554BE-4F73-45A3-8F16-AC503B40ED41}">
+      <dsp:nvSpPr>
+        <dsp:cNvPr id="0" name=""/>
+        <dsp:cNvSpPr/>
+      </dsp:nvSpPr>
+      <dsp:spPr>
+        <a:xfrm>
+          <a:off x="6236815" y="693830"/>
+          <a:ext cx="4277313" cy="1302853"/>
+        </a:xfrm>
+        <a:prstGeom prst="rect">
+          <a:avLst/>
+        </a:prstGeom>
+        <a:noFill/>
+        <a:ln>
+          <a:noFill/>
+        </a:ln>
+        <a:effectLst/>
+      </dsp:spPr>
+      <dsp:style>
+        <a:lnRef idx="0">
+          <a:scrgbClr r="0" g="0" b="0"/>
+        </a:lnRef>
+        <a:fillRef idx="0">
+          <a:scrgbClr r="0" g="0" b="0"/>
+        </a:fillRef>
+        <a:effectRef idx="0">
+          <a:scrgbClr r="0" g="0" b="0"/>
+        </a:effectRef>
+        <a:fontRef idx="minor"/>
+      </dsp:style>
+      <dsp:txBody>
+        <a:bodyPr spcFirstLastPara="0" vert="horz" wrap="square" lIns="137885" tIns="137885" rIns="137885" bIns="137885" numCol="1" spcCol="1270" anchor="ctr" anchorCtr="0">
+          <a:noAutofit/>
+        </a:bodyPr>
+        <a:lstStyle/>
+        <a:p>
+          <a:pPr marL="0" lvl="0" indent="0" algn="l" defTabSz="488950">
+            <a:lnSpc>
+              <a:spcPct val="100000"/>
+            </a:lnSpc>
+            <a:spcBef>
+              <a:spcPct val="0"/>
+            </a:spcBef>
+            <a:spcAft>
+              <a:spcPct val="35000"/>
+            </a:spcAft>
+            <a:buNone/>
+          </a:pPr>
+          <a:r>
+            <a:rPr lang="en-US" sz="1100" b="1" i="0" kern="1200" baseline="0" dirty="0">
+              <a:solidFill>
+                <a:schemeClr val="accent2">
+                  <a:lumMod val="75000"/>
+                </a:schemeClr>
+              </a:solidFill>
+            </a:rPr>
+            <a:t>Connect to Smart Contracts:</a:t>
+          </a:r>
+          <a:r>
+            <a:rPr lang="en-US" sz="1100" b="0" i="0" kern="1200" baseline="0" dirty="0"/>
+            <a:t> Web3.py is used to load the smart contracts to the application and assign them to the contract variables.</a:t>
+          </a:r>
+          <a:endParaRPr lang="en-US" sz="1100" kern="1200" dirty="0"/>
+        </a:p>
+        <a:p>
+          <a:pPr marL="0" lvl="0" indent="0" algn="l" defTabSz="488950">
+            <a:lnSpc>
+              <a:spcPct val="100000"/>
+            </a:lnSpc>
+            <a:spcBef>
+              <a:spcPct val="0"/>
+            </a:spcBef>
+            <a:spcAft>
+              <a:spcPct val="35000"/>
+            </a:spcAft>
+            <a:buNone/>
+          </a:pPr>
+          <a:r>
+            <a:rPr lang="en-US" sz="1100" b="1" i="0" kern="1200" baseline="0" dirty="0">
+              <a:solidFill>
+                <a:schemeClr val="accent2">
+                  <a:lumMod val="75000"/>
+                </a:schemeClr>
+              </a:solidFill>
+            </a:rPr>
+            <a:t>Contract Variables: </a:t>
+          </a:r>
+          <a:r>
+            <a:rPr lang="en-US" sz="1100" b="0" i="0" kern="1200" baseline="0" dirty="0">
+              <a:solidFill>
+                <a:schemeClr val="tx1"/>
+              </a:solidFill>
+            </a:rPr>
+            <a:t>They are used to directly communicate with Ethereum blockchain via the respective smart contracts.</a:t>
+          </a:r>
+          <a:r>
+            <a:rPr lang="en-US" sz="1100" b="0" i="0" kern="1200" baseline="0" dirty="0"/>
+            <a:t> </a:t>
+          </a:r>
+        </a:p>
+        <a:p>
+          <a:pPr marL="0" lvl="0" indent="0" algn="l" defTabSz="488950">
+            <a:lnSpc>
+              <a:spcPct val="100000"/>
+            </a:lnSpc>
+            <a:spcBef>
+              <a:spcPct val="0"/>
+            </a:spcBef>
+            <a:spcAft>
+              <a:spcPct val="35000"/>
+            </a:spcAft>
+            <a:buNone/>
+          </a:pPr>
+          <a:r>
+            <a:rPr lang="en-US" sz="1100" b="1" i="0" kern="1200" baseline="0" dirty="0">
+              <a:solidFill>
+                <a:schemeClr val="accent2">
+                  <a:lumMod val="75000"/>
+                </a:schemeClr>
+              </a:solidFill>
+            </a:rPr>
+            <a:t>Streamlit set-up:</a:t>
+          </a:r>
+          <a:r>
+            <a:rPr lang="en-US" sz="1100" b="0" i="0" kern="1200" baseline="0" dirty="0"/>
+            <a:t> Multi-page set-up is implemented with three  pages being created: </a:t>
+          </a:r>
+        </a:p>
+        <a:p>
+          <a:pPr marL="0" lvl="0" indent="0" algn="l" defTabSz="488950">
+            <a:lnSpc>
+              <a:spcPct val="100000"/>
+            </a:lnSpc>
+            <a:spcBef>
+              <a:spcPct val="0"/>
+            </a:spcBef>
+            <a:spcAft>
+              <a:spcPct val="35000"/>
+            </a:spcAft>
+            <a:buNone/>
+          </a:pPr>
+          <a:r>
+            <a:rPr lang="en-US" sz="1100" b="0" i="0" kern="1200" baseline="0" dirty="0"/>
+            <a:t>1) Home page explains the content of the other pages and the rules of the Auction; </a:t>
+          </a:r>
+        </a:p>
+        <a:p>
+          <a:pPr marL="0" lvl="0" indent="0" algn="l" defTabSz="488950">
+            <a:lnSpc>
+              <a:spcPct val="100000"/>
+            </a:lnSpc>
+            <a:spcBef>
+              <a:spcPct val="0"/>
+            </a:spcBef>
+            <a:spcAft>
+              <a:spcPct val="35000"/>
+            </a:spcAft>
+            <a:buNone/>
+          </a:pPr>
+          <a:r>
+            <a:rPr lang="en-US" sz="1100" b="0" i="0" kern="1200" baseline="0" dirty="0"/>
+            <a:t>2) Minting and Registration page allows an Artist to mint and register his/her digital artwork and auction it right away; </a:t>
+          </a:r>
+        </a:p>
+        <a:p>
+          <a:pPr marL="0" lvl="0" indent="0" algn="l" defTabSz="488950">
+            <a:lnSpc>
+              <a:spcPct val="100000"/>
+            </a:lnSpc>
+            <a:spcBef>
+              <a:spcPct val="0"/>
+            </a:spcBef>
+            <a:spcAft>
+              <a:spcPct val="35000"/>
+            </a:spcAft>
+            <a:buNone/>
+          </a:pPr>
+          <a:r>
+            <a:rPr lang="en-US" sz="1100" b="0" i="0" kern="1200" baseline="0" dirty="0"/>
+            <a:t>3) Auction page displays the auction item, auction run-time and has a bidder portal, where bids can be placed and withdrawn. </a:t>
+          </a:r>
+          <a:endParaRPr lang="en-US" sz="1100" kern="1200" dirty="0"/>
+        </a:p>
+      </dsp:txBody>
+      <dsp:txXfrm>
+        <a:off x="6236815" y="693830"/>
+        <a:ext cx="4277313" cy="1302853"/>
+      </dsp:txXfrm>
+    </dsp:sp>
+    <dsp:sp modelId="{21334611-4C75-4183-8585-5A0FDF696521}">
+      <dsp:nvSpPr>
+        <dsp:cNvPr id="0" name=""/>
+        <dsp:cNvSpPr/>
+      </dsp:nvSpPr>
+      <dsp:spPr>
+        <a:xfrm>
+          <a:off x="15137" y="2294463"/>
+          <a:ext cx="4949897" cy="1335111"/>
+        </a:xfrm>
+        <a:prstGeom prst="roundRect">
+          <a:avLst>
+            <a:gd name="adj" fmla="val 10000"/>
+          </a:avLst>
+        </a:prstGeom>
+        <a:solidFill>
+          <a:schemeClr val="accent1">
+            <a:tint val="40000"/>
+            <a:hueOff val="0"/>
+            <a:satOff val="0"/>
+            <a:lumOff val="0"/>
+            <a:alphaOff val="0"/>
+          </a:schemeClr>
+        </a:solidFill>
+        <a:ln>
+          <a:noFill/>
+        </a:ln>
+        <a:effectLst/>
+      </dsp:spPr>
+      <dsp:style>
+        <a:lnRef idx="0">
+          <a:scrgbClr r="0" g="0" b="0"/>
+        </a:lnRef>
+        <a:fillRef idx="1">
+          <a:scrgbClr r="0" g="0" b="0"/>
+        </a:fillRef>
+        <a:effectRef idx="0">
+          <a:scrgbClr r="0" g="0" b="0"/>
+        </a:effectRef>
+        <a:fontRef idx="minor"/>
+      </dsp:style>
+    </dsp:sp>
+    <dsp:sp modelId="{CAEE0621-7AF4-442B-8893-A7CE7B7C9FB3}">
+      <dsp:nvSpPr>
+        <dsp:cNvPr id="0" name=""/>
+        <dsp:cNvSpPr/>
+      </dsp:nvSpPr>
+      <dsp:spPr>
+        <a:xfrm>
+          <a:off x="406774" y="2619242"/>
+          <a:ext cx="716569" cy="716569"/>
+        </a:xfrm>
+        <a:prstGeom prst="rect">
+          <a:avLst/>
+        </a:prstGeom>
+        <a:blipFill>
+          <a:blip xmlns:r="http://schemas.openxmlformats.org/officeDocument/2006/relationships" r:embed="rId3">
+            <a:extLst>
+              <a:ext uri="{28A0092B-C50C-407E-A947-70E740481C1C}">
+                <a14:useLocalDpi xmlns:a14="http://schemas.microsoft.com/office/drawing/2010/main" val="0"/>
+              </a:ext>
+              <a:ext uri="{96DAC541-7B7A-43D3-8B79-37D633B846F1}">
+                <asvg:svgBlip xmlns:asvg="http://schemas.microsoft.com/office/drawing/2016/SVG/main" r:embed="rId4"/>
+              </a:ext>
+            </a:extLst>
+          </a:blip>
+          <a:stretch>
+            <a:fillRect/>
+          </a:stretch>
+        </a:blipFill>
+        <a:ln w="12700" cap="flat" cmpd="sng" algn="ctr">
+          <a:solidFill>
+            <a:schemeClr val="lt1">
+              <a:hueOff val="0"/>
+              <a:satOff val="0"/>
+              <a:lumOff val="0"/>
+              <a:alphaOff val="0"/>
+            </a:schemeClr>
+          </a:solidFill>
+          <a:prstDash val="solid"/>
+          <a:miter lim="800000"/>
+        </a:ln>
+        <a:effectLst/>
+      </dsp:spPr>
+      <dsp:style>
+        <a:lnRef idx="2">
+          <a:scrgbClr r="0" g="0" b="0"/>
+        </a:lnRef>
+        <a:fillRef idx="1">
+          <a:scrgbClr r="0" g="0" b="0"/>
+        </a:fillRef>
+        <a:effectRef idx="0">
+          <a:scrgbClr r="0" g="0" b="0"/>
+        </a:effectRef>
+        <a:fontRef idx="minor">
+          <a:schemeClr val="lt1"/>
+        </a:fontRef>
+      </dsp:style>
+    </dsp:sp>
+    <dsp:sp modelId="{BB688467-C19F-409F-AEF9-39453290C283}">
+      <dsp:nvSpPr>
+        <dsp:cNvPr id="0" name=""/>
+        <dsp:cNvSpPr/>
+      </dsp:nvSpPr>
+      <dsp:spPr>
+        <a:xfrm>
+          <a:off x="1261813" y="2357143"/>
+          <a:ext cx="3917348" cy="1302853"/>
+        </a:xfrm>
+        <a:prstGeom prst="rect">
+          <a:avLst/>
+        </a:prstGeom>
+        <a:noFill/>
+        <a:ln>
+          <a:noFill/>
+        </a:ln>
+        <a:effectLst/>
+      </dsp:spPr>
+      <dsp:style>
+        <a:lnRef idx="0">
+          <a:scrgbClr r="0" g="0" b="0"/>
+        </a:lnRef>
+        <a:fillRef idx="0">
+          <a:scrgbClr r="0" g="0" b="0"/>
+        </a:fillRef>
+        <a:effectRef idx="0">
+          <a:scrgbClr r="0" g="0" b="0"/>
+        </a:effectRef>
+        <a:fontRef idx="minor"/>
+      </dsp:style>
+      <dsp:txBody>
+        <a:bodyPr spcFirstLastPara="0" vert="horz" wrap="square" lIns="137885" tIns="137885" rIns="137885" bIns="137885" numCol="1" spcCol="1270" anchor="ctr" anchorCtr="0">
+          <a:noAutofit/>
+        </a:bodyPr>
+        <a:lstStyle/>
+        <a:p>
+          <a:pPr marL="0" lvl="0" indent="0" algn="l" defTabSz="666750">
+            <a:lnSpc>
+              <a:spcPct val="100000"/>
+            </a:lnSpc>
+            <a:spcBef>
+              <a:spcPct val="0"/>
+            </a:spcBef>
+            <a:spcAft>
+              <a:spcPct val="35000"/>
+            </a:spcAft>
+            <a:buNone/>
+          </a:pPr>
+          <a:r>
+            <a:rPr lang="en-US" sz="1500" b="1" i="0" kern="1200" baseline="0" dirty="0"/>
+            <a:t>Back-end software to connect to the Smart Contracts</a:t>
+          </a:r>
+          <a:r>
+            <a:rPr lang="en-US" sz="1500" b="0" i="0" kern="1200" baseline="0" dirty="0"/>
+            <a:t>: Python</a:t>
+          </a:r>
+        </a:p>
+        <a:p>
+          <a:pPr marL="0" lvl="0" indent="0" algn="l" defTabSz="666750">
+            <a:lnSpc>
+              <a:spcPct val="100000"/>
+            </a:lnSpc>
+            <a:spcBef>
+              <a:spcPct val="0"/>
+            </a:spcBef>
+            <a:spcAft>
+              <a:spcPct val="35000"/>
+            </a:spcAft>
+            <a:buNone/>
+          </a:pPr>
+          <a:r>
+            <a:rPr lang="en-US" sz="1500" b="1" i="0" kern="1200" baseline="0" dirty="0"/>
+            <a:t>Front-end software</a:t>
+          </a:r>
+          <a:r>
+            <a:rPr lang="en-US" sz="1500" b="0" i="0" kern="1200" baseline="0" dirty="0"/>
+            <a:t>: Streamlit</a:t>
+          </a:r>
+          <a:endParaRPr lang="en-US" sz="1500" kern="1200" dirty="0"/>
+        </a:p>
+      </dsp:txBody>
+      <dsp:txXfrm>
+        <a:off x="1261813" y="2357143"/>
+        <a:ext cx="3917348" cy="1302853"/>
+      </dsp:txXfrm>
+    </dsp:sp>
+  </dsp:spTree>
+</dsp:drawing>
+</file>
+
 <file path=ppt/diagrams/layout1.xml><?xml version="1.0" encoding="utf-8"?>
 <dgm:layoutDef xmlns:dgm="http://schemas.openxmlformats.org/drawingml/2006/diagram" xmlns:a="http://schemas.openxmlformats.org/drawingml/2006/main" uniqueId="urn:microsoft.com/office/officeart/2018/2/layout/IconVerticalSolidList">
   <dgm:title val="Icon Vertical Solid List"/>
@@ -4417,6 +6201,300 @@
 </dgm:layoutDef>
 </file>
 
+<file path=ppt/diagrams/layout3.xml><?xml version="1.0" encoding="utf-8"?>
+<dgm:layoutDef xmlns:dgm="http://schemas.openxmlformats.org/drawingml/2006/diagram" xmlns:a="http://schemas.openxmlformats.org/drawingml/2006/main" uniqueId="urn:microsoft.com/office/officeart/2018/2/layout/IconVerticalSolidList">
+  <dgm:title val="Icon Vertical Solid List"/>
+  <dgm:desc val="Use to show a series of visuals from top to bottom with Level 1 or Level 1 and Level 2 text grouped in a shape. Works best with icons or small pictures with lengthier descriptions."/>
+  <dgm:catLst>
+    <dgm:cat type="icon" pri="500"/>
+  </dgm:catLst>
+  <dgm:sampData useDef="1">
+    <dgm:dataModel>
+      <dgm:ptLst/>
+      <dgm:bg/>
+      <dgm:whole/>
+    </dgm:dataModel>
+  </dgm:sampData>
+  <dgm:styleData useDef="1">
+    <dgm:dataModel>
+      <dgm:ptLst/>
+      <dgm:bg/>
+      <dgm:whole/>
+    </dgm:dataModel>
+  </dgm:styleData>
+  <dgm:clrData useDef="1">
+    <dgm:dataModel>
+      <dgm:ptLst/>
+      <dgm:bg/>
+      <dgm:whole/>
+    </dgm:dataModel>
+  </dgm:clrData>
+  <dgm:layoutNode name="root">
+    <dgm:varLst>
+      <dgm:dir/>
+      <dgm:resizeHandles val="exact"/>
+    </dgm:varLst>
+    <dgm:choose name="Name0">
+      <dgm:if name="Name1" axis="self" func="var" arg="dir" op="equ" val="norm">
+        <dgm:alg type="lin">
+          <dgm:param type="linDir" val="fromT"/>
+          <dgm:param type="nodeHorzAlign" val="l"/>
+        </dgm:alg>
+      </dgm:if>
+      <dgm:else name="Name2">
+        <dgm:alg type="lin">
+          <dgm:param type="linDir" val="fromT"/>
+          <dgm:param type="nodeHorzAlign" val="r"/>
+        </dgm:alg>
+      </dgm:else>
+    </dgm:choose>
+    <dgm:shape xmlns:r="http://schemas.openxmlformats.org/officeDocument/2006/relationships" r:blip="">
+      <dgm:adjLst/>
+    </dgm:shape>
+    <dgm:presOf/>
+    <dgm:choose name="Name3">
+      <dgm:if name="Name4" axis="ch" ptType="node" func="cnt" op="lte" val="3">
+        <dgm:constrLst>
+          <dgm:constr type="h" for="ch" forName="compNode" refType="h" fact="0.3"/>
+          <dgm:constr type="w" for="ch" forName="compNode" refType="w"/>
+          <dgm:constr type="h" for="ch" forName="sibTrans" refType="h" refFor="ch" refForName="compNode" fact="0.25"/>
+          <dgm:constr type="primFontSz" for="des" forName="parTx" val="25"/>
+          <dgm:constr type="primFontSz" for="des" forName="desTx" refType="primFontSz" refFor="des" refForName="parTx" op="lte" fact="0.75"/>
+          <dgm:constr type="h" for="des" forName="compNode" op="equ"/>
+          <dgm:constr type="h" for="des" forName="bgRect" op="equ"/>
+          <dgm:constr type="h" for="des" forName="iconRect" op="equ"/>
+          <dgm:constr type="w" for="des" forName="iconRect" op="equ"/>
+          <dgm:constr type="h" for="des" forName="spaceRect" op="equ"/>
+          <dgm:constr type="h" for="des" forName="parTx" op="equ"/>
+          <dgm:constr type="h" for="des" forName="desTx" op="equ"/>
+        </dgm:constrLst>
+      </dgm:if>
+      <dgm:if name="Name5" axis="ch" ptType="node" func="cnt" op="lte" val="4">
+        <dgm:constrLst>
+          <dgm:constr type="h" for="ch" forName="compNode" refType="h" fact="0.3"/>
+          <dgm:constr type="w" for="ch" forName="compNode" refType="w"/>
+          <dgm:constr type="h" for="ch" forName="sibTrans" refType="h" refFor="ch" refForName="compNode" fact="0.25"/>
+          <dgm:constr type="primFontSz" for="des" forName="parTx" val="22"/>
+          <dgm:constr type="primFontSz" for="des" forName="desTx" refType="primFontSz" refFor="des" refForName="parTx" op="lte" fact="0.75"/>
+          <dgm:constr type="h" for="des" forName="compNode" op="equ"/>
+          <dgm:constr type="h" for="des" forName="bgRect" op="equ"/>
+          <dgm:constr type="h" for="des" forName="iconRect" op="equ"/>
+          <dgm:constr type="w" for="des" forName="iconRect" op="equ"/>
+          <dgm:constr type="h" for="des" forName="spaceRect" op="equ"/>
+          <dgm:constr type="h" for="des" forName="parTx" op="equ"/>
+          <dgm:constr type="h" for="des" forName="desTx" op="equ"/>
+        </dgm:constrLst>
+      </dgm:if>
+      <dgm:if name="Name6" axis="ch" ptType="node" func="cnt" op="lte" val="6">
+        <dgm:constrLst>
+          <dgm:constr type="h" for="ch" forName="compNode" refType="h" fact="0.3"/>
+          <dgm:constr type="w" for="ch" forName="compNode" refType="w"/>
+          <dgm:constr type="h" for="ch" forName="sibTrans" refType="h" refFor="ch" refForName="compNode" fact="0.25"/>
+          <dgm:constr type="primFontSz" for="des" forName="parTx" val="19"/>
+          <dgm:constr type="primFontSz" for="des" forName="desTx" refType="primFontSz" refFor="des" refForName="parTx" op="lte" fact="0.75"/>
+          <dgm:constr type="h" for="des" forName="compNode" op="equ"/>
+          <dgm:constr type="h" for="des" forName="bgRect" op="equ"/>
+          <dgm:constr type="h" for="des" forName="iconRect" op="equ"/>
+          <dgm:constr type="w" for="des" forName="iconRect" op="equ"/>
+          <dgm:constr type="h" for="des" forName="spaceRect" op="equ"/>
+          <dgm:constr type="h" for="des" forName="parTx" op="equ"/>
+          <dgm:constr type="h" for="des" forName="desTx" op="equ"/>
+        </dgm:constrLst>
+      </dgm:if>
+      <dgm:else name="Name7">
+        <dgm:constrLst>
+          <dgm:constr type="h" for="ch" forName="compNode" refType="h" fact="0.3"/>
+          <dgm:constr type="w" for="ch" forName="compNode" refType="w"/>
+          <dgm:constr type="h" for="ch" forName="sibTrans" refType="h" refFor="ch" refForName="compNode" fact="0.25"/>
+          <dgm:constr type="primFontSz" for="des" forName="parTx" val="16"/>
+          <dgm:constr type="primFontSz" for="des" forName="desTx" refType="primFontSz" refFor="des" refForName="parTx" op="lte" fact="0.75"/>
+          <dgm:constr type="h" for="des" forName="compNode" op="equ"/>
+          <dgm:constr type="h" for="des" forName="bgRect" op="equ"/>
+          <dgm:constr type="h" for="des" forName="iconRect" op="equ"/>
+          <dgm:constr type="w" for="des" forName="iconRect" op="equ"/>
+          <dgm:constr type="h" for="des" forName="spaceRect" op="equ"/>
+          <dgm:constr type="h" for="des" forName="parTx" op="equ"/>
+          <dgm:constr type="h" for="des" forName="desTx" op="equ"/>
+        </dgm:constrLst>
+      </dgm:else>
+    </dgm:choose>
+    <dgm:ruleLst>
+      <dgm:rule type="h" for="ch" forName="compNode" val="0" fact="NaN" max="NaN"/>
+    </dgm:ruleLst>
+    <dgm:forEach name="Name8" axis="ch" ptType="node">
+      <dgm:layoutNode name="compNode">
+        <dgm:alg type="composite"/>
+        <dgm:shape xmlns:r="http://schemas.openxmlformats.org/officeDocument/2006/relationships" r:blip="">
+          <dgm:adjLst/>
+        </dgm:shape>
+        <dgm:presOf axis="self"/>
+        <dgm:choose name="Name9">
+          <dgm:if name="Name10" axis="ch" ptType="node" func="cnt" op="gte" val="1">
+            <dgm:constrLst>
+              <dgm:constr type="w" for="ch" forName="bgRect" refType="w"/>
+              <dgm:constr type="h" for="ch" forName="bgRect" refType="h"/>
+              <dgm:constr type="l" for="ch" forName="bgRect"/>
+              <dgm:constr type="t" for="ch" forName="bgRect"/>
+              <dgm:constr type="h" for="ch" forName="iconRect" refType="h" fact="0.55"/>
+              <dgm:constr type="w" for="ch" forName="iconRect" refType="h" refFor="ch" refForName="iconRect"/>
+              <dgm:constr type="l" for="ch" forName="iconRect" refType="h" refFor="ch" refForName="iconRect" fact="0.55"/>
+              <dgm:constr type="ctrY" for="ch" forName="iconRect" refType="ctrY" refFor="ch" refForName="bgRect"/>
+              <dgm:constr type="w" for="ch" forName="spaceRect" refType="l" refFor="ch" refForName="iconRect"/>
+              <dgm:constr type="h" for="ch" forName="spaceRect" refType="h"/>
+              <dgm:constr type="l" for="ch" forName="spaceRect" refType="r" refFor="ch" refForName="iconRect"/>
+              <dgm:constr type="t" for="ch" forName="spaceRect"/>
+              <dgm:constr type="w" for="ch" forName="parTx" refType="w" fact="0.45"/>
+              <dgm:constr type="h" for="ch" forName="parTx" refType="h"/>
+              <dgm:constr type="l" for="ch" forName="parTx" refType="r" refFor="ch" refForName="spaceRect"/>
+              <dgm:constr type="t" for="ch" forName="parTx"/>
+              <dgm:constr type="h" for="ch" forName="desTx" refType="h"/>
+              <dgm:constr type="l" for="ch" forName="desTx" refType="r" refFor="ch" refForName="parTx"/>
+              <dgm:constr type="t" for="ch" forName="desTx"/>
+            </dgm:constrLst>
+          </dgm:if>
+          <dgm:else name="Name11">
+            <dgm:constrLst>
+              <dgm:constr type="w" for="ch" forName="bgRect" refType="w"/>
+              <dgm:constr type="h" for="ch" forName="bgRect" refType="h"/>
+              <dgm:constr type="l" for="ch" forName="bgRect"/>
+              <dgm:constr type="t" for="ch" forName="bgRect"/>
+              <dgm:constr type="h" for="ch" forName="iconRect" refType="h" fact="0.55"/>
+              <dgm:constr type="w" for="ch" forName="iconRect" refType="h" refFor="ch" refForName="iconRect"/>
+              <dgm:constr type="l" for="ch" forName="iconRect" refType="h" refFor="ch" refForName="iconRect" fact="0.55"/>
+              <dgm:constr type="ctrY" for="ch" forName="iconRect" refType="ctrY" refFor="ch" refForName="bgRect"/>
+              <dgm:constr type="w" for="ch" forName="spaceRect" refType="l" refFor="ch" refForName="iconRect"/>
+              <dgm:constr type="h" for="ch" forName="spaceRect" refType="h"/>
+              <dgm:constr type="l" for="ch" forName="spaceRect" refType="r" refFor="ch" refForName="iconRect"/>
+              <dgm:constr type="t" for="ch" forName="spaceRect"/>
+              <dgm:constr type="h" for="ch" forName="parTx" refType="h"/>
+              <dgm:constr type="l" for="ch" forName="parTx" refType="r" refFor="ch" refForName="spaceRect"/>
+              <dgm:constr type="t" for="ch" forName="parTx"/>
+            </dgm:constrLst>
+          </dgm:else>
+        </dgm:choose>
+        <dgm:ruleLst>
+          <dgm:rule type="h" val="INF" fact="NaN" max="NaN"/>
+        </dgm:ruleLst>
+        <dgm:layoutNode name="bgRect" styleLbl="bgShp">
+          <dgm:alg type="sp"/>
+          <dgm:shape xmlns:r="http://schemas.openxmlformats.org/officeDocument/2006/relationships" type="roundRect" r:blip="">
+            <dgm:adjLst>
+              <dgm:adj idx="1" val="0.1"/>
+            </dgm:adjLst>
+          </dgm:shape>
+          <dgm:presOf/>
+          <dgm:constrLst/>
+          <dgm:ruleLst/>
+        </dgm:layoutNode>
+        <dgm:layoutNode name="iconRect" styleLbl="node1">
+          <dgm:alg type="sp"/>
+          <dgm:shape xmlns:r="http://schemas.openxmlformats.org/officeDocument/2006/relationships" type="rect" r:blip="" blipPhldr="1">
+            <dgm:adjLst/>
+          </dgm:shape>
+          <dgm:presOf/>
+          <dgm:constrLst/>
+          <dgm:ruleLst/>
+        </dgm:layoutNode>
+        <dgm:layoutNode name="spaceRect">
+          <dgm:alg type="sp"/>
+          <dgm:shape xmlns:r="http://schemas.openxmlformats.org/officeDocument/2006/relationships" r:blip="">
+            <dgm:adjLst/>
+          </dgm:shape>
+          <dgm:presOf/>
+          <dgm:constrLst/>
+          <dgm:ruleLst/>
+        </dgm:layoutNode>
+        <dgm:layoutNode name="parTx" styleLbl="revTx">
+          <dgm:varLst>
+            <dgm:chMax val="0"/>
+            <dgm:chPref val="0"/>
+          </dgm:varLst>
+          <dgm:alg type="tx">
+            <dgm:param type="txAnchorVert" val="mid"/>
+            <dgm:param type="parTxLTRAlign" val="l"/>
+            <dgm:param type="shpTxLTRAlignCh" val="l"/>
+            <dgm:param type="parTxRTLAlign" val="r"/>
+            <dgm:param type="shpTxRTLAlignCh" val="r"/>
+          </dgm:alg>
+          <dgm:shape xmlns:r="http://schemas.openxmlformats.org/officeDocument/2006/relationships" type="rect" r:blip="">
+            <dgm:adjLst/>
+          </dgm:shape>
+          <dgm:presOf axis="self" ptType="node"/>
+          <dgm:constrLst>
+            <dgm:constr type="lMarg" refType="h" fact="0.3"/>
+            <dgm:constr type="rMarg" refType="h" fact="0.3"/>
+            <dgm:constr type="tMarg" refType="h" fact="0.3"/>
+            <dgm:constr type="bMarg" refType="h" fact="0.3"/>
+          </dgm:constrLst>
+          <dgm:ruleLst>
+            <dgm:rule type="primFontSz" val="14" fact="NaN" max="NaN"/>
+            <dgm:rule type="h" val="INF" fact="NaN" max="NaN"/>
+          </dgm:ruleLst>
+        </dgm:layoutNode>
+        <dgm:choose name="Name12">
+          <dgm:if name="Name13" axis="ch" ptType="node" func="cnt" op="gte" val="1">
+            <dgm:layoutNode name="desTx" styleLbl="revTx">
+              <dgm:varLst/>
+              <dgm:alg type="tx">
+                <dgm:param type="txAnchorVertCh" val="mid"/>
+                <dgm:param type="parTxLTRAlign" val="l"/>
+                <dgm:param type="shpTxLTRAlignCh" val="l"/>
+                <dgm:param type="parTxRTLAlign" val="r"/>
+                <dgm:param type="shpTxRTLAlignCh" val="r"/>
+                <dgm:param type="stBulletLvl" val="0"/>
+              </dgm:alg>
+              <dgm:shape xmlns:r="http://schemas.openxmlformats.org/officeDocument/2006/relationships" type="rect" r:blip="">
+                <dgm:adjLst/>
+              </dgm:shape>
+              <dgm:presOf axis="des" ptType="node"/>
+              <dgm:constrLst>
+                <dgm:constr type="primFontSz" val="18"/>
+                <dgm:constr type="secFontSz" refType="primFontSz"/>
+                <dgm:constr type="lMarg" refType="h" fact="0.3"/>
+                <dgm:constr type="rMarg" refType="h" fact="0.3"/>
+                <dgm:constr type="tMarg" refType="h" fact="0.3"/>
+                <dgm:constr type="bMarg" refType="h" fact="0.3"/>
+              </dgm:constrLst>
+              <dgm:ruleLst>
+                <dgm:rule type="primFontSz" val="11" fact="NaN" max="NaN"/>
+              </dgm:ruleLst>
+            </dgm:layoutNode>
+          </dgm:if>
+          <dgm:else name="Name14"/>
+        </dgm:choose>
+      </dgm:layoutNode>
+      <dgm:forEach name="Name15" axis="followSib" ptType="sibTrans" cnt="1">
+        <dgm:layoutNode name="sibTrans">
+          <dgm:alg type="sp"/>
+          <dgm:shape xmlns:r="http://schemas.openxmlformats.org/officeDocument/2006/relationships" r:blip="">
+            <dgm:adjLst/>
+          </dgm:shape>
+          <dgm:presOf axis="self"/>
+          <dgm:constrLst/>
+          <dgm:ruleLst/>
+        </dgm:layoutNode>
+      </dgm:forEach>
+    </dgm:forEach>
+  </dgm:layoutNode>
+  <dgm:extLst>
+    <a:ext uri="{68A01E43-0DF5-4B5B-8FA6-DAF915123BFB}">
+      <dgm1612:lstStyle xmlns:dgm1612="http://schemas.microsoft.com/office/drawing/2016/12/diagram">
+        <a:lvl1pPr>
+          <a:lnSpc>
+            <a:spcPct val="100000"/>
+          </a:lnSpc>
+        </a:lvl1pPr>
+        <a:lvl2pPr>
+          <a:lnSpc>
+            <a:spcPct val="100000"/>
+          </a:lnSpc>
+        </a:lvl2pPr>
+      </dgm1612:lstStyle>
+    </a:ext>
+  </dgm:extLst>
+</dgm:layoutDef>
+</file>
+
 <file path=ppt/diagrams/quickStyle1.xml><?xml version="1.0" encoding="utf-8"?>
 <dgm:styleDef xmlns:dgm="http://schemas.openxmlformats.org/drawingml/2006/diagram" xmlns:a="http://schemas.openxmlformats.org/drawingml/2006/main" uniqueId="urn:microsoft.com/office/officeart/2005/8/quickstyle/simple1">
   <dgm:title val=""/>
@@ -5452,6 +7530,1040 @@
 </file>
 
 <file path=ppt/diagrams/quickStyle2.xml><?xml version="1.0" encoding="utf-8"?>
+<dgm:styleDef xmlns:dgm="http://schemas.openxmlformats.org/drawingml/2006/diagram" xmlns:a="http://schemas.openxmlformats.org/drawingml/2006/main" uniqueId="urn:microsoft.com/office/officeart/2005/8/quickstyle/simple1">
+  <dgm:title val=""/>
+  <dgm:desc val=""/>
+  <dgm:catLst>
+    <dgm:cat type="simple" pri="10100"/>
+  </dgm:catLst>
+  <dgm:scene3d>
+    <a:camera prst="orthographicFront"/>
+    <a:lightRig rig="threePt" dir="t"/>
+  </dgm:scene3d>
+  <dgm:styleLbl name="node0">
+    <dgm:scene3d>
+      <a:camera prst="orthographicFront"/>
+      <a:lightRig rig="threePt" dir="t"/>
+    </dgm:scene3d>
+    <dgm:sp3d/>
+    <dgm:txPr/>
+    <dgm:style>
+      <a:lnRef idx="2">
+        <a:scrgbClr r="0" g="0" b="0"/>
+      </a:lnRef>
+      <a:fillRef idx="1">
+        <a:scrgbClr r="0" g="0" b="0"/>
+      </a:fillRef>
+      <a:effectRef idx="0">
+        <a:scrgbClr r="0" g="0" b="0"/>
+      </a:effectRef>
+      <a:fontRef idx="minor">
+        <a:schemeClr val="lt1"/>
+      </a:fontRef>
+    </dgm:style>
+  </dgm:styleLbl>
+  <dgm:styleLbl name="lnNode1">
+    <dgm:scene3d>
+      <a:camera prst="orthographicFront"/>
+      <a:lightRig rig="threePt" dir="t"/>
+    </dgm:scene3d>
+    <dgm:sp3d/>
+    <dgm:txPr/>
+    <dgm:style>
+      <a:lnRef idx="2">
+        <a:scrgbClr r="0" g="0" b="0"/>
+      </a:lnRef>
+      <a:fillRef idx="1">
+        <a:scrgbClr r="0" g="0" b="0"/>
+      </a:fillRef>
+      <a:effectRef idx="0">
+        <a:scrgbClr r="0" g="0" b="0"/>
+      </a:effectRef>
+      <a:fontRef idx="minor">
+        <a:schemeClr val="lt1"/>
+      </a:fontRef>
+    </dgm:style>
+  </dgm:styleLbl>
+  <dgm:styleLbl name="vennNode1">
+    <dgm:scene3d>
+      <a:camera prst="orthographicFront"/>
+      <a:lightRig rig="threePt" dir="t"/>
+    </dgm:scene3d>
+    <dgm:sp3d/>
+    <dgm:txPr/>
+    <dgm:style>
+      <a:lnRef idx="2">
+        <a:scrgbClr r="0" g="0" b="0"/>
+      </a:lnRef>
+      <a:fillRef idx="1">
+        <a:scrgbClr r="0" g="0" b="0"/>
+      </a:fillRef>
+      <a:effectRef idx="0">
+        <a:scrgbClr r="0" g="0" b="0"/>
+      </a:effectRef>
+      <a:fontRef idx="minor">
+        <a:schemeClr val="tx1"/>
+      </a:fontRef>
+    </dgm:style>
+  </dgm:styleLbl>
+  <dgm:styleLbl name="alignNode1">
+    <dgm:scene3d>
+      <a:camera prst="orthographicFront"/>
+      <a:lightRig rig="threePt" dir="t"/>
+    </dgm:scene3d>
+    <dgm:sp3d/>
+    <dgm:txPr/>
+    <dgm:style>
+      <a:lnRef idx="2">
+        <a:scrgbClr r="0" g="0" b="0"/>
+      </a:lnRef>
+      <a:fillRef idx="1">
+        <a:scrgbClr r="0" g="0" b="0"/>
+      </a:fillRef>
+      <a:effectRef idx="0">
+        <a:scrgbClr r="0" g="0" b="0"/>
+      </a:effectRef>
+      <a:fontRef idx="minor">
+        <a:schemeClr val="lt1"/>
+      </a:fontRef>
+    </dgm:style>
+  </dgm:styleLbl>
+  <dgm:styleLbl name="node1">
+    <dgm:scene3d>
+      <a:camera prst="orthographicFront"/>
+      <a:lightRig rig="threePt" dir="t"/>
+    </dgm:scene3d>
+    <dgm:sp3d/>
+    <dgm:txPr/>
+    <dgm:style>
+      <a:lnRef idx="2">
+        <a:scrgbClr r="0" g="0" b="0"/>
+      </a:lnRef>
+      <a:fillRef idx="1">
+        <a:scrgbClr r="0" g="0" b="0"/>
+      </a:fillRef>
+      <a:effectRef idx="0">
+        <a:scrgbClr r="0" g="0" b="0"/>
+      </a:effectRef>
+      <a:fontRef idx="minor">
+        <a:schemeClr val="lt1"/>
+      </a:fontRef>
+    </dgm:style>
+  </dgm:styleLbl>
+  <dgm:styleLbl name="node2">
+    <dgm:scene3d>
+      <a:camera prst="orthographicFront"/>
+      <a:lightRig rig="threePt" dir="t"/>
+    </dgm:scene3d>
+    <dgm:sp3d/>
+    <dgm:txPr/>
+    <dgm:style>
+      <a:lnRef idx="2">
+        <a:scrgbClr r="0" g="0" b="0"/>
+      </a:lnRef>
+      <a:fillRef idx="1">
+        <a:scrgbClr r="0" g="0" b="0"/>
+      </a:fillRef>
+      <a:effectRef idx="0">
+        <a:scrgbClr r="0" g="0" b="0"/>
+      </a:effectRef>
+      <a:fontRef idx="minor">
+        <a:schemeClr val="lt1"/>
+      </a:fontRef>
+    </dgm:style>
+  </dgm:styleLbl>
+  <dgm:styleLbl name="node3">
+    <dgm:scene3d>
+      <a:camera prst="orthographicFront"/>
+      <a:lightRig rig="threePt" dir="t"/>
+    </dgm:scene3d>
+    <dgm:sp3d/>
+    <dgm:txPr/>
+    <dgm:style>
+      <a:lnRef idx="2">
+        <a:scrgbClr r="0" g="0" b="0"/>
+      </a:lnRef>
+      <a:fillRef idx="1">
+        <a:scrgbClr r="0" g="0" b="0"/>
+      </a:fillRef>
+      <a:effectRef idx="0">
+        <a:scrgbClr r="0" g="0" b="0"/>
+      </a:effectRef>
+      <a:fontRef idx="minor">
+        <a:schemeClr val="lt1"/>
+      </a:fontRef>
+    </dgm:style>
+  </dgm:styleLbl>
+  <dgm:styleLbl name="node4">
+    <dgm:scene3d>
+      <a:camera prst="orthographicFront"/>
+      <a:lightRig rig="threePt" dir="t"/>
+    </dgm:scene3d>
+    <dgm:sp3d/>
+    <dgm:txPr/>
+    <dgm:style>
+      <a:lnRef idx="2">
+        <a:scrgbClr r="0" g="0" b="0"/>
+      </a:lnRef>
+      <a:fillRef idx="1">
+        <a:scrgbClr r="0" g="0" b="0"/>
+      </a:fillRef>
+      <a:effectRef idx="0">
+        <a:scrgbClr r="0" g="0" b="0"/>
+      </a:effectRef>
+      <a:fontRef idx="minor">
+        <a:schemeClr val="lt1"/>
+      </a:fontRef>
+    </dgm:style>
+  </dgm:styleLbl>
+  <dgm:styleLbl name="fgImgPlace1">
+    <dgm:scene3d>
+      <a:camera prst="orthographicFront"/>
+      <a:lightRig rig="threePt" dir="t"/>
+    </dgm:scene3d>
+    <dgm:sp3d/>
+    <dgm:txPr/>
+    <dgm:style>
+      <a:lnRef idx="2">
+        <a:scrgbClr r="0" g="0" b="0"/>
+      </a:lnRef>
+      <a:fillRef idx="1">
+        <a:scrgbClr r="0" g="0" b="0"/>
+      </a:fillRef>
+      <a:effectRef idx="0">
+        <a:scrgbClr r="0" g="0" b="0"/>
+      </a:effectRef>
+      <a:fontRef idx="minor"/>
+    </dgm:style>
+  </dgm:styleLbl>
+  <dgm:styleLbl name="alignImgPlace1">
+    <dgm:scene3d>
+      <a:camera prst="orthographicFront"/>
+      <a:lightRig rig="threePt" dir="t"/>
+    </dgm:scene3d>
+    <dgm:sp3d/>
+    <dgm:txPr/>
+    <dgm:style>
+      <a:lnRef idx="2">
+        <a:scrgbClr r="0" g="0" b="0"/>
+      </a:lnRef>
+      <a:fillRef idx="1">
+        <a:scrgbClr r="0" g="0" b="0"/>
+      </a:fillRef>
+      <a:effectRef idx="0">
+        <a:scrgbClr r="0" g="0" b="0"/>
+      </a:effectRef>
+      <a:fontRef idx="minor"/>
+    </dgm:style>
+  </dgm:styleLbl>
+  <dgm:styleLbl name="bgImgPlace1">
+    <dgm:scene3d>
+      <a:camera prst="orthographicFront"/>
+      <a:lightRig rig="threePt" dir="t"/>
+    </dgm:scene3d>
+    <dgm:sp3d/>
+    <dgm:txPr/>
+    <dgm:style>
+      <a:lnRef idx="2">
+        <a:scrgbClr r="0" g="0" b="0"/>
+      </a:lnRef>
+      <a:fillRef idx="1">
+        <a:scrgbClr r="0" g="0" b="0"/>
+      </a:fillRef>
+      <a:effectRef idx="0">
+        <a:scrgbClr r="0" g="0" b="0"/>
+      </a:effectRef>
+      <a:fontRef idx="minor"/>
+    </dgm:style>
+  </dgm:styleLbl>
+  <dgm:styleLbl name="sibTrans2D1">
+    <dgm:scene3d>
+      <a:camera prst="orthographicFront"/>
+      <a:lightRig rig="threePt" dir="t"/>
+    </dgm:scene3d>
+    <dgm:sp3d/>
+    <dgm:txPr/>
+    <dgm:style>
+      <a:lnRef idx="0">
+        <a:scrgbClr r="0" g="0" b="0"/>
+      </a:lnRef>
+      <a:fillRef idx="1">
+        <a:scrgbClr r="0" g="0" b="0"/>
+      </a:fillRef>
+      <a:effectRef idx="0">
+        <a:scrgbClr r="0" g="0" b="0"/>
+      </a:effectRef>
+      <a:fontRef idx="minor">
+        <a:schemeClr val="lt1"/>
+      </a:fontRef>
+    </dgm:style>
+  </dgm:styleLbl>
+  <dgm:styleLbl name="fgSibTrans2D1">
+    <dgm:scene3d>
+      <a:camera prst="orthographicFront"/>
+      <a:lightRig rig="threePt" dir="t"/>
+    </dgm:scene3d>
+    <dgm:sp3d/>
+    <dgm:txPr/>
+    <dgm:style>
+      <a:lnRef idx="0">
+        <a:scrgbClr r="0" g="0" b="0"/>
+      </a:lnRef>
+      <a:fillRef idx="1">
+        <a:scrgbClr r="0" g="0" b="0"/>
+      </a:fillRef>
+      <a:effectRef idx="0">
+        <a:scrgbClr r="0" g="0" b="0"/>
+      </a:effectRef>
+      <a:fontRef idx="minor">
+        <a:schemeClr val="lt1"/>
+      </a:fontRef>
+    </dgm:style>
+  </dgm:styleLbl>
+  <dgm:styleLbl name="bgSibTrans2D1">
+    <dgm:scene3d>
+      <a:camera prst="orthographicFront"/>
+      <a:lightRig rig="threePt" dir="t"/>
+    </dgm:scene3d>
+    <dgm:sp3d/>
+    <dgm:txPr/>
+    <dgm:style>
+      <a:lnRef idx="0">
+        <a:scrgbClr r="0" g="0" b="0"/>
+      </a:lnRef>
+      <a:fillRef idx="1">
+        <a:scrgbClr r="0" g="0" b="0"/>
+      </a:fillRef>
+      <a:effectRef idx="0">
+        <a:scrgbClr r="0" g="0" b="0"/>
+      </a:effectRef>
+      <a:fontRef idx="minor">
+        <a:schemeClr val="lt1"/>
+      </a:fontRef>
+    </dgm:style>
+  </dgm:styleLbl>
+  <dgm:styleLbl name="sibTrans1D1">
+    <dgm:scene3d>
+      <a:camera prst="orthographicFront"/>
+      <a:lightRig rig="threePt" dir="t"/>
+    </dgm:scene3d>
+    <dgm:sp3d/>
+    <dgm:txPr/>
+    <dgm:style>
+      <a:lnRef idx="1">
+        <a:scrgbClr r="0" g="0" b="0"/>
+      </a:lnRef>
+      <a:fillRef idx="0">
+        <a:scrgbClr r="0" g="0" b="0"/>
+      </a:fillRef>
+      <a:effectRef idx="0">
+        <a:scrgbClr r="0" g="0" b="0"/>
+      </a:effectRef>
+      <a:fontRef idx="minor"/>
+    </dgm:style>
+  </dgm:styleLbl>
+  <dgm:styleLbl name="callout">
+    <dgm:scene3d>
+      <a:camera prst="orthographicFront"/>
+      <a:lightRig rig="threePt" dir="t"/>
+    </dgm:scene3d>
+    <dgm:sp3d/>
+    <dgm:txPr/>
+    <dgm:style>
+      <a:lnRef idx="2">
+        <a:scrgbClr r="0" g="0" b="0"/>
+      </a:lnRef>
+      <a:fillRef idx="1">
+        <a:scrgbClr r="0" g="0" b="0"/>
+      </a:fillRef>
+      <a:effectRef idx="0">
+        <a:scrgbClr r="0" g="0" b="0"/>
+      </a:effectRef>
+      <a:fontRef idx="minor"/>
+    </dgm:style>
+  </dgm:styleLbl>
+  <dgm:styleLbl name="asst0">
+    <dgm:scene3d>
+      <a:camera prst="orthographicFront"/>
+      <a:lightRig rig="threePt" dir="t"/>
+    </dgm:scene3d>
+    <dgm:sp3d/>
+    <dgm:txPr/>
+    <dgm:style>
+      <a:lnRef idx="2">
+        <a:scrgbClr r="0" g="0" b="0"/>
+      </a:lnRef>
+      <a:fillRef idx="1">
+        <a:scrgbClr r="0" g="0" b="0"/>
+      </a:fillRef>
+      <a:effectRef idx="0">
+        <a:scrgbClr r="0" g="0" b="0"/>
+      </a:effectRef>
+      <a:fontRef idx="minor">
+        <a:schemeClr val="lt1"/>
+      </a:fontRef>
+    </dgm:style>
+  </dgm:styleLbl>
+  <dgm:styleLbl name="asst1">
+    <dgm:scene3d>
+      <a:camera prst="orthographicFront"/>
+      <a:lightRig rig="threePt" dir="t"/>
+    </dgm:scene3d>
+    <dgm:sp3d/>
+    <dgm:txPr/>
+    <dgm:style>
+      <a:lnRef idx="2">
+        <a:scrgbClr r="0" g="0" b="0"/>
+      </a:lnRef>
+      <a:fillRef idx="1">
+        <a:scrgbClr r="0" g="0" b="0"/>
+      </a:fillRef>
+      <a:effectRef idx="0">
+        <a:scrgbClr r="0" g="0" b="0"/>
+      </a:effectRef>
+      <a:fontRef idx="minor">
+        <a:schemeClr val="lt1"/>
+      </a:fontRef>
+    </dgm:style>
+  </dgm:styleLbl>
+  <dgm:styleLbl name="asst2">
+    <dgm:scene3d>
+      <a:camera prst="orthographicFront"/>
+      <a:lightRig rig="threePt" dir="t"/>
+    </dgm:scene3d>
+    <dgm:sp3d/>
+    <dgm:txPr/>
+    <dgm:style>
+      <a:lnRef idx="2">
+        <a:scrgbClr r="0" g="0" b="0"/>
+      </a:lnRef>
+      <a:fillRef idx="1">
+        <a:scrgbClr r="0" g="0" b="0"/>
+      </a:fillRef>
+      <a:effectRef idx="0">
+        <a:scrgbClr r="0" g="0" b="0"/>
+      </a:effectRef>
+      <a:fontRef idx="minor">
+        <a:schemeClr val="lt1"/>
+      </a:fontRef>
+    </dgm:style>
+  </dgm:styleLbl>
+  <dgm:styleLbl name="asst3">
+    <dgm:scene3d>
+      <a:camera prst="orthographicFront"/>
+      <a:lightRig rig="threePt" dir="t"/>
+    </dgm:scene3d>
+    <dgm:sp3d/>
+    <dgm:txPr/>
+    <dgm:style>
+      <a:lnRef idx="2">
+        <a:scrgbClr r="0" g="0" b="0"/>
+      </a:lnRef>
+      <a:fillRef idx="1">
+        <a:scrgbClr r="0" g="0" b="0"/>
+      </a:fillRef>
+      <a:effectRef idx="0">
+        <a:scrgbClr r="0" g="0" b="0"/>
+      </a:effectRef>
+      <a:fontRef idx="minor">
+        <a:schemeClr val="lt1"/>
+      </a:fontRef>
+    </dgm:style>
+  </dgm:styleLbl>
+  <dgm:styleLbl name="asst4">
+    <dgm:scene3d>
+      <a:camera prst="orthographicFront"/>
+      <a:lightRig rig="threePt" dir="t"/>
+    </dgm:scene3d>
+    <dgm:sp3d/>
+    <dgm:txPr/>
+    <dgm:style>
+      <a:lnRef idx="2">
+        <a:scrgbClr r="0" g="0" b="0"/>
+      </a:lnRef>
+      <a:fillRef idx="1">
+        <a:scrgbClr r="0" g="0" b="0"/>
+      </a:fillRef>
+      <a:effectRef idx="0">
+        <a:scrgbClr r="0" g="0" b="0"/>
+      </a:effectRef>
+      <a:fontRef idx="minor">
+        <a:schemeClr val="lt1"/>
+      </a:fontRef>
+    </dgm:style>
+  </dgm:styleLbl>
+  <dgm:styleLbl name="parChTrans2D1">
+    <dgm:scene3d>
+      <a:camera prst="orthographicFront"/>
+      <a:lightRig rig="threePt" dir="t"/>
+    </dgm:scene3d>
+    <dgm:sp3d/>
+    <dgm:txPr/>
+    <dgm:style>
+      <a:lnRef idx="2">
+        <a:scrgbClr r="0" g="0" b="0"/>
+      </a:lnRef>
+      <a:fillRef idx="1">
+        <a:scrgbClr r="0" g="0" b="0"/>
+      </a:fillRef>
+      <a:effectRef idx="0">
+        <a:scrgbClr r="0" g="0" b="0"/>
+      </a:effectRef>
+      <a:fontRef idx="minor">
+        <a:schemeClr val="lt1"/>
+      </a:fontRef>
+    </dgm:style>
+  </dgm:styleLbl>
+  <dgm:styleLbl name="parChTrans2D2">
+    <dgm:scene3d>
+      <a:camera prst="orthographicFront"/>
+      <a:lightRig rig="threePt" dir="t"/>
+    </dgm:scene3d>
+    <dgm:sp3d/>
+    <dgm:txPr/>
+    <dgm:style>
+      <a:lnRef idx="2">
+        <a:scrgbClr r="0" g="0" b="0"/>
+      </a:lnRef>
+      <a:fillRef idx="1">
+        <a:scrgbClr r="0" g="0" b="0"/>
+      </a:fillRef>
+      <a:effectRef idx="0">
+        <a:scrgbClr r="0" g="0" b="0"/>
+      </a:effectRef>
+      <a:fontRef idx="minor">
+        <a:schemeClr val="lt1"/>
+      </a:fontRef>
+    </dgm:style>
+  </dgm:styleLbl>
+  <dgm:styleLbl name="parChTrans2D3">
+    <dgm:scene3d>
+      <a:camera prst="orthographicFront"/>
+      <a:lightRig rig="threePt" dir="t"/>
+    </dgm:scene3d>
+    <dgm:sp3d/>
+    <dgm:txPr/>
+    <dgm:style>
+      <a:lnRef idx="2">
+        <a:scrgbClr r="0" g="0" b="0"/>
+      </a:lnRef>
+      <a:fillRef idx="1">
+        <a:scrgbClr r="0" g="0" b="0"/>
+      </a:fillRef>
+      <a:effectRef idx="0">
+        <a:scrgbClr r="0" g="0" b="0"/>
+      </a:effectRef>
+      <a:fontRef idx="minor">
+        <a:schemeClr val="lt1"/>
+      </a:fontRef>
+    </dgm:style>
+  </dgm:styleLbl>
+  <dgm:styleLbl name="parChTrans2D4">
+    <dgm:scene3d>
+      <a:camera prst="orthographicFront"/>
+      <a:lightRig rig="threePt" dir="t"/>
+    </dgm:scene3d>
+    <dgm:sp3d/>
+    <dgm:txPr/>
+    <dgm:style>
+      <a:lnRef idx="2">
+        <a:scrgbClr r="0" g="0" b="0"/>
+      </a:lnRef>
+      <a:fillRef idx="1">
+        <a:scrgbClr r="0" g="0" b="0"/>
+      </a:fillRef>
+      <a:effectRef idx="0">
+        <a:scrgbClr r="0" g="0" b="0"/>
+      </a:effectRef>
+      <a:fontRef idx="minor">
+        <a:schemeClr val="lt1"/>
+      </a:fontRef>
+    </dgm:style>
+  </dgm:styleLbl>
+  <dgm:styleLbl name="parChTrans1D1">
+    <dgm:scene3d>
+      <a:camera prst="orthographicFront"/>
+      <a:lightRig rig="threePt" dir="t"/>
+    </dgm:scene3d>
+    <dgm:sp3d/>
+    <dgm:txPr/>
+    <dgm:style>
+      <a:lnRef idx="2">
+        <a:scrgbClr r="0" g="0" b="0"/>
+      </a:lnRef>
+      <a:fillRef idx="0">
+        <a:scrgbClr r="0" g="0" b="0"/>
+      </a:fillRef>
+      <a:effectRef idx="0">
+        <a:scrgbClr r="0" g="0" b="0"/>
+      </a:effectRef>
+      <a:fontRef idx="minor"/>
+    </dgm:style>
+  </dgm:styleLbl>
+  <dgm:styleLbl name="parChTrans1D2">
+    <dgm:scene3d>
+      <a:camera prst="orthographicFront"/>
+      <a:lightRig rig="threePt" dir="t"/>
+    </dgm:scene3d>
+    <dgm:sp3d/>
+    <dgm:txPr/>
+    <dgm:style>
+      <a:lnRef idx="2">
+        <a:scrgbClr r="0" g="0" b="0"/>
+      </a:lnRef>
+      <a:fillRef idx="0">
+        <a:scrgbClr r="0" g="0" b="0"/>
+      </a:fillRef>
+      <a:effectRef idx="0">
+        <a:scrgbClr r="0" g="0" b="0"/>
+      </a:effectRef>
+      <a:fontRef idx="minor"/>
+    </dgm:style>
+  </dgm:styleLbl>
+  <dgm:styleLbl name="parChTrans1D3">
+    <dgm:scene3d>
+      <a:camera prst="orthographicFront"/>
+      <a:lightRig rig="threePt" dir="t"/>
+    </dgm:scene3d>
+    <dgm:sp3d/>
+    <dgm:txPr/>
+    <dgm:style>
+      <a:lnRef idx="2">
+        <a:scrgbClr r="0" g="0" b="0"/>
+      </a:lnRef>
+      <a:fillRef idx="0">
+        <a:scrgbClr r="0" g="0" b="0"/>
+      </a:fillRef>
+      <a:effectRef idx="0">
+        <a:scrgbClr r="0" g="0" b="0"/>
+      </a:effectRef>
+      <a:fontRef idx="minor"/>
+    </dgm:style>
+  </dgm:styleLbl>
+  <dgm:styleLbl name="parChTrans1D4">
+    <dgm:scene3d>
+      <a:camera prst="orthographicFront"/>
+      <a:lightRig rig="threePt" dir="t"/>
+    </dgm:scene3d>
+    <dgm:sp3d/>
+    <dgm:txPr/>
+    <dgm:style>
+      <a:lnRef idx="2">
+        <a:scrgbClr r="0" g="0" b="0"/>
+      </a:lnRef>
+      <a:fillRef idx="0">
+        <a:scrgbClr r="0" g="0" b="0"/>
+      </a:fillRef>
+      <a:effectRef idx="0">
+        <a:scrgbClr r="0" g="0" b="0"/>
+      </a:effectRef>
+      <a:fontRef idx="minor"/>
+    </dgm:style>
+  </dgm:styleLbl>
+  <dgm:styleLbl name="fgAcc1">
+    <dgm:scene3d>
+      <a:camera prst="orthographicFront"/>
+      <a:lightRig rig="threePt" dir="t"/>
+    </dgm:scene3d>
+    <dgm:sp3d/>
+    <dgm:txPr/>
+    <dgm:style>
+      <a:lnRef idx="2">
+        <a:scrgbClr r="0" g="0" b="0"/>
+      </a:lnRef>
+      <a:fillRef idx="1">
+        <a:scrgbClr r="0" g="0" b="0"/>
+      </a:fillRef>
+      <a:effectRef idx="0">
+        <a:scrgbClr r="0" g="0" b="0"/>
+      </a:effectRef>
+      <a:fontRef idx="minor"/>
+    </dgm:style>
+  </dgm:styleLbl>
+  <dgm:styleLbl name="conFgAcc1">
+    <dgm:scene3d>
+      <a:camera prst="orthographicFront"/>
+      <a:lightRig rig="threePt" dir="t"/>
+    </dgm:scene3d>
+    <dgm:sp3d/>
+    <dgm:txPr/>
+    <dgm:style>
+      <a:lnRef idx="2">
+        <a:scrgbClr r="0" g="0" b="0"/>
+      </a:lnRef>
+      <a:fillRef idx="1">
+        <a:scrgbClr r="0" g="0" b="0"/>
+      </a:fillRef>
+      <a:effectRef idx="0">
+        <a:scrgbClr r="0" g="0" b="0"/>
+      </a:effectRef>
+      <a:fontRef idx="minor"/>
+    </dgm:style>
+  </dgm:styleLbl>
+  <dgm:styleLbl name="alignAcc1">
+    <dgm:scene3d>
+      <a:camera prst="orthographicFront"/>
+      <a:lightRig rig="threePt" dir="t"/>
+    </dgm:scene3d>
+    <dgm:sp3d/>
+    <dgm:txPr/>
+    <dgm:style>
+      <a:lnRef idx="2">
+        <a:scrgbClr r="0" g="0" b="0"/>
+      </a:lnRef>
+      <a:fillRef idx="1">
+        <a:scrgbClr r="0" g="0" b="0"/>
+      </a:fillRef>
+      <a:effectRef idx="0">
+        <a:scrgbClr r="0" g="0" b="0"/>
+      </a:effectRef>
+      <a:fontRef idx="minor"/>
+    </dgm:style>
+  </dgm:styleLbl>
+  <dgm:styleLbl name="trAlignAcc1">
+    <dgm:scene3d>
+      <a:camera prst="orthographicFront"/>
+      <a:lightRig rig="threePt" dir="t"/>
+    </dgm:scene3d>
+    <dgm:sp3d/>
+    <dgm:txPr/>
+    <dgm:style>
+      <a:lnRef idx="1">
+        <a:scrgbClr r="0" g="0" b="0"/>
+      </a:lnRef>
+      <a:fillRef idx="1">
+        <a:scrgbClr r="0" g="0" b="0"/>
+      </a:fillRef>
+      <a:effectRef idx="0">
+        <a:scrgbClr r="0" g="0" b="0"/>
+      </a:effectRef>
+      <a:fontRef idx="minor"/>
+    </dgm:style>
+  </dgm:styleLbl>
+  <dgm:styleLbl name="bgAcc1">
+    <dgm:scene3d>
+      <a:camera prst="orthographicFront"/>
+      <a:lightRig rig="threePt" dir="t"/>
+    </dgm:scene3d>
+    <dgm:sp3d/>
+    <dgm:txPr/>
+    <dgm:style>
+      <a:lnRef idx="2">
+        <a:scrgbClr r="0" g="0" b="0"/>
+      </a:lnRef>
+      <a:fillRef idx="1">
+        <a:scrgbClr r="0" g="0" b="0"/>
+      </a:fillRef>
+      <a:effectRef idx="0">
+        <a:scrgbClr r="0" g="0" b="0"/>
+      </a:effectRef>
+      <a:fontRef idx="minor"/>
+    </dgm:style>
+  </dgm:styleLbl>
+  <dgm:styleLbl name="solidFgAcc1">
+    <dgm:scene3d>
+      <a:camera prst="orthographicFront"/>
+      <a:lightRig rig="threePt" dir="t"/>
+    </dgm:scene3d>
+    <dgm:sp3d/>
+    <dgm:txPr/>
+    <dgm:style>
+      <a:lnRef idx="2">
+        <a:scrgbClr r="0" g="0" b="0"/>
+      </a:lnRef>
+      <a:fillRef idx="1">
+        <a:scrgbClr r="0" g="0" b="0"/>
+      </a:fillRef>
+      <a:effectRef idx="0">
+        <a:scrgbClr r="0" g="0" b="0"/>
+      </a:effectRef>
+      <a:fontRef idx="minor"/>
+    </dgm:style>
+  </dgm:styleLbl>
+  <dgm:styleLbl name="solidAlignAcc1">
+    <dgm:scene3d>
+      <a:camera prst="orthographicFront"/>
+      <a:lightRig rig="threePt" dir="t"/>
+    </dgm:scene3d>
+    <dgm:sp3d/>
+    <dgm:txPr/>
+    <dgm:style>
+      <a:lnRef idx="2">
+        <a:scrgbClr r="0" g="0" b="0"/>
+      </a:lnRef>
+      <a:fillRef idx="1">
+        <a:scrgbClr r="0" g="0" b="0"/>
+      </a:fillRef>
+      <a:effectRef idx="0">
+        <a:scrgbClr r="0" g="0" b="0"/>
+      </a:effectRef>
+      <a:fontRef idx="minor"/>
+    </dgm:style>
+  </dgm:styleLbl>
+  <dgm:styleLbl name="solidBgAcc1">
+    <dgm:scene3d>
+      <a:camera prst="orthographicFront"/>
+      <a:lightRig rig="threePt" dir="t"/>
+    </dgm:scene3d>
+    <dgm:sp3d/>
+    <dgm:txPr/>
+    <dgm:style>
+      <a:lnRef idx="2">
+        <a:scrgbClr r="0" g="0" b="0"/>
+      </a:lnRef>
+      <a:fillRef idx="1">
+        <a:scrgbClr r="0" g="0" b="0"/>
+      </a:fillRef>
+      <a:effectRef idx="0">
+        <a:scrgbClr r="0" g="0" b="0"/>
+      </a:effectRef>
+      <a:fontRef idx="minor"/>
+    </dgm:style>
+  </dgm:styleLbl>
+  <dgm:styleLbl name="fgAccFollowNode1">
+    <dgm:scene3d>
+      <a:camera prst="orthographicFront"/>
+      <a:lightRig rig="threePt" dir="t"/>
+    </dgm:scene3d>
+    <dgm:sp3d/>
+    <dgm:txPr/>
+    <dgm:style>
+      <a:lnRef idx="2">
+        <a:scrgbClr r="0" g="0" b="0"/>
+      </a:lnRef>
+      <a:fillRef idx="1">
+        <a:scrgbClr r="0" g="0" b="0"/>
+      </a:fillRef>
+      <a:effectRef idx="0">
+        <a:scrgbClr r="0" g="0" b="0"/>
+      </a:effectRef>
+      <a:fontRef idx="minor"/>
+    </dgm:style>
+  </dgm:styleLbl>
+  <dgm:styleLbl name="alignAccFollowNode1">
+    <dgm:scene3d>
+      <a:camera prst="orthographicFront"/>
+      <a:lightRig rig="threePt" dir="t"/>
+    </dgm:scene3d>
+    <dgm:sp3d/>
+    <dgm:txPr/>
+    <dgm:style>
+      <a:lnRef idx="2">
+        <a:scrgbClr r="0" g="0" b="0"/>
+      </a:lnRef>
+      <a:fillRef idx="1">
+        <a:scrgbClr r="0" g="0" b="0"/>
+      </a:fillRef>
+      <a:effectRef idx="0">
+        <a:scrgbClr r="0" g="0" b="0"/>
+      </a:effectRef>
+      <a:fontRef idx="minor"/>
+    </dgm:style>
+  </dgm:styleLbl>
+  <dgm:styleLbl name="bgAccFollowNode1">
+    <dgm:scene3d>
+      <a:camera prst="orthographicFront"/>
+      <a:lightRig rig="threePt" dir="t"/>
+    </dgm:scene3d>
+    <dgm:sp3d/>
+    <dgm:txPr/>
+    <dgm:style>
+      <a:lnRef idx="2">
+        <a:scrgbClr r="0" g="0" b="0"/>
+      </a:lnRef>
+      <a:fillRef idx="1">
+        <a:scrgbClr r="0" g="0" b="0"/>
+      </a:fillRef>
+      <a:effectRef idx="0">
+        <a:scrgbClr r="0" g="0" b="0"/>
+      </a:effectRef>
+      <a:fontRef idx="minor"/>
+    </dgm:style>
+  </dgm:styleLbl>
+  <dgm:styleLbl name="fgAcc0">
+    <dgm:scene3d>
+      <a:camera prst="orthographicFront"/>
+      <a:lightRig rig="threePt" dir="t"/>
+    </dgm:scene3d>
+    <dgm:sp3d/>
+    <dgm:txPr/>
+    <dgm:style>
+      <a:lnRef idx="2">
+        <a:scrgbClr r="0" g="0" b="0"/>
+      </a:lnRef>
+      <a:fillRef idx="1">
+        <a:scrgbClr r="0" g="0" b="0"/>
+      </a:fillRef>
+      <a:effectRef idx="0">
+        <a:scrgbClr r="0" g="0" b="0"/>
+      </a:effectRef>
+      <a:fontRef idx="minor"/>
+    </dgm:style>
+  </dgm:styleLbl>
+  <dgm:styleLbl name="fgAcc2">
+    <dgm:scene3d>
+      <a:camera prst="orthographicFront"/>
+      <a:lightRig rig="threePt" dir="t"/>
+    </dgm:scene3d>
+    <dgm:sp3d/>
+    <dgm:txPr/>
+    <dgm:style>
+      <a:lnRef idx="2">
+        <a:scrgbClr r="0" g="0" b="0"/>
+      </a:lnRef>
+      <a:fillRef idx="1">
+        <a:scrgbClr r="0" g="0" b="0"/>
+      </a:fillRef>
+      <a:effectRef idx="0">
+        <a:scrgbClr r="0" g="0" b="0"/>
+      </a:effectRef>
+      <a:fontRef idx="minor"/>
+    </dgm:style>
+  </dgm:styleLbl>
+  <dgm:styleLbl name="fgAcc3">
+    <dgm:scene3d>
+      <a:camera prst="orthographicFront"/>
+      <a:lightRig rig="threePt" dir="t"/>
+    </dgm:scene3d>
+    <dgm:sp3d/>
+    <dgm:txPr/>
+    <dgm:style>
+      <a:lnRef idx="2">
+        <a:scrgbClr r="0" g="0" b="0"/>
+      </a:lnRef>
+      <a:fillRef idx="1">
+        <a:scrgbClr r="0" g="0" b="0"/>
+      </a:fillRef>
+      <a:effectRef idx="0">
+        <a:scrgbClr r="0" g="0" b="0"/>
+      </a:effectRef>
+      <a:fontRef idx="minor"/>
+    </dgm:style>
+  </dgm:styleLbl>
+  <dgm:styleLbl name="fgAcc4">
+    <dgm:scene3d>
+      <a:camera prst="orthographicFront"/>
+      <a:lightRig rig="threePt" dir="t"/>
+    </dgm:scene3d>
+    <dgm:sp3d/>
+    <dgm:txPr/>
+    <dgm:style>
+      <a:lnRef idx="2">
+        <a:scrgbClr r="0" g="0" b="0"/>
+      </a:lnRef>
+      <a:fillRef idx="1">
+        <a:scrgbClr r="0" g="0" b="0"/>
+      </a:fillRef>
+      <a:effectRef idx="0">
+        <a:scrgbClr r="0" g="0" b="0"/>
+      </a:effectRef>
+      <a:fontRef idx="minor"/>
+    </dgm:style>
+  </dgm:styleLbl>
+  <dgm:styleLbl name="bgShp">
+    <dgm:scene3d>
+      <a:camera prst="orthographicFront"/>
+      <a:lightRig rig="threePt" dir="t"/>
+    </dgm:scene3d>
+    <dgm:sp3d/>
+    <dgm:txPr/>
+    <dgm:style>
+      <a:lnRef idx="0">
+        <a:scrgbClr r="0" g="0" b="0"/>
+      </a:lnRef>
+      <a:fillRef idx="1">
+        <a:scrgbClr r="0" g="0" b="0"/>
+      </a:fillRef>
+      <a:effectRef idx="0">
+        <a:scrgbClr r="0" g="0" b="0"/>
+      </a:effectRef>
+      <a:fontRef idx="minor"/>
+    </dgm:style>
+  </dgm:styleLbl>
+  <dgm:styleLbl name="dkBgShp">
+    <dgm:scene3d>
+      <a:camera prst="orthographicFront"/>
+      <a:lightRig rig="threePt" dir="t"/>
+    </dgm:scene3d>
+    <dgm:sp3d/>
+    <dgm:txPr/>
+    <dgm:style>
+      <a:lnRef idx="0">
+        <a:scrgbClr r="0" g="0" b="0"/>
+      </a:lnRef>
+      <a:fillRef idx="1">
+        <a:scrgbClr r="0" g="0" b="0"/>
+      </a:fillRef>
+      <a:effectRef idx="0">
+        <a:scrgbClr r="0" g="0" b="0"/>
+      </a:effectRef>
+      <a:fontRef idx="minor"/>
+    </dgm:style>
+  </dgm:styleLbl>
+  <dgm:styleLbl name="trBgShp">
+    <dgm:scene3d>
+      <a:camera prst="orthographicFront"/>
+      <a:lightRig rig="threePt" dir="t"/>
+    </dgm:scene3d>
+    <dgm:sp3d/>
+    <dgm:txPr/>
+    <dgm:style>
+      <a:lnRef idx="0">
+        <a:scrgbClr r="0" g="0" b="0"/>
+      </a:lnRef>
+      <a:fillRef idx="1">
+        <a:scrgbClr r="0" g="0" b="0"/>
+      </a:fillRef>
+      <a:effectRef idx="0">
+        <a:scrgbClr r="0" g="0" b="0"/>
+      </a:effectRef>
+      <a:fontRef idx="minor"/>
+    </dgm:style>
+  </dgm:styleLbl>
+  <dgm:styleLbl name="fgShp">
+    <dgm:scene3d>
+      <a:camera prst="orthographicFront"/>
+      <a:lightRig rig="threePt" dir="t"/>
+    </dgm:scene3d>
+    <dgm:sp3d/>
+    <dgm:txPr/>
+    <dgm:style>
+      <a:lnRef idx="2">
+        <a:scrgbClr r="0" g="0" b="0"/>
+      </a:lnRef>
+      <a:fillRef idx="1">
+        <a:scrgbClr r="0" g="0" b="0"/>
+      </a:fillRef>
+      <a:effectRef idx="0">
+        <a:scrgbClr r="0" g="0" b="0"/>
+      </a:effectRef>
+      <a:fontRef idx="minor"/>
+    </dgm:style>
+  </dgm:styleLbl>
+  <dgm:styleLbl name="revTx">
+    <dgm:scene3d>
+      <a:camera prst="orthographicFront"/>
+      <a:lightRig rig="threePt" dir="t"/>
+    </dgm:scene3d>
+    <dgm:sp3d/>
+    <dgm:txPr/>
+    <dgm:style>
+      <a:lnRef idx="0">
+        <a:scrgbClr r="0" g="0" b="0"/>
+      </a:lnRef>
+      <a:fillRef idx="0">
+        <a:scrgbClr r="0" g="0" b="0"/>
+      </a:fillRef>
+      <a:effectRef idx="0">
+        <a:scrgbClr r="0" g="0" b="0"/>
+      </a:effectRef>
+      <a:fontRef idx="minor"/>
+    </dgm:style>
+  </dgm:styleLbl>
+</dgm:styleDef>
+</file>
+
+<file path=ppt/diagrams/quickStyle3.xml><?xml version="1.0" encoding="utf-8"?>
 <dgm:styleDef xmlns:dgm="http://schemas.openxmlformats.org/drawingml/2006/diagram" xmlns:a="http://schemas.openxmlformats.org/drawingml/2006/main" uniqueId="urn:microsoft.com/office/officeart/2005/8/quickstyle/simple1">
   <dgm:title val=""/>
   <dgm:desc val=""/>
@@ -10300,7 +13412,7 @@
           <p:nvPr>
             <p:extLst>
               <p:ext uri="{D42A27DB-BD31-4B8C-83A1-F6EECF244321}">
-                <p14:modId xmlns:p14="http://schemas.microsoft.com/office/powerpoint/2010/main" val="2711834432"/>
+                <p14:modId xmlns:p14="http://schemas.microsoft.com/office/powerpoint/2010/main" val="3911162099"/>
               </p:ext>
             </p:extLst>
           </p:nvPr>
@@ -10411,6 +13523,98 @@
     <p:extLst>
       <p:ext uri="{BB962C8B-B14F-4D97-AF65-F5344CB8AC3E}">
         <p14:creationId xmlns:p14="http://schemas.microsoft.com/office/powerpoint/2010/main" val="1800016780"/>
+      </p:ext>
+    </p:extLst>
+  </p:cSld>
+  <p:clrMapOvr>
+    <a:masterClrMapping/>
+  </p:clrMapOvr>
+</p:sld>
+</file>
+
+<file path=ppt/slides/slide4.xml><?xml version="1.0" encoding="utf-8"?>
+<p:sld xmlns:a="http://schemas.openxmlformats.org/drawingml/2006/main" xmlns:r="http://schemas.openxmlformats.org/officeDocument/2006/relationships" xmlns:p="http://schemas.openxmlformats.org/presentationml/2006/main">
+  <p:cSld>
+    <p:spTree>
+      <p:nvGrpSpPr>
+        <p:cNvPr id="1" name=""/>
+        <p:cNvGrpSpPr/>
+        <p:nvPr/>
+      </p:nvGrpSpPr>
+      <p:grpSpPr>
+        <a:xfrm>
+          <a:off x="0" y="0"/>
+          <a:ext cx="0" cy="0"/>
+          <a:chOff x="0" y="0"/>
+          <a:chExt cx="0" cy="0"/>
+        </a:xfrm>
+      </p:grpSpPr>
+      <p:sp>
+        <p:nvSpPr>
+          <p:cNvPr id="2" name="Title 1">
+            <a:extLst>
+              <a:ext uri="{FF2B5EF4-FFF2-40B4-BE49-F238E27FC236}">
+                <a16:creationId xmlns:a16="http://schemas.microsoft.com/office/drawing/2014/main" id="{C2B3D22C-836B-C84B-4B28-672653A87BE8}"/>
+              </a:ext>
+            </a:extLst>
+          </p:cNvPr>
+          <p:cNvSpPr>
+            <a:spLocks noGrp="1"/>
+          </p:cNvSpPr>
+          <p:nvPr>
+            <p:ph type="title"/>
+          </p:nvPr>
+        </p:nvSpPr>
+        <p:spPr/>
+        <p:txBody>
+          <a:bodyPr/>
+          <a:lstStyle/>
+          <a:p>
+            <a:pPr marR="0" rtl="0"/>
+            <a:r>
+              <a:rPr lang="en-US" b="0" i="0" u="none" strike="noStrike" baseline="0" dirty="0">
+                <a:solidFill>
+                  <a:srgbClr val="000000"/>
+                </a:solidFill>
+                <a:latin typeface="Segoe UI" panose="020B0502040204020203" pitchFamily="34" charset="0"/>
+              </a:rPr>
+              <a:t>Python and Streamlit</a:t>
+            </a:r>
+          </a:p>
+        </p:txBody>
+      </p:sp>
+      <p:graphicFrame>
+        <p:nvGraphicFramePr>
+          <p:cNvPr id="5" name="Text Placeholder 2">
+            <a:extLst>
+              <a:ext uri="{FF2B5EF4-FFF2-40B4-BE49-F238E27FC236}">
+                <a16:creationId xmlns:a16="http://schemas.microsoft.com/office/drawing/2014/main" id="{E9DAC7D0-FC74-B73D-A277-378F7AA168A0}"/>
+              </a:ext>
+            </a:extLst>
+          </p:cNvPr>
+          <p:cNvGraphicFramePr/>
+          <p:nvPr>
+            <p:extLst>
+              <p:ext uri="{D42A27DB-BD31-4B8C-83A1-F6EECF244321}">
+                <p14:modId xmlns:p14="http://schemas.microsoft.com/office/powerpoint/2010/main" val="269533616"/>
+              </p:ext>
+            </p:extLst>
+          </p:nvPr>
+        </p:nvGraphicFramePr>
+        <p:xfrm>
+          <a:off x="838200" y="1825625"/>
+          <a:ext cx="10515600" cy="4351338"/>
+        </p:xfrm>
+        <a:graphic>
+          <a:graphicData uri="http://schemas.openxmlformats.org/drawingml/2006/diagram">
+            <dgm:relIds xmlns:dgm="http://schemas.openxmlformats.org/drawingml/2006/diagram" xmlns:r="http://schemas.openxmlformats.org/officeDocument/2006/relationships" r:dm="rId2" r:lo="rId3" r:qs="rId4" r:cs="rId5"/>
+          </a:graphicData>
+        </a:graphic>
+      </p:graphicFrame>
+    </p:spTree>
+    <p:extLst>
+      <p:ext uri="{BB962C8B-B14F-4D97-AF65-F5344CB8AC3E}">
+        <p14:creationId xmlns:p14="http://schemas.microsoft.com/office/powerpoint/2010/main" val="1679028479"/>
       </p:ext>
     </p:extLst>
   </p:cSld>

--- a/Digital Art Solutions.pptx
+++ b/Digital Art Solutions.pptx
@@ -9,6 +9,9 @@
     <p:sldId id="260" r:id="rId3"/>
     <p:sldId id="259" r:id="rId4"/>
     <p:sldId id="261" r:id="rId5"/>
+    <p:sldId id="263" r:id="rId6"/>
+    <p:sldId id="258" r:id="rId7"/>
+    <p:sldId id="262" r:id="rId8"/>
   </p:sldIdLst>
   <p:sldSz cx="12192000" cy="6858000"/>
   <p:notesSz cx="6858000" cy="9144000"/>
@@ -118,7 +121,7 @@
 <file path=ppt/revisionInfo.xml><?xml version="1.0" encoding="utf-8"?>
 <p1510:revInfo xmlns:a="http://schemas.openxmlformats.org/drawingml/2006/main" xmlns:r="http://schemas.openxmlformats.org/officeDocument/2006/relationships" xmlns:p1510="http://schemas.microsoft.com/office/powerpoint/2015/10/main">
   <p1510:revLst>
-    <p1510:client id="{2AD4B4F2-9A8D-4F93-BE81-9B174DA180E8}" v="1337" dt="2023-05-14T00:48:30.702"/>
+    <p1510:client id="{2AD4B4F2-9A8D-4F93-BE81-9B174DA180E8}" v="1368" dt="2023-05-15T15:16:56.477"/>
   </p1510:revLst>
 </p1510:revInfo>
 </file>
@@ -127,19 +130,73 @@
 <pc:chgInfo xmlns:a="http://schemas.openxmlformats.org/drawingml/2006/main" xmlns:r="http://schemas.openxmlformats.org/officeDocument/2006/relationships" xmlns:ac="http://schemas.microsoft.com/office/drawing/2013/main/command" xmlns:pc="http://schemas.microsoft.com/office/powerpoint/2013/main/command">
   <pc:docChgLst>
     <pc:chgData name="b d" userId="d8a693ecc95ea58f" providerId="LiveId" clId="{2AD4B4F2-9A8D-4F93-BE81-9B174DA180E8}"/>
-    <pc:docChg chg="addSld modSld">
-      <pc:chgData name="b d" userId="d8a693ecc95ea58f" providerId="LiveId" clId="{2AD4B4F2-9A8D-4F93-BE81-9B174DA180E8}" dt="2023-05-14T00:48:30.702" v="1347" actId="20577"/>
+    <pc:docChg chg="undo custSel addSld modSld sldOrd">
+      <pc:chgData name="b d" userId="d8a693ecc95ea58f" providerId="LiveId" clId="{2AD4B4F2-9A8D-4F93-BE81-9B174DA180E8}" dt="2023-05-15T15:37:48.270" v="2247" actId="20577"/>
       <pc:docMkLst>
         <pc:docMk/>
       </pc:docMkLst>
-      <pc:sldChg chg="modSp">
-        <pc:chgData name="b d" userId="d8a693ecc95ea58f" providerId="LiveId" clId="{2AD4B4F2-9A8D-4F93-BE81-9B174DA180E8}" dt="2023-05-14T00:23:18.960" v="90" actId="20577"/>
+      <pc:sldChg chg="modSp mod">
+        <pc:chgData name="b d" userId="d8a693ecc95ea58f" providerId="LiveId" clId="{2AD4B4F2-9A8D-4F93-BE81-9B174DA180E8}" dt="2023-05-15T15:26:51.686" v="2245" actId="27636"/>
+        <pc:sldMkLst>
+          <pc:docMk/>
+          <pc:sldMk cId="3452409421" sldId="257"/>
+        </pc:sldMkLst>
+        <pc:spChg chg="mod">
+          <ac:chgData name="b d" userId="d8a693ecc95ea58f" providerId="LiveId" clId="{2AD4B4F2-9A8D-4F93-BE81-9B174DA180E8}" dt="2023-05-15T15:23:50.515" v="2165" actId="255"/>
+          <ac:spMkLst>
+            <pc:docMk/>
+            <pc:sldMk cId="3452409421" sldId="257"/>
+            <ac:spMk id="2" creationId="{864E25E2-A472-C626-C403-E78A53DAFEEE}"/>
+          </ac:spMkLst>
+        </pc:spChg>
+        <pc:spChg chg="mod">
+          <ac:chgData name="b d" userId="d8a693ecc95ea58f" providerId="LiveId" clId="{2AD4B4F2-9A8D-4F93-BE81-9B174DA180E8}" dt="2023-05-15T15:26:51.686" v="2245" actId="27636"/>
+          <ac:spMkLst>
+            <pc:docMk/>
+            <pc:sldMk cId="3452409421" sldId="257"/>
+            <ac:spMk id="3" creationId="{13AEDD73-F284-6DF0-9001-C4BFFAD6F6EF}"/>
+          </ac:spMkLst>
+        </pc:spChg>
+      </pc:sldChg>
+      <pc:sldChg chg="modSp add mod">
+        <pc:chgData name="b d" userId="d8a693ecc95ea58f" providerId="LiveId" clId="{2AD4B4F2-9A8D-4F93-BE81-9B174DA180E8}" dt="2023-05-15T15:22:37.305" v="2161" actId="2711"/>
+        <pc:sldMkLst>
+          <pc:docMk/>
+          <pc:sldMk cId="679611928" sldId="258"/>
+        </pc:sldMkLst>
+        <pc:spChg chg="mod">
+          <ac:chgData name="b d" userId="d8a693ecc95ea58f" providerId="LiveId" clId="{2AD4B4F2-9A8D-4F93-BE81-9B174DA180E8}" dt="2023-05-15T15:22:37.305" v="2161" actId="2711"/>
+          <ac:spMkLst>
+            <pc:docMk/>
+            <pc:sldMk cId="679611928" sldId="258"/>
+            <ac:spMk id="2" creationId="{3470A61B-0B92-B53E-D041-5F8A903C55AC}"/>
+          </ac:spMkLst>
+        </pc:spChg>
+        <pc:graphicFrameChg chg="mod">
+          <ac:chgData name="b d" userId="d8a693ecc95ea58f" providerId="LiveId" clId="{2AD4B4F2-9A8D-4F93-BE81-9B174DA180E8}" dt="2023-05-15T15:16:54.679" v="2117" actId="20577"/>
+          <ac:graphicFrameMkLst>
+            <pc:docMk/>
+            <pc:sldMk cId="679611928" sldId="258"/>
+            <ac:graphicFrameMk id="7" creationId="{480B2466-5450-89CF-AB06-88B1E8017665}"/>
+          </ac:graphicFrameMkLst>
+        </pc:graphicFrameChg>
+      </pc:sldChg>
+      <pc:sldChg chg="modSp mod">
+        <pc:chgData name="b d" userId="d8a693ecc95ea58f" providerId="LiveId" clId="{2AD4B4F2-9A8D-4F93-BE81-9B174DA180E8}" dt="2023-05-15T15:23:14.548" v="2163" actId="2711"/>
         <pc:sldMkLst>
           <pc:docMk/>
           <pc:sldMk cId="1528351146" sldId="260"/>
         </pc:sldMkLst>
-        <pc:graphicFrameChg chg="mod">
-          <ac:chgData name="b d" userId="d8a693ecc95ea58f" providerId="LiveId" clId="{2AD4B4F2-9A8D-4F93-BE81-9B174DA180E8}" dt="2023-05-14T00:23:18.960" v="90" actId="20577"/>
+        <pc:spChg chg="mod">
+          <ac:chgData name="b d" userId="d8a693ecc95ea58f" providerId="LiveId" clId="{2AD4B4F2-9A8D-4F93-BE81-9B174DA180E8}" dt="2023-05-15T15:23:14.548" v="2163" actId="2711"/>
+          <ac:spMkLst>
+            <pc:docMk/>
+            <pc:sldMk cId="1528351146" sldId="260"/>
+            <ac:spMk id="2" creationId="{C2B3D22C-836B-C84B-4B28-672653A87BE8}"/>
+          </ac:spMkLst>
+        </pc:spChg>
+        <pc:graphicFrameChg chg="mod modGraphic">
+          <ac:chgData name="b d" userId="d8a693ecc95ea58f" providerId="LiveId" clId="{2AD4B4F2-9A8D-4F93-BE81-9B174DA180E8}" dt="2023-05-15T15:17:41.193" v="2122" actId="207"/>
           <ac:graphicFrameMkLst>
             <pc:docMk/>
             <pc:sldMk cId="1528351146" sldId="260"/>
@@ -170,6 +227,260 @@
           </ac:graphicFrameMkLst>
         </pc:graphicFrameChg>
       </pc:sldChg>
+      <pc:sldChg chg="addSp delSp modSp new mod ord setBg">
+        <pc:chgData name="b d" userId="d8a693ecc95ea58f" providerId="LiveId" clId="{2AD4B4F2-9A8D-4F93-BE81-9B174DA180E8}" dt="2023-05-15T15:37:48.270" v="2247" actId="20577"/>
+        <pc:sldMkLst>
+          <pc:docMk/>
+          <pc:sldMk cId="1932872946" sldId="262"/>
+        </pc:sldMkLst>
+        <pc:spChg chg="mod">
+          <ac:chgData name="b d" userId="d8a693ecc95ea58f" providerId="LiveId" clId="{2AD4B4F2-9A8D-4F93-BE81-9B174DA180E8}" dt="2023-05-15T15:19:37.492" v="2145" actId="26606"/>
+          <ac:spMkLst>
+            <pc:docMk/>
+            <pc:sldMk cId="1932872946" sldId="262"/>
+            <ac:spMk id="2" creationId="{8AFF58CD-452D-D6CF-3C14-4F5995B2838F}"/>
+          </ac:spMkLst>
+        </pc:spChg>
+        <pc:spChg chg="mod ord">
+          <ac:chgData name="b d" userId="d8a693ecc95ea58f" providerId="LiveId" clId="{2AD4B4F2-9A8D-4F93-BE81-9B174DA180E8}" dt="2023-05-15T15:37:48.270" v="2247" actId="20577"/>
+          <ac:spMkLst>
+            <pc:docMk/>
+            <pc:sldMk cId="1932872946" sldId="262"/>
+            <ac:spMk id="3" creationId="{EDC3B961-2033-7536-BD49-6ECFDE29EDF1}"/>
+          </ac:spMkLst>
+        </pc:spChg>
+        <pc:spChg chg="add del">
+          <ac:chgData name="b d" userId="d8a693ecc95ea58f" providerId="LiveId" clId="{2AD4B4F2-9A8D-4F93-BE81-9B174DA180E8}" dt="2023-05-15T15:19:01.965" v="2140" actId="26606"/>
+          <ac:spMkLst>
+            <pc:docMk/>
+            <pc:sldMk cId="1932872946" sldId="262"/>
+            <ac:spMk id="7" creationId="{7FF47CB7-972F-479F-A36D-9E72D26EC8DA}"/>
+          </ac:spMkLst>
+        </pc:spChg>
+        <pc:spChg chg="add del">
+          <ac:chgData name="b d" userId="d8a693ecc95ea58f" providerId="LiveId" clId="{2AD4B4F2-9A8D-4F93-BE81-9B174DA180E8}" dt="2023-05-15T15:19:01.965" v="2140" actId="26606"/>
+          <ac:spMkLst>
+            <pc:docMk/>
+            <pc:sldMk cId="1932872946" sldId="262"/>
+            <ac:spMk id="8" creationId="{0D153B68-5844-490D-8E67-F616D6D721CA}"/>
+          </ac:spMkLst>
+        </pc:spChg>
+        <pc:spChg chg="add del">
+          <ac:chgData name="b d" userId="d8a693ecc95ea58f" providerId="LiveId" clId="{2AD4B4F2-9A8D-4F93-BE81-9B174DA180E8}" dt="2023-05-15T15:19:01.965" v="2140" actId="26606"/>
+          <ac:spMkLst>
+            <pc:docMk/>
+            <pc:sldMk cId="1932872946" sldId="262"/>
+            <ac:spMk id="9" creationId="{9A0D773F-7A7D-4DBB-9DEA-86BB8B8F4BC8}"/>
+          </ac:spMkLst>
+        </pc:spChg>
+        <pc:spChg chg="add del">
+          <ac:chgData name="b d" userId="d8a693ecc95ea58f" providerId="LiveId" clId="{2AD4B4F2-9A8D-4F93-BE81-9B174DA180E8}" dt="2023-05-15T15:18:28.017" v="2126" actId="26606"/>
+          <ac:spMkLst>
+            <pc:docMk/>
+            <pc:sldMk cId="1932872946" sldId="262"/>
+            <ac:spMk id="10" creationId="{2550BE34-C2B8-49B8-8519-67A8CAD51AE9}"/>
+          </ac:spMkLst>
+        </pc:spChg>
+        <pc:spChg chg="add del">
+          <ac:chgData name="b d" userId="d8a693ecc95ea58f" providerId="LiveId" clId="{2AD4B4F2-9A8D-4F93-BE81-9B174DA180E8}" dt="2023-05-15T15:19:10.324" v="2142" actId="26606"/>
+          <ac:spMkLst>
+            <pc:docMk/>
+            <pc:sldMk cId="1932872946" sldId="262"/>
+            <ac:spMk id="11" creationId="{0E3596DD-156A-473E-9BB3-C6A29F7574E9}"/>
+          </ac:spMkLst>
+        </pc:spChg>
+        <pc:spChg chg="add del">
+          <ac:chgData name="b d" userId="d8a693ecc95ea58f" providerId="LiveId" clId="{2AD4B4F2-9A8D-4F93-BE81-9B174DA180E8}" dt="2023-05-15T15:18:28.017" v="2126" actId="26606"/>
+          <ac:spMkLst>
+            <pc:docMk/>
+            <pc:sldMk cId="1932872946" sldId="262"/>
+            <ac:spMk id="12" creationId="{A7457DD9-5A45-400A-AB4B-4B4EDECA25F1}"/>
+          </ac:spMkLst>
+        </pc:spChg>
+        <pc:spChg chg="add del">
+          <ac:chgData name="b d" userId="d8a693ecc95ea58f" providerId="LiveId" clId="{2AD4B4F2-9A8D-4F93-BE81-9B174DA180E8}" dt="2023-05-15T15:19:10.324" v="2142" actId="26606"/>
+          <ac:spMkLst>
+            <pc:docMk/>
+            <pc:sldMk cId="1932872946" sldId="262"/>
+            <ac:spMk id="13" creationId="{2C46C4D6-C474-4E92-B52E-944C1118F7B6}"/>
+          </ac:spMkLst>
+        </pc:spChg>
+        <pc:spChg chg="add del">
+          <ac:chgData name="b d" userId="d8a693ecc95ea58f" providerId="LiveId" clId="{2AD4B4F2-9A8D-4F93-BE81-9B174DA180E8}" dt="2023-05-15T15:18:28.017" v="2126" actId="26606"/>
+          <ac:spMkLst>
+            <pc:docMk/>
+            <pc:sldMk cId="1932872946" sldId="262"/>
+            <ac:spMk id="14" creationId="{441CF7D6-A660-431A-B0BB-140A0D5556B6}"/>
+          </ac:spMkLst>
+        </pc:spChg>
+        <pc:spChg chg="add">
+          <ac:chgData name="b d" userId="d8a693ecc95ea58f" providerId="LiveId" clId="{2AD4B4F2-9A8D-4F93-BE81-9B174DA180E8}" dt="2023-05-15T15:19:37.492" v="2145" actId="26606"/>
+          <ac:spMkLst>
+            <pc:docMk/>
+            <pc:sldMk cId="1932872946" sldId="262"/>
+            <ac:spMk id="15" creationId="{2550BE34-C2B8-49B8-8519-67A8CAD51AE9}"/>
+          </ac:spMkLst>
+        </pc:spChg>
+        <pc:spChg chg="add del">
+          <ac:chgData name="b d" userId="d8a693ecc95ea58f" providerId="LiveId" clId="{2AD4B4F2-9A8D-4F93-BE81-9B174DA180E8}" dt="2023-05-15T15:18:28.017" v="2126" actId="26606"/>
+          <ac:spMkLst>
+            <pc:docMk/>
+            <pc:sldMk cId="1932872946" sldId="262"/>
+            <ac:spMk id="16" creationId="{0570A85B-3810-4F95-97B0-CBF4CCDB381C}"/>
+          </ac:spMkLst>
+        </pc:spChg>
+        <pc:spChg chg="add">
+          <ac:chgData name="b d" userId="d8a693ecc95ea58f" providerId="LiveId" clId="{2AD4B4F2-9A8D-4F93-BE81-9B174DA180E8}" dt="2023-05-15T15:19:37.492" v="2145" actId="26606"/>
+          <ac:spMkLst>
+            <pc:docMk/>
+            <pc:sldMk cId="1932872946" sldId="262"/>
+            <ac:spMk id="17" creationId="{A7457DD9-5A45-400A-AB4B-4B4EDECA25F1}"/>
+          </ac:spMkLst>
+        </pc:spChg>
+        <pc:spChg chg="add del">
+          <ac:chgData name="b d" userId="d8a693ecc95ea58f" providerId="LiveId" clId="{2AD4B4F2-9A8D-4F93-BE81-9B174DA180E8}" dt="2023-05-15T15:18:30.205" v="2128" actId="26606"/>
+          <ac:spMkLst>
+            <pc:docMk/>
+            <pc:sldMk cId="1932872946" sldId="262"/>
+            <ac:spMk id="18" creationId="{2EB492CD-616E-47F8-933B-5E2D952A0593}"/>
+          </ac:spMkLst>
+        </pc:spChg>
+        <pc:spChg chg="add del">
+          <ac:chgData name="b d" userId="d8a693ecc95ea58f" providerId="LiveId" clId="{2AD4B4F2-9A8D-4F93-BE81-9B174DA180E8}" dt="2023-05-15T15:18:30.205" v="2128" actId="26606"/>
+          <ac:spMkLst>
+            <pc:docMk/>
+            <pc:sldMk cId="1932872946" sldId="262"/>
+            <ac:spMk id="19" creationId="{59383CF9-23B5-4335-9B21-1791C4CF1C75}"/>
+          </ac:spMkLst>
+        </pc:spChg>
+        <pc:spChg chg="add del">
+          <ac:chgData name="b d" userId="d8a693ecc95ea58f" providerId="LiveId" clId="{2AD4B4F2-9A8D-4F93-BE81-9B174DA180E8}" dt="2023-05-15T15:18:30.205" v="2128" actId="26606"/>
+          <ac:spMkLst>
+            <pc:docMk/>
+            <pc:sldMk cId="1932872946" sldId="262"/>
+            <ac:spMk id="20" creationId="{0007FE00-9498-4706-B255-6437B0252C02}"/>
+          </ac:spMkLst>
+        </pc:spChg>
+        <pc:spChg chg="add">
+          <ac:chgData name="b d" userId="d8a693ecc95ea58f" providerId="LiveId" clId="{2AD4B4F2-9A8D-4F93-BE81-9B174DA180E8}" dt="2023-05-15T15:19:37.492" v="2145" actId="26606"/>
+          <ac:spMkLst>
+            <pc:docMk/>
+            <pc:sldMk cId="1932872946" sldId="262"/>
+            <ac:spMk id="21" creationId="{441CF7D6-A660-431A-B0BB-140A0D5556B6}"/>
+          </ac:spMkLst>
+        </pc:spChg>
+        <pc:spChg chg="add del">
+          <ac:chgData name="b d" userId="d8a693ecc95ea58f" providerId="LiveId" clId="{2AD4B4F2-9A8D-4F93-BE81-9B174DA180E8}" dt="2023-05-15T15:18:34.704" v="2130" actId="26606"/>
+          <ac:spMkLst>
+            <pc:docMk/>
+            <pc:sldMk cId="1932872946" sldId="262"/>
+            <ac:spMk id="22" creationId="{32AEEBC8-9D30-42EF-95F2-386C2653FBF0}"/>
+          </ac:spMkLst>
+        </pc:spChg>
+        <pc:spChg chg="add del">
+          <ac:chgData name="b d" userId="d8a693ecc95ea58f" providerId="LiveId" clId="{2AD4B4F2-9A8D-4F93-BE81-9B174DA180E8}" dt="2023-05-15T15:18:34.704" v="2130" actId="26606"/>
+          <ac:spMkLst>
+            <pc:docMk/>
+            <pc:sldMk cId="1932872946" sldId="262"/>
+            <ac:spMk id="23" creationId="{2E92FA66-67D7-4CB4-94D3-E643A9AD4757}"/>
+          </ac:spMkLst>
+        </pc:spChg>
+        <pc:spChg chg="add">
+          <ac:chgData name="b d" userId="d8a693ecc95ea58f" providerId="LiveId" clId="{2AD4B4F2-9A8D-4F93-BE81-9B174DA180E8}" dt="2023-05-15T15:19:37.492" v="2145" actId="26606"/>
+          <ac:spMkLst>
+            <pc:docMk/>
+            <pc:sldMk cId="1932872946" sldId="262"/>
+            <ac:spMk id="24" creationId="{0570A85B-3810-4F95-97B0-CBF4CCDB381C}"/>
+          </ac:spMkLst>
+        </pc:spChg>
+        <pc:spChg chg="add del">
+          <ac:chgData name="b d" userId="d8a693ecc95ea58f" providerId="LiveId" clId="{2AD4B4F2-9A8D-4F93-BE81-9B174DA180E8}" dt="2023-05-15T15:18:41.098" v="2132" actId="26606"/>
+          <ac:spMkLst>
+            <pc:docMk/>
+            <pc:sldMk cId="1932872946" sldId="262"/>
+            <ac:spMk id="25" creationId="{1A95671B-3CC6-4792-9114-B74FAEA224E6}"/>
+          </ac:spMkLst>
+        </pc:spChg>
+        <pc:spChg chg="add del">
+          <ac:chgData name="b d" userId="d8a693ecc95ea58f" providerId="LiveId" clId="{2AD4B4F2-9A8D-4F93-BE81-9B174DA180E8}" dt="2023-05-15T15:18:45.359" v="2134" actId="26606"/>
+          <ac:spMkLst>
+            <pc:docMk/>
+            <pc:sldMk cId="1932872946" sldId="262"/>
+            <ac:spMk id="27" creationId="{B082622D-AAF3-4897-8629-FC918530DD86}"/>
+          </ac:spMkLst>
+        </pc:spChg>
+        <pc:spChg chg="add del">
+          <ac:chgData name="b d" userId="d8a693ecc95ea58f" providerId="LiveId" clId="{2AD4B4F2-9A8D-4F93-BE81-9B174DA180E8}" dt="2023-05-15T15:18:45.359" v="2134" actId="26606"/>
+          <ac:spMkLst>
+            <pc:docMk/>
+            <pc:sldMk cId="1932872946" sldId="262"/>
+            <ac:spMk id="28" creationId="{A7457DD9-5A45-400A-AB4B-4B4EDECA25F1}"/>
+          </ac:spMkLst>
+        </pc:spChg>
+        <pc:spChg chg="add del">
+          <ac:chgData name="b d" userId="d8a693ecc95ea58f" providerId="LiveId" clId="{2AD4B4F2-9A8D-4F93-BE81-9B174DA180E8}" dt="2023-05-15T15:18:45.359" v="2134" actId="26606"/>
+          <ac:spMkLst>
+            <pc:docMk/>
+            <pc:sldMk cId="1932872946" sldId="262"/>
+            <ac:spMk id="29" creationId="{441CF7D6-A660-431A-B0BB-140A0D5556B6}"/>
+          </ac:spMkLst>
+        </pc:spChg>
+        <pc:spChg chg="add del">
+          <ac:chgData name="b d" userId="d8a693ecc95ea58f" providerId="LiveId" clId="{2AD4B4F2-9A8D-4F93-BE81-9B174DA180E8}" dt="2023-05-15T15:18:45.359" v="2134" actId="26606"/>
+          <ac:spMkLst>
+            <pc:docMk/>
+            <pc:sldMk cId="1932872946" sldId="262"/>
+            <ac:spMk id="30" creationId="{0570A85B-3810-4F95-97B0-CBF4CCDB381C}"/>
+          </ac:spMkLst>
+        </pc:spChg>
+        <pc:spChg chg="add del">
+          <ac:chgData name="b d" userId="d8a693ecc95ea58f" providerId="LiveId" clId="{2AD4B4F2-9A8D-4F93-BE81-9B174DA180E8}" dt="2023-05-15T15:18:47.513" v="2136" actId="26606"/>
+          <ac:spMkLst>
+            <pc:docMk/>
+            <pc:sldMk cId="1932872946" sldId="262"/>
+            <ac:spMk id="32" creationId="{8B3A2D1A-45FC-4F95-B150-1C13EF2F6D09}"/>
+          </ac:spMkLst>
+        </pc:spChg>
+        <pc:spChg chg="add del">
+          <ac:chgData name="b d" userId="d8a693ecc95ea58f" providerId="LiveId" clId="{2AD4B4F2-9A8D-4F93-BE81-9B174DA180E8}" dt="2023-05-15T15:18:47.513" v="2136" actId="26606"/>
+          <ac:spMkLst>
+            <pc:docMk/>
+            <pc:sldMk cId="1932872946" sldId="262"/>
+            <ac:spMk id="33" creationId="{39C3C864-C625-4883-B868-9A4C470F4DD5}"/>
+          </ac:spMkLst>
+        </pc:spChg>
+        <pc:picChg chg="add mod">
+          <ac:chgData name="b d" userId="d8a693ecc95ea58f" providerId="LiveId" clId="{2AD4B4F2-9A8D-4F93-BE81-9B174DA180E8}" dt="2023-05-15T15:19:37.492" v="2145" actId="26606"/>
+          <ac:picMkLst>
+            <pc:docMk/>
+            <pc:sldMk cId="1932872946" sldId="262"/>
+            <ac:picMk id="5" creationId="{F3346A52-259D-1B2F-4C0E-822209497ADC}"/>
+          </ac:picMkLst>
+        </pc:picChg>
+      </pc:sldChg>
+      <pc:sldChg chg="modSp add mod">
+        <pc:chgData name="b d" userId="d8a693ecc95ea58f" providerId="LiveId" clId="{2AD4B4F2-9A8D-4F93-BE81-9B174DA180E8}" dt="2023-05-15T15:22:59.726" v="2162" actId="2711"/>
+        <pc:sldMkLst>
+          <pc:docMk/>
+          <pc:sldMk cId="3002182535" sldId="263"/>
+        </pc:sldMkLst>
+        <pc:spChg chg="mod">
+          <ac:chgData name="b d" userId="d8a693ecc95ea58f" providerId="LiveId" clId="{2AD4B4F2-9A8D-4F93-BE81-9B174DA180E8}" dt="2023-05-15T15:22:59.726" v="2162" actId="2711"/>
+          <ac:spMkLst>
+            <pc:docMk/>
+            <pc:sldMk cId="3002182535" sldId="263"/>
+            <ac:spMk id="2" creationId="{515C3DFA-29A7-30B9-82D5-54E787C224E8}"/>
+          </ac:spMkLst>
+        </pc:spChg>
+        <pc:graphicFrameChg chg="mod">
+          <ac:chgData name="b d" userId="d8a693ecc95ea58f" providerId="LiveId" clId="{2AD4B4F2-9A8D-4F93-BE81-9B174DA180E8}" dt="2023-05-15T15:05:40.199" v="1584" actId="20577"/>
+          <ac:graphicFrameMkLst>
+            <pc:docMk/>
+            <pc:sldMk cId="3002182535" sldId="263"/>
+            <ac:graphicFrameMk id="16" creationId="{6EB478FA-07FD-E356-8C22-CB4063D5DCF6}"/>
+          </ac:graphicFrameMkLst>
+        </pc:graphicFrameChg>
+      </pc:sldChg>
     </pc:docChg>
   </pc:docChgLst>
 </pc:chgInfo>
@@ -1670,6 +1981,1500 @@
 </file>
 
 <file path=ppt/diagrams/colors3.xml><?xml version="1.0" encoding="utf-8"?>
+<dgm:colorsDef xmlns:dgm="http://schemas.openxmlformats.org/drawingml/2006/diagram" xmlns:a="http://schemas.openxmlformats.org/drawingml/2006/main" uniqueId="urn:microsoft.com/office/officeart/2005/8/colors/accent1_2">
+  <dgm:title val=""/>
+  <dgm:desc val=""/>
+  <dgm:catLst>
+    <dgm:cat type="accent1" pri="11200"/>
+  </dgm:catLst>
+  <dgm:styleLbl name="node0">
+    <dgm:fillClrLst meth="repeat">
+      <a:schemeClr val="accent1"/>
+    </dgm:fillClrLst>
+    <dgm:linClrLst meth="repeat">
+      <a:schemeClr val="lt1"/>
+    </dgm:linClrLst>
+    <dgm:effectClrLst/>
+    <dgm:txLinClrLst/>
+    <dgm:txFillClrLst/>
+    <dgm:txEffectClrLst/>
+  </dgm:styleLbl>
+  <dgm:styleLbl name="alignNode1">
+    <dgm:fillClrLst meth="repeat">
+      <a:schemeClr val="accent1"/>
+    </dgm:fillClrLst>
+    <dgm:linClrLst meth="repeat">
+      <a:schemeClr val="accent1"/>
+    </dgm:linClrLst>
+    <dgm:effectClrLst/>
+    <dgm:txLinClrLst/>
+    <dgm:txFillClrLst/>
+    <dgm:txEffectClrLst/>
+  </dgm:styleLbl>
+  <dgm:styleLbl name="node1">
+    <dgm:fillClrLst meth="repeat">
+      <a:schemeClr val="accent1"/>
+    </dgm:fillClrLst>
+    <dgm:linClrLst meth="repeat">
+      <a:schemeClr val="lt1"/>
+    </dgm:linClrLst>
+    <dgm:effectClrLst/>
+    <dgm:txLinClrLst/>
+    <dgm:txFillClrLst/>
+    <dgm:txEffectClrLst/>
+  </dgm:styleLbl>
+  <dgm:styleLbl name="lnNode1">
+    <dgm:fillClrLst meth="repeat">
+      <a:schemeClr val="accent1"/>
+    </dgm:fillClrLst>
+    <dgm:linClrLst meth="repeat">
+      <a:schemeClr val="lt1"/>
+    </dgm:linClrLst>
+    <dgm:effectClrLst/>
+    <dgm:txLinClrLst/>
+    <dgm:txFillClrLst/>
+    <dgm:txEffectClrLst/>
+  </dgm:styleLbl>
+  <dgm:styleLbl name="vennNode1">
+    <dgm:fillClrLst meth="repeat">
+      <a:schemeClr val="accent1">
+        <a:alpha val="50000"/>
+      </a:schemeClr>
+    </dgm:fillClrLst>
+    <dgm:linClrLst meth="repeat">
+      <a:schemeClr val="lt1"/>
+    </dgm:linClrLst>
+    <dgm:effectClrLst/>
+    <dgm:txLinClrLst/>
+    <dgm:txFillClrLst/>
+    <dgm:txEffectClrLst/>
+  </dgm:styleLbl>
+  <dgm:styleLbl name="node2">
+    <dgm:fillClrLst meth="repeat">
+      <a:schemeClr val="accent1"/>
+    </dgm:fillClrLst>
+    <dgm:linClrLst meth="repeat">
+      <a:schemeClr val="lt1"/>
+    </dgm:linClrLst>
+    <dgm:effectClrLst/>
+    <dgm:txLinClrLst/>
+    <dgm:txFillClrLst/>
+    <dgm:txEffectClrLst/>
+  </dgm:styleLbl>
+  <dgm:styleLbl name="node3">
+    <dgm:fillClrLst meth="repeat">
+      <a:schemeClr val="accent1"/>
+    </dgm:fillClrLst>
+    <dgm:linClrLst meth="repeat">
+      <a:schemeClr val="lt1"/>
+    </dgm:linClrLst>
+    <dgm:effectClrLst/>
+    <dgm:txLinClrLst/>
+    <dgm:txFillClrLst/>
+    <dgm:txEffectClrLst/>
+  </dgm:styleLbl>
+  <dgm:styleLbl name="node4">
+    <dgm:fillClrLst meth="repeat">
+      <a:schemeClr val="accent1"/>
+    </dgm:fillClrLst>
+    <dgm:linClrLst meth="repeat">
+      <a:schemeClr val="lt1"/>
+    </dgm:linClrLst>
+    <dgm:effectClrLst/>
+    <dgm:txLinClrLst/>
+    <dgm:txFillClrLst/>
+    <dgm:txEffectClrLst/>
+  </dgm:styleLbl>
+  <dgm:styleLbl name="fgImgPlace1">
+    <dgm:fillClrLst meth="repeat">
+      <a:schemeClr val="accent1">
+        <a:tint val="50000"/>
+      </a:schemeClr>
+    </dgm:fillClrLst>
+    <dgm:linClrLst meth="repeat">
+      <a:schemeClr val="lt1"/>
+    </dgm:linClrLst>
+    <dgm:effectClrLst/>
+    <dgm:txLinClrLst/>
+    <dgm:txFillClrLst meth="repeat">
+      <a:schemeClr val="lt1"/>
+    </dgm:txFillClrLst>
+    <dgm:txEffectClrLst/>
+  </dgm:styleLbl>
+  <dgm:styleLbl name="alignImgPlace1">
+    <dgm:fillClrLst meth="repeat">
+      <a:schemeClr val="accent1">
+        <a:tint val="50000"/>
+      </a:schemeClr>
+    </dgm:fillClrLst>
+    <dgm:linClrLst meth="repeat">
+      <a:schemeClr val="lt1"/>
+    </dgm:linClrLst>
+    <dgm:effectClrLst/>
+    <dgm:txLinClrLst/>
+    <dgm:txFillClrLst meth="repeat">
+      <a:schemeClr val="lt1"/>
+    </dgm:txFillClrLst>
+    <dgm:txEffectClrLst/>
+  </dgm:styleLbl>
+  <dgm:styleLbl name="bgImgPlace1">
+    <dgm:fillClrLst meth="repeat">
+      <a:schemeClr val="accent1">
+        <a:tint val="50000"/>
+      </a:schemeClr>
+    </dgm:fillClrLst>
+    <dgm:linClrLst meth="repeat">
+      <a:schemeClr val="lt1"/>
+    </dgm:linClrLst>
+    <dgm:effectClrLst/>
+    <dgm:txLinClrLst/>
+    <dgm:txFillClrLst meth="repeat">
+      <a:schemeClr val="lt1"/>
+    </dgm:txFillClrLst>
+    <dgm:txEffectClrLst/>
+  </dgm:styleLbl>
+  <dgm:styleLbl name="sibTrans2D1">
+    <dgm:fillClrLst meth="repeat">
+      <a:schemeClr val="accent1">
+        <a:tint val="60000"/>
+      </a:schemeClr>
+    </dgm:fillClrLst>
+    <dgm:linClrLst meth="repeat">
+      <a:schemeClr val="accent1">
+        <a:tint val="60000"/>
+      </a:schemeClr>
+    </dgm:linClrLst>
+    <dgm:effectClrLst/>
+    <dgm:txLinClrLst/>
+    <dgm:txFillClrLst/>
+    <dgm:txEffectClrLst/>
+  </dgm:styleLbl>
+  <dgm:styleLbl name="fgSibTrans2D1">
+    <dgm:fillClrLst meth="repeat">
+      <a:schemeClr val="accent1">
+        <a:tint val="60000"/>
+      </a:schemeClr>
+    </dgm:fillClrLst>
+    <dgm:linClrLst meth="repeat">
+      <a:schemeClr val="accent1">
+        <a:tint val="60000"/>
+      </a:schemeClr>
+    </dgm:linClrLst>
+    <dgm:effectClrLst/>
+    <dgm:txLinClrLst/>
+    <dgm:txFillClrLst/>
+    <dgm:txEffectClrLst/>
+  </dgm:styleLbl>
+  <dgm:styleLbl name="bgSibTrans2D1">
+    <dgm:fillClrLst meth="repeat">
+      <a:schemeClr val="accent1">
+        <a:tint val="60000"/>
+      </a:schemeClr>
+    </dgm:fillClrLst>
+    <dgm:linClrLst meth="repeat">
+      <a:schemeClr val="accent1">
+        <a:tint val="60000"/>
+      </a:schemeClr>
+    </dgm:linClrLst>
+    <dgm:effectClrLst/>
+    <dgm:txLinClrLst/>
+    <dgm:txFillClrLst/>
+    <dgm:txEffectClrLst/>
+  </dgm:styleLbl>
+  <dgm:styleLbl name="sibTrans1D1">
+    <dgm:fillClrLst meth="repeat">
+      <a:schemeClr val="accent1"/>
+    </dgm:fillClrLst>
+    <dgm:linClrLst meth="repeat">
+      <a:schemeClr val="accent1"/>
+    </dgm:linClrLst>
+    <dgm:effectClrLst/>
+    <dgm:txLinClrLst/>
+    <dgm:txFillClrLst meth="repeat">
+      <a:schemeClr val="tx1"/>
+    </dgm:txFillClrLst>
+    <dgm:txEffectClrLst/>
+  </dgm:styleLbl>
+  <dgm:styleLbl name="callout">
+    <dgm:fillClrLst meth="repeat">
+      <a:schemeClr val="accent1"/>
+    </dgm:fillClrLst>
+    <dgm:linClrLst meth="repeat">
+      <a:schemeClr val="accent1">
+        <a:tint val="50000"/>
+      </a:schemeClr>
+    </dgm:linClrLst>
+    <dgm:effectClrLst/>
+    <dgm:txLinClrLst/>
+    <dgm:txFillClrLst meth="repeat">
+      <a:schemeClr val="tx1"/>
+    </dgm:txFillClrLst>
+    <dgm:txEffectClrLst/>
+  </dgm:styleLbl>
+  <dgm:styleLbl name="asst0">
+    <dgm:fillClrLst meth="repeat">
+      <a:schemeClr val="accent1"/>
+    </dgm:fillClrLst>
+    <dgm:linClrLst meth="repeat">
+      <a:schemeClr val="lt1"/>
+    </dgm:linClrLst>
+    <dgm:effectClrLst/>
+    <dgm:txLinClrLst/>
+    <dgm:txFillClrLst/>
+    <dgm:txEffectClrLst/>
+  </dgm:styleLbl>
+  <dgm:styleLbl name="asst1">
+    <dgm:fillClrLst meth="repeat">
+      <a:schemeClr val="accent1"/>
+    </dgm:fillClrLst>
+    <dgm:linClrLst meth="repeat">
+      <a:schemeClr val="lt1"/>
+    </dgm:linClrLst>
+    <dgm:effectClrLst/>
+    <dgm:txLinClrLst/>
+    <dgm:txFillClrLst/>
+    <dgm:txEffectClrLst/>
+  </dgm:styleLbl>
+  <dgm:styleLbl name="asst2">
+    <dgm:fillClrLst meth="repeat">
+      <a:schemeClr val="accent1"/>
+    </dgm:fillClrLst>
+    <dgm:linClrLst meth="repeat">
+      <a:schemeClr val="lt1"/>
+    </dgm:linClrLst>
+    <dgm:effectClrLst/>
+    <dgm:txLinClrLst/>
+    <dgm:txFillClrLst/>
+    <dgm:txEffectClrLst/>
+  </dgm:styleLbl>
+  <dgm:styleLbl name="asst3">
+    <dgm:fillClrLst meth="repeat">
+      <a:schemeClr val="accent1"/>
+    </dgm:fillClrLst>
+    <dgm:linClrLst meth="repeat">
+      <a:schemeClr val="lt1"/>
+    </dgm:linClrLst>
+    <dgm:effectClrLst/>
+    <dgm:txLinClrLst/>
+    <dgm:txFillClrLst/>
+    <dgm:txEffectClrLst/>
+  </dgm:styleLbl>
+  <dgm:styleLbl name="asst4">
+    <dgm:fillClrLst meth="repeat">
+      <a:schemeClr val="accent1"/>
+    </dgm:fillClrLst>
+    <dgm:linClrLst meth="repeat">
+      <a:schemeClr val="lt1"/>
+    </dgm:linClrLst>
+    <dgm:effectClrLst/>
+    <dgm:txLinClrLst/>
+    <dgm:txFillClrLst/>
+    <dgm:txEffectClrLst/>
+  </dgm:styleLbl>
+  <dgm:styleLbl name="parChTrans2D1">
+    <dgm:fillClrLst meth="repeat">
+      <a:schemeClr val="accent1">
+        <a:tint val="60000"/>
+      </a:schemeClr>
+    </dgm:fillClrLst>
+    <dgm:linClrLst meth="repeat">
+      <a:schemeClr val="accent1">
+        <a:tint val="60000"/>
+      </a:schemeClr>
+    </dgm:linClrLst>
+    <dgm:effectClrLst/>
+    <dgm:txLinClrLst/>
+    <dgm:txFillClrLst meth="repeat">
+      <a:schemeClr val="lt1"/>
+    </dgm:txFillClrLst>
+    <dgm:txEffectClrLst/>
+  </dgm:styleLbl>
+  <dgm:styleLbl name="parChTrans2D2">
+    <dgm:fillClrLst meth="repeat">
+      <a:schemeClr val="accent1"/>
+    </dgm:fillClrLst>
+    <dgm:linClrLst meth="repeat">
+      <a:schemeClr val="accent1"/>
+    </dgm:linClrLst>
+    <dgm:effectClrLst/>
+    <dgm:txLinClrLst/>
+    <dgm:txFillClrLst meth="repeat">
+      <a:schemeClr val="lt1"/>
+    </dgm:txFillClrLst>
+    <dgm:txEffectClrLst/>
+  </dgm:styleLbl>
+  <dgm:styleLbl name="parChTrans2D3">
+    <dgm:fillClrLst meth="repeat">
+      <a:schemeClr val="accent1"/>
+    </dgm:fillClrLst>
+    <dgm:linClrLst meth="repeat">
+      <a:schemeClr val="accent1"/>
+    </dgm:linClrLst>
+    <dgm:effectClrLst/>
+    <dgm:txLinClrLst/>
+    <dgm:txFillClrLst meth="repeat">
+      <a:schemeClr val="lt1"/>
+    </dgm:txFillClrLst>
+    <dgm:txEffectClrLst/>
+  </dgm:styleLbl>
+  <dgm:styleLbl name="parChTrans2D4">
+    <dgm:fillClrLst meth="repeat">
+      <a:schemeClr val="accent1"/>
+    </dgm:fillClrLst>
+    <dgm:linClrLst meth="repeat">
+      <a:schemeClr val="accent1"/>
+    </dgm:linClrLst>
+    <dgm:effectClrLst/>
+    <dgm:txLinClrLst/>
+    <dgm:txFillClrLst meth="repeat">
+      <a:schemeClr val="lt1"/>
+    </dgm:txFillClrLst>
+    <dgm:txEffectClrLst/>
+  </dgm:styleLbl>
+  <dgm:styleLbl name="parChTrans1D1">
+    <dgm:fillClrLst meth="repeat">
+      <a:schemeClr val="accent1"/>
+    </dgm:fillClrLst>
+    <dgm:linClrLst meth="repeat">
+      <a:schemeClr val="accent1">
+        <a:shade val="60000"/>
+      </a:schemeClr>
+    </dgm:linClrLst>
+    <dgm:effectClrLst/>
+    <dgm:txLinClrLst/>
+    <dgm:txFillClrLst meth="repeat">
+      <a:schemeClr val="tx1"/>
+    </dgm:txFillClrLst>
+    <dgm:txEffectClrLst/>
+  </dgm:styleLbl>
+  <dgm:styleLbl name="parChTrans1D2">
+    <dgm:fillClrLst meth="repeat">
+      <a:schemeClr val="accent1"/>
+    </dgm:fillClrLst>
+    <dgm:linClrLst meth="repeat">
+      <a:schemeClr val="accent1">
+        <a:shade val="60000"/>
+      </a:schemeClr>
+    </dgm:linClrLst>
+    <dgm:effectClrLst/>
+    <dgm:txLinClrLst/>
+    <dgm:txFillClrLst meth="repeat">
+      <a:schemeClr val="tx1"/>
+    </dgm:txFillClrLst>
+    <dgm:txEffectClrLst/>
+  </dgm:styleLbl>
+  <dgm:styleLbl name="parChTrans1D3">
+    <dgm:fillClrLst meth="repeat">
+      <a:schemeClr val="accent1"/>
+    </dgm:fillClrLst>
+    <dgm:linClrLst meth="repeat">
+      <a:schemeClr val="accent1">
+        <a:shade val="80000"/>
+      </a:schemeClr>
+    </dgm:linClrLst>
+    <dgm:effectClrLst/>
+    <dgm:txLinClrLst/>
+    <dgm:txFillClrLst meth="repeat">
+      <a:schemeClr val="tx1"/>
+    </dgm:txFillClrLst>
+    <dgm:txEffectClrLst/>
+  </dgm:styleLbl>
+  <dgm:styleLbl name="parChTrans1D4">
+    <dgm:fillClrLst meth="repeat">
+      <a:schemeClr val="accent1"/>
+    </dgm:fillClrLst>
+    <dgm:linClrLst meth="repeat">
+      <a:schemeClr val="accent1">
+        <a:shade val="80000"/>
+      </a:schemeClr>
+    </dgm:linClrLst>
+    <dgm:effectClrLst/>
+    <dgm:txLinClrLst/>
+    <dgm:txFillClrLst meth="repeat">
+      <a:schemeClr val="tx1"/>
+    </dgm:txFillClrLst>
+    <dgm:txEffectClrLst/>
+  </dgm:styleLbl>
+  <dgm:styleLbl name="fgAcc1">
+    <dgm:fillClrLst meth="repeat">
+      <a:schemeClr val="lt1">
+        <a:alpha val="90000"/>
+      </a:schemeClr>
+    </dgm:fillClrLst>
+    <dgm:linClrLst meth="repeat">
+      <a:schemeClr val="accent1"/>
+    </dgm:linClrLst>
+    <dgm:effectClrLst/>
+    <dgm:txLinClrLst/>
+    <dgm:txFillClrLst meth="repeat">
+      <a:schemeClr val="dk1"/>
+    </dgm:txFillClrLst>
+    <dgm:txEffectClrLst/>
+  </dgm:styleLbl>
+  <dgm:styleLbl name="conFgAcc1">
+    <dgm:fillClrLst meth="repeat">
+      <a:schemeClr val="lt1">
+        <a:alpha val="90000"/>
+      </a:schemeClr>
+    </dgm:fillClrLst>
+    <dgm:linClrLst meth="repeat">
+      <a:schemeClr val="accent1"/>
+    </dgm:linClrLst>
+    <dgm:effectClrLst/>
+    <dgm:txLinClrLst/>
+    <dgm:txFillClrLst meth="repeat">
+      <a:schemeClr val="dk1"/>
+    </dgm:txFillClrLst>
+    <dgm:txEffectClrLst/>
+  </dgm:styleLbl>
+  <dgm:styleLbl name="alignAcc1">
+    <dgm:fillClrLst meth="repeat">
+      <a:schemeClr val="lt1">
+        <a:alpha val="90000"/>
+      </a:schemeClr>
+    </dgm:fillClrLst>
+    <dgm:linClrLst meth="repeat">
+      <a:schemeClr val="accent1"/>
+    </dgm:linClrLst>
+    <dgm:effectClrLst/>
+    <dgm:txLinClrLst/>
+    <dgm:txFillClrLst meth="repeat">
+      <a:schemeClr val="dk1"/>
+    </dgm:txFillClrLst>
+    <dgm:txEffectClrLst/>
+  </dgm:styleLbl>
+  <dgm:styleLbl name="trAlignAcc1">
+    <dgm:fillClrLst meth="repeat">
+      <a:schemeClr val="lt1">
+        <a:alpha val="40000"/>
+      </a:schemeClr>
+    </dgm:fillClrLst>
+    <dgm:linClrLst meth="repeat">
+      <a:schemeClr val="accent1"/>
+    </dgm:linClrLst>
+    <dgm:effectClrLst/>
+    <dgm:txLinClrLst/>
+    <dgm:txFillClrLst meth="repeat">
+      <a:schemeClr val="dk1"/>
+    </dgm:txFillClrLst>
+    <dgm:txEffectClrLst/>
+  </dgm:styleLbl>
+  <dgm:styleLbl name="bgAcc1">
+    <dgm:fillClrLst meth="repeat">
+      <a:schemeClr val="lt1">
+        <a:alpha val="90000"/>
+      </a:schemeClr>
+    </dgm:fillClrLst>
+    <dgm:linClrLst meth="repeat">
+      <a:schemeClr val="accent1"/>
+    </dgm:linClrLst>
+    <dgm:effectClrLst/>
+    <dgm:txLinClrLst/>
+    <dgm:txFillClrLst meth="repeat">
+      <a:schemeClr val="dk1"/>
+    </dgm:txFillClrLst>
+    <dgm:txEffectClrLst/>
+  </dgm:styleLbl>
+  <dgm:styleLbl name="solidFgAcc1">
+    <dgm:fillClrLst meth="repeat">
+      <a:schemeClr val="lt1"/>
+    </dgm:fillClrLst>
+    <dgm:linClrLst meth="repeat">
+      <a:schemeClr val="accent1"/>
+    </dgm:linClrLst>
+    <dgm:effectClrLst/>
+    <dgm:txLinClrLst/>
+    <dgm:txFillClrLst meth="repeat">
+      <a:schemeClr val="dk1"/>
+    </dgm:txFillClrLst>
+    <dgm:txEffectClrLst/>
+  </dgm:styleLbl>
+  <dgm:styleLbl name="solidAlignAcc1">
+    <dgm:fillClrLst meth="repeat">
+      <a:schemeClr val="lt1"/>
+    </dgm:fillClrLst>
+    <dgm:linClrLst meth="repeat">
+      <a:schemeClr val="accent1"/>
+    </dgm:linClrLst>
+    <dgm:effectClrLst/>
+    <dgm:txLinClrLst/>
+    <dgm:txFillClrLst meth="repeat">
+      <a:schemeClr val="dk1"/>
+    </dgm:txFillClrLst>
+    <dgm:txEffectClrLst/>
+  </dgm:styleLbl>
+  <dgm:styleLbl name="solidBgAcc1">
+    <dgm:fillClrLst meth="repeat">
+      <a:schemeClr val="lt1"/>
+    </dgm:fillClrLst>
+    <dgm:linClrLst meth="repeat">
+      <a:schemeClr val="accent1"/>
+    </dgm:linClrLst>
+    <dgm:effectClrLst/>
+    <dgm:txLinClrLst/>
+    <dgm:txFillClrLst meth="repeat">
+      <a:schemeClr val="dk1"/>
+    </dgm:txFillClrLst>
+    <dgm:txEffectClrLst/>
+  </dgm:styleLbl>
+  <dgm:styleLbl name="fgAccFollowNode1">
+    <dgm:fillClrLst meth="repeat">
+      <a:schemeClr val="accent1">
+        <a:alpha val="90000"/>
+        <a:tint val="40000"/>
+      </a:schemeClr>
+    </dgm:fillClrLst>
+    <dgm:linClrLst meth="repeat">
+      <a:schemeClr val="accent1">
+        <a:alpha val="90000"/>
+        <a:tint val="40000"/>
+      </a:schemeClr>
+    </dgm:linClrLst>
+    <dgm:effectClrLst/>
+    <dgm:txLinClrLst/>
+    <dgm:txFillClrLst meth="repeat">
+      <a:schemeClr val="dk1"/>
+    </dgm:txFillClrLst>
+    <dgm:txEffectClrLst/>
+  </dgm:styleLbl>
+  <dgm:styleLbl name="alignAccFollowNode1">
+    <dgm:fillClrLst meth="repeat">
+      <a:schemeClr val="accent1">
+        <a:alpha val="90000"/>
+        <a:tint val="40000"/>
+      </a:schemeClr>
+    </dgm:fillClrLst>
+    <dgm:linClrLst meth="repeat">
+      <a:schemeClr val="accent1">
+        <a:alpha val="90000"/>
+        <a:tint val="40000"/>
+      </a:schemeClr>
+    </dgm:linClrLst>
+    <dgm:effectClrLst/>
+    <dgm:txLinClrLst/>
+    <dgm:txFillClrLst meth="repeat">
+      <a:schemeClr val="dk1"/>
+    </dgm:txFillClrLst>
+    <dgm:txEffectClrLst/>
+  </dgm:styleLbl>
+  <dgm:styleLbl name="bgAccFollowNode1">
+    <dgm:fillClrLst meth="repeat">
+      <a:schemeClr val="accent1">
+        <a:alpha val="90000"/>
+        <a:tint val="40000"/>
+      </a:schemeClr>
+    </dgm:fillClrLst>
+    <dgm:linClrLst meth="repeat">
+      <a:schemeClr val="accent1">
+        <a:alpha val="90000"/>
+        <a:tint val="40000"/>
+      </a:schemeClr>
+    </dgm:linClrLst>
+    <dgm:effectClrLst/>
+    <dgm:txLinClrLst/>
+    <dgm:txFillClrLst meth="repeat">
+      <a:schemeClr val="dk1"/>
+    </dgm:txFillClrLst>
+    <dgm:txEffectClrLst/>
+  </dgm:styleLbl>
+  <dgm:styleLbl name="fgAcc0">
+    <dgm:fillClrLst meth="repeat">
+      <a:schemeClr val="lt1">
+        <a:alpha val="90000"/>
+      </a:schemeClr>
+    </dgm:fillClrLst>
+    <dgm:linClrLst meth="repeat">
+      <a:schemeClr val="accent1"/>
+    </dgm:linClrLst>
+    <dgm:effectClrLst/>
+    <dgm:txLinClrLst/>
+    <dgm:txFillClrLst meth="repeat">
+      <a:schemeClr val="dk1"/>
+    </dgm:txFillClrLst>
+    <dgm:txEffectClrLst/>
+  </dgm:styleLbl>
+  <dgm:styleLbl name="fgAcc2">
+    <dgm:fillClrLst meth="repeat">
+      <a:schemeClr val="lt1">
+        <a:alpha val="90000"/>
+      </a:schemeClr>
+    </dgm:fillClrLst>
+    <dgm:linClrLst meth="repeat">
+      <a:schemeClr val="accent1"/>
+    </dgm:linClrLst>
+    <dgm:effectClrLst/>
+    <dgm:txLinClrLst/>
+    <dgm:txFillClrLst meth="repeat">
+      <a:schemeClr val="dk1"/>
+    </dgm:txFillClrLst>
+    <dgm:txEffectClrLst/>
+  </dgm:styleLbl>
+  <dgm:styleLbl name="fgAcc3">
+    <dgm:fillClrLst meth="repeat">
+      <a:schemeClr val="lt1">
+        <a:alpha val="90000"/>
+      </a:schemeClr>
+    </dgm:fillClrLst>
+    <dgm:linClrLst meth="repeat">
+      <a:schemeClr val="accent1"/>
+    </dgm:linClrLst>
+    <dgm:effectClrLst/>
+    <dgm:txLinClrLst/>
+    <dgm:txFillClrLst meth="repeat">
+      <a:schemeClr val="dk1"/>
+    </dgm:txFillClrLst>
+    <dgm:txEffectClrLst/>
+  </dgm:styleLbl>
+  <dgm:styleLbl name="fgAcc4">
+    <dgm:fillClrLst meth="repeat">
+      <a:schemeClr val="lt1">
+        <a:alpha val="90000"/>
+      </a:schemeClr>
+    </dgm:fillClrLst>
+    <dgm:linClrLst meth="repeat">
+      <a:schemeClr val="accent1"/>
+    </dgm:linClrLst>
+    <dgm:effectClrLst/>
+    <dgm:txLinClrLst/>
+    <dgm:txFillClrLst meth="repeat">
+      <a:schemeClr val="dk1"/>
+    </dgm:txFillClrLst>
+    <dgm:txEffectClrLst/>
+  </dgm:styleLbl>
+  <dgm:styleLbl name="bgShp">
+    <dgm:fillClrLst meth="repeat">
+      <a:schemeClr val="accent1">
+        <a:tint val="40000"/>
+      </a:schemeClr>
+    </dgm:fillClrLst>
+    <dgm:linClrLst meth="repeat">
+      <a:schemeClr val="accent1"/>
+    </dgm:linClrLst>
+    <dgm:effectClrLst/>
+    <dgm:txLinClrLst/>
+    <dgm:txFillClrLst meth="repeat">
+      <a:schemeClr val="dk1"/>
+    </dgm:txFillClrLst>
+    <dgm:txEffectClrLst/>
+  </dgm:styleLbl>
+  <dgm:styleLbl name="dkBgShp">
+    <dgm:fillClrLst meth="repeat">
+      <a:schemeClr val="accent1">
+        <a:shade val="80000"/>
+      </a:schemeClr>
+    </dgm:fillClrLst>
+    <dgm:linClrLst meth="repeat">
+      <a:schemeClr val="accent1"/>
+    </dgm:linClrLst>
+    <dgm:effectClrLst/>
+    <dgm:txLinClrLst/>
+    <dgm:txFillClrLst meth="repeat">
+      <a:schemeClr val="lt1"/>
+    </dgm:txFillClrLst>
+    <dgm:txEffectClrLst/>
+  </dgm:styleLbl>
+  <dgm:styleLbl name="trBgShp">
+    <dgm:fillClrLst meth="repeat">
+      <a:schemeClr val="accent1">
+        <a:tint val="50000"/>
+        <a:alpha val="40000"/>
+      </a:schemeClr>
+    </dgm:fillClrLst>
+    <dgm:linClrLst meth="repeat">
+      <a:schemeClr val="accent1"/>
+    </dgm:linClrLst>
+    <dgm:effectClrLst/>
+    <dgm:txLinClrLst/>
+    <dgm:txFillClrLst meth="repeat">
+      <a:schemeClr val="lt1"/>
+    </dgm:txFillClrLst>
+    <dgm:txEffectClrLst/>
+  </dgm:styleLbl>
+  <dgm:styleLbl name="fgShp">
+    <dgm:fillClrLst meth="repeat">
+      <a:schemeClr val="accent1">
+        <a:tint val="60000"/>
+      </a:schemeClr>
+    </dgm:fillClrLst>
+    <dgm:linClrLst meth="repeat">
+      <a:schemeClr val="lt1"/>
+    </dgm:linClrLst>
+    <dgm:effectClrLst/>
+    <dgm:txLinClrLst/>
+    <dgm:txFillClrLst meth="repeat">
+      <a:schemeClr val="dk1"/>
+    </dgm:txFillClrLst>
+    <dgm:txEffectClrLst/>
+  </dgm:styleLbl>
+  <dgm:styleLbl name="revTx">
+    <dgm:fillClrLst meth="repeat">
+      <a:schemeClr val="lt1">
+        <a:alpha val="0"/>
+      </a:schemeClr>
+    </dgm:fillClrLst>
+    <dgm:linClrLst meth="repeat">
+      <a:schemeClr val="dk1">
+        <a:alpha val="0"/>
+      </a:schemeClr>
+    </dgm:linClrLst>
+    <dgm:effectClrLst/>
+    <dgm:txLinClrLst/>
+    <dgm:txFillClrLst meth="repeat">
+      <a:schemeClr val="tx1"/>
+    </dgm:txFillClrLst>
+    <dgm:txEffectClrLst/>
+  </dgm:styleLbl>
+</dgm:colorsDef>
+</file>
+
+<file path=ppt/diagrams/colors4.xml><?xml version="1.0" encoding="utf-8"?>
+<dgm:colorsDef xmlns:dgm="http://schemas.openxmlformats.org/drawingml/2006/diagram" xmlns:a="http://schemas.openxmlformats.org/drawingml/2006/main" uniqueId="urn:microsoft.com/office/officeart/2005/8/colors/accent1_2">
+  <dgm:title val=""/>
+  <dgm:desc val=""/>
+  <dgm:catLst>
+    <dgm:cat type="accent1" pri="11200"/>
+  </dgm:catLst>
+  <dgm:styleLbl name="node0">
+    <dgm:fillClrLst meth="repeat">
+      <a:schemeClr val="accent1"/>
+    </dgm:fillClrLst>
+    <dgm:linClrLst meth="repeat">
+      <a:schemeClr val="lt1"/>
+    </dgm:linClrLst>
+    <dgm:effectClrLst/>
+    <dgm:txLinClrLst/>
+    <dgm:txFillClrLst/>
+    <dgm:txEffectClrLst/>
+  </dgm:styleLbl>
+  <dgm:styleLbl name="alignNode1">
+    <dgm:fillClrLst meth="repeat">
+      <a:schemeClr val="accent1"/>
+    </dgm:fillClrLst>
+    <dgm:linClrLst meth="repeat">
+      <a:schemeClr val="accent1"/>
+    </dgm:linClrLst>
+    <dgm:effectClrLst/>
+    <dgm:txLinClrLst/>
+    <dgm:txFillClrLst/>
+    <dgm:txEffectClrLst/>
+  </dgm:styleLbl>
+  <dgm:styleLbl name="node1">
+    <dgm:fillClrLst meth="repeat">
+      <a:schemeClr val="accent1"/>
+    </dgm:fillClrLst>
+    <dgm:linClrLst meth="repeat">
+      <a:schemeClr val="lt1"/>
+    </dgm:linClrLst>
+    <dgm:effectClrLst/>
+    <dgm:txLinClrLst/>
+    <dgm:txFillClrLst/>
+    <dgm:txEffectClrLst/>
+  </dgm:styleLbl>
+  <dgm:styleLbl name="lnNode1">
+    <dgm:fillClrLst meth="repeat">
+      <a:schemeClr val="accent1"/>
+    </dgm:fillClrLst>
+    <dgm:linClrLst meth="repeat">
+      <a:schemeClr val="lt1"/>
+    </dgm:linClrLst>
+    <dgm:effectClrLst/>
+    <dgm:txLinClrLst/>
+    <dgm:txFillClrLst/>
+    <dgm:txEffectClrLst/>
+  </dgm:styleLbl>
+  <dgm:styleLbl name="vennNode1">
+    <dgm:fillClrLst meth="repeat">
+      <a:schemeClr val="accent1">
+        <a:alpha val="50000"/>
+      </a:schemeClr>
+    </dgm:fillClrLst>
+    <dgm:linClrLst meth="repeat">
+      <a:schemeClr val="lt1"/>
+    </dgm:linClrLst>
+    <dgm:effectClrLst/>
+    <dgm:txLinClrLst/>
+    <dgm:txFillClrLst/>
+    <dgm:txEffectClrLst/>
+  </dgm:styleLbl>
+  <dgm:styleLbl name="node2">
+    <dgm:fillClrLst meth="repeat">
+      <a:schemeClr val="accent1"/>
+    </dgm:fillClrLst>
+    <dgm:linClrLst meth="repeat">
+      <a:schemeClr val="lt1"/>
+    </dgm:linClrLst>
+    <dgm:effectClrLst/>
+    <dgm:txLinClrLst/>
+    <dgm:txFillClrLst/>
+    <dgm:txEffectClrLst/>
+  </dgm:styleLbl>
+  <dgm:styleLbl name="node3">
+    <dgm:fillClrLst meth="repeat">
+      <a:schemeClr val="accent1"/>
+    </dgm:fillClrLst>
+    <dgm:linClrLst meth="repeat">
+      <a:schemeClr val="lt1"/>
+    </dgm:linClrLst>
+    <dgm:effectClrLst/>
+    <dgm:txLinClrLst/>
+    <dgm:txFillClrLst/>
+    <dgm:txEffectClrLst/>
+  </dgm:styleLbl>
+  <dgm:styleLbl name="node4">
+    <dgm:fillClrLst meth="repeat">
+      <a:schemeClr val="accent1"/>
+    </dgm:fillClrLst>
+    <dgm:linClrLst meth="repeat">
+      <a:schemeClr val="lt1"/>
+    </dgm:linClrLst>
+    <dgm:effectClrLst/>
+    <dgm:txLinClrLst/>
+    <dgm:txFillClrLst/>
+    <dgm:txEffectClrLst/>
+  </dgm:styleLbl>
+  <dgm:styleLbl name="fgImgPlace1">
+    <dgm:fillClrLst meth="repeat">
+      <a:schemeClr val="accent1">
+        <a:tint val="50000"/>
+      </a:schemeClr>
+    </dgm:fillClrLst>
+    <dgm:linClrLst meth="repeat">
+      <a:schemeClr val="lt1"/>
+    </dgm:linClrLst>
+    <dgm:effectClrLst/>
+    <dgm:txLinClrLst/>
+    <dgm:txFillClrLst meth="repeat">
+      <a:schemeClr val="lt1"/>
+    </dgm:txFillClrLst>
+    <dgm:txEffectClrLst/>
+  </dgm:styleLbl>
+  <dgm:styleLbl name="alignImgPlace1">
+    <dgm:fillClrLst meth="repeat">
+      <a:schemeClr val="accent1">
+        <a:tint val="50000"/>
+      </a:schemeClr>
+    </dgm:fillClrLst>
+    <dgm:linClrLst meth="repeat">
+      <a:schemeClr val="lt1"/>
+    </dgm:linClrLst>
+    <dgm:effectClrLst/>
+    <dgm:txLinClrLst/>
+    <dgm:txFillClrLst meth="repeat">
+      <a:schemeClr val="lt1"/>
+    </dgm:txFillClrLst>
+    <dgm:txEffectClrLst/>
+  </dgm:styleLbl>
+  <dgm:styleLbl name="bgImgPlace1">
+    <dgm:fillClrLst meth="repeat">
+      <a:schemeClr val="accent1">
+        <a:tint val="50000"/>
+      </a:schemeClr>
+    </dgm:fillClrLst>
+    <dgm:linClrLst meth="repeat">
+      <a:schemeClr val="lt1"/>
+    </dgm:linClrLst>
+    <dgm:effectClrLst/>
+    <dgm:txLinClrLst/>
+    <dgm:txFillClrLst meth="repeat">
+      <a:schemeClr val="lt1"/>
+    </dgm:txFillClrLst>
+    <dgm:txEffectClrLst/>
+  </dgm:styleLbl>
+  <dgm:styleLbl name="sibTrans2D1">
+    <dgm:fillClrLst meth="repeat">
+      <a:schemeClr val="accent1">
+        <a:tint val="60000"/>
+      </a:schemeClr>
+    </dgm:fillClrLst>
+    <dgm:linClrLst meth="repeat">
+      <a:schemeClr val="accent1">
+        <a:tint val="60000"/>
+      </a:schemeClr>
+    </dgm:linClrLst>
+    <dgm:effectClrLst/>
+    <dgm:txLinClrLst/>
+    <dgm:txFillClrLst/>
+    <dgm:txEffectClrLst/>
+  </dgm:styleLbl>
+  <dgm:styleLbl name="fgSibTrans2D1">
+    <dgm:fillClrLst meth="repeat">
+      <a:schemeClr val="accent1">
+        <a:tint val="60000"/>
+      </a:schemeClr>
+    </dgm:fillClrLst>
+    <dgm:linClrLst meth="repeat">
+      <a:schemeClr val="accent1">
+        <a:tint val="60000"/>
+      </a:schemeClr>
+    </dgm:linClrLst>
+    <dgm:effectClrLst/>
+    <dgm:txLinClrLst/>
+    <dgm:txFillClrLst/>
+    <dgm:txEffectClrLst/>
+  </dgm:styleLbl>
+  <dgm:styleLbl name="bgSibTrans2D1">
+    <dgm:fillClrLst meth="repeat">
+      <a:schemeClr val="accent1">
+        <a:tint val="60000"/>
+      </a:schemeClr>
+    </dgm:fillClrLst>
+    <dgm:linClrLst meth="repeat">
+      <a:schemeClr val="accent1">
+        <a:tint val="60000"/>
+      </a:schemeClr>
+    </dgm:linClrLst>
+    <dgm:effectClrLst/>
+    <dgm:txLinClrLst/>
+    <dgm:txFillClrLst/>
+    <dgm:txEffectClrLst/>
+  </dgm:styleLbl>
+  <dgm:styleLbl name="sibTrans1D1">
+    <dgm:fillClrLst meth="repeat">
+      <a:schemeClr val="accent1"/>
+    </dgm:fillClrLst>
+    <dgm:linClrLst meth="repeat">
+      <a:schemeClr val="accent1"/>
+    </dgm:linClrLst>
+    <dgm:effectClrLst/>
+    <dgm:txLinClrLst/>
+    <dgm:txFillClrLst meth="repeat">
+      <a:schemeClr val="tx1"/>
+    </dgm:txFillClrLst>
+    <dgm:txEffectClrLst/>
+  </dgm:styleLbl>
+  <dgm:styleLbl name="callout">
+    <dgm:fillClrLst meth="repeat">
+      <a:schemeClr val="accent1"/>
+    </dgm:fillClrLst>
+    <dgm:linClrLst meth="repeat">
+      <a:schemeClr val="accent1">
+        <a:tint val="50000"/>
+      </a:schemeClr>
+    </dgm:linClrLst>
+    <dgm:effectClrLst/>
+    <dgm:txLinClrLst/>
+    <dgm:txFillClrLst meth="repeat">
+      <a:schemeClr val="tx1"/>
+    </dgm:txFillClrLst>
+    <dgm:txEffectClrLst/>
+  </dgm:styleLbl>
+  <dgm:styleLbl name="asst0">
+    <dgm:fillClrLst meth="repeat">
+      <a:schemeClr val="accent1"/>
+    </dgm:fillClrLst>
+    <dgm:linClrLst meth="repeat">
+      <a:schemeClr val="lt1"/>
+    </dgm:linClrLst>
+    <dgm:effectClrLst/>
+    <dgm:txLinClrLst/>
+    <dgm:txFillClrLst/>
+    <dgm:txEffectClrLst/>
+  </dgm:styleLbl>
+  <dgm:styleLbl name="asst1">
+    <dgm:fillClrLst meth="repeat">
+      <a:schemeClr val="accent1"/>
+    </dgm:fillClrLst>
+    <dgm:linClrLst meth="repeat">
+      <a:schemeClr val="lt1"/>
+    </dgm:linClrLst>
+    <dgm:effectClrLst/>
+    <dgm:txLinClrLst/>
+    <dgm:txFillClrLst/>
+    <dgm:txEffectClrLst/>
+  </dgm:styleLbl>
+  <dgm:styleLbl name="asst2">
+    <dgm:fillClrLst meth="repeat">
+      <a:schemeClr val="accent1"/>
+    </dgm:fillClrLst>
+    <dgm:linClrLst meth="repeat">
+      <a:schemeClr val="lt1"/>
+    </dgm:linClrLst>
+    <dgm:effectClrLst/>
+    <dgm:txLinClrLst/>
+    <dgm:txFillClrLst/>
+    <dgm:txEffectClrLst/>
+  </dgm:styleLbl>
+  <dgm:styleLbl name="asst3">
+    <dgm:fillClrLst meth="repeat">
+      <a:schemeClr val="accent1"/>
+    </dgm:fillClrLst>
+    <dgm:linClrLst meth="repeat">
+      <a:schemeClr val="lt1"/>
+    </dgm:linClrLst>
+    <dgm:effectClrLst/>
+    <dgm:txLinClrLst/>
+    <dgm:txFillClrLst/>
+    <dgm:txEffectClrLst/>
+  </dgm:styleLbl>
+  <dgm:styleLbl name="asst4">
+    <dgm:fillClrLst meth="repeat">
+      <a:schemeClr val="accent1"/>
+    </dgm:fillClrLst>
+    <dgm:linClrLst meth="repeat">
+      <a:schemeClr val="lt1"/>
+    </dgm:linClrLst>
+    <dgm:effectClrLst/>
+    <dgm:txLinClrLst/>
+    <dgm:txFillClrLst/>
+    <dgm:txEffectClrLst/>
+  </dgm:styleLbl>
+  <dgm:styleLbl name="parChTrans2D1">
+    <dgm:fillClrLst meth="repeat">
+      <a:schemeClr val="accent1">
+        <a:tint val="60000"/>
+      </a:schemeClr>
+    </dgm:fillClrLst>
+    <dgm:linClrLst meth="repeat">
+      <a:schemeClr val="accent1">
+        <a:tint val="60000"/>
+      </a:schemeClr>
+    </dgm:linClrLst>
+    <dgm:effectClrLst/>
+    <dgm:txLinClrLst/>
+    <dgm:txFillClrLst meth="repeat">
+      <a:schemeClr val="lt1"/>
+    </dgm:txFillClrLst>
+    <dgm:txEffectClrLst/>
+  </dgm:styleLbl>
+  <dgm:styleLbl name="parChTrans2D2">
+    <dgm:fillClrLst meth="repeat">
+      <a:schemeClr val="accent1"/>
+    </dgm:fillClrLst>
+    <dgm:linClrLst meth="repeat">
+      <a:schemeClr val="accent1"/>
+    </dgm:linClrLst>
+    <dgm:effectClrLst/>
+    <dgm:txLinClrLst/>
+    <dgm:txFillClrLst meth="repeat">
+      <a:schemeClr val="lt1"/>
+    </dgm:txFillClrLst>
+    <dgm:txEffectClrLst/>
+  </dgm:styleLbl>
+  <dgm:styleLbl name="parChTrans2D3">
+    <dgm:fillClrLst meth="repeat">
+      <a:schemeClr val="accent1"/>
+    </dgm:fillClrLst>
+    <dgm:linClrLst meth="repeat">
+      <a:schemeClr val="accent1"/>
+    </dgm:linClrLst>
+    <dgm:effectClrLst/>
+    <dgm:txLinClrLst/>
+    <dgm:txFillClrLst meth="repeat">
+      <a:schemeClr val="lt1"/>
+    </dgm:txFillClrLst>
+    <dgm:txEffectClrLst/>
+  </dgm:styleLbl>
+  <dgm:styleLbl name="parChTrans2D4">
+    <dgm:fillClrLst meth="repeat">
+      <a:schemeClr val="accent1"/>
+    </dgm:fillClrLst>
+    <dgm:linClrLst meth="repeat">
+      <a:schemeClr val="accent1"/>
+    </dgm:linClrLst>
+    <dgm:effectClrLst/>
+    <dgm:txLinClrLst/>
+    <dgm:txFillClrLst meth="repeat">
+      <a:schemeClr val="lt1"/>
+    </dgm:txFillClrLst>
+    <dgm:txEffectClrLst/>
+  </dgm:styleLbl>
+  <dgm:styleLbl name="parChTrans1D1">
+    <dgm:fillClrLst meth="repeat">
+      <a:schemeClr val="accent1"/>
+    </dgm:fillClrLst>
+    <dgm:linClrLst meth="repeat">
+      <a:schemeClr val="accent1">
+        <a:shade val="60000"/>
+      </a:schemeClr>
+    </dgm:linClrLst>
+    <dgm:effectClrLst/>
+    <dgm:txLinClrLst/>
+    <dgm:txFillClrLst meth="repeat">
+      <a:schemeClr val="tx1"/>
+    </dgm:txFillClrLst>
+    <dgm:txEffectClrLst/>
+  </dgm:styleLbl>
+  <dgm:styleLbl name="parChTrans1D2">
+    <dgm:fillClrLst meth="repeat">
+      <a:schemeClr val="accent1"/>
+    </dgm:fillClrLst>
+    <dgm:linClrLst meth="repeat">
+      <a:schemeClr val="accent1">
+        <a:shade val="60000"/>
+      </a:schemeClr>
+    </dgm:linClrLst>
+    <dgm:effectClrLst/>
+    <dgm:txLinClrLst/>
+    <dgm:txFillClrLst meth="repeat">
+      <a:schemeClr val="tx1"/>
+    </dgm:txFillClrLst>
+    <dgm:txEffectClrLst/>
+  </dgm:styleLbl>
+  <dgm:styleLbl name="parChTrans1D3">
+    <dgm:fillClrLst meth="repeat">
+      <a:schemeClr val="accent1"/>
+    </dgm:fillClrLst>
+    <dgm:linClrLst meth="repeat">
+      <a:schemeClr val="accent1">
+        <a:shade val="80000"/>
+      </a:schemeClr>
+    </dgm:linClrLst>
+    <dgm:effectClrLst/>
+    <dgm:txLinClrLst/>
+    <dgm:txFillClrLst meth="repeat">
+      <a:schemeClr val="tx1"/>
+    </dgm:txFillClrLst>
+    <dgm:txEffectClrLst/>
+  </dgm:styleLbl>
+  <dgm:styleLbl name="parChTrans1D4">
+    <dgm:fillClrLst meth="repeat">
+      <a:schemeClr val="accent1"/>
+    </dgm:fillClrLst>
+    <dgm:linClrLst meth="repeat">
+      <a:schemeClr val="accent1">
+        <a:shade val="80000"/>
+      </a:schemeClr>
+    </dgm:linClrLst>
+    <dgm:effectClrLst/>
+    <dgm:txLinClrLst/>
+    <dgm:txFillClrLst meth="repeat">
+      <a:schemeClr val="tx1"/>
+    </dgm:txFillClrLst>
+    <dgm:txEffectClrLst/>
+  </dgm:styleLbl>
+  <dgm:styleLbl name="fgAcc1">
+    <dgm:fillClrLst meth="repeat">
+      <a:schemeClr val="lt1">
+        <a:alpha val="90000"/>
+      </a:schemeClr>
+    </dgm:fillClrLst>
+    <dgm:linClrLst meth="repeat">
+      <a:schemeClr val="accent1"/>
+    </dgm:linClrLst>
+    <dgm:effectClrLst/>
+    <dgm:txLinClrLst/>
+    <dgm:txFillClrLst meth="repeat">
+      <a:schemeClr val="dk1"/>
+    </dgm:txFillClrLst>
+    <dgm:txEffectClrLst/>
+  </dgm:styleLbl>
+  <dgm:styleLbl name="conFgAcc1">
+    <dgm:fillClrLst meth="repeat">
+      <a:schemeClr val="lt1">
+        <a:alpha val="90000"/>
+      </a:schemeClr>
+    </dgm:fillClrLst>
+    <dgm:linClrLst meth="repeat">
+      <a:schemeClr val="accent1"/>
+    </dgm:linClrLst>
+    <dgm:effectClrLst/>
+    <dgm:txLinClrLst/>
+    <dgm:txFillClrLst meth="repeat">
+      <a:schemeClr val="dk1"/>
+    </dgm:txFillClrLst>
+    <dgm:txEffectClrLst/>
+  </dgm:styleLbl>
+  <dgm:styleLbl name="alignAcc1">
+    <dgm:fillClrLst meth="repeat">
+      <a:schemeClr val="lt1">
+        <a:alpha val="90000"/>
+      </a:schemeClr>
+    </dgm:fillClrLst>
+    <dgm:linClrLst meth="repeat">
+      <a:schemeClr val="accent1"/>
+    </dgm:linClrLst>
+    <dgm:effectClrLst/>
+    <dgm:txLinClrLst/>
+    <dgm:txFillClrLst meth="repeat">
+      <a:schemeClr val="dk1"/>
+    </dgm:txFillClrLst>
+    <dgm:txEffectClrLst/>
+  </dgm:styleLbl>
+  <dgm:styleLbl name="trAlignAcc1">
+    <dgm:fillClrLst meth="repeat">
+      <a:schemeClr val="lt1">
+        <a:alpha val="40000"/>
+      </a:schemeClr>
+    </dgm:fillClrLst>
+    <dgm:linClrLst meth="repeat">
+      <a:schemeClr val="accent1"/>
+    </dgm:linClrLst>
+    <dgm:effectClrLst/>
+    <dgm:txLinClrLst/>
+    <dgm:txFillClrLst meth="repeat">
+      <a:schemeClr val="dk1"/>
+    </dgm:txFillClrLst>
+    <dgm:txEffectClrLst/>
+  </dgm:styleLbl>
+  <dgm:styleLbl name="bgAcc1">
+    <dgm:fillClrLst meth="repeat">
+      <a:schemeClr val="lt1">
+        <a:alpha val="90000"/>
+      </a:schemeClr>
+    </dgm:fillClrLst>
+    <dgm:linClrLst meth="repeat">
+      <a:schemeClr val="accent1"/>
+    </dgm:linClrLst>
+    <dgm:effectClrLst/>
+    <dgm:txLinClrLst/>
+    <dgm:txFillClrLst meth="repeat">
+      <a:schemeClr val="dk1"/>
+    </dgm:txFillClrLst>
+    <dgm:txEffectClrLst/>
+  </dgm:styleLbl>
+  <dgm:styleLbl name="solidFgAcc1">
+    <dgm:fillClrLst meth="repeat">
+      <a:schemeClr val="lt1"/>
+    </dgm:fillClrLst>
+    <dgm:linClrLst meth="repeat">
+      <a:schemeClr val="accent1"/>
+    </dgm:linClrLst>
+    <dgm:effectClrLst/>
+    <dgm:txLinClrLst/>
+    <dgm:txFillClrLst meth="repeat">
+      <a:schemeClr val="dk1"/>
+    </dgm:txFillClrLst>
+    <dgm:txEffectClrLst/>
+  </dgm:styleLbl>
+  <dgm:styleLbl name="solidAlignAcc1">
+    <dgm:fillClrLst meth="repeat">
+      <a:schemeClr val="lt1"/>
+    </dgm:fillClrLst>
+    <dgm:linClrLst meth="repeat">
+      <a:schemeClr val="accent1"/>
+    </dgm:linClrLst>
+    <dgm:effectClrLst/>
+    <dgm:txLinClrLst/>
+    <dgm:txFillClrLst meth="repeat">
+      <a:schemeClr val="dk1"/>
+    </dgm:txFillClrLst>
+    <dgm:txEffectClrLst/>
+  </dgm:styleLbl>
+  <dgm:styleLbl name="solidBgAcc1">
+    <dgm:fillClrLst meth="repeat">
+      <a:schemeClr val="lt1"/>
+    </dgm:fillClrLst>
+    <dgm:linClrLst meth="repeat">
+      <a:schemeClr val="accent1"/>
+    </dgm:linClrLst>
+    <dgm:effectClrLst/>
+    <dgm:txLinClrLst/>
+    <dgm:txFillClrLst meth="repeat">
+      <a:schemeClr val="dk1"/>
+    </dgm:txFillClrLst>
+    <dgm:txEffectClrLst/>
+  </dgm:styleLbl>
+  <dgm:styleLbl name="fgAccFollowNode1">
+    <dgm:fillClrLst meth="repeat">
+      <a:schemeClr val="accent1">
+        <a:alpha val="90000"/>
+        <a:tint val="40000"/>
+      </a:schemeClr>
+    </dgm:fillClrLst>
+    <dgm:linClrLst meth="repeat">
+      <a:schemeClr val="accent1">
+        <a:alpha val="90000"/>
+        <a:tint val="40000"/>
+      </a:schemeClr>
+    </dgm:linClrLst>
+    <dgm:effectClrLst/>
+    <dgm:txLinClrLst/>
+    <dgm:txFillClrLst meth="repeat">
+      <a:schemeClr val="dk1"/>
+    </dgm:txFillClrLst>
+    <dgm:txEffectClrLst/>
+  </dgm:styleLbl>
+  <dgm:styleLbl name="alignAccFollowNode1">
+    <dgm:fillClrLst meth="repeat">
+      <a:schemeClr val="accent1">
+        <a:alpha val="90000"/>
+        <a:tint val="40000"/>
+      </a:schemeClr>
+    </dgm:fillClrLst>
+    <dgm:linClrLst meth="repeat">
+      <a:schemeClr val="accent1">
+        <a:alpha val="90000"/>
+        <a:tint val="40000"/>
+      </a:schemeClr>
+    </dgm:linClrLst>
+    <dgm:effectClrLst/>
+    <dgm:txLinClrLst/>
+    <dgm:txFillClrLst meth="repeat">
+      <a:schemeClr val="dk1"/>
+    </dgm:txFillClrLst>
+    <dgm:txEffectClrLst/>
+  </dgm:styleLbl>
+  <dgm:styleLbl name="bgAccFollowNode1">
+    <dgm:fillClrLst meth="repeat">
+      <a:schemeClr val="accent1">
+        <a:alpha val="90000"/>
+        <a:tint val="40000"/>
+      </a:schemeClr>
+    </dgm:fillClrLst>
+    <dgm:linClrLst meth="repeat">
+      <a:schemeClr val="accent1">
+        <a:alpha val="90000"/>
+        <a:tint val="40000"/>
+      </a:schemeClr>
+    </dgm:linClrLst>
+    <dgm:effectClrLst/>
+    <dgm:txLinClrLst/>
+    <dgm:txFillClrLst meth="repeat">
+      <a:schemeClr val="dk1"/>
+    </dgm:txFillClrLst>
+    <dgm:txEffectClrLst/>
+  </dgm:styleLbl>
+  <dgm:styleLbl name="fgAcc0">
+    <dgm:fillClrLst meth="repeat">
+      <a:schemeClr val="lt1">
+        <a:alpha val="90000"/>
+      </a:schemeClr>
+    </dgm:fillClrLst>
+    <dgm:linClrLst meth="repeat">
+      <a:schemeClr val="accent1"/>
+    </dgm:linClrLst>
+    <dgm:effectClrLst/>
+    <dgm:txLinClrLst/>
+    <dgm:txFillClrLst meth="repeat">
+      <a:schemeClr val="dk1"/>
+    </dgm:txFillClrLst>
+    <dgm:txEffectClrLst/>
+  </dgm:styleLbl>
+  <dgm:styleLbl name="fgAcc2">
+    <dgm:fillClrLst meth="repeat">
+      <a:schemeClr val="lt1">
+        <a:alpha val="90000"/>
+      </a:schemeClr>
+    </dgm:fillClrLst>
+    <dgm:linClrLst meth="repeat">
+      <a:schemeClr val="accent1"/>
+    </dgm:linClrLst>
+    <dgm:effectClrLst/>
+    <dgm:txLinClrLst/>
+    <dgm:txFillClrLst meth="repeat">
+      <a:schemeClr val="dk1"/>
+    </dgm:txFillClrLst>
+    <dgm:txEffectClrLst/>
+  </dgm:styleLbl>
+  <dgm:styleLbl name="fgAcc3">
+    <dgm:fillClrLst meth="repeat">
+      <a:schemeClr val="lt1">
+        <a:alpha val="90000"/>
+      </a:schemeClr>
+    </dgm:fillClrLst>
+    <dgm:linClrLst meth="repeat">
+      <a:schemeClr val="accent1"/>
+    </dgm:linClrLst>
+    <dgm:effectClrLst/>
+    <dgm:txLinClrLst/>
+    <dgm:txFillClrLst meth="repeat">
+      <a:schemeClr val="dk1"/>
+    </dgm:txFillClrLst>
+    <dgm:txEffectClrLst/>
+  </dgm:styleLbl>
+  <dgm:styleLbl name="fgAcc4">
+    <dgm:fillClrLst meth="repeat">
+      <a:schemeClr val="lt1">
+        <a:alpha val="90000"/>
+      </a:schemeClr>
+    </dgm:fillClrLst>
+    <dgm:linClrLst meth="repeat">
+      <a:schemeClr val="accent1"/>
+    </dgm:linClrLst>
+    <dgm:effectClrLst/>
+    <dgm:txLinClrLst/>
+    <dgm:txFillClrLst meth="repeat">
+      <a:schemeClr val="dk1"/>
+    </dgm:txFillClrLst>
+    <dgm:txEffectClrLst/>
+  </dgm:styleLbl>
+  <dgm:styleLbl name="bgShp">
+    <dgm:fillClrLst meth="repeat">
+      <a:schemeClr val="accent1">
+        <a:tint val="40000"/>
+      </a:schemeClr>
+    </dgm:fillClrLst>
+    <dgm:linClrLst meth="repeat">
+      <a:schemeClr val="accent1"/>
+    </dgm:linClrLst>
+    <dgm:effectClrLst/>
+    <dgm:txLinClrLst/>
+    <dgm:txFillClrLst meth="repeat">
+      <a:schemeClr val="dk1"/>
+    </dgm:txFillClrLst>
+    <dgm:txEffectClrLst/>
+  </dgm:styleLbl>
+  <dgm:styleLbl name="dkBgShp">
+    <dgm:fillClrLst meth="repeat">
+      <a:schemeClr val="accent1">
+        <a:shade val="80000"/>
+      </a:schemeClr>
+    </dgm:fillClrLst>
+    <dgm:linClrLst meth="repeat">
+      <a:schemeClr val="accent1"/>
+    </dgm:linClrLst>
+    <dgm:effectClrLst/>
+    <dgm:txLinClrLst/>
+    <dgm:txFillClrLst meth="repeat">
+      <a:schemeClr val="lt1"/>
+    </dgm:txFillClrLst>
+    <dgm:txEffectClrLst/>
+  </dgm:styleLbl>
+  <dgm:styleLbl name="trBgShp">
+    <dgm:fillClrLst meth="repeat">
+      <a:schemeClr val="accent1">
+        <a:tint val="50000"/>
+        <a:alpha val="40000"/>
+      </a:schemeClr>
+    </dgm:fillClrLst>
+    <dgm:linClrLst meth="repeat">
+      <a:schemeClr val="accent1"/>
+    </dgm:linClrLst>
+    <dgm:effectClrLst/>
+    <dgm:txLinClrLst/>
+    <dgm:txFillClrLst meth="repeat">
+      <a:schemeClr val="lt1"/>
+    </dgm:txFillClrLst>
+    <dgm:txEffectClrLst/>
+  </dgm:styleLbl>
+  <dgm:styleLbl name="fgShp">
+    <dgm:fillClrLst meth="repeat">
+      <a:schemeClr val="accent1">
+        <a:tint val="60000"/>
+      </a:schemeClr>
+    </dgm:fillClrLst>
+    <dgm:linClrLst meth="repeat">
+      <a:schemeClr val="lt1"/>
+    </dgm:linClrLst>
+    <dgm:effectClrLst/>
+    <dgm:txLinClrLst/>
+    <dgm:txFillClrLst meth="repeat">
+      <a:schemeClr val="dk1"/>
+    </dgm:txFillClrLst>
+    <dgm:txEffectClrLst/>
+  </dgm:styleLbl>
+  <dgm:styleLbl name="revTx">
+    <dgm:fillClrLst meth="repeat">
+      <a:schemeClr val="lt1">
+        <a:alpha val="0"/>
+      </a:schemeClr>
+    </dgm:fillClrLst>
+    <dgm:linClrLst meth="repeat">
+      <a:schemeClr val="dk1">
+        <a:alpha val="0"/>
+      </a:schemeClr>
+    </dgm:linClrLst>
+    <dgm:effectClrLst/>
+    <dgm:txLinClrLst/>
+    <dgm:txFillClrLst meth="repeat">
+      <a:schemeClr val="tx1"/>
+    </dgm:txFillClrLst>
+    <dgm:txEffectClrLst/>
+  </dgm:styleLbl>
+</dgm:colorsDef>
+</file>
+
+<file path=ppt/diagrams/colors5.xml><?xml version="1.0" encoding="utf-8"?>
 <dgm:colorsDef xmlns:dgm="http://schemas.openxmlformats.org/drawingml/2006/diagram" xmlns:a="http://schemas.openxmlformats.org/drawingml/2006/main" uniqueId="urn:microsoft.com/office/officeart/2005/8/colors/accent1_2">
   <dgm:title val=""/>
   <dgm:desc val=""/>
@@ -2487,7 +4292,9 @@
           <a:r>
             <a:rPr lang="en-US" b="1" i="0" baseline="0" dirty="0">
               <a:solidFill>
-                <a:srgbClr val="FF0000"/>
+                <a:schemeClr val="accent2">
+                  <a:lumMod val="75000"/>
+                </a:schemeClr>
               </a:solidFill>
             </a:rPr>
             <a:t>Register Artwork: </a:t>
@@ -2506,7 +4313,9 @@
           <a:r>
             <a:rPr lang="en-US" b="1" i="0" baseline="0" dirty="0">
               <a:solidFill>
-                <a:srgbClr val="FF0000"/>
+                <a:schemeClr val="accent2">
+                  <a:lumMod val="75000"/>
+                </a:schemeClr>
               </a:solidFill>
             </a:rPr>
             <a:t>Minting Tokens: </a:t>
@@ -2534,7 +4343,9 @@
           <a:r>
             <a:rPr lang="en-US" b="1" i="0" baseline="0" dirty="0">
               <a:solidFill>
-                <a:srgbClr val="FF0000"/>
+                <a:schemeClr val="accent2">
+                  <a:lumMod val="75000"/>
+                </a:schemeClr>
               </a:solidFill>
             </a:rPr>
             <a:t>Metadata Storage: </a:t>
@@ -2557,10 +4368,20 @@
           <a:r>
             <a:rPr lang="en-US" b="1" i="0" baseline="0" dirty="0">
               <a:solidFill>
+                <a:schemeClr val="accent2">
+                  <a:lumMod val="75000"/>
+                </a:schemeClr>
+              </a:solidFill>
+            </a:rPr>
+            <a:t>SetApprovalForAll:</a:t>
+          </a:r>
+          <a:r>
+            <a:rPr lang="en-US" b="1" i="0" baseline="0" dirty="0">
+              <a:solidFill>
                 <a:srgbClr val="FF0000"/>
               </a:solidFill>
             </a:rPr>
-            <a:t>SetApprovalForAll: </a:t>
+            <a:t> </a:t>
           </a:r>
           <a:r>
             <a:rPr lang="en-US" b="0" i="0" baseline="0" dirty="0"/>
@@ -2585,7 +4406,9 @@
           <a:r>
             <a:rPr lang="en-US" b="1" i="0" baseline="0" dirty="0">
               <a:solidFill>
-                <a:srgbClr val="FF0000"/>
+                <a:schemeClr val="accent2">
+                  <a:lumMod val="75000"/>
+                </a:schemeClr>
               </a:solidFill>
             </a:rPr>
             <a:t>Event Emission: </a:t>
@@ -3870,6 +5693,869 @@
 </dgm:dataModel>
 </file>
 
+<file path=ppt/diagrams/data4.xml><?xml version="1.0" encoding="utf-8"?>
+<dgm:dataModel xmlns:dgm="http://schemas.openxmlformats.org/drawingml/2006/diagram" xmlns:a="http://schemas.openxmlformats.org/drawingml/2006/main">
+  <dgm:ptLst>
+    <dgm:pt modelId="{37D774BD-9BD6-4601-9F57-1A3D2B6D1B67}" type="doc">
+      <dgm:prSet loTypeId="urn:microsoft.com/office/officeart/2018/2/layout/IconVerticalSolidList" loCatId="icon" qsTypeId="urn:microsoft.com/office/officeart/2005/8/quickstyle/simple1" qsCatId="simple" csTypeId="urn:microsoft.com/office/officeart/2005/8/colors/accent1_2" csCatId="accent1" phldr="1"/>
+      <dgm:spPr/>
+      <dgm:t>
+        <a:bodyPr/>
+        <a:lstStyle/>
+        <a:p>
+          <a:endParaRPr lang="en-US"/>
+        </a:p>
+      </dgm:t>
+    </dgm:pt>
+    <dgm:pt modelId="{C6BE0D08-7D1B-4834-B0FC-0BF2E312740F}">
+      <dgm:prSet/>
+      <dgm:spPr/>
+      <dgm:t>
+        <a:bodyPr/>
+        <a:lstStyle/>
+        <a:p>
+          <a:pPr>
+            <a:lnSpc>
+              <a:spcPct val="100000"/>
+            </a:lnSpc>
+          </a:pPr>
+          <a:r>
+            <a:rPr lang="en-US" b="0" i="0" baseline="0"/>
+            <a:t>Current Solution:</a:t>
+          </a:r>
+          <a:endParaRPr lang="en-US"/>
+        </a:p>
+      </dgm:t>
+    </dgm:pt>
+    <dgm:pt modelId="{DFB79835-EB09-422F-A02B-C6B3895BAE48}" type="parTrans" cxnId="{2629359B-2E60-46F0-8CD6-4BD2A2C26836}">
+      <dgm:prSet/>
+      <dgm:spPr/>
+      <dgm:t>
+        <a:bodyPr/>
+        <a:lstStyle/>
+        <a:p>
+          <a:endParaRPr lang="en-US"/>
+        </a:p>
+      </dgm:t>
+    </dgm:pt>
+    <dgm:pt modelId="{E8D74C00-0F62-40DD-9037-F1EB1791693D}" type="sibTrans" cxnId="{2629359B-2E60-46F0-8CD6-4BD2A2C26836}">
+      <dgm:prSet/>
+      <dgm:spPr/>
+      <dgm:t>
+        <a:bodyPr/>
+        <a:lstStyle/>
+        <a:p>
+          <a:endParaRPr lang="en-US"/>
+        </a:p>
+      </dgm:t>
+    </dgm:pt>
+    <dgm:pt modelId="{DD3C2457-4896-44E2-9FE6-A38C09A88370}">
+      <dgm:prSet/>
+      <dgm:spPr/>
+      <dgm:t>
+        <a:bodyPr/>
+        <a:lstStyle/>
+        <a:p>
+          <a:pPr>
+            <a:lnSpc>
+              <a:spcPct val="100000"/>
+            </a:lnSpc>
+          </a:pPr>
+          <a:r>
+            <a:rPr lang="en-US" b="0" i="0" baseline="0"/>
+            <a:t>Multi-auction enabled but based on the same instance of the Auction Smart Contract. As a consequence- only one auction can run on the application at any given time.</a:t>
+          </a:r>
+          <a:endParaRPr lang="en-US"/>
+        </a:p>
+      </dgm:t>
+    </dgm:pt>
+    <dgm:pt modelId="{DBA9DF5B-AB23-4A47-AA7A-CD90B2AFEDBE}" type="parTrans" cxnId="{FDE7305D-882F-4C1C-B963-23D71B28655C}">
+      <dgm:prSet/>
+      <dgm:spPr/>
+      <dgm:t>
+        <a:bodyPr/>
+        <a:lstStyle/>
+        <a:p>
+          <a:endParaRPr lang="en-US"/>
+        </a:p>
+      </dgm:t>
+    </dgm:pt>
+    <dgm:pt modelId="{FC3DF990-12E0-4C63-A420-E6DE1EABB3D8}" type="sibTrans" cxnId="{FDE7305D-882F-4C1C-B963-23D71B28655C}">
+      <dgm:prSet/>
+      <dgm:spPr/>
+      <dgm:t>
+        <a:bodyPr/>
+        <a:lstStyle/>
+        <a:p>
+          <a:endParaRPr lang="en-US"/>
+        </a:p>
+      </dgm:t>
+    </dgm:pt>
+    <dgm:pt modelId="{3E2C9716-D58A-4337-A972-58923D98B567}">
+      <dgm:prSet/>
+      <dgm:spPr/>
+      <dgm:t>
+        <a:bodyPr/>
+        <a:lstStyle/>
+        <a:p>
+          <a:pPr>
+            <a:lnSpc>
+              <a:spcPct val="100000"/>
+            </a:lnSpc>
+          </a:pPr>
+          <a:r>
+            <a:rPr lang="en-US" b="0" i="0" baseline="0"/>
+            <a:t>Enhanced Version:</a:t>
+          </a:r>
+          <a:endParaRPr lang="en-US"/>
+        </a:p>
+      </dgm:t>
+    </dgm:pt>
+    <dgm:pt modelId="{45579409-1304-4EE3-9D26-C36050539511}" type="parTrans" cxnId="{C2D5A6FD-E8BD-44AF-B7E3-ADE7FC84F912}">
+      <dgm:prSet/>
+      <dgm:spPr/>
+      <dgm:t>
+        <a:bodyPr/>
+        <a:lstStyle/>
+        <a:p>
+          <a:endParaRPr lang="en-US"/>
+        </a:p>
+      </dgm:t>
+    </dgm:pt>
+    <dgm:pt modelId="{CF767CB0-BAD6-4CC2-8E3A-EB54F8F2AFFB}" type="sibTrans" cxnId="{C2D5A6FD-E8BD-44AF-B7E3-ADE7FC84F912}">
+      <dgm:prSet/>
+      <dgm:spPr/>
+      <dgm:t>
+        <a:bodyPr/>
+        <a:lstStyle/>
+        <a:p>
+          <a:endParaRPr lang="en-US"/>
+        </a:p>
+      </dgm:t>
+    </dgm:pt>
+    <dgm:pt modelId="{83BA36CD-FB6E-46D7-A5F2-68170B795AE1}">
+      <dgm:prSet/>
+      <dgm:spPr/>
+      <dgm:t>
+        <a:bodyPr/>
+        <a:lstStyle/>
+        <a:p>
+          <a:pPr>
+            <a:lnSpc>
+              <a:spcPct val="100000"/>
+            </a:lnSpc>
+          </a:pPr>
+          <a:r>
+            <a:rPr lang="en-US" b="0" i="0" baseline="0" dirty="0"/>
+            <a:t>Current Solution enhanced with a possibility to create a few instances within the smart contracts.</a:t>
+          </a:r>
+          <a:endParaRPr lang="en-US" dirty="0"/>
+        </a:p>
+      </dgm:t>
+    </dgm:pt>
+    <dgm:pt modelId="{8FF14621-2045-42F3-B4E5-7BB4EC3FB0EF}" type="parTrans" cxnId="{3842DA32-0455-429D-BBE9-01E06007B610}">
+      <dgm:prSet/>
+      <dgm:spPr/>
+      <dgm:t>
+        <a:bodyPr/>
+        <a:lstStyle/>
+        <a:p>
+          <a:endParaRPr lang="en-US"/>
+        </a:p>
+      </dgm:t>
+    </dgm:pt>
+    <dgm:pt modelId="{2D435A0B-545B-4D74-8BCE-E67769BD45B6}" type="sibTrans" cxnId="{3842DA32-0455-429D-BBE9-01E06007B610}">
+      <dgm:prSet/>
+      <dgm:spPr/>
+      <dgm:t>
+        <a:bodyPr/>
+        <a:lstStyle/>
+        <a:p>
+          <a:endParaRPr lang="en-US"/>
+        </a:p>
+      </dgm:t>
+    </dgm:pt>
+    <dgm:pt modelId="{B73897C5-5505-4693-8A90-78B06BB966FD}">
+      <dgm:prSet/>
+      <dgm:spPr/>
+      <dgm:t>
+        <a:bodyPr/>
+        <a:lstStyle/>
+        <a:p>
+          <a:pPr>
+            <a:lnSpc>
+              <a:spcPct val="100000"/>
+            </a:lnSpc>
+          </a:pPr>
+          <a:r>
+            <a:rPr lang="en-US" b="0" i="0" baseline="0"/>
+            <a:t>Running a simultaneous NFT multi-auction both back and Front-end.</a:t>
+          </a:r>
+          <a:endParaRPr lang="en-US"/>
+        </a:p>
+      </dgm:t>
+    </dgm:pt>
+    <dgm:pt modelId="{214C7E33-C429-4ABA-A48E-6B57E433D3BA}" type="parTrans" cxnId="{19516056-D9C5-4FDB-9679-A53E7530F2D4}">
+      <dgm:prSet/>
+      <dgm:spPr/>
+      <dgm:t>
+        <a:bodyPr/>
+        <a:lstStyle/>
+        <a:p>
+          <a:endParaRPr lang="en-US"/>
+        </a:p>
+      </dgm:t>
+    </dgm:pt>
+    <dgm:pt modelId="{CB25AB24-C24B-42DD-8038-FE71A13DC07A}" type="sibTrans" cxnId="{19516056-D9C5-4FDB-9679-A53E7530F2D4}">
+      <dgm:prSet/>
+      <dgm:spPr/>
+      <dgm:t>
+        <a:bodyPr/>
+        <a:lstStyle/>
+        <a:p>
+          <a:endParaRPr lang="en-US"/>
+        </a:p>
+      </dgm:t>
+    </dgm:pt>
+    <dgm:pt modelId="{9F91BEA9-31E2-4719-9663-C630E7E94C9F}" type="pres">
+      <dgm:prSet presAssocID="{37D774BD-9BD6-4601-9F57-1A3D2B6D1B67}" presName="root" presStyleCnt="0">
+        <dgm:presLayoutVars>
+          <dgm:dir/>
+          <dgm:resizeHandles val="exact"/>
+        </dgm:presLayoutVars>
+      </dgm:prSet>
+      <dgm:spPr/>
+    </dgm:pt>
+    <dgm:pt modelId="{D1FF9F64-5A2B-443A-ADDA-0505CFFFA7DB}" type="pres">
+      <dgm:prSet presAssocID="{C6BE0D08-7D1B-4834-B0FC-0BF2E312740F}" presName="compNode" presStyleCnt="0"/>
+      <dgm:spPr/>
+    </dgm:pt>
+    <dgm:pt modelId="{27FD00DB-4FB4-475A-8F08-FDC958E9519B}" type="pres">
+      <dgm:prSet presAssocID="{C6BE0D08-7D1B-4834-B0FC-0BF2E312740F}" presName="bgRect" presStyleLbl="bgShp" presStyleIdx="0" presStyleCnt="2"/>
+      <dgm:spPr/>
+    </dgm:pt>
+    <dgm:pt modelId="{3DD5B6F4-A984-4491-A5BC-0D244FAFEF57}" type="pres">
+      <dgm:prSet presAssocID="{C6BE0D08-7D1B-4834-B0FC-0BF2E312740F}" presName="iconRect" presStyleLbl="node1" presStyleIdx="0" presStyleCnt="2"/>
+      <dgm:spPr>
+        <a:blipFill>
+          <a:blip xmlns:r="http://schemas.openxmlformats.org/officeDocument/2006/relationships" r:embed="rId1">
+            <a:extLst>
+              <a:ext uri="{28A0092B-C50C-407E-A947-70E740481C1C}">
+                <a14:useLocalDpi xmlns:a14="http://schemas.microsoft.com/office/drawing/2010/main" val="0"/>
+              </a:ext>
+              <a:ext uri="{96DAC541-7B7A-43D3-8B79-37D633B846F1}">
+                <asvg:svgBlip xmlns:asvg="http://schemas.microsoft.com/office/drawing/2016/SVG/main" r:embed="rId2"/>
+              </a:ext>
+            </a:extLst>
+          </a:blip>
+          <a:stretch>
+            <a:fillRect/>
+          </a:stretch>
+        </a:blipFill>
+      </dgm:spPr>
+      <dgm:extLst>
+        <a:ext uri="{E40237B7-FDA0-4F09-8148-C483321AD2D9}">
+          <dgm14:cNvPr xmlns:dgm14="http://schemas.microsoft.com/office/drawing/2010/diagram" id="0" name="" descr="Gavel"/>
+        </a:ext>
+      </dgm:extLst>
+    </dgm:pt>
+    <dgm:pt modelId="{2E065E36-1DAF-4058-AFB4-9C98B85F49D1}" type="pres">
+      <dgm:prSet presAssocID="{C6BE0D08-7D1B-4834-B0FC-0BF2E312740F}" presName="spaceRect" presStyleCnt="0"/>
+      <dgm:spPr/>
+    </dgm:pt>
+    <dgm:pt modelId="{B89A8DA6-DF36-4F17-8D0A-E3D074676250}" type="pres">
+      <dgm:prSet presAssocID="{C6BE0D08-7D1B-4834-B0FC-0BF2E312740F}" presName="parTx" presStyleLbl="revTx" presStyleIdx="0" presStyleCnt="4">
+        <dgm:presLayoutVars>
+          <dgm:chMax val="0"/>
+          <dgm:chPref val="0"/>
+        </dgm:presLayoutVars>
+      </dgm:prSet>
+      <dgm:spPr/>
+    </dgm:pt>
+    <dgm:pt modelId="{8E170553-E143-40D2-BE8D-DBF50BF02033}" type="pres">
+      <dgm:prSet presAssocID="{C6BE0D08-7D1B-4834-B0FC-0BF2E312740F}" presName="desTx" presStyleLbl="revTx" presStyleIdx="1" presStyleCnt="4">
+        <dgm:presLayoutVars/>
+      </dgm:prSet>
+      <dgm:spPr/>
+    </dgm:pt>
+    <dgm:pt modelId="{51B8B65A-303F-4016-84E8-0B2896694FC4}" type="pres">
+      <dgm:prSet presAssocID="{E8D74C00-0F62-40DD-9037-F1EB1791693D}" presName="sibTrans" presStyleCnt="0"/>
+      <dgm:spPr/>
+    </dgm:pt>
+    <dgm:pt modelId="{DAB6785F-C07F-447E-86B9-88808BF207F3}" type="pres">
+      <dgm:prSet presAssocID="{3E2C9716-D58A-4337-A972-58923D98B567}" presName="compNode" presStyleCnt="0"/>
+      <dgm:spPr/>
+    </dgm:pt>
+    <dgm:pt modelId="{83447B60-2B08-404A-92EF-7EC224A74401}" type="pres">
+      <dgm:prSet presAssocID="{3E2C9716-D58A-4337-A972-58923D98B567}" presName="bgRect" presStyleLbl="bgShp" presStyleIdx="1" presStyleCnt="2"/>
+      <dgm:spPr/>
+    </dgm:pt>
+    <dgm:pt modelId="{BF42B472-F5D3-4005-ACF0-8AC0E71DEACD}" type="pres">
+      <dgm:prSet presAssocID="{3E2C9716-D58A-4337-A972-58923D98B567}" presName="iconRect" presStyleLbl="node1" presStyleIdx="1" presStyleCnt="2"/>
+      <dgm:spPr>
+        <a:blipFill>
+          <a:blip xmlns:r="http://schemas.openxmlformats.org/officeDocument/2006/relationships" r:embed="rId3">
+            <a:extLst>
+              <a:ext uri="{28A0092B-C50C-407E-A947-70E740481C1C}">
+                <a14:useLocalDpi xmlns:a14="http://schemas.microsoft.com/office/drawing/2010/main" val="0"/>
+              </a:ext>
+              <a:ext uri="{96DAC541-7B7A-43D3-8B79-37D633B846F1}">
+                <asvg:svgBlip xmlns:asvg="http://schemas.microsoft.com/office/drawing/2016/SVG/main" r:embed="rId4"/>
+              </a:ext>
+            </a:extLst>
+          </a:blip>
+          <a:stretch>
+            <a:fillRect/>
+          </a:stretch>
+        </a:blipFill>
+      </dgm:spPr>
+      <dgm:extLst>
+        <a:ext uri="{E40237B7-FDA0-4F09-8148-C483321AD2D9}">
+          <dgm14:cNvPr xmlns:dgm14="http://schemas.microsoft.com/office/drawing/2010/diagram" id="0" name="" descr="Judge"/>
+        </a:ext>
+      </dgm:extLst>
+    </dgm:pt>
+    <dgm:pt modelId="{AA80242F-D8FF-43FD-BB8B-B6F4832ADB20}" type="pres">
+      <dgm:prSet presAssocID="{3E2C9716-D58A-4337-A972-58923D98B567}" presName="spaceRect" presStyleCnt="0"/>
+      <dgm:spPr/>
+    </dgm:pt>
+    <dgm:pt modelId="{2ECC03AE-D048-47DB-9563-B9CF92790736}" type="pres">
+      <dgm:prSet presAssocID="{3E2C9716-D58A-4337-A972-58923D98B567}" presName="parTx" presStyleLbl="revTx" presStyleIdx="2" presStyleCnt="4">
+        <dgm:presLayoutVars>
+          <dgm:chMax val="0"/>
+          <dgm:chPref val="0"/>
+        </dgm:presLayoutVars>
+      </dgm:prSet>
+      <dgm:spPr/>
+    </dgm:pt>
+    <dgm:pt modelId="{0F2EA844-EB0F-42DE-BB6B-CDDB7699AAFD}" type="pres">
+      <dgm:prSet presAssocID="{3E2C9716-D58A-4337-A972-58923D98B567}" presName="desTx" presStyleLbl="revTx" presStyleIdx="3" presStyleCnt="4">
+        <dgm:presLayoutVars/>
+      </dgm:prSet>
+      <dgm:spPr/>
+    </dgm:pt>
+  </dgm:ptLst>
+  <dgm:cxnLst>
+    <dgm:cxn modelId="{3842DA32-0455-429D-BBE9-01E06007B610}" srcId="{3E2C9716-D58A-4337-A972-58923D98B567}" destId="{83BA36CD-FB6E-46D7-A5F2-68170B795AE1}" srcOrd="0" destOrd="0" parTransId="{8FF14621-2045-42F3-B4E5-7BB4EC3FB0EF}" sibTransId="{2D435A0B-545B-4D74-8BCE-E67769BD45B6}"/>
+    <dgm:cxn modelId="{FDE7305D-882F-4C1C-B963-23D71B28655C}" srcId="{C6BE0D08-7D1B-4834-B0FC-0BF2E312740F}" destId="{DD3C2457-4896-44E2-9FE6-A38C09A88370}" srcOrd="0" destOrd="0" parTransId="{DBA9DF5B-AB23-4A47-AA7A-CD90B2AFEDBE}" sibTransId="{FC3DF990-12E0-4C63-A420-E6DE1EABB3D8}"/>
+    <dgm:cxn modelId="{4507D241-6C7D-47B4-9154-6A6941E61233}" type="presOf" srcId="{DD3C2457-4896-44E2-9FE6-A38C09A88370}" destId="{8E170553-E143-40D2-BE8D-DBF50BF02033}" srcOrd="0" destOrd="0" presId="urn:microsoft.com/office/officeart/2018/2/layout/IconVerticalSolidList"/>
+    <dgm:cxn modelId="{9387ED4C-D90D-4EC4-936D-1C8BFAF48EAE}" type="presOf" srcId="{B73897C5-5505-4693-8A90-78B06BB966FD}" destId="{0F2EA844-EB0F-42DE-BB6B-CDDB7699AAFD}" srcOrd="0" destOrd="1" presId="urn:microsoft.com/office/officeart/2018/2/layout/IconVerticalSolidList"/>
+    <dgm:cxn modelId="{19516056-D9C5-4FDB-9679-A53E7530F2D4}" srcId="{3E2C9716-D58A-4337-A972-58923D98B567}" destId="{B73897C5-5505-4693-8A90-78B06BB966FD}" srcOrd="1" destOrd="0" parTransId="{214C7E33-C429-4ABA-A48E-6B57E433D3BA}" sibTransId="{CB25AB24-C24B-42DD-8038-FE71A13DC07A}"/>
+    <dgm:cxn modelId="{2629359B-2E60-46F0-8CD6-4BD2A2C26836}" srcId="{37D774BD-9BD6-4601-9F57-1A3D2B6D1B67}" destId="{C6BE0D08-7D1B-4834-B0FC-0BF2E312740F}" srcOrd="0" destOrd="0" parTransId="{DFB79835-EB09-422F-A02B-C6B3895BAE48}" sibTransId="{E8D74C00-0F62-40DD-9037-F1EB1791693D}"/>
+    <dgm:cxn modelId="{E6BA94A7-0762-4A53-A26E-3B068F1D23D8}" type="presOf" srcId="{37D774BD-9BD6-4601-9F57-1A3D2B6D1B67}" destId="{9F91BEA9-31E2-4719-9663-C630E7E94C9F}" srcOrd="0" destOrd="0" presId="urn:microsoft.com/office/officeart/2018/2/layout/IconVerticalSolidList"/>
+    <dgm:cxn modelId="{E680D5B4-E03C-4D9B-B186-DAEAF3B71605}" type="presOf" srcId="{3E2C9716-D58A-4337-A972-58923D98B567}" destId="{2ECC03AE-D048-47DB-9563-B9CF92790736}" srcOrd="0" destOrd="0" presId="urn:microsoft.com/office/officeart/2018/2/layout/IconVerticalSolidList"/>
+    <dgm:cxn modelId="{B28D2FC9-8DE2-42CC-BBEC-D0622B08B01A}" type="presOf" srcId="{83BA36CD-FB6E-46D7-A5F2-68170B795AE1}" destId="{0F2EA844-EB0F-42DE-BB6B-CDDB7699AAFD}" srcOrd="0" destOrd="0" presId="urn:microsoft.com/office/officeart/2018/2/layout/IconVerticalSolidList"/>
+    <dgm:cxn modelId="{D5F4A8CE-0E2D-4DB3-A5F0-8D4EF08F4425}" type="presOf" srcId="{C6BE0D08-7D1B-4834-B0FC-0BF2E312740F}" destId="{B89A8DA6-DF36-4F17-8D0A-E3D074676250}" srcOrd="0" destOrd="0" presId="urn:microsoft.com/office/officeart/2018/2/layout/IconVerticalSolidList"/>
+    <dgm:cxn modelId="{C2D5A6FD-E8BD-44AF-B7E3-ADE7FC84F912}" srcId="{37D774BD-9BD6-4601-9F57-1A3D2B6D1B67}" destId="{3E2C9716-D58A-4337-A972-58923D98B567}" srcOrd="1" destOrd="0" parTransId="{45579409-1304-4EE3-9D26-C36050539511}" sibTransId="{CF767CB0-BAD6-4CC2-8E3A-EB54F8F2AFFB}"/>
+    <dgm:cxn modelId="{6E83CCF5-7BB2-4296-8ECA-FF89BA88AB6C}" type="presParOf" srcId="{9F91BEA9-31E2-4719-9663-C630E7E94C9F}" destId="{D1FF9F64-5A2B-443A-ADDA-0505CFFFA7DB}" srcOrd="0" destOrd="0" presId="urn:microsoft.com/office/officeart/2018/2/layout/IconVerticalSolidList"/>
+    <dgm:cxn modelId="{2B22224B-4D29-4B80-9463-1A6BE239C676}" type="presParOf" srcId="{D1FF9F64-5A2B-443A-ADDA-0505CFFFA7DB}" destId="{27FD00DB-4FB4-475A-8F08-FDC958E9519B}" srcOrd="0" destOrd="0" presId="urn:microsoft.com/office/officeart/2018/2/layout/IconVerticalSolidList"/>
+    <dgm:cxn modelId="{3A8C0A75-EE81-4336-85EF-89F1E25223FA}" type="presParOf" srcId="{D1FF9F64-5A2B-443A-ADDA-0505CFFFA7DB}" destId="{3DD5B6F4-A984-4491-A5BC-0D244FAFEF57}" srcOrd="1" destOrd="0" presId="urn:microsoft.com/office/officeart/2018/2/layout/IconVerticalSolidList"/>
+    <dgm:cxn modelId="{7FFA0BF3-6ABF-4E0D-BBA7-EDA42C4DCD34}" type="presParOf" srcId="{D1FF9F64-5A2B-443A-ADDA-0505CFFFA7DB}" destId="{2E065E36-1DAF-4058-AFB4-9C98B85F49D1}" srcOrd="2" destOrd="0" presId="urn:microsoft.com/office/officeart/2018/2/layout/IconVerticalSolidList"/>
+    <dgm:cxn modelId="{09C187A1-CDCC-49A0-805F-DC5446016586}" type="presParOf" srcId="{D1FF9F64-5A2B-443A-ADDA-0505CFFFA7DB}" destId="{B89A8DA6-DF36-4F17-8D0A-E3D074676250}" srcOrd="3" destOrd="0" presId="urn:microsoft.com/office/officeart/2018/2/layout/IconVerticalSolidList"/>
+    <dgm:cxn modelId="{7AD402C9-430E-4C25-AB89-A6971AEF3AC6}" type="presParOf" srcId="{D1FF9F64-5A2B-443A-ADDA-0505CFFFA7DB}" destId="{8E170553-E143-40D2-BE8D-DBF50BF02033}" srcOrd="4" destOrd="0" presId="urn:microsoft.com/office/officeart/2018/2/layout/IconVerticalSolidList"/>
+    <dgm:cxn modelId="{6F0F9398-1C60-4BA3-8236-0A433AA3118F}" type="presParOf" srcId="{9F91BEA9-31E2-4719-9663-C630E7E94C9F}" destId="{51B8B65A-303F-4016-84E8-0B2896694FC4}" srcOrd="1" destOrd="0" presId="urn:microsoft.com/office/officeart/2018/2/layout/IconVerticalSolidList"/>
+    <dgm:cxn modelId="{9C6AC28E-807F-4A23-8059-AB64414D4427}" type="presParOf" srcId="{9F91BEA9-31E2-4719-9663-C630E7E94C9F}" destId="{DAB6785F-C07F-447E-86B9-88808BF207F3}" srcOrd="2" destOrd="0" presId="urn:microsoft.com/office/officeart/2018/2/layout/IconVerticalSolidList"/>
+    <dgm:cxn modelId="{987A3B55-D1E2-43B1-8DF1-04C3037F39E2}" type="presParOf" srcId="{DAB6785F-C07F-447E-86B9-88808BF207F3}" destId="{83447B60-2B08-404A-92EF-7EC224A74401}" srcOrd="0" destOrd="0" presId="urn:microsoft.com/office/officeart/2018/2/layout/IconVerticalSolidList"/>
+    <dgm:cxn modelId="{99B9EEF9-5662-495D-90D9-9D9835362B97}" type="presParOf" srcId="{DAB6785F-C07F-447E-86B9-88808BF207F3}" destId="{BF42B472-F5D3-4005-ACF0-8AC0E71DEACD}" srcOrd="1" destOrd="0" presId="urn:microsoft.com/office/officeart/2018/2/layout/IconVerticalSolidList"/>
+    <dgm:cxn modelId="{9BD421D1-0F2C-4B52-8E22-A9C0D49E00CA}" type="presParOf" srcId="{DAB6785F-C07F-447E-86B9-88808BF207F3}" destId="{AA80242F-D8FF-43FD-BB8B-B6F4832ADB20}" srcOrd="2" destOrd="0" presId="urn:microsoft.com/office/officeart/2018/2/layout/IconVerticalSolidList"/>
+    <dgm:cxn modelId="{979A31FB-DA6A-4EA9-B5DC-6DB63A8917EF}" type="presParOf" srcId="{DAB6785F-C07F-447E-86B9-88808BF207F3}" destId="{2ECC03AE-D048-47DB-9563-B9CF92790736}" srcOrd="3" destOrd="0" presId="urn:microsoft.com/office/officeart/2018/2/layout/IconVerticalSolidList"/>
+    <dgm:cxn modelId="{723A0D81-7CFC-4EF3-A008-8C08A3373E4A}" type="presParOf" srcId="{DAB6785F-C07F-447E-86B9-88808BF207F3}" destId="{0F2EA844-EB0F-42DE-BB6B-CDDB7699AAFD}" srcOrd="4" destOrd="0" presId="urn:microsoft.com/office/officeart/2018/2/layout/IconVerticalSolidList"/>
+  </dgm:cxnLst>
+  <dgm:bg/>
+  <dgm:whole/>
+  <dgm:extLst>
+    <a:ext uri="http://schemas.microsoft.com/office/drawing/2008/diagram">
+      <dsp:dataModelExt xmlns:dsp="http://schemas.microsoft.com/office/drawing/2008/diagram" relId="rId6" minVer="http://schemas.openxmlformats.org/drawingml/2006/diagram"/>
+    </a:ext>
+  </dgm:extLst>
+</dgm:dataModel>
+</file>
+
+<file path=ppt/diagrams/data5.xml><?xml version="1.0" encoding="utf-8"?>
+<dgm:dataModel xmlns:dgm="http://schemas.openxmlformats.org/drawingml/2006/diagram" xmlns:a="http://schemas.openxmlformats.org/drawingml/2006/main">
+  <dgm:ptLst>
+    <dgm:pt modelId="{D591E489-AAB0-44DE-A96D-5E11F8BF92EA}" type="doc">
+      <dgm:prSet loTypeId="urn:microsoft.com/office/officeart/2018/2/layout/IconVerticalSolidList" loCatId="icon" qsTypeId="urn:microsoft.com/office/officeart/2005/8/quickstyle/simple1" qsCatId="simple" csTypeId="urn:microsoft.com/office/officeart/2005/8/colors/accent1_2" csCatId="accent1" phldr="1"/>
+      <dgm:spPr/>
+      <dgm:t>
+        <a:bodyPr/>
+        <a:lstStyle/>
+        <a:p>
+          <a:endParaRPr lang="en-US"/>
+        </a:p>
+      </dgm:t>
+    </dgm:pt>
+    <dgm:pt modelId="{61BB8CB8-E26E-4D09-8075-FC63E0503B63}">
+      <dgm:prSet/>
+      <dgm:spPr/>
+      <dgm:t>
+        <a:bodyPr/>
+        <a:lstStyle/>
+        <a:p>
+          <a:pPr>
+            <a:lnSpc>
+              <a:spcPct val="100000"/>
+            </a:lnSpc>
+          </a:pPr>
+          <a:r>
+            <a:rPr lang="en-US" b="0" i="0" baseline="0"/>
+            <a:t>One Solidity Specialist to implement the Smart Contract multi-auction Solution.</a:t>
+          </a:r>
+          <a:endParaRPr lang="en-US"/>
+        </a:p>
+      </dgm:t>
+    </dgm:pt>
+    <dgm:pt modelId="{C647B7F5-2556-44DE-8621-C5D84DB1BE6D}" type="parTrans" cxnId="{BAEE84C8-DBC4-4532-A69A-A5CF04ED647E}">
+      <dgm:prSet/>
+      <dgm:spPr/>
+      <dgm:t>
+        <a:bodyPr/>
+        <a:lstStyle/>
+        <a:p>
+          <a:endParaRPr lang="en-US"/>
+        </a:p>
+      </dgm:t>
+    </dgm:pt>
+    <dgm:pt modelId="{780C0B63-150F-4429-8CCB-137D8EB773C9}" type="sibTrans" cxnId="{BAEE84C8-DBC4-4532-A69A-A5CF04ED647E}">
+      <dgm:prSet/>
+      <dgm:spPr/>
+      <dgm:t>
+        <a:bodyPr/>
+        <a:lstStyle/>
+        <a:p>
+          <a:endParaRPr lang="en-US"/>
+        </a:p>
+      </dgm:t>
+    </dgm:pt>
+    <dgm:pt modelId="{173ED576-A4E1-4D61-93ED-1676469D797D}">
+      <dgm:prSet/>
+      <dgm:spPr/>
+      <dgm:t>
+        <a:bodyPr/>
+        <a:lstStyle/>
+        <a:p>
+          <a:pPr>
+            <a:lnSpc>
+              <a:spcPct val="100000"/>
+            </a:lnSpc>
+          </a:pPr>
+          <a:r>
+            <a:rPr lang="en-US" b="0" i="0" baseline="0" dirty="0"/>
+            <a:t>Estimated time to completion – two weeks (80h).</a:t>
+          </a:r>
+          <a:endParaRPr lang="en-US" dirty="0"/>
+        </a:p>
+      </dgm:t>
+    </dgm:pt>
+    <dgm:pt modelId="{2D3B6887-CDCE-4D19-910B-A53EF6036A05}" type="parTrans" cxnId="{639B43A4-633C-4011-BF8B-EAB2BAAB1051}">
+      <dgm:prSet/>
+      <dgm:spPr/>
+      <dgm:t>
+        <a:bodyPr/>
+        <a:lstStyle/>
+        <a:p>
+          <a:endParaRPr lang="en-US"/>
+        </a:p>
+      </dgm:t>
+    </dgm:pt>
+    <dgm:pt modelId="{4DC3F298-254C-419A-83DC-5CF6B5B3AFF0}" type="sibTrans" cxnId="{639B43A4-633C-4011-BF8B-EAB2BAAB1051}">
+      <dgm:prSet/>
+      <dgm:spPr/>
+      <dgm:t>
+        <a:bodyPr/>
+        <a:lstStyle/>
+        <a:p>
+          <a:endParaRPr lang="en-US"/>
+        </a:p>
+      </dgm:t>
+    </dgm:pt>
+    <dgm:pt modelId="{D6A5772D-24BF-45F8-8D92-8E38FCEA3221}">
+      <dgm:prSet/>
+      <dgm:spPr/>
+      <dgm:t>
+        <a:bodyPr/>
+        <a:lstStyle/>
+        <a:p>
+          <a:pPr>
+            <a:lnSpc>
+              <a:spcPct val="100000"/>
+            </a:lnSpc>
+          </a:pPr>
+          <a:r>
+            <a:rPr lang="en-US" b="0" i="0" baseline="0"/>
+            <a:t>SME to decide which software to use for the Front-end user interaction.</a:t>
+          </a:r>
+          <a:endParaRPr lang="en-US"/>
+        </a:p>
+      </dgm:t>
+    </dgm:pt>
+    <dgm:pt modelId="{262C9F3F-EE21-473B-9FF8-15FD6BABBCC3}" type="parTrans" cxnId="{C8C5A6D2-139E-4E7A-A5A6-90C5FBCB6615}">
+      <dgm:prSet/>
+      <dgm:spPr/>
+      <dgm:t>
+        <a:bodyPr/>
+        <a:lstStyle/>
+        <a:p>
+          <a:endParaRPr lang="en-US"/>
+        </a:p>
+      </dgm:t>
+    </dgm:pt>
+    <dgm:pt modelId="{14C8DA83-FBE7-4390-B37C-C10C83805EEC}" type="sibTrans" cxnId="{C8C5A6D2-139E-4E7A-A5A6-90C5FBCB6615}">
+      <dgm:prSet/>
+      <dgm:spPr/>
+      <dgm:t>
+        <a:bodyPr/>
+        <a:lstStyle/>
+        <a:p>
+          <a:endParaRPr lang="en-US"/>
+        </a:p>
+      </dgm:t>
+    </dgm:pt>
+    <dgm:pt modelId="{54185581-6000-43DA-8BA7-E74759987C49}">
+      <dgm:prSet/>
+      <dgm:spPr/>
+      <dgm:t>
+        <a:bodyPr/>
+        <a:lstStyle/>
+        <a:p>
+          <a:pPr>
+            <a:lnSpc>
+              <a:spcPct val="100000"/>
+            </a:lnSpc>
+          </a:pPr>
+          <a:r>
+            <a:rPr lang="en-US" b="0" i="0" baseline="0" dirty="0"/>
+            <a:t>Estimated time to completion – one week (40h).</a:t>
+          </a:r>
+          <a:endParaRPr lang="en-US" dirty="0"/>
+        </a:p>
+      </dgm:t>
+    </dgm:pt>
+    <dgm:pt modelId="{6A59C313-71FE-4B0A-BFC0-0FC28C9395CE}" type="parTrans" cxnId="{E1B9FAC1-1387-48E9-A191-5D1D4D6706D3}">
+      <dgm:prSet/>
+      <dgm:spPr/>
+      <dgm:t>
+        <a:bodyPr/>
+        <a:lstStyle/>
+        <a:p>
+          <a:endParaRPr lang="en-US"/>
+        </a:p>
+      </dgm:t>
+    </dgm:pt>
+    <dgm:pt modelId="{3A6215E1-6E55-45F5-AFF3-DCA45D34BADB}" type="sibTrans" cxnId="{E1B9FAC1-1387-48E9-A191-5D1D4D6706D3}">
+      <dgm:prSet/>
+      <dgm:spPr/>
+      <dgm:t>
+        <a:bodyPr/>
+        <a:lstStyle/>
+        <a:p>
+          <a:endParaRPr lang="en-US"/>
+        </a:p>
+      </dgm:t>
+    </dgm:pt>
+    <dgm:pt modelId="{2A37C6DA-599C-4765-8209-FF5C527119A7}">
+      <dgm:prSet/>
+      <dgm:spPr/>
+      <dgm:t>
+        <a:bodyPr/>
+        <a:lstStyle/>
+        <a:p>
+          <a:pPr>
+            <a:lnSpc>
+              <a:spcPct val="100000"/>
+            </a:lnSpc>
+          </a:pPr>
+          <a:r>
+            <a:rPr lang="en-US" b="0" i="0" baseline="0"/>
+            <a:t>Front-end implementation</a:t>
+          </a:r>
+          <a:endParaRPr lang="en-US"/>
+        </a:p>
+      </dgm:t>
+    </dgm:pt>
+    <dgm:pt modelId="{5244A0D9-3F4D-485C-B605-E1D1582158A1}" type="parTrans" cxnId="{179608B0-3897-4A1E-B57F-31FFDAC12A91}">
+      <dgm:prSet/>
+      <dgm:spPr/>
+      <dgm:t>
+        <a:bodyPr/>
+        <a:lstStyle/>
+        <a:p>
+          <a:endParaRPr lang="en-US"/>
+        </a:p>
+      </dgm:t>
+    </dgm:pt>
+    <dgm:pt modelId="{08F2E9EF-BE76-4AB9-B1A0-3C2C6FFB95E4}" type="sibTrans" cxnId="{179608B0-3897-4A1E-B57F-31FFDAC12A91}">
+      <dgm:prSet/>
+      <dgm:spPr/>
+      <dgm:t>
+        <a:bodyPr/>
+        <a:lstStyle/>
+        <a:p>
+          <a:endParaRPr lang="en-US"/>
+        </a:p>
+      </dgm:t>
+    </dgm:pt>
+    <dgm:pt modelId="{05D3D029-9487-46DB-8208-B769AAC3D59E}">
+      <dgm:prSet/>
+      <dgm:spPr/>
+      <dgm:t>
+        <a:bodyPr/>
+        <a:lstStyle/>
+        <a:p>
+          <a:pPr>
+            <a:lnSpc>
+              <a:spcPct val="100000"/>
+            </a:lnSpc>
+          </a:pPr>
+          <a:r>
+            <a:rPr lang="en-US" b="0" i="0" baseline="0" dirty="0"/>
+            <a:t>Estimated time to completion – one-month 180h).</a:t>
+          </a:r>
+          <a:endParaRPr lang="en-US" dirty="0"/>
+        </a:p>
+      </dgm:t>
+    </dgm:pt>
+    <dgm:pt modelId="{94A21438-E75E-4B7B-92D2-84C4636F027B}" type="parTrans" cxnId="{B68BF9BF-2D34-42C6-A917-237E79D76845}">
+      <dgm:prSet/>
+      <dgm:spPr/>
+      <dgm:t>
+        <a:bodyPr/>
+        <a:lstStyle/>
+        <a:p>
+          <a:endParaRPr lang="en-US"/>
+        </a:p>
+      </dgm:t>
+    </dgm:pt>
+    <dgm:pt modelId="{C3C2A039-4BEE-479B-89ED-807B0DE3C417}" type="sibTrans" cxnId="{B68BF9BF-2D34-42C6-A917-237E79D76845}">
+      <dgm:prSet/>
+      <dgm:spPr/>
+      <dgm:t>
+        <a:bodyPr/>
+        <a:lstStyle/>
+        <a:p>
+          <a:endParaRPr lang="en-US"/>
+        </a:p>
+      </dgm:t>
+    </dgm:pt>
+    <dgm:pt modelId="{D5C46E5F-2229-4D4A-905A-B86A7E7FAF3A}" type="pres">
+      <dgm:prSet presAssocID="{D591E489-AAB0-44DE-A96D-5E11F8BF92EA}" presName="root" presStyleCnt="0">
+        <dgm:presLayoutVars>
+          <dgm:dir/>
+          <dgm:resizeHandles val="exact"/>
+        </dgm:presLayoutVars>
+      </dgm:prSet>
+      <dgm:spPr/>
+    </dgm:pt>
+    <dgm:pt modelId="{9D38A4B6-321D-4821-9BBE-E329EC0BFB83}" type="pres">
+      <dgm:prSet presAssocID="{61BB8CB8-E26E-4D09-8075-FC63E0503B63}" presName="compNode" presStyleCnt="0"/>
+      <dgm:spPr/>
+    </dgm:pt>
+    <dgm:pt modelId="{DA18E9A5-54FF-41CB-B52E-371AA9EC161E}" type="pres">
+      <dgm:prSet presAssocID="{61BB8CB8-E26E-4D09-8075-FC63E0503B63}" presName="bgRect" presStyleLbl="bgShp" presStyleIdx="0" presStyleCnt="3"/>
+      <dgm:spPr/>
+    </dgm:pt>
+    <dgm:pt modelId="{3B681232-61E2-4515-B559-DF3EAF7B26DC}" type="pres">
+      <dgm:prSet presAssocID="{61BB8CB8-E26E-4D09-8075-FC63E0503B63}" presName="iconRect" presStyleLbl="node1" presStyleIdx="0" presStyleCnt="3"/>
+      <dgm:spPr>
+        <a:blipFill>
+          <a:blip xmlns:r="http://schemas.openxmlformats.org/officeDocument/2006/relationships" r:embed="rId1">
+            <a:extLst>
+              <a:ext uri="{28A0092B-C50C-407E-A947-70E740481C1C}">
+                <a14:useLocalDpi xmlns:a14="http://schemas.microsoft.com/office/drawing/2010/main" val="0"/>
+              </a:ext>
+              <a:ext uri="{96DAC541-7B7A-43D3-8B79-37D633B846F1}">
+                <asvg:svgBlip xmlns:asvg="http://schemas.microsoft.com/office/drawing/2016/SVG/main" r:embed="rId2"/>
+              </a:ext>
+            </a:extLst>
+          </a:blip>
+          <a:stretch>
+            <a:fillRect/>
+          </a:stretch>
+        </a:blipFill>
+      </dgm:spPr>
+      <dgm:extLst>
+        <a:ext uri="{E40237B7-FDA0-4F09-8148-C483321AD2D9}">
+          <dgm14:cNvPr xmlns:dgm14="http://schemas.microsoft.com/office/drawing/2010/diagram" id="0" name="" descr="Wedding Rings"/>
+        </a:ext>
+      </dgm:extLst>
+    </dgm:pt>
+    <dgm:pt modelId="{10DB0FD1-0186-478A-AE3A-AB31AFD99A5A}" type="pres">
+      <dgm:prSet presAssocID="{61BB8CB8-E26E-4D09-8075-FC63E0503B63}" presName="spaceRect" presStyleCnt="0"/>
+      <dgm:spPr/>
+    </dgm:pt>
+    <dgm:pt modelId="{935455C9-441F-4516-B542-E7F293CFF003}" type="pres">
+      <dgm:prSet presAssocID="{61BB8CB8-E26E-4D09-8075-FC63E0503B63}" presName="parTx" presStyleLbl="revTx" presStyleIdx="0" presStyleCnt="6">
+        <dgm:presLayoutVars>
+          <dgm:chMax val="0"/>
+          <dgm:chPref val="0"/>
+        </dgm:presLayoutVars>
+      </dgm:prSet>
+      <dgm:spPr/>
+    </dgm:pt>
+    <dgm:pt modelId="{64B7C8C3-DB36-40DF-BDD7-04FEC5AE44BD}" type="pres">
+      <dgm:prSet presAssocID="{61BB8CB8-E26E-4D09-8075-FC63E0503B63}" presName="desTx" presStyleLbl="revTx" presStyleIdx="1" presStyleCnt="6">
+        <dgm:presLayoutVars/>
+      </dgm:prSet>
+      <dgm:spPr/>
+    </dgm:pt>
+    <dgm:pt modelId="{012EC34B-1FA9-4C19-972D-C7285B4250DE}" type="pres">
+      <dgm:prSet presAssocID="{780C0B63-150F-4429-8CCB-137D8EB773C9}" presName="sibTrans" presStyleCnt="0"/>
+      <dgm:spPr/>
+    </dgm:pt>
+    <dgm:pt modelId="{FBCF7841-D421-45B7-8F43-9A231496E133}" type="pres">
+      <dgm:prSet presAssocID="{D6A5772D-24BF-45F8-8D92-8E38FCEA3221}" presName="compNode" presStyleCnt="0"/>
+      <dgm:spPr/>
+    </dgm:pt>
+    <dgm:pt modelId="{10F21520-D18E-4EB2-917C-18B1513B7524}" type="pres">
+      <dgm:prSet presAssocID="{D6A5772D-24BF-45F8-8D92-8E38FCEA3221}" presName="bgRect" presStyleLbl="bgShp" presStyleIdx="1" presStyleCnt="3"/>
+      <dgm:spPr/>
+    </dgm:pt>
+    <dgm:pt modelId="{387ABE28-F4D0-4B4D-B657-7D8483A8A1D4}" type="pres">
+      <dgm:prSet presAssocID="{D6A5772D-24BF-45F8-8D92-8E38FCEA3221}" presName="iconRect" presStyleLbl="node1" presStyleIdx="1" presStyleCnt="3"/>
+      <dgm:spPr>
+        <a:blipFill>
+          <a:blip xmlns:r="http://schemas.openxmlformats.org/officeDocument/2006/relationships" r:embed="rId3">
+            <a:extLst>
+              <a:ext uri="{28A0092B-C50C-407E-A947-70E740481C1C}">
+                <a14:useLocalDpi xmlns:a14="http://schemas.microsoft.com/office/drawing/2010/main" val="0"/>
+              </a:ext>
+              <a:ext uri="{96DAC541-7B7A-43D3-8B79-37D633B846F1}">
+                <asvg:svgBlip xmlns:asvg="http://schemas.microsoft.com/office/drawing/2016/SVG/main" r:embed="rId4"/>
+              </a:ext>
+            </a:extLst>
+          </a:blip>
+          <a:stretch>
+            <a:fillRect/>
+          </a:stretch>
+        </a:blipFill>
+      </dgm:spPr>
+      <dgm:extLst>
+        <a:ext uri="{E40237B7-FDA0-4F09-8148-C483321AD2D9}">
+          <dgm14:cNvPr xmlns:dgm14="http://schemas.microsoft.com/office/drawing/2010/diagram" id="0" name="" descr="Processor"/>
+        </a:ext>
+      </dgm:extLst>
+    </dgm:pt>
+    <dgm:pt modelId="{D54284FC-A098-467E-8839-84062171D5C3}" type="pres">
+      <dgm:prSet presAssocID="{D6A5772D-24BF-45F8-8D92-8E38FCEA3221}" presName="spaceRect" presStyleCnt="0"/>
+      <dgm:spPr/>
+    </dgm:pt>
+    <dgm:pt modelId="{7FDD84BB-8E7B-4E21-BA3D-759D6757C3A2}" type="pres">
+      <dgm:prSet presAssocID="{D6A5772D-24BF-45F8-8D92-8E38FCEA3221}" presName="parTx" presStyleLbl="revTx" presStyleIdx="2" presStyleCnt="6">
+        <dgm:presLayoutVars>
+          <dgm:chMax val="0"/>
+          <dgm:chPref val="0"/>
+        </dgm:presLayoutVars>
+      </dgm:prSet>
+      <dgm:spPr/>
+    </dgm:pt>
+    <dgm:pt modelId="{60BAF32B-1EFB-4A9B-A62F-2F3DC2BA6DBA}" type="pres">
+      <dgm:prSet presAssocID="{D6A5772D-24BF-45F8-8D92-8E38FCEA3221}" presName="desTx" presStyleLbl="revTx" presStyleIdx="3" presStyleCnt="6">
+        <dgm:presLayoutVars/>
+      </dgm:prSet>
+      <dgm:spPr/>
+    </dgm:pt>
+    <dgm:pt modelId="{7166E1A3-1499-401D-88D2-DEDC51934FDE}" type="pres">
+      <dgm:prSet presAssocID="{14C8DA83-FBE7-4390-B37C-C10C83805EEC}" presName="sibTrans" presStyleCnt="0"/>
+      <dgm:spPr/>
+    </dgm:pt>
+    <dgm:pt modelId="{F196654D-F904-4015-BA01-38D99756AD0A}" type="pres">
+      <dgm:prSet presAssocID="{2A37C6DA-599C-4765-8209-FF5C527119A7}" presName="compNode" presStyleCnt="0"/>
+      <dgm:spPr/>
+    </dgm:pt>
+    <dgm:pt modelId="{8681A7D5-AC71-4948-9415-589CEC59DB55}" type="pres">
+      <dgm:prSet presAssocID="{2A37C6DA-599C-4765-8209-FF5C527119A7}" presName="bgRect" presStyleLbl="bgShp" presStyleIdx="2" presStyleCnt="3"/>
+      <dgm:spPr/>
+    </dgm:pt>
+    <dgm:pt modelId="{38B06E24-E302-4CD5-A7F2-710908619FAA}" type="pres">
+      <dgm:prSet presAssocID="{2A37C6DA-599C-4765-8209-FF5C527119A7}" presName="iconRect" presStyleLbl="node1" presStyleIdx="2" presStyleCnt="3"/>
+      <dgm:spPr>
+        <a:blipFill>
+          <a:blip xmlns:r="http://schemas.openxmlformats.org/officeDocument/2006/relationships" r:embed="rId5">
+            <a:extLst>
+              <a:ext uri="{28A0092B-C50C-407E-A947-70E740481C1C}">
+                <a14:useLocalDpi xmlns:a14="http://schemas.microsoft.com/office/drawing/2010/main" val="0"/>
+              </a:ext>
+              <a:ext uri="{96DAC541-7B7A-43D3-8B79-37D633B846F1}">
+                <asvg:svgBlip xmlns:asvg="http://schemas.microsoft.com/office/drawing/2016/SVG/main" r:embed="rId6"/>
+              </a:ext>
+            </a:extLst>
+          </a:blip>
+          <a:stretch>
+            <a:fillRect/>
+          </a:stretch>
+        </a:blipFill>
+      </dgm:spPr>
+      <dgm:extLst>
+        <a:ext uri="{E40237B7-FDA0-4F09-8148-C483321AD2D9}">
+          <dgm14:cNvPr xmlns:dgm14="http://schemas.microsoft.com/office/drawing/2010/diagram" id="0" name="" descr="Cloud Computing"/>
+        </a:ext>
+      </dgm:extLst>
+    </dgm:pt>
+    <dgm:pt modelId="{2FDFEAE6-8E5B-4754-81C6-EA13B4FE81D8}" type="pres">
+      <dgm:prSet presAssocID="{2A37C6DA-599C-4765-8209-FF5C527119A7}" presName="spaceRect" presStyleCnt="0"/>
+      <dgm:spPr/>
+    </dgm:pt>
+    <dgm:pt modelId="{101A782E-5488-4D38-920B-8BD2AFFD2C10}" type="pres">
+      <dgm:prSet presAssocID="{2A37C6DA-599C-4765-8209-FF5C527119A7}" presName="parTx" presStyleLbl="revTx" presStyleIdx="4" presStyleCnt="6">
+        <dgm:presLayoutVars>
+          <dgm:chMax val="0"/>
+          <dgm:chPref val="0"/>
+        </dgm:presLayoutVars>
+      </dgm:prSet>
+      <dgm:spPr/>
+    </dgm:pt>
+    <dgm:pt modelId="{8FB74F61-29D2-4C17-950C-7170B6F2DA2F}" type="pres">
+      <dgm:prSet presAssocID="{2A37C6DA-599C-4765-8209-FF5C527119A7}" presName="desTx" presStyleLbl="revTx" presStyleIdx="5" presStyleCnt="6">
+        <dgm:presLayoutVars/>
+      </dgm:prSet>
+      <dgm:spPr/>
+    </dgm:pt>
+  </dgm:ptLst>
+  <dgm:cxnLst>
+    <dgm:cxn modelId="{EAE8AA5E-11B9-4871-BF83-C6FACBE29493}" type="presOf" srcId="{D6A5772D-24BF-45F8-8D92-8E38FCEA3221}" destId="{7FDD84BB-8E7B-4E21-BA3D-759D6757C3A2}" srcOrd="0" destOrd="0" presId="urn:microsoft.com/office/officeart/2018/2/layout/IconVerticalSolidList"/>
+    <dgm:cxn modelId="{E343E461-687F-4EC6-AD54-4447258B9163}" type="presOf" srcId="{173ED576-A4E1-4D61-93ED-1676469D797D}" destId="{64B7C8C3-DB36-40DF-BDD7-04FEC5AE44BD}" srcOrd="0" destOrd="0" presId="urn:microsoft.com/office/officeart/2018/2/layout/IconVerticalSolidList"/>
+    <dgm:cxn modelId="{D3B01F64-230B-42C5-8290-D2B921F66506}" type="presOf" srcId="{2A37C6DA-599C-4765-8209-FF5C527119A7}" destId="{101A782E-5488-4D38-920B-8BD2AFFD2C10}" srcOrd="0" destOrd="0" presId="urn:microsoft.com/office/officeart/2018/2/layout/IconVerticalSolidList"/>
+    <dgm:cxn modelId="{674A5D6B-FF8D-43DD-937E-388DD7C671AE}" type="presOf" srcId="{D591E489-AAB0-44DE-A96D-5E11F8BF92EA}" destId="{D5C46E5F-2229-4D4A-905A-B86A7E7FAF3A}" srcOrd="0" destOrd="0" presId="urn:microsoft.com/office/officeart/2018/2/layout/IconVerticalSolidList"/>
+    <dgm:cxn modelId="{639B43A4-633C-4011-BF8B-EAB2BAAB1051}" srcId="{61BB8CB8-E26E-4D09-8075-FC63E0503B63}" destId="{173ED576-A4E1-4D61-93ED-1676469D797D}" srcOrd="0" destOrd="0" parTransId="{2D3B6887-CDCE-4D19-910B-A53EF6036A05}" sibTransId="{4DC3F298-254C-419A-83DC-5CF6B5B3AFF0}"/>
+    <dgm:cxn modelId="{179608B0-3897-4A1E-B57F-31FFDAC12A91}" srcId="{D591E489-AAB0-44DE-A96D-5E11F8BF92EA}" destId="{2A37C6DA-599C-4765-8209-FF5C527119A7}" srcOrd="2" destOrd="0" parTransId="{5244A0D9-3F4D-485C-B605-E1D1582158A1}" sibTransId="{08F2E9EF-BE76-4AB9-B1A0-3C2C6FFB95E4}"/>
+    <dgm:cxn modelId="{6FA5ECB2-CE1C-456E-922A-2FAF5086FE6C}" type="presOf" srcId="{61BB8CB8-E26E-4D09-8075-FC63E0503B63}" destId="{935455C9-441F-4516-B542-E7F293CFF003}" srcOrd="0" destOrd="0" presId="urn:microsoft.com/office/officeart/2018/2/layout/IconVerticalSolidList"/>
+    <dgm:cxn modelId="{B68BF9BF-2D34-42C6-A917-237E79D76845}" srcId="{2A37C6DA-599C-4765-8209-FF5C527119A7}" destId="{05D3D029-9487-46DB-8208-B769AAC3D59E}" srcOrd="0" destOrd="0" parTransId="{94A21438-E75E-4B7B-92D2-84C4636F027B}" sibTransId="{C3C2A039-4BEE-479B-89ED-807B0DE3C417}"/>
+    <dgm:cxn modelId="{E1B9FAC1-1387-48E9-A191-5D1D4D6706D3}" srcId="{D6A5772D-24BF-45F8-8D92-8E38FCEA3221}" destId="{54185581-6000-43DA-8BA7-E74759987C49}" srcOrd="0" destOrd="0" parTransId="{6A59C313-71FE-4B0A-BFC0-0FC28C9395CE}" sibTransId="{3A6215E1-6E55-45F5-AFF3-DCA45D34BADB}"/>
+    <dgm:cxn modelId="{BAEE84C8-DBC4-4532-A69A-A5CF04ED647E}" srcId="{D591E489-AAB0-44DE-A96D-5E11F8BF92EA}" destId="{61BB8CB8-E26E-4D09-8075-FC63E0503B63}" srcOrd="0" destOrd="0" parTransId="{C647B7F5-2556-44DE-8621-C5D84DB1BE6D}" sibTransId="{780C0B63-150F-4429-8CCB-137D8EB773C9}"/>
+    <dgm:cxn modelId="{D0BD17CB-F30B-46D2-A97A-B91ED589BC78}" type="presOf" srcId="{54185581-6000-43DA-8BA7-E74759987C49}" destId="{60BAF32B-1EFB-4A9B-A62F-2F3DC2BA6DBA}" srcOrd="0" destOrd="0" presId="urn:microsoft.com/office/officeart/2018/2/layout/IconVerticalSolidList"/>
+    <dgm:cxn modelId="{C8C5A6D2-139E-4E7A-A5A6-90C5FBCB6615}" srcId="{D591E489-AAB0-44DE-A96D-5E11F8BF92EA}" destId="{D6A5772D-24BF-45F8-8D92-8E38FCEA3221}" srcOrd="1" destOrd="0" parTransId="{262C9F3F-EE21-473B-9FF8-15FD6BABBCC3}" sibTransId="{14C8DA83-FBE7-4390-B37C-C10C83805EEC}"/>
+    <dgm:cxn modelId="{A7EE41F3-0491-4875-ABFC-0647CB9A253D}" type="presOf" srcId="{05D3D029-9487-46DB-8208-B769AAC3D59E}" destId="{8FB74F61-29D2-4C17-950C-7170B6F2DA2F}" srcOrd="0" destOrd="0" presId="urn:microsoft.com/office/officeart/2018/2/layout/IconVerticalSolidList"/>
+    <dgm:cxn modelId="{8C8D83B7-8057-469A-9265-0EB58E1B8B56}" type="presParOf" srcId="{D5C46E5F-2229-4D4A-905A-B86A7E7FAF3A}" destId="{9D38A4B6-321D-4821-9BBE-E329EC0BFB83}" srcOrd="0" destOrd="0" presId="urn:microsoft.com/office/officeart/2018/2/layout/IconVerticalSolidList"/>
+    <dgm:cxn modelId="{7FA42BFD-C153-497A-A2ED-E9AE05557F5F}" type="presParOf" srcId="{9D38A4B6-321D-4821-9BBE-E329EC0BFB83}" destId="{DA18E9A5-54FF-41CB-B52E-371AA9EC161E}" srcOrd="0" destOrd="0" presId="urn:microsoft.com/office/officeart/2018/2/layout/IconVerticalSolidList"/>
+    <dgm:cxn modelId="{AFDF1C63-097A-4402-8CCF-39C5ECBFECC8}" type="presParOf" srcId="{9D38A4B6-321D-4821-9BBE-E329EC0BFB83}" destId="{3B681232-61E2-4515-B559-DF3EAF7B26DC}" srcOrd="1" destOrd="0" presId="urn:microsoft.com/office/officeart/2018/2/layout/IconVerticalSolidList"/>
+    <dgm:cxn modelId="{B0B11704-E661-4E95-ABF3-7C62B311292E}" type="presParOf" srcId="{9D38A4B6-321D-4821-9BBE-E329EC0BFB83}" destId="{10DB0FD1-0186-478A-AE3A-AB31AFD99A5A}" srcOrd="2" destOrd="0" presId="urn:microsoft.com/office/officeart/2018/2/layout/IconVerticalSolidList"/>
+    <dgm:cxn modelId="{BF6B8D57-D5B7-4428-B927-5BF94CFF1784}" type="presParOf" srcId="{9D38A4B6-321D-4821-9BBE-E329EC0BFB83}" destId="{935455C9-441F-4516-B542-E7F293CFF003}" srcOrd="3" destOrd="0" presId="urn:microsoft.com/office/officeart/2018/2/layout/IconVerticalSolidList"/>
+    <dgm:cxn modelId="{9B702D14-AEDF-423A-B071-ABF9B25E3762}" type="presParOf" srcId="{9D38A4B6-321D-4821-9BBE-E329EC0BFB83}" destId="{64B7C8C3-DB36-40DF-BDD7-04FEC5AE44BD}" srcOrd="4" destOrd="0" presId="urn:microsoft.com/office/officeart/2018/2/layout/IconVerticalSolidList"/>
+    <dgm:cxn modelId="{BC626A99-FFA1-4389-90D8-ED133AEA1F6A}" type="presParOf" srcId="{D5C46E5F-2229-4D4A-905A-B86A7E7FAF3A}" destId="{012EC34B-1FA9-4C19-972D-C7285B4250DE}" srcOrd="1" destOrd="0" presId="urn:microsoft.com/office/officeart/2018/2/layout/IconVerticalSolidList"/>
+    <dgm:cxn modelId="{5443385C-0189-4850-A93B-4D071ECA715B}" type="presParOf" srcId="{D5C46E5F-2229-4D4A-905A-B86A7E7FAF3A}" destId="{FBCF7841-D421-45B7-8F43-9A231496E133}" srcOrd="2" destOrd="0" presId="urn:microsoft.com/office/officeart/2018/2/layout/IconVerticalSolidList"/>
+    <dgm:cxn modelId="{F6C1C900-AF85-41CC-8900-594A6AEA8065}" type="presParOf" srcId="{FBCF7841-D421-45B7-8F43-9A231496E133}" destId="{10F21520-D18E-4EB2-917C-18B1513B7524}" srcOrd="0" destOrd="0" presId="urn:microsoft.com/office/officeart/2018/2/layout/IconVerticalSolidList"/>
+    <dgm:cxn modelId="{A952FB39-F72E-4324-A175-35F0538F167E}" type="presParOf" srcId="{FBCF7841-D421-45B7-8F43-9A231496E133}" destId="{387ABE28-F4D0-4B4D-B657-7D8483A8A1D4}" srcOrd="1" destOrd="0" presId="urn:microsoft.com/office/officeart/2018/2/layout/IconVerticalSolidList"/>
+    <dgm:cxn modelId="{96C0B99D-96F8-42D2-93BD-239FC9838BFF}" type="presParOf" srcId="{FBCF7841-D421-45B7-8F43-9A231496E133}" destId="{D54284FC-A098-467E-8839-84062171D5C3}" srcOrd="2" destOrd="0" presId="urn:microsoft.com/office/officeart/2018/2/layout/IconVerticalSolidList"/>
+    <dgm:cxn modelId="{99B7C350-75EC-49DF-8162-789A350ADA26}" type="presParOf" srcId="{FBCF7841-D421-45B7-8F43-9A231496E133}" destId="{7FDD84BB-8E7B-4E21-BA3D-759D6757C3A2}" srcOrd="3" destOrd="0" presId="urn:microsoft.com/office/officeart/2018/2/layout/IconVerticalSolidList"/>
+    <dgm:cxn modelId="{3C91D460-E617-41B8-8982-828E0D0F754D}" type="presParOf" srcId="{FBCF7841-D421-45B7-8F43-9A231496E133}" destId="{60BAF32B-1EFB-4A9B-A62F-2F3DC2BA6DBA}" srcOrd="4" destOrd="0" presId="urn:microsoft.com/office/officeart/2018/2/layout/IconVerticalSolidList"/>
+    <dgm:cxn modelId="{DE0F251F-B506-44D6-B8CB-6649B701687B}" type="presParOf" srcId="{D5C46E5F-2229-4D4A-905A-B86A7E7FAF3A}" destId="{7166E1A3-1499-401D-88D2-DEDC51934FDE}" srcOrd="3" destOrd="0" presId="urn:microsoft.com/office/officeart/2018/2/layout/IconVerticalSolidList"/>
+    <dgm:cxn modelId="{898DA500-F5A7-4BB7-BDED-F09B60968FDB}" type="presParOf" srcId="{D5C46E5F-2229-4D4A-905A-B86A7E7FAF3A}" destId="{F196654D-F904-4015-BA01-38D99756AD0A}" srcOrd="4" destOrd="0" presId="urn:microsoft.com/office/officeart/2018/2/layout/IconVerticalSolidList"/>
+    <dgm:cxn modelId="{6F622022-633D-444D-8E09-13A793783F9A}" type="presParOf" srcId="{F196654D-F904-4015-BA01-38D99756AD0A}" destId="{8681A7D5-AC71-4948-9415-589CEC59DB55}" srcOrd="0" destOrd="0" presId="urn:microsoft.com/office/officeart/2018/2/layout/IconVerticalSolidList"/>
+    <dgm:cxn modelId="{5E5BC958-B0E9-400E-A59C-741F96EF4AF4}" type="presParOf" srcId="{F196654D-F904-4015-BA01-38D99756AD0A}" destId="{38B06E24-E302-4CD5-A7F2-710908619FAA}" srcOrd="1" destOrd="0" presId="urn:microsoft.com/office/officeart/2018/2/layout/IconVerticalSolidList"/>
+    <dgm:cxn modelId="{755DBAFF-F0F8-4C51-8630-A0F7B39E3D43}" type="presParOf" srcId="{F196654D-F904-4015-BA01-38D99756AD0A}" destId="{2FDFEAE6-8E5B-4754-81C6-EA13B4FE81D8}" srcOrd="2" destOrd="0" presId="urn:microsoft.com/office/officeart/2018/2/layout/IconVerticalSolidList"/>
+    <dgm:cxn modelId="{804D0566-92D5-49D8-8108-8C2D879DE107}" type="presParOf" srcId="{F196654D-F904-4015-BA01-38D99756AD0A}" destId="{101A782E-5488-4D38-920B-8BD2AFFD2C10}" srcOrd="3" destOrd="0" presId="urn:microsoft.com/office/officeart/2018/2/layout/IconVerticalSolidList"/>
+    <dgm:cxn modelId="{4485BA69-5C5D-415E-975F-6E81D176CB91}" type="presParOf" srcId="{F196654D-F904-4015-BA01-38D99756AD0A}" destId="{8FB74F61-29D2-4C17-950C-7170B6F2DA2F}" srcOrd="4" destOrd="0" presId="urn:microsoft.com/office/officeart/2018/2/layout/IconVerticalSolidList"/>
+  </dgm:cxnLst>
+  <dgm:bg/>
+  <dgm:whole/>
+  <dgm:extLst>
+    <a:ext uri="http://schemas.microsoft.com/office/drawing/2008/diagram">
+      <dsp:dataModelExt xmlns:dsp="http://schemas.microsoft.com/office/drawing/2008/diagram" relId="rId6" minVer="http://schemas.openxmlformats.org/drawingml/2006/diagram"/>
+    </a:ext>
+  </dgm:extLst>
+</dgm:dataModel>
+</file>
+
 <file path=ppt/diagrams/drawing1.xml><?xml version="1.0" encoding="utf-8"?>
 <dsp:drawing xmlns:dgm="http://schemas.openxmlformats.org/drawingml/2006/diagram" xmlns:dsp="http://schemas.microsoft.com/office/drawing/2008/diagram" xmlns:a="http://schemas.openxmlformats.org/drawingml/2006/main">
   <dsp:spTree>
@@ -4088,7 +6774,9 @@
           <a:r>
             <a:rPr lang="en-US" sz="1100" b="1" i="0" kern="1200" baseline="0" dirty="0">
               <a:solidFill>
-                <a:srgbClr val="FF0000"/>
+                <a:schemeClr val="accent2">
+                  <a:lumMod val="75000"/>
+                </a:schemeClr>
               </a:solidFill>
             </a:rPr>
             <a:t>Register Artwork: </a:t>
@@ -4114,7 +6802,9 @@
           <a:r>
             <a:rPr lang="en-US" sz="1100" b="1" i="0" kern="1200" baseline="0" dirty="0">
               <a:solidFill>
-                <a:srgbClr val="FF0000"/>
+                <a:schemeClr val="accent2">
+                  <a:lumMod val="75000"/>
+                </a:schemeClr>
               </a:solidFill>
             </a:rPr>
             <a:t>Minting Tokens: </a:t>
@@ -4149,7 +6839,9 @@
           <a:r>
             <a:rPr lang="en-US" sz="1100" b="1" i="0" kern="1200" baseline="0" dirty="0">
               <a:solidFill>
-                <a:srgbClr val="FF0000"/>
+                <a:schemeClr val="accent2">
+                  <a:lumMod val="75000"/>
+                </a:schemeClr>
               </a:solidFill>
             </a:rPr>
             <a:t>Metadata Storage: </a:t>
@@ -4179,10 +6871,20 @@
           <a:r>
             <a:rPr lang="en-US" sz="1100" b="1" i="0" kern="1200" baseline="0" dirty="0">
               <a:solidFill>
+                <a:schemeClr val="accent2">
+                  <a:lumMod val="75000"/>
+                </a:schemeClr>
+              </a:solidFill>
+            </a:rPr>
+            <a:t>SetApprovalForAll:</a:t>
+          </a:r>
+          <a:r>
+            <a:rPr lang="en-US" sz="1100" b="1" i="0" kern="1200" baseline="0" dirty="0">
+              <a:solidFill>
                 <a:srgbClr val="FF0000"/>
               </a:solidFill>
             </a:rPr>
-            <a:t>SetApprovalForAll: </a:t>
+            <a:t> </a:t>
           </a:r>
           <a:r>
             <a:rPr lang="en-US" sz="1100" b="0" i="0" kern="1200" baseline="0" dirty="0"/>
@@ -4214,7 +6916,9 @@
           <a:r>
             <a:rPr lang="en-US" sz="1100" b="1" i="0" kern="1200" baseline="0" dirty="0">
               <a:solidFill>
-                <a:srgbClr val="FF0000"/>
+                <a:schemeClr val="accent2">
+                  <a:lumMod val="75000"/>
+                </a:schemeClr>
               </a:solidFill>
             </a:rPr>
             <a:t>Event Emission: </a:t>
@@ -5613,6 +8317,1154 @@
 </dsp:drawing>
 </file>
 
+<file path=ppt/diagrams/drawing4.xml><?xml version="1.0" encoding="utf-8"?>
+<dsp:drawing xmlns:dgm="http://schemas.openxmlformats.org/drawingml/2006/diagram" xmlns:dsp="http://schemas.microsoft.com/office/drawing/2008/diagram" xmlns:a="http://schemas.openxmlformats.org/drawingml/2006/main">
+  <dsp:spTree>
+    <dsp:nvGrpSpPr>
+      <dsp:cNvPr id="0" name=""/>
+      <dsp:cNvGrpSpPr/>
+    </dsp:nvGrpSpPr>
+    <dsp:grpSpPr/>
+    <dsp:sp modelId="{27FD00DB-4FB4-475A-8F08-FDC958E9519B}">
+      <dsp:nvSpPr>
+        <dsp:cNvPr id="0" name=""/>
+        <dsp:cNvSpPr/>
+      </dsp:nvSpPr>
+      <dsp:spPr>
+        <a:xfrm>
+          <a:off x="0" y="707092"/>
+          <a:ext cx="10515600" cy="1305401"/>
+        </a:xfrm>
+        <a:prstGeom prst="roundRect">
+          <a:avLst>
+            <a:gd name="adj" fmla="val 10000"/>
+          </a:avLst>
+        </a:prstGeom>
+        <a:solidFill>
+          <a:schemeClr val="accent1">
+            <a:tint val="40000"/>
+            <a:hueOff val="0"/>
+            <a:satOff val="0"/>
+            <a:lumOff val="0"/>
+            <a:alphaOff val="0"/>
+          </a:schemeClr>
+        </a:solidFill>
+        <a:ln>
+          <a:noFill/>
+        </a:ln>
+        <a:effectLst/>
+      </dsp:spPr>
+      <dsp:style>
+        <a:lnRef idx="0">
+          <a:scrgbClr r="0" g="0" b="0"/>
+        </a:lnRef>
+        <a:fillRef idx="1">
+          <a:scrgbClr r="0" g="0" b="0"/>
+        </a:fillRef>
+        <a:effectRef idx="0">
+          <a:scrgbClr r="0" g="0" b="0"/>
+        </a:effectRef>
+        <a:fontRef idx="minor"/>
+      </dsp:style>
+    </dsp:sp>
+    <dsp:sp modelId="{3DD5B6F4-A984-4491-A5BC-0D244FAFEF57}">
+      <dsp:nvSpPr>
+        <dsp:cNvPr id="0" name=""/>
+        <dsp:cNvSpPr/>
+      </dsp:nvSpPr>
+      <dsp:spPr>
+        <a:xfrm>
+          <a:off x="394883" y="1000807"/>
+          <a:ext cx="717970" cy="717970"/>
+        </a:xfrm>
+        <a:prstGeom prst="rect">
+          <a:avLst/>
+        </a:prstGeom>
+        <a:blipFill>
+          <a:blip xmlns:r="http://schemas.openxmlformats.org/officeDocument/2006/relationships" r:embed="rId1">
+            <a:extLst>
+              <a:ext uri="{28A0092B-C50C-407E-A947-70E740481C1C}">
+                <a14:useLocalDpi xmlns:a14="http://schemas.microsoft.com/office/drawing/2010/main" val="0"/>
+              </a:ext>
+              <a:ext uri="{96DAC541-7B7A-43D3-8B79-37D633B846F1}">
+                <asvg:svgBlip xmlns:asvg="http://schemas.microsoft.com/office/drawing/2016/SVG/main" r:embed="rId2"/>
+              </a:ext>
+            </a:extLst>
+          </a:blip>
+          <a:stretch>
+            <a:fillRect/>
+          </a:stretch>
+        </a:blipFill>
+        <a:ln w="12700" cap="flat" cmpd="sng" algn="ctr">
+          <a:solidFill>
+            <a:schemeClr val="lt1">
+              <a:hueOff val="0"/>
+              <a:satOff val="0"/>
+              <a:lumOff val="0"/>
+              <a:alphaOff val="0"/>
+            </a:schemeClr>
+          </a:solidFill>
+          <a:prstDash val="solid"/>
+          <a:miter lim="800000"/>
+        </a:ln>
+        <a:effectLst/>
+      </dsp:spPr>
+      <dsp:style>
+        <a:lnRef idx="2">
+          <a:scrgbClr r="0" g="0" b="0"/>
+        </a:lnRef>
+        <a:fillRef idx="1">
+          <a:scrgbClr r="0" g="0" b="0"/>
+        </a:fillRef>
+        <a:effectRef idx="0">
+          <a:scrgbClr r="0" g="0" b="0"/>
+        </a:effectRef>
+        <a:fontRef idx="minor">
+          <a:schemeClr val="lt1"/>
+        </a:fontRef>
+      </dsp:style>
+    </dsp:sp>
+    <dsp:sp modelId="{B89A8DA6-DF36-4F17-8D0A-E3D074676250}">
+      <dsp:nvSpPr>
+        <dsp:cNvPr id="0" name=""/>
+        <dsp:cNvSpPr/>
+      </dsp:nvSpPr>
+      <dsp:spPr>
+        <a:xfrm>
+          <a:off x="1507738" y="707092"/>
+          <a:ext cx="4732020" cy="1305401"/>
+        </a:xfrm>
+        <a:prstGeom prst="rect">
+          <a:avLst/>
+        </a:prstGeom>
+        <a:noFill/>
+        <a:ln>
+          <a:noFill/>
+        </a:ln>
+        <a:effectLst/>
+      </dsp:spPr>
+      <dsp:style>
+        <a:lnRef idx="0">
+          <a:scrgbClr r="0" g="0" b="0"/>
+        </a:lnRef>
+        <a:fillRef idx="0">
+          <a:scrgbClr r="0" g="0" b="0"/>
+        </a:fillRef>
+        <a:effectRef idx="0">
+          <a:scrgbClr r="0" g="0" b="0"/>
+        </a:effectRef>
+        <a:fontRef idx="minor"/>
+      </dsp:style>
+      <dsp:txBody>
+        <a:bodyPr spcFirstLastPara="0" vert="horz" wrap="square" lIns="138155" tIns="138155" rIns="138155" bIns="138155" numCol="1" spcCol="1270" anchor="ctr" anchorCtr="0">
+          <a:noAutofit/>
+        </a:bodyPr>
+        <a:lstStyle/>
+        <a:p>
+          <a:pPr marL="0" lvl="0" indent="0" algn="l" defTabSz="1111250">
+            <a:lnSpc>
+              <a:spcPct val="100000"/>
+            </a:lnSpc>
+            <a:spcBef>
+              <a:spcPct val="0"/>
+            </a:spcBef>
+            <a:spcAft>
+              <a:spcPct val="35000"/>
+            </a:spcAft>
+            <a:buNone/>
+          </a:pPr>
+          <a:r>
+            <a:rPr lang="en-US" sz="2500" b="0" i="0" kern="1200" baseline="0"/>
+            <a:t>Current Solution:</a:t>
+          </a:r>
+          <a:endParaRPr lang="en-US" sz="2500" kern="1200"/>
+        </a:p>
+      </dsp:txBody>
+      <dsp:txXfrm>
+        <a:off x="1507738" y="707092"/>
+        <a:ext cx="4732020" cy="1305401"/>
+      </dsp:txXfrm>
+    </dsp:sp>
+    <dsp:sp modelId="{8E170553-E143-40D2-BE8D-DBF50BF02033}">
+      <dsp:nvSpPr>
+        <dsp:cNvPr id="0" name=""/>
+        <dsp:cNvSpPr/>
+      </dsp:nvSpPr>
+      <dsp:spPr>
+        <a:xfrm>
+          <a:off x="6239758" y="707092"/>
+          <a:ext cx="4275841" cy="1305401"/>
+        </a:xfrm>
+        <a:prstGeom prst="rect">
+          <a:avLst/>
+        </a:prstGeom>
+        <a:noFill/>
+        <a:ln>
+          <a:noFill/>
+        </a:ln>
+        <a:effectLst/>
+      </dsp:spPr>
+      <dsp:style>
+        <a:lnRef idx="0">
+          <a:scrgbClr r="0" g="0" b="0"/>
+        </a:lnRef>
+        <a:fillRef idx="0">
+          <a:scrgbClr r="0" g="0" b="0"/>
+        </a:fillRef>
+        <a:effectRef idx="0">
+          <a:scrgbClr r="0" g="0" b="0"/>
+        </a:effectRef>
+        <a:fontRef idx="minor"/>
+      </dsp:style>
+      <dsp:txBody>
+        <a:bodyPr spcFirstLastPara="0" vert="horz" wrap="square" lIns="138155" tIns="138155" rIns="138155" bIns="138155" numCol="1" spcCol="1270" anchor="ctr" anchorCtr="0">
+          <a:noAutofit/>
+        </a:bodyPr>
+        <a:lstStyle/>
+        <a:p>
+          <a:pPr marL="0" lvl="0" indent="0" algn="l" defTabSz="666750">
+            <a:lnSpc>
+              <a:spcPct val="100000"/>
+            </a:lnSpc>
+            <a:spcBef>
+              <a:spcPct val="0"/>
+            </a:spcBef>
+            <a:spcAft>
+              <a:spcPct val="35000"/>
+            </a:spcAft>
+            <a:buNone/>
+          </a:pPr>
+          <a:r>
+            <a:rPr lang="en-US" sz="1500" b="0" i="0" kern="1200" baseline="0"/>
+            <a:t>Multi-auction enabled but based on the same instance of the Auction Smart Contract. As a consequence- only one auction can run on the application at any given time.</a:t>
+          </a:r>
+          <a:endParaRPr lang="en-US" sz="1500" kern="1200"/>
+        </a:p>
+      </dsp:txBody>
+      <dsp:txXfrm>
+        <a:off x="6239758" y="707092"/>
+        <a:ext cx="4275841" cy="1305401"/>
+      </dsp:txXfrm>
+    </dsp:sp>
+    <dsp:sp modelId="{83447B60-2B08-404A-92EF-7EC224A74401}">
+      <dsp:nvSpPr>
+        <dsp:cNvPr id="0" name=""/>
+        <dsp:cNvSpPr/>
+      </dsp:nvSpPr>
+      <dsp:spPr>
+        <a:xfrm>
+          <a:off x="0" y="2338844"/>
+          <a:ext cx="10515600" cy="1305401"/>
+        </a:xfrm>
+        <a:prstGeom prst="roundRect">
+          <a:avLst>
+            <a:gd name="adj" fmla="val 10000"/>
+          </a:avLst>
+        </a:prstGeom>
+        <a:solidFill>
+          <a:schemeClr val="accent1">
+            <a:tint val="40000"/>
+            <a:hueOff val="0"/>
+            <a:satOff val="0"/>
+            <a:lumOff val="0"/>
+            <a:alphaOff val="0"/>
+          </a:schemeClr>
+        </a:solidFill>
+        <a:ln>
+          <a:noFill/>
+        </a:ln>
+        <a:effectLst/>
+      </dsp:spPr>
+      <dsp:style>
+        <a:lnRef idx="0">
+          <a:scrgbClr r="0" g="0" b="0"/>
+        </a:lnRef>
+        <a:fillRef idx="1">
+          <a:scrgbClr r="0" g="0" b="0"/>
+        </a:fillRef>
+        <a:effectRef idx="0">
+          <a:scrgbClr r="0" g="0" b="0"/>
+        </a:effectRef>
+        <a:fontRef idx="minor"/>
+      </dsp:style>
+    </dsp:sp>
+    <dsp:sp modelId="{BF42B472-F5D3-4005-ACF0-8AC0E71DEACD}">
+      <dsp:nvSpPr>
+        <dsp:cNvPr id="0" name=""/>
+        <dsp:cNvSpPr/>
+      </dsp:nvSpPr>
+      <dsp:spPr>
+        <a:xfrm>
+          <a:off x="394883" y="2632559"/>
+          <a:ext cx="717970" cy="717970"/>
+        </a:xfrm>
+        <a:prstGeom prst="rect">
+          <a:avLst/>
+        </a:prstGeom>
+        <a:blipFill>
+          <a:blip xmlns:r="http://schemas.openxmlformats.org/officeDocument/2006/relationships" r:embed="rId3">
+            <a:extLst>
+              <a:ext uri="{28A0092B-C50C-407E-A947-70E740481C1C}">
+                <a14:useLocalDpi xmlns:a14="http://schemas.microsoft.com/office/drawing/2010/main" val="0"/>
+              </a:ext>
+              <a:ext uri="{96DAC541-7B7A-43D3-8B79-37D633B846F1}">
+                <asvg:svgBlip xmlns:asvg="http://schemas.microsoft.com/office/drawing/2016/SVG/main" r:embed="rId4"/>
+              </a:ext>
+            </a:extLst>
+          </a:blip>
+          <a:stretch>
+            <a:fillRect/>
+          </a:stretch>
+        </a:blipFill>
+        <a:ln w="12700" cap="flat" cmpd="sng" algn="ctr">
+          <a:solidFill>
+            <a:schemeClr val="lt1">
+              <a:hueOff val="0"/>
+              <a:satOff val="0"/>
+              <a:lumOff val="0"/>
+              <a:alphaOff val="0"/>
+            </a:schemeClr>
+          </a:solidFill>
+          <a:prstDash val="solid"/>
+          <a:miter lim="800000"/>
+        </a:ln>
+        <a:effectLst/>
+      </dsp:spPr>
+      <dsp:style>
+        <a:lnRef idx="2">
+          <a:scrgbClr r="0" g="0" b="0"/>
+        </a:lnRef>
+        <a:fillRef idx="1">
+          <a:scrgbClr r="0" g="0" b="0"/>
+        </a:fillRef>
+        <a:effectRef idx="0">
+          <a:scrgbClr r="0" g="0" b="0"/>
+        </a:effectRef>
+        <a:fontRef idx="minor">
+          <a:schemeClr val="lt1"/>
+        </a:fontRef>
+      </dsp:style>
+    </dsp:sp>
+    <dsp:sp modelId="{2ECC03AE-D048-47DB-9563-B9CF92790736}">
+      <dsp:nvSpPr>
+        <dsp:cNvPr id="0" name=""/>
+        <dsp:cNvSpPr/>
+      </dsp:nvSpPr>
+      <dsp:spPr>
+        <a:xfrm>
+          <a:off x="1507738" y="2338844"/>
+          <a:ext cx="4732020" cy="1305401"/>
+        </a:xfrm>
+        <a:prstGeom prst="rect">
+          <a:avLst/>
+        </a:prstGeom>
+        <a:noFill/>
+        <a:ln>
+          <a:noFill/>
+        </a:ln>
+        <a:effectLst/>
+      </dsp:spPr>
+      <dsp:style>
+        <a:lnRef idx="0">
+          <a:scrgbClr r="0" g="0" b="0"/>
+        </a:lnRef>
+        <a:fillRef idx="0">
+          <a:scrgbClr r="0" g="0" b="0"/>
+        </a:fillRef>
+        <a:effectRef idx="0">
+          <a:scrgbClr r="0" g="0" b="0"/>
+        </a:effectRef>
+        <a:fontRef idx="minor"/>
+      </dsp:style>
+      <dsp:txBody>
+        <a:bodyPr spcFirstLastPara="0" vert="horz" wrap="square" lIns="138155" tIns="138155" rIns="138155" bIns="138155" numCol="1" spcCol="1270" anchor="ctr" anchorCtr="0">
+          <a:noAutofit/>
+        </a:bodyPr>
+        <a:lstStyle/>
+        <a:p>
+          <a:pPr marL="0" lvl="0" indent="0" algn="l" defTabSz="1111250">
+            <a:lnSpc>
+              <a:spcPct val="100000"/>
+            </a:lnSpc>
+            <a:spcBef>
+              <a:spcPct val="0"/>
+            </a:spcBef>
+            <a:spcAft>
+              <a:spcPct val="35000"/>
+            </a:spcAft>
+            <a:buNone/>
+          </a:pPr>
+          <a:r>
+            <a:rPr lang="en-US" sz="2500" b="0" i="0" kern="1200" baseline="0"/>
+            <a:t>Enhanced Version:</a:t>
+          </a:r>
+          <a:endParaRPr lang="en-US" sz="2500" kern="1200"/>
+        </a:p>
+      </dsp:txBody>
+      <dsp:txXfrm>
+        <a:off x="1507738" y="2338844"/>
+        <a:ext cx="4732020" cy="1305401"/>
+      </dsp:txXfrm>
+    </dsp:sp>
+    <dsp:sp modelId="{0F2EA844-EB0F-42DE-BB6B-CDDB7699AAFD}">
+      <dsp:nvSpPr>
+        <dsp:cNvPr id="0" name=""/>
+        <dsp:cNvSpPr/>
+      </dsp:nvSpPr>
+      <dsp:spPr>
+        <a:xfrm>
+          <a:off x="6239758" y="2338844"/>
+          <a:ext cx="4275841" cy="1305401"/>
+        </a:xfrm>
+        <a:prstGeom prst="rect">
+          <a:avLst/>
+        </a:prstGeom>
+        <a:noFill/>
+        <a:ln>
+          <a:noFill/>
+        </a:ln>
+        <a:effectLst/>
+      </dsp:spPr>
+      <dsp:style>
+        <a:lnRef idx="0">
+          <a:scrgbClr r="0" g="0" b="0"/>
+        </a:lnRef>
+        <a:fillRef idx="0">
+          <a:scrgbClr r="0" g="0" b="0"/>
+        </a:fillRef>
+        <a:effectRef idx="0">
+          <a:scrgbClr r="0" g="0" b="0"/>
+        </a:effectRef>
+        <a:fontRef idx="minor"/>
+      </dsp:style>
+      <dsp:txBody>
+        <a:bodyPr spcFirstLastPara="0" vert="horz" wrap="square" lIns="138155" tIns="138155" rIns="138155" bIns="138155" numCol="1" spcCol="1270" anchor="ctr" anchorCtr="0">
+          <a:noAutofit/>
+        </a:bodyPr>
+        <a:lstStyle/>
+        <a:p>
+          <a:pPr marL="0" lvl="0" indent="0" algn="l" defTabSz="666750">
+            <a:lnSpc>
+              <a:spcPct val="100000"/>
+            </a:lnSpc>
+            <a:spcBef>
+              <a:spcPct val="0"/>
+            </a:spcBef>
+            <a:spcAft>
+              <a:spcPct val="35000"/>
+            </a:spcAft>
+            <a:buNone/>
+          </a:pPr>
+          <a:r>
+            <a:rPr lang="en-US" sz="1500" b="0" i="0" kern="1200" baseline="0" dirty="0"/>
+            <a:t>Current Solution enhanced with a possibility to create a few instances within the smart contracts.</a:t>
+          </a:r>
+          <a:endParaRPr lang="en-US" sz="1500" kern="1200" dirty="0"/>
+        </a:p>
+        <a:p>
+          <a:pPr marL="0" lvl="0" indent="0" algn="l" defTabSz="666750">
+            <a:lnSpc>
+              <a:spcPct val="100000"/>
+            </a:lnSpc>
+            <a:spcBef>
+              <a:spcPct val="0"/>
+            </a:spcBef>
+            <a:spcAft>
+              <a:spcPct val="35000"/>
+            </a:spcAft>
+            <a:buNone/>
+          </a:pPr>
+          <a:r>
+            <a:rPr lang="en-US" sz="1500" b="0" i="0" kern="1200" baseline="0"/>
+            <a:t>Running a simultaneous NFT multi-auction both back and Front-end.</a:t>
+          </a:r>
+          <a:endParaRPr lang="en-US" sz="1500" kern="1200"/>
+        </a:p>
+      </dsp:txBody>
+      <dsp:txXfrm>
+        <a:off x="6239758" y="2338844"/>
+        <a:ext cx="4275841" cy="1305401"/>
+      </dsp:txXfrm>
+    </dsp:sp>
+  </dsp:spTree>
+</dsp:drawing>
+</file>
+
+<file path=ppt/diagrams/drawing5.xml><?xml version="1.0" encoding="utf-8"?>
+<dsp:drawing xmlns:dgm="http://schemas.openxmlformats.org/drawingml/2006/diagram" xmlns:dsp="http://schemas.microsoft.com/office/drawing/2008/diagram" xmlns:a="http://schemas.openxmlformats.org/drawingml/2006/main">
+  <dsp:spTree>
+    <dsp:nvGrpSpPr>
+      <dsp:cNvPr id="0" name=""/>
+      <dsp:cNvGrpSpPr/>
+    </dsp:nvGrpSpPr>
+    <dsp:grpSpPr/>
+    <dsp:sp modelId="{DA18E9A5-54FF-41CB-B52E-371AA9EC161E}">
+      <dsp:nvSpPr>
+        <dsp:cNvPr id="0" name=""/>
+        <dsp:cNvSpPr/>
+      </dsp:nvSpPr>
+      <dsp:spPr>
+        <a:xfrm>
+          <a:off x="0" y="531"/>
+          <a:ext cx="10515600" cy="1242935"/>
+        </a:xfrm>
+        <a:prstGeom prst="roundRect">
+          <a:avLst>
+            <a:gd name="adj" fmla="val 10000"/>
+          </a:avLst>
+        </a:prstGeom>
+        <a:solidFill>
+          <a:schemeClr val="accent1">
+            <a:tint val="40000"/>
+            <a:hueOff val="0"/>
+            <a:satOff val="0"/>
+            <a:lumOff val="0"/>
+            <a:alphaOff val="0"/>
+          </a:schemeClr>
+        </a:solidFill>
+        <a:ln>
+          <a:noFill/>
+        </a:ln>
+        <a:effectLst/>
+      </dsp:spPr>
+      <dsp:style>
+        <a:lnRef idx="0">
+          <a:scrgbClr r="0" g="0" b="0"/>
+        </a:lnRef>
+        <a:fillRef idx="1">
+          <a:scrgbClr r="0" g="0" b="0"/>
+        </a:fillRef>
+        <a:effectRef idx="0">
+          <a:scrgbClr r="0" g="0" b="0"/>
+        </a:effectRef>
+        <a:fontRef idx="minor"/>
+      </dsp:style>
+    </dsp:sp>
+    <dsp:sp modelId="{3B681232-61E2-4515-B559-DF3EAF7B26DC}">
+      <dsp:nvSpPr>
+        <dsp:cNvPr id="0" name=""/>
+        <dsp:cNvSpPr/>
+      </dsp:nvSpPr>
+      <dsp:spPr>
+        <a:xfrm>
+          <a:off x="375988" y="280191"/>
+          <a:ext cx="683614" cy="683614"/>
+        </a:xfrm>
+        <a:prstGeom prst="rect">
+          <a:avLst/>
+        </a:prstGeom>
+        <a:blipFill>
+          <a:blip xmlns:r="http://schemas.openxmlformats.org/officeDocument/2006/relationships" r:embed="rId1">
+            <a:extLst>
+              <a:ext uri="{28A0092B-C50C-407E-A947-70E740481C1C}">
+                <a14:useLocalDpi xmlns:a14="http://schemas.microsoft.com/office/drawing/2010/main" val="0"/>
+              </a:ext>
+              <a:ext uri="{96DAC541-7B7A-43D3-8B79-37D633B846F1}">
+                <asvg:svgBlip xmlns:asvg="http://schemas.microsoft.com/office/drawing/2016/SVG/main" r:embed="rId2"/>
+              </a:ext>
+            </a:extLst>
+          </a:blip>
+          <a:stretch>
+            <a:fillRect/>
+          </a:stretch>
+        </a:blipFill>
+        <a:ln w="12700" cap="flat" cmpd="sng" algn="ctr">
+          <a:solidFill>
+            <a:schemeClr val="lt1">
+              <a:hueOff val="0"/>
+              <a:satOff val="0"/>
+              <a:lumOff val="0"/>
+              <a:alphaOff val="0"/>
+            </a:schemeClr>
+          </a:solidFill>
+          <a:prstDash val="solid"/>
+          <a:miter lim="800000"/>
+        </a:ln>
+        <a:effectLst/>
+      </dsp:spPr>
+      <dsp:style>
+        <a:lnRef idx="2">
+          <a:scrgbClr r="0" g="0" b="0"/>
+        </a:lnRef>
+        <a:fillRef idx="1">
+          <a:scrgbClr r="0" g="0" b="0"/>
+        </a:fillRef>
+        <a:effectRef idx="0">
+          <a:scrgbClr r="0" g="0" b="0"/>
+        </a:effectRef>
+        <a:fontRef idx="minor">
+          <a:schemeClr val="lt1"/>
+        </a:fontRef>
+      </dsp:style>
+    </dsp:sp>
+    <dsp:sp modelId="{935455C9-441F-4516-B542-E7F293CFF003}">
+      <dsp:nvSpPr>
+        <dsp:cNvPr id="0" name=""/>
+        <dsp:cNvSpPr/>
+      </dsp:nvSpPr>
+      <dsp:spPr>
+        <a:xfrm>
+          <a:off x="1435590" y="531"/>
+          <a:ext cx="4732020" cy="1242935"/>
+        </a:xfrm>
+        <a:prstGeom prst="rect">
+          <a:avLst/>
+        </a:prstGeom>
+        <a:noFill/>
+        <a:ln>
+          <a:noFill/>
+        </a:ln>
+        <a:effectLst/>
+      </dsp:spPr>
+      <dsp:style>
+        <a:lnRef idx="0">
+          <a:scrgbClr r="0" g="0" b="0"/>
+        </a:lnRef>
+        <a:fillRef idx="0">
+          <a:scrgbClr r="0" g="0" b="0"/>
+        </a:fillRef>
+        <a:effectRef idx="0">
+          <a:scrgbClr r="0" g="0" b="0"/>
+        </a:effectRef>
+        <a:fontRef idx="minor"/>
+      </dsp:style>
+      <dsp:txBody>
+        <a:bodyPr spcFirstLastPara="0" vert="horz" wrap="square" lIns="131544" tIns="131544" rIns="131544" bIns="131544" numCol="1" spcCol="1270" anchor="ctr" anchorCtr="0">
+          <a:noAutofit/>
+        </a:bodyPr>
+        <a:lstStyle/>
+        <a:p>
+          <a:pPr marL="0" lvl="0" indent="0" algn="l" defTabSz="933450">
+            <a:lnSpc>
+              <a:spcPct val="100000"/>
+            </a:lnSpc>
+            <a:spcBef>
+              <a:spcPct val="0"/>
+            </a:spcBef>
+            <a:spcAft>
+              <a:spcPct val="35000"/>
+            </a:spcAft>
+            <a:buNone/>
+          </a:pPr>
+          <a:r>
+            <a:rPr lang="en-US" sz="2100" b="0" i="0" kern="1200" baseline="0"/>
+            <a:t>One Solidity Specialist to implement the Smart Contract multi-auction Solution.</a:t>
+          </a:r>
+          <a:endParaRPr lang="en-US" sz="2100" kern="1200"/>
+        </a:p>
+      </dsp:txBody>
+      <dsp:txXfrm>
+        <a:off x="1435590" y="531"/>
+        <a:ext cx="4732020" cy="1242935"/>
+      </dsp:txXfrm>
+    </dsp:sp>
+    <dsp:sp modelId="{64B7C8C3-DB36-40DF-BDD7-04FEC5AE44BD}">
+      <dsp:nvSpPr>
+        <dsp:cNvPr id="0" name=""/>
+        <dsp:cNvSpPr/>
+      </dsp:nvSpPr>
+      <dsp:spPr>
+        <a:xfrm>
+          <a:off x="6167610" y="531"/>
+          <a:ext cx="4347989" cy="1242935"/>
+        </a:xfrm>
+        <a:prstGeom prst="rect">
+          <a:avLst/>
+        </a:prstGeom>
+        <a:noFill/>
+        <a:ln>
+          <a:noFill/>
+        </a:ln>
+        <a:effectLst/>
+      </dsp:spPr>
+      <dsp:style>
+        <a:lnRef idx="0">
+          <a:scrgbClr r="0" g="0" b="0"/>
+        </a:lnRef>
+        <a:fillRef idx="0">
+          <a:scrgbClr r="0" g="0" b="0"/>
+        </a:fillRef>
+        <a:effectRef idx="0">
+          <a:scrgbClr r="0" g="0" b="0"/>
+        </a:effectRef>
+        <a:fontRef idx="minor"/>
+      </dsp:style>
+      <dsp:txBody>
+        <a:bodyPr spcFirstLastPara="0" vert="horz" wrap="square" lIns="131544" tIns="131544" rIns="131544" bIns="131544" numCol="1" spcCol="1270" anchor="ctr" anchorCtr="0">
+          <a:noAutofit/>
+        </a:bodyPr>
+        <a:lstStyle/>
+        <a:p>
+          <a:pPr marL="0" lvl="0" indent="0" algn="l" defTabSz="711200">
+            <a:lnSpc>
+              <a:spcPct val="100000"/>
+            </a:lnSpc>
+            <a:spcBef>
+              <a:spcPct val="0"/>
+            </a:spcBef>
+            <a:spcAft>
+              <a:spcPct val="35000"/>
+            </a:spcAft>
+            <a:buNone/>
+          </a:pPr>
+          <a:r>
+            <a:rPr lang="en-US" sz="1600" b="0" i="0" kern="1200" baseline="0" dirty="0"/>
+            <a:t>Estimated time to completion – two weeks (80h).</a:t>
+          </a:r>
+          <a:endParaRPr lang="en-US" sz="1600" kern="1200" dirty="0"/>
+        </a:p>
+      </dsp:txBody>
+      <dsp:txXfrm>
+        <a:off x="6167610" y="531"/>
+        <a:ext cx="4347989" cy="1242935"/>
+      </dsp:txXfrm>
+    </dsp:sp>
+    <dsp:sp modelId="{10F21520-D18E-4EB2-917C-18B1513B7524}">
+      <dsp:nvSpPr>
+        <dsp:cNvPr id="0" name=""/>
+        <dsp:cNvSpPr/>
+      </dsp:nvSpPr>
+      <dsp:spPr>
+        <a:xfrm>
+          <a:off x="0" y="1554201"/>
+          <a:ext cx="10515600" cy="1242935"/>
+        </a:xfrm>
+        <a:prstGeom prst="roundRect">
+          <a:avLst>
+            <a:gd name="adj" fmla="val 10000"/>
+          </a:avLst>
+        </a:prstGeom>
+        <a:solidFill>
+          <a:schemeClr val="accent1">
+            <a:tint val="40000"/>
+            <a:hueOff val="0"/>
+            <a:satOff val="0"/>
+            <a:lumOff val="0"/>
+            <a:alphaOff val="0"/>
+          </a:schemeClr>
+        </a:solidFill>
+        <a:ln>
+          <a:noFill/>
+        </a:ln>
+        <a:effectLst/>
+      </dsp:spPr>
+      <dsp:style>
+        <a:lnRef idx="0">
+          <a:scrgbClr r="0" g="0" b="0"/>
+        </a:lnRef>
+        <a:fillRef idx="1">
+          <a:scrgbClr r="0" g="0" b="0"/>
+        </a:fillRef>
+        <a:effectRef idx="0">
+          <a:scrgbClr r="0" g="0" b="0"/>
+        </a:effectRef>
+        <a:fontRef idx="minor"/>
+      </dsp:style>
+    </dsp:sp>
+    <dsp:sp modelId="{387ABE28-F4D0-4B4D-B657-7D8483A8A1D4}">
+      <dsp:nvSpPr>
+        <dsp:cNvPr id="0" name=""/>
+        <dsp:cNvSpPr/>
+      </dsp:nvSpPr>
+      <dsp:spPr>
+        <a:xfrm>
+          <a:off x="375988" y="1833861"/>
+          <a:ext cx="683614" cy="683614"/>
+        </a:xfrm>
+        <a:prstGeom prst="rect">
+          <a:avLst/>
+        </a:prstGeom>
+        <a:blipFill>
+          <a:blip xmlns:r="http://schemas.openxmlformats.org/officeDocument/2006/relationships" r:embed="rId3">
+            <a:extLst>
+              <a:ext uri="{28A0092B-C50C-407E-A947-70E740481C1C}">
+                <a14:useLocalDpi xmlns:a14="http://schemas.microsoft.com/office/drawing/2010/main" val="0"/>
+              </a:ext>
+              <a:ext uri="{96DAC541-7B7A-43D3-8B79-37D633B846F1}">
+                <asvg:svgBlip xmlns:asvg="http://schemas.microsoft.com/office/drawing/2016/SVG/main" r:embed="rId4"/>
+              </a:ext>
+            </a:extLst>
+          </a:blip>
+          <a:stretch>
+            <a:fillRect/>
+          </a:stretch>
+        </a:blipFill>
+        <a:ln w="12700" cap="flat" cmpd="sng" algn="ctr">
+          <a:solidFill>
+            <a:schemeClr val="lt1">
+              <a:hueOff val="0"/>
+              <a:satOff val="0"/>
+              <a:lumOff val="0"/>
+              <a:alphaOff val="0"/>
+            </a:schemeClr>
+          </a:solidFill>
+          <a:prstDash val="solid"/>
+          <a:miter lim="800000"/>
+        </a:ln>
+        <a:effectLst/>
+      </dsp:spPr>
+      <dsp:style>
+        <a:lnRef idx="2">
+          <a:scrgbClr r="0" g="0" b="0"/>
+        </a:lnRef>
+        <a:fillRef idx="1">
+          <a:scrgbClr r="0" g="0" b="0"/>
+        </a:fillRef>
+        <a:effectRef idx="0">
+          <a:scrgbClr r="0" g="0" b="0"/>
+        </a:effectRef>
+        <a:fontRef idx="minor">
+          <a:schemeClr val="lt1"/>
+        </a:fontRef>
+      </dsp:style>
+    </dsp:sp>
+    <dsp:sp modelId="{7FDD84BB-8E7B-4E21-BA3D-759D6757C3A2}">
+      <dsp:nvSpPr>
+        <dsp:cNvPr id="0" name=""/>
+        <dsp:cNvSpPr/>
+      </dsp:nvSpPr>
+      <dsp:spPr>
+        <a:xfrm>
+          <a:off x="1435590" y="1554201"/>
+          <a:ext cx="4732020" cy="1242935"/>
+        </a:xfrm>
+        <a:prstGeom prst="rect">
+          <a:avLst/>
+        </a:prstGeom>
+        <a:noFill/>
+        <a:ln>
+          <a:noFill/>
+        </a:ln>
+        <a:effectLst/>
+      </dsp:spPr>
+      <dsp:style>
+        <a:lnRef idx="0">
+          <a:scrgbClr r="0" g="0" b="0"/>
+        </a:lnRef>
+        <a:fillRef idx="0">
+          <a:scrgbClr r="0" g="0" b="0"/>
+        </a:fillRef>
+        <a:effectRef idx="0">
+          <a:scrgbClr r="0" g="0" b="0"/>
+        </a:effectRef>
+        <a:fontRef idx="minor"/>
+      </dsp:style>
+      <dsp:txBody>
+        <a:bodyPr spcFirstLastPara="0" vert="horz" wrap="square" lIns="131544" tIns="131544" rIns="131544" bIns="131544" numCol="1" spcCol="1270" anchor="ctr" anchorCtr="0">
+          <a:noAutofit/>
+        </a:bodyPr>
+        <a:lstStyle/>
+        <a:p>
+          <a:pPr marL="0" lvl="0" indent="0" algn="l" defTabSz="933450">
+            <a:lnSpc>
+              <a:spcPct val="100000"/>
+            </a:lnSpc>
+            <a:spcBef>
+              <a:spcPct val="0"/>
+            </a:spcBef>
+            <a:spcAft>
+              <a:spcPct val="35000"/>
+            </a:spcAft>
+            <a:buNone/>
+          </a:pPr>
+          <a:r>
+            <a:rPr lang="en-US" sz="2100" b="0" i="0" kern="1200" baseline="0"/>
+            <a:t>SME to decide which software to use for the Front-end user interaction.</a:t>
+          </a:r>
+          <a:endParaRPr lang="en-US" sz="2100" kern="1200"/>
+        </a:p>
+      </dsp:txBody>
+      <dsp:txXfrm>
+        <a:off x="1435590" y="1554201"/>
+        <a:ext cx="4732020" cy="1242935"/>
+      </dsp:txXfrm>
+    </dsp:sp>
+    <dsp:sp modelId="{60BAF32B-1EFB-4A9B-A62F-2F3DC2BA6DBA}">
+      <dsp:nvSpPr>
+        <dsp:cNvPr id="0" name=""/>
+        <dsp:cNvSpPr/>
+      </dsp:nvSpPr>
+      <dsp:spPr>
+        <a:xfrm>
+          <a:off x="6167610" y="1554201"/>
+          <a:ext cx="4347989" cy="1242935"/>
+        </a:xfrm>
+        <a:prstGeom prst="rect">
+          <a:avLst/>
+        </a:prstGeom>
+        <a:noFill/>
+        <a:ln>
+          <a:noFill/>
+        </a:ln>
+        <a:effectLst/>
+      </dsp:spPr>
+      <dsp:style>
+        <a:lnRef idx="0">
+          <a:scrgbClr r="0" g="0" b="0"/>
+        </a:lnRef>
+        <a:fillRef idx="0">
+          <a:scrgbClr r="0" g="0" b="0"/>
+        </a:fillRef>
+        <a:effectRef idx="0">
+          <a:scrgbClr r="0" g="0" b="0"/>
+        </a:effectRef>
+        <a:fontRef idx="minor"/>
+      </dsp:style>
+      <dsp:txBody>
+        <a:bodyPr spcFirstLastPara="0" vert="horz" wrap="square" lIns="131544" tIns="131544" rIns="131544" bIns="131544" numCol="1" spcCol="1270" anchor="ctr" anchorCtr="0">
+          <a:noAutofit/>
+        </a:bodyPr>
+        <a:lstStyle/>
+        <a:p>
+          <a:pPr marL="0" lvl="0" indent="0" algn="l" defTabSz="711200">
+            <a:lnSpc>
+              <a:spcPct val="100000"/>
+            </a:lnSpc>
+            <a:spcBef>
+              <a:spcPct val="0"/>
+            </a:spcBef>
+            <a:spcAft>
+              <a:spcPct val="35000"/>
+            </a:spcAft>
+            <a:buNone/>
+          </a:pPr>
+          <a:r>
+            <a:rPr lang="en-US" sz="1600" b="0" i="0" kern="1200" baseline="0" dirty="0"/>
+            <a:t>Estimated time to completion – one week (40h).</a:t>
+          </a:r>
+          <a:endParaRPr lang="en-US" sz="1600" kern="1200" dirty="0"/>
+        </a:p>
+      </dsp:txBody>
+      <dsp:txXfrm>
+        <a:off x="6167610" y="1554201"/>
+        <a:ext cx="4347989" cy="1242935"/>
+      </dsp:txXfrm>
+    </dsp:sp>
+    <dsp:sp modelId="{8681A7D5-AC71-4948-9415-589CEC59DB55}">
+      <dsp:nvSpPr>
+        <dsp:cNvPr id="0" name=""/>
+        <dsp:cNvSpPr/>
+      </dsp:nvSpPr>
+      <dsp:spPr>
+        <a:xfrm>
+          <a:off x="0" y="3107870"/>
+          <a:ext cx="10515600" cy="1242935"/>
+        </a:xfrm>
+        <a:prstGeom prst="roundRect">
+          <a:avLst>
+            <a:gd name="adj" fmla="val 10000"/>
+          </a:avLst>
+        </a:prstGeom>
+        <a:solidFill>
+          <a:schemeClr val="accent1">
+            <a:tint val="40000"/>
+            <a:hueOff val="0"/>
+            <a:satOff val="0"/>
+            <a:lumOff val="0"/>
+            <a:alphaOff val="0"/>
+          </a:schemeClr>
+        </a:solidFill>
+        <a:ln>
+          <a:noFill/>
+        </a:ln>
+        <a:effectLst/>
+      </dsp:spPr>
+      <dsp:style>
+        <a:lnRef idx="0">
+          <a:scrgbClr r="0" g="0" b="0"/>
+        </a:lnRef>
+        <a:fillRef idx="1">
+          <a:scrgbClr r="0" g="0" b="0"/>
+        </a:fillRef>
+        <a:effectRef idx="0">
+          <a:scrgbClr r="0" g="0" b="0"/>
+        </a:effectRef>
+        <a:fontRef idx="minor"/>
+      </dsp:style>
+    </dsp:sp>
+    <dsp:sp modelId="{38B06E24-E302-4CD5-A7F2-710908619FAA}">
+      <dsp:nvSpPr>
+        <dsp:cNvPr id="0" name=""/>
+        <dsp:cNvSpPr/>
+      </dsp:nvSpPr>
+      <dsp:spPr>
+        <a:xfrm>
+          <a:off x="375988" y="3387531"/>
+          <a:ext cx="683614" cy="683614"/>
+        </a:xfrm>
+        <a:prstGeom prst="rect">
+          <a:avLst/>
+        </a:prstGeom>
+        <a:blipFill>
+          <a:blip xmlns:r="http://schemas.openxmlformats.org/officeDocument/2006/relationships" r:embed="rId5">
+            <a:extLst>
+              <a:ext uri="{28A0092B-C50C-407E-A947-70E740481C1C}">
+                <a14:useLocalDpi xmlns:a14="http://schemas.microsoft.com/office/drawing/2010/main" val="0"/>
+              </a:ext>
+              <a:ext uri="{96DAC541-7B7A-43D3-8B79-37D633B846F1}">
+                <asvg:svgBlip xmlns:asvg="http://schemas.microsoft.com/office/drawing/2016/SVG/main" r:embed="rId6"/>
+              </a:ext>
+            </a:extLst>
+          </a:blip>
+          <a:stretch>
+            <a:fillRect/>
+          </a:stretch>
+        </a:blipFill>
+        <a:ln w="12700" cap="flat" cmpd="sng" algn="ctr">
+          <a:solidFill>
+            <a:schemeClr val="lt1">
+              <a:hueOff val="0"/>
+              <a:satOff val="0"/>
+              <a:lumOff val="0"/>
+              <a:alphaOff val="0"/>
+            </a:schemeClr>
+          </a:solidFill>
+          <a:prstDash val="solid"/>
+          <a:miter lim="800000"/>
+        </a:ln>
+        <a:effectLst/>
+      </dsp:spPr>
+      <dsp:style>
+        <a:lnRef idx="2">
+          <a:scrgbClr r="0" g="0" b="0"/>
+        </a:lnRef>
+        <a:fillRef idx="1">
+          <a:scrgbClr r="0" g="0" b="0"/>
+        </a:fillRef>
+        <a:effectRef idx="0">
+          <a:scrgbClr r="0" g="0" b="0"/>
+        </a:effectRef>
+        <a:fontRef idx="minor">
+          <a:schemeClr val="lt1"/>
+        </a:fontRef>
+      </dsp:style>
+    </dsp:sp>
+    <dsp:sp modelId="{101A782E-5488-4D38-920B-8BD2AFFD2C10}">
+      <dsp:nvSpPr>
+        <dsp:cNvPr id="0" name=""/>
+        <dsp:cNvSpPr/>
+      </dsp:nvSpPr>
+      <dsp:spPr>
+        <a:xfrm>
+          <a:off x="1435590" y="3107870"/>
+          <a:ext cx="4732020" cy="1242935"/>
+        </a:xfrm>
+        <a:prstGeom prst="rect">
+          <a:avLst/>
+        </a:prstGeom>
+        <a:noFill/>
+        <a:ln>
+          <a:noFill/>
+        </a:ln>
+        <a:effectLst/>
+      </dsp:spPr>
+      <dsp:style>
+        <a:lnRef idx="0">
+          <a:scrgbClr r="0" g="0" b="0"/>
+        </a:lnRef>
+        <a:fillRef idx="0">
+          <a:scrgbClr r="0" g="0" b="0"/>
+        </a:fillRef>
+        <a:effectRef idx="0">
+          <a:scrgbClr r="0" g="0" b="0"/>
+        </a:effectRef>
+        <a:fontRef idx="minor"/>
+      </dsp:style>
+      <dsp:txBody>
+        <a:bodyPr spcFirstLastPara="0" vert="horz" wrap="square" lIns="131544" tIns="131544" rIns="131544" bIns="131544" numCol="1" spcCol="1270" anchor="ctr" anchorCtr="0">
+          <a:noAutofit/>
+        </a:bodyPr>
+        <a:lstStyle/>
+        <a:p>
+          <a:pPr marL="0" lvl="0" indent="0" algn="l" defTabSz="933450">
+            <a:lnSpc>
+              <a:spcPct val="100000"/>
+            </a:lnSpc>
+            <a:spcBef>
+              <a:spcPct val="0"/>
+            </a:spcBef>
+            <a:spcAft>
+              <a:spcPct val="35000"/>
+            </a:spcAft>
+            <a:buNone/>
+          </a:pPr>
+          <a:r>
+            <a:rPr lang="en-US" sz="2100" b="0" i="0" kern="1200" baseline="0"/>
+            <a:t>Front-end implementation</a:t>
+          </a:r>
+          <a:endParaRPr lang="en-US" sz="2100" kern="1200"/>
+        </a:p>
+      </dsp:txBody>
+      <dsp:txXfrm>
+        <a:off x="1435590" y="3107870"/>
+        <a:ext cx="4732020" cy="1242935"/>
+      </dsp:txXfrm>
+    </dsp:sp>
+    <dsp:sp modelId="{8FB74F61-29D2-4C17-950C-7170B6F2DA2F}">
+      <dsp:nvSpPr>
+        <dsp:cNvPr id="0" name=""/>
+        <dsp:cNvSpPr/>
+      </dsp:nvSpPr>
+      <dsp:spPr>
+        <a:xfrm>
+          <a:off x="6167610" y="3107870"/>
+          <a:ext cx="4347989" cy="1242935"/>
+        </a:xfrm>
+        <a:prstGeom prst="rect">
+          <a:avLst/>
+        </a:prstGeom>
+        <a:noFill/>
+        <a:ln>
+          <a:noFill/>
+        </a:ln>
+        <a:effectLst/>
+      </dsp:spPr>
+      <dsp:style>
+        <a:lnRef idx="0">
+          <a:scrgbClr r="0" g="0" b="0"/>
+        </a:lnRef>
+        <a:fillRef idx="0">
+          <a:scrgbClr r="0" g="0" b="0"/>
+        </a:fillRef>
+        <a:effectRef idx="0">
+          <a:scrgbClr r="0" g="0" b="0"/>
+        </a:effectRef>
+        <a:fontRef idx="minor"/>
+      </dsp:style>
+      <dsp:txBody>
+        <a:bodyPr spcFirstLastPara="0" vert="horz" wrap="square" lIns="131544" tIns="131544" rIns="131544" bIns="131544" numCol="1" spcCol="1270" anchor="ctr" anchorCtr="0">
+          <a:noAutofit/>
+        </a:bodyPr>
+        <a:lstStyle/>
+        <a:p>
+          <a:pPr marL="0" lvl="0" indent="0" algn="l" defTabSz="711200">
+            <a:lnSpc>
+              <a:spcPct val="100000"/>
+            </a:lnSpc>
+            <a:spcBef>
+              <a:spcPct val="0"/>
+            </a:spcBef>
+            <a:spcAft>
+              <a:spcPct val="35000"/>
+            </a:spcAft>
+            <a:buNone/>
+          </a:pPr>
+          <a:r>
+            <a:rPr lang="en-US" sz="1600" b="0" i="0" kern="1200" baseline="0" dirty="0"/>
+            <a:t>Estimated time to completion – one-month 180h).</a:t>
+          </a:r>
+          <a:endParaRPr lang="en-US" sz="1600" kern="1200" dirty="0"/>
+        </a:p>
+      </dsp:txBody>
+      <dsp:txXfrm>
+        <a:off x="6167610" y="3107870"/>
+        <a:ext cx="4347989" cy="1242935"/>
+      </dsp:txXfrm>
+    </dsp:sp>
+  </dsp:spTree>
+</dsp:drawing>
+</file>
+
 <file path=ppt/diagrams/layout1.xml><?xml version="1.0" encoding="utf-8"?>
 <dgm:layoutDef xmlns:dgm="http://schemas.openxmlformats.org/drawingml/2006/diagram" xmlns:a="http://schemas.openxmlformats.org/drawingml/2006/main" uniqueId="urn:microsoft.com/office/officeart/2018/2/layout/IconVerticalSolidList">
   <dgm:title val="Icon Vertical Solid List"/>
@@ -6495,6 +10347,594 @@
 </dgm:layoutDef>
 </file>
 
+<file path=ppt/diagrams/layout4.xml><?xml version="1.0" encoding="utf-8"?>
+<dgm:layoutDef xmlns:dgm="http://schemas.openxmlformats.org/drawingml/2006/diagram" xmlns:a="http://schemas.openxmlformats.org/drawingml/2006/main" uniqueId="urn:microsoft.com/office/officeart/2018/2/layout/IconVerticalSolidList">
+  <dgm:title val="Icon Vertical Solid List"/>
+  <dgm:desc val="Use to show a series of visuals from top to bottom with Level 1 or Level 1 and Level 2 text grouped in a shape. Works best with icons or small pictures with lengthier descriptions."/>
+  <dgm:catLst>
+    <dgm:cat type="icon" pri="500"/>
+  </dgm:catLst>
+  <dgm:sampData useDef="1">
+    <dgm:dataModel>
+      <dgm:ptLst/>
+      <dgm:bg/>
+      <dgm:whole/>
+    </dgm:dataModel>
+  </dgm:sampData>
+  <dgm:styleData useDef="1">
+    <dgm:dataModel>
+      <dgm:ptLst/>
+      <dgm:bg/>
+      <dgm:whole/>
+    </dgm:dataModel>
+  </dgm:styleData>
+  <dgm:clrData useDef="1">
+    <dgm:dataModel>
+      <dgm:ptLst/>
+      <dgm:bg/>
+      <dgm:whole/>
+    </dgm:dataModel>
+  </dgm:clrData>
+  <dgm:layoutNode name="root">
+    <dgm:varLst>
+      <dgm:dir/>
+      <dgm:resizeHandles val="exact"/>
+    </dgm:varLst>
+    <dgm:choose name="Name0">
+      <dgm:if name="Name1" axis="self" func="var" arg="dir" op="equ" val="norm">
+        <dgm:alg type="lin">
+          <dgm:param type="linDir" val="fromT"/>
+          <dgm:param type="nodeHorzAlign" val="l"/>
+        </dgm:alg>
+      </dgm:if>
+      <dgm:else name="Name2">
+        <dgm:alg type="lin">
+          <dgm:param type="linDir" val="fromT"/>
+          <dgm:param type="nodeHorzAlign" val="r"/>
+        </dgm:alg>
+      </dgm:else>
+    </dgm:choose>
+    <dgm:shape xmlns:r="http://schemas.openxmlformats.org/officeDocument/2006/relationships" r:blip="">
+      <dgm:adjLst/>
+    </dgm:shape>
+    <dgm:presOf/>
+    <dgm:choose name="Name3">
+      <dgm:if name="Name4" axis="ch" ptType="node" func="cnt" op="lte" val="3">
+        <dgm:constrLst>
+          <dgm:constr type="h" for="ch" forName="compNode" refType="h" fact="0.3"/>
+          <dgm:constr type="w" for="ch" forName="compNode" refType="w"/>
+          <dgm:constr type="h" for="ch" forName="sibTrans" refType="h" refFor="ch" refForName="compNode" fact="0.25"/>
+          <dgm:constr type="primFontSz" for="des" forName="parTx" val="25"/>
+          <dgm:constr type="primFontSz" for="des" forName="desTx" refType="primFontSz" refFor="des" refForName="parTx" op="lte" fact="0.75"/>
+          <dgm:constr type="h" for="des" forName="compNode" op="equ"/>
+          <dgm:constr type="h" for="des" forName="bgRect" op="equ"/>
+          <dgm:constr type="h" for="des" forName="iconRect" op="equ"/>
+          <dgm:constr type="w" for="des" forName="iconRect" op="equ"/>
+          <dgm:constr type="h" for="des" forName="spaceRect" op="equ"/>
+          <dgm:constr type="h" for="des" forName="parTx" op="equ"/>
+          <dgm:constr type="h" for="des" forName="desTx" op="equ"/>
+        </dgm:constrLst>
+      </dgm:if>
+      <dgm:if name="Name5" axis="ch" ptType="node" func="cnt" op="lte" val="4">
+        <dgm:constrLst>
+          <dgm:constr type="h" for="ch" forName="compNode" refType="h" fact="0.3"/>
+          <dgm:constr type="w" for="ch" forName="compNode" refType="w"/>
+          <dgm:constr type="h" for="ch" forName="sibTrans" refType="h" refFor="ch" refForName="compNode" fact="0.25"/>
+          <dgm:constr type="primFontSz" for="des" forName="parTx" val="22"/>
+          <dgm:constr type="primFontSz" for="des" forName="desTx" refType="primFontSz" refFor="des" refForName="parTx" op="lte" fact="0.75"/>
+          <dgm:constr type="h" for="des" forName="compNode" op="equ"/>
+          <dgm:constr type="h" for="des" forName="bgRect" op="equ"/>
+          <dgm:constr type="h" for="des" forName="iconRect" op="equ"/>
+          <dgm:constr type="w" for="des" forName="iconRect" op="equ"/>
+          <dgm:constr type="h" for="des" forName="spaceRect" op="equ"/>
+          <dgm:constr type="h" for="des" forName="parTx" op="equ"/>
+          <dgm:constr type="h" for="des" forName="desTx" op="equ"/>
+        </dgm:constrLst>
+      </dgm:if>
+      <dgm:if name="Name6" axis="ch" ptType="node" func="cnt" op="lte" val="6">
+        <dgm:constrLst>
+          <dgm:constr type="h" for="ch" forName="compNode" refType="h" fact="0.3"/>
+          <dgm:constr type="w" for="ch" forName="compNode" refType="w"/>
+          <dgm:constr type="h" for="ch" forName="sibTrans" refType="h" refFor="ch" refForName="compNode" fact="0.25"/>
+          <dgm:constr type="primFontSz" for="des" forName="parTx" val="19"/>
+          <dgm:constr type="primFontSz" for="des" forName="desTx" refType="primFontSz" refFor="des" refForName="parTx" op="lte" fact="0.75"/>
+          <dgm:constr type="h" for="des" forName="compNode" op="equ"/>
+          <dgm:constr type="h" for="des" forName="bgRect" op="equ"/>
+          <dgm:constr type="h" for="des" forName="iconRect" op="equ"/>
+          <dgm:constr type="w" for="des" forName="iconRect" op="equ"/>
+          <dgm:constr type="h" for="des" forName="spaceRect" op="equ"/>
+          <dgm:constr type="h" for="des" forName="parTx" op="equ"/>
+          <dgm:constr type="h" for="des" forName="desTx" op="equ"/>
+        </dgm:constrLst>
+      </dgm:if>
+      <dgm:else name="Name7">
+        <dgm:constrLst>
+          <dgm:constr type="h" for="ch" forName="compNode" refType="h" fact="0.3"/>
+          <dgm:constr type="w" for="ch" forName="compNode" refType="w"/>
+          <dgm:constr type="h" for="ch" forName="sibTrans" refType="h" refFor="ch" refForName="compNode" fact="0.25"/>
+          <dgm:constr type="primFontSz" for="des" forName="parTx" val="16"/>
+          <dgm:constr type="primFontSz" for="des" forName="desTx" refType="primFontSz" refFor="des" refForName="parTx" op="lte" fact="0.75"/>
+          <dgm:constr type="h" for="des" forName="compNode" op="equ"/>
+          <dgm:constr type="h" for="des" forName="bgRect" op="equ"/>
+          <dgm:constr type="h" for="des" forName="iconRect" op="equ"/>
+          <dgm:constr type="w" for="des" forName="iconRect" op="equ"/>
+          <dgm:constr type="h" for="des" forName="spaceRect" op="equ"/>
+          <dgm:constr type="h" for="des" forName="parTx" op="equ"/>
+          <dgm:constr type="h" for="des" forName="desTx" op="equ"/>
+        </dgm:constrLst>
+      </dgm:else>
+    </dgm:choose>
+    <dgm:ruleLst>
+      <dgm:rule type="h" for="ch" forName="compNode" val="0" fact="NaN" max="NaN"/>
+    </dgm:ruleLst>
+    <dgm:forEach name="Name8" axis="ch" ptType="node">
+      <dgm:layoutNode name="compNode">
+        <dgm:alg type="composite"/>
+        <dgm:shape xmlns:r="http://schemas.openxmlformats.org/officeDocument/2006/relationships" r:blip="">
+          <dgm:adjLst/>
+        </dgm:shape>
+        <dgm:presOf axis="self"/>
+        <dgm:choose name="Name9">
+          <dgm:if name="Name10" axis="ch" ptType="node" func="cnt" op="gte" val="1">
+            <dgm:constrLst>
+              <dgm:constr type="w" for="ch" forName="bgRect" refType="w"/>
+              <dgm:constr type="h" for="ch" forName="bgRect" refType="h"/>
+              <dgm:constr type="l" for="ch" forName="bgRect"/>
+              <dgm:constr type="t" for="ch" forName="bgRect"/>
+              <dgm:constr type="h" for="ch" forName="iconRect" refType="h" fact="0.55"/>
+              <dgm:constr type="w" for="ch" forName="iconRect" refType="h" refFor="ch" refForName="iconRect"/>
+              <dgm:constr type="l" for="ch" forName="iconRect" refType="h" refFor="ch" refForName="iconRect" fact="0.55"/>
+              <dgm:constr type="ctrY" for="ch" forName="iconRect" refType="ctrY" refFor="ch" refForName="bgRect"/>
+              <dgm:constr type="w" for="ch" forName="spaceRect" refType="l" refFor="ch" refForName="iconRect"/>
+              <dgm:constr type="h" for="ch" forName="spaceRect" refType="h"/>
+              <dgm:constr type="l" for="ch" forName="spaceRect" refType="r" refFor="ch" refForName="iconRect"/>
+              <dgm:constr type="t" for="ch" forName="spaceRect"/>
+              <dgm:constr type="w" for="ch" forName="parTx" refType="w" fact="0.45"/>
+              <dgm:constr type="h" for="ch" forName="parTx" refType="h"/>
+              <dgm:constr type="l" for="ch" forName="parTx" refType="r" refFor="ch" refForName="spaceRect"/>
+              <dgm:constr type="t" for="ch" forName="parTx"/>
+              <dgm:constr type="h" for="ch" forName="desTx" refType="h"/>
+              <dgm:constr type="l" for="ch" forName="desTx" refType="r" refFor="ch" refForName="parTx"/>
+              <dgm:constr type="t" for="ch" forName="desTx"/>
+            </dgm:constrLst>
+          </dgm:if>
+          <dgm:else name="Name11">
+            <dgm:constrLst>
+              <dgm:constr type="w" for="ch" forName="bgRect" refType="w"/>
+              <dgm:constr type="h" for="ch" forName="bgRect" refType="h"/>
+              <dgm:constr type="l" for="ch" forName="bgRect"/>
+              <dgm:constr type="t" for="ch" forName="bgRect"/>
+              <dgm:constr type="h" for="ch" forName="iconRect" refType="h" fact="0.55"/>
+              <dgm:constr type="w" for="ch" forName="iconRect" refType="h" refFor="ch" refForName="iconRect"/>
+              <dgm:constr type="l" for="ch" forName="iconRect" refType="h" refFor="ch" refForName="iconRect" fact="0.55"/>
+              <dgm:constr type="ctrY" for="ch" forName="iconRect" refType="ctrY" refFor="ch" refForName="bgRect"/>
+              <dgm:constr type="w" for="ch" forName="spaceRect" refType="l" refFor="ch" refForName="iconRect"/>
+              <dgm:constr type="h" for="ch" forName="spaceRect" refType="h"/>
+              <dgm:constr type="l" for="ch" forName="spaceRect" refType="r" refFor="ch" refForName="iconRect"/>
+              <dgm:constr type="t" for="ch" forName="spaceRect"/>
+              <dgm:constr type="h" for="ch" forName="parTx" refType="h"/>
+              <dgm:constr type="l" for="ch" forName="parTx" refType="r" refFor="ch" refForName="spaceRect"/>
+              <dgm:constr type="t" for="ch" forName="parTx"/>
+            </dgm:constrLst>
+          </dgm:else>
+        </dgm:choose>
+        <dgm:ruleLst>
+          <dgm:rule type="h" val="INF" fact="NaN" max="NaN"/>
+        </dgm:ruleLst>
+        <dgm:layoutNode name="bgRect" styleLbl="bgShp">
+          <dgm:alg type="sp"/>
+          <dgm:shape xmlns:r="http://schemas.openxmlformats.org/officeDocument/2006/relationships" type="roundRect" r:blip="">
+            <dgm:adjLst>
+              <dgm:adj idx="1" val="0.1"/>
+            </dgm:adjLst>
+          </dgm:shape>
+          <dgm:presOf/>
+          <dgm:constrLst/>
+          <dgm:ruleLst/>
+        </dgm:layoutNode>
+        <dgm:layoutNode name="iconRect" styleLbl="node1">
+          <dgm:alg type="sp"/>
+          <dgm:shape xmlns:r="http://schemas.openxmlformats.org/officeDocument/2006/relationships" type="rect" r:blip="" blipPhldr="1">
+            <dgm:adjLst/>
+          </dgm:shape>
+          <dgm:presOf/>
+          <dgm:constrLst/>
+          <dgm:ruleLst/>
+        </dgm:layoutNode>
+        <dgm:layoutNode name="spaceRect">
+          <dgm:alg type="sp"/>
+          <dgm:shape xmlns:r="http://schemas.openxmlformats.org/officeDocument/2006/relationships" r:blip="">
+            <dgm:adjLst/>
+          </dgm:shape>
+          <dgm:presOf/>
+          <dgm:constrLst/>
+          <dgm:ruleLst/>
+        </dgm:layoutNode>
+        <dgm:layoutNode name="parTx" styleLbl="revTx">
+          <dgm:varLst>
+            <dgm:chMax val="0"/>
+            <dgm:chPref val="0"/>
+          </dgm:varLst>
+          <dgm:alg type="tx">
+            <dgm:param type="txAnchorVert" val="mid"/>
+            <dgm:param type="parTxLTRAlign" val="l"/>
+            <dgm:param type="shpTxLTRAlignCh" val="l"/>
+            <dgm:param type="parTxRTLAlign" val="r"/>
+            <dgm:param type="shpTxRTLAlignCh" val="r"/>
+          </dgm:alg>
+          <dgm:shape xmlns:r="http://schemas.openxmlformats.org/officeDocument/2006/relationships" type="rect" r:blip="">
+            <dgm:adjLst/>
+          </dgm:shape>
+          <dgm:presOf axis="self" ptType="node"/>
+          <dgm:constrLst>
+            <dgm:constr type="lMarg" refType="h" fact="0.3"/>
+            <dgm:constr type="rMarg" refType="h" fact="0.3"/>
+            <dgm:constr type="tMarg" refType="h" fact="0.3"/>
+            <dgm:constr type="bMarg" refType="h" fact="0.3"/>
+          </dgm:constrLst>
+          <dgm:ruleLst>
+            <dgm:rule type="primFontSz" val="14" fact="NaN" max="NaN"/>
+            <dgm:rule type="h" val="INF" fact="NaN" max="NaN"/>
+          </dgm:ruleLst>
+        </dgm:layoutNode>
+        <dgm:choose name="Name12">
+          <dgm:if name="Name13" axis="ch" ptType="node" func="cnt" op="gte" val="1">
+            <dgm:layoutNode name="desTx" styleLbl="revTx">
+              <dgm:varLst/>
+              <dgm:alg type="tx">
+                <dgm:param type="txAnchorVertCh" val="mid"/>
+                <dgm:param type="parTxLTRAlign" val="l"/>
+                <dgm:param type="shpTxLTRAlignCh" val="l"/>
+                <dgm:param type="parTxRTLAlign" val="r"/>
+                <dgm:param type="shpTxRTLAlignCh" val="r"/>
+                <dgm:param type="stBulletLvl" val="0"/>
+              </dgm:alg>
+              <dgm:shape xmlns:r="http://schemas.openxmlformats.org/officeDocument/2006/relationships" type="rect" r:blip="">
+                <dgm:adjLst/>
+              </dgm:shape>
+              <dgm:presOf axis="des" ptType="node"/>
+              <dgm:constrLst>
+                <dgm:constr type="primFontSz" val="18"/>
+                <dgm:constr type="secFontSz" refType="primFontSz"/>
+                <dgm:constr type="lMarg" refType="h" fact="0.3"/>
+                <dgm:constr type="rMarg" refType="h" fact="0.3"/>
+                <dgm:constr type="tMarg" refType="h" fact="0.3"/>
+                <dgm:constr type="bMarg" refType="h" fact="0.3"/>
+              </dgm:constrLst>
+              <dgm:ruleLst>
+                <dgm:rule type="primFontSz" val="11" fact="NaN" max="NaN"/>
+              </dgm:ruleLst>
+            </dgm:layoutNode>
+          </dgm:if>
+          <dgm:else name="Name14"/>
+        </dgm:choose>
+      </dgm:layoutNode>
+      <dgm:forEach name="Name15" axis="followSib" ptType="sibTrans" cnt="1">
+        <dgm:layoutNode name="sibTrans">
+          <dgm:alg type="sp"/>
+          <dgm:shape xmlns:r="http://schemas.openxmlformats.org/officeDocument/2006/relationships" r:blip="">
+            <dgm:adjLst/>
+          </dgm:shape>
+          <dgm:presOf axis="self"/>
+          <dgm:constrLst/>
+          <dgm:ruleLst/>
+        </dgm:layoutNode>
+      </dgm:forEach>
+    </dgm:forEach>
+  </dgm:layoutNode>
+  <dgm:extLst>
+    <a:ext uri="{68A01E43-0DF5-4B5B-8FA6-DAF915123BFB}">
+      <dgm1612:lstStyle xmlns:dgm1612="http://schemas.microsoft.com/office/drawing/2016/12/diagram">
+        <a:lvl1pPr>
+          <a:lnSpc>
+            <a:spcPct val="100000"/>
+          </a:lnSpc>
+        </a:lvl1pPr>
+        <a:lvl2pPr>
+          <a:lnSpc>
+            <a:spcPct val="100000"/>
+          </a:lnSpc>
+        </a:lvl2pPr>
+      </dgm1612:lstStyle>
+    </a:ext>
+  </dgm:extLst>
+</dgm:layoutDef>
+</file>
+
+<file path=ppt/diagrams/layout5.xml><?xml version="1.0" encoding="utf-8"?>
+<dgm:layoutDef xmlns:dgm="http://schemas.openxmlformats.org/drawingml/2006/diagram" xmlns:a="http://schemas.openxmlformats.org/drawingml/2006/main" uniqueId="urn:microsoft.com/office/officeart/2018/2/layout/IconVerticalSolidList">
+  <dgm:title val="Icon Vertical Solid List"/>
+  <dgm:desc val="Use to show a series of visuals from top to bottom with Level 1 or Level 1 and Level 2 text grouped in a shape. Works best with icons or small pictures with lengthier descriptions."/>
+  <dgm:catLst>
+    <dgm:cat type="icon" pri="500"/>
+  </dgm:catLst>
+  <dgm:sampData useDef="1">
+    <dgm:dataModel>
+      <dgm:ptLst/>
+      <dgm:bg/>
+      <dgm:whole/>
+    </dgm:dataModel>
+  </dgm:sampData>
+  <dgm:styleData useDef="1">
+    <dgm:dataModel>
+      <dgm:ptLst/>
+      <dgm:bg/>
+      <dgm:whole/>
+    </dgm:dataModel>
+  </dgm:styleData>
+  <dgm:clrData useDef="1">
+    <dgm:dataModel>
+      <dgm:ptLst/>
+      <dgm:bg/>
+      <dgm:whole/>
+    </dgm:dataModel>
+  </dgm:clrData>
+  <dgm:layoutNode name="root">
+    <dgm:varLst>
+      <dgm:dir/>
+      <dgm:resizeHandles val="exact"/>
+    </dgm:varLst>
+    <dgm:choose name="Name0">
+      <dgm:if name="Name1" axis="self" func="var" arg="dir" op="equ" val="norm">
+        <dgm:alg type="lin">
+          <dgm:param type="linDir" val="fromT"/>
+          <dgm:param type="nodeHorzAlign" val="l"/>
+        </dgm:alg>
+      </dgm:if>
+      <dgm:else name="Name2">
+        <dgm:alg type="lin">
+          <dgm:param type="linDir" val="fromT"/>
+          <dgm:param type="nodeHorzAlign" val="r"/>
+        </dgm:alg>
+      </dgm:else>
+    </dgm:choose>
+    <dgm:shape xmlns:r="http://schemas.openxmlformats.org/officeDocument/2006/relationships" r:blip="">
+      <dgm:adjLst/>
+    </dgm:shape>
+    <dgm:presOf/>
+    <dgm:choose name="Name3">
+      <dgm:if name="Name4" axis="ch" ptType="node" func="cnt" op="lte" val="3">
+        <dgm:constrLst>
+          <dgm:constr type="h" for="ch" forName="compNode" refType="h" fact="0.3"/>
+          <dgm:constr type="w" for="ch" forName="compNode" refType="w"/>
+          <dgm:constr type="h" for="ch" forName="sibTrans" refType="h" refFor="ch" refForName="compNode" fact="0.25"/>
+          <dgm:constr type="primFontSz" for="des" forName="parTx" val="25"/>
+          <dgm:constr type="primFontSz" for="des" forName="desTx" refType="primFontSz" refFor="des" refForName="parTx" op="lte" fact="0.75"/>
+          <dgm:constr type="h" for="des" forName="compNode" op="equ"/>
+          <dgm:constr type="h" for="des" forName="bgRect" op="equ"/>
+          <dgm:constr type="h" for="des" forName="iconRect" op="equ"/>
+          <dgm:constr type="w" for="des" forName="iconRect" op="equ"/>
+          <dgm:constr type="h" for="des" forName="spaceRect" op="equ"/>
+          <dgm:constr type="h" for="des" forName="parTx" op="equ"/>
+          <dgm:constr type="h" for="des" forName="desTx" op="equ"/>
+        </dgm:constrLst>
+      </dgm:if>
+      <dgm:if name="Name5" axis="ch" ptType="node" func="cnt" op="lte" val="4">
+        <dgm:constrLst>
+          <dgm:constr type="h" for="ch" forName="compNode" refType="h" fact="0.3"/>
+          <dgm:constr type="w" for="ch" forName="compNode" refType="w"/>
+          <dgm:constr type="h" for="ch" forName="sibTrans" refType="h" refFor="ch" refForName="compNode" fact="0.25"/>
+          <dgm:constr type="primFontSz" for="des" forName="parTx" val="22"/>
+          <dgm:constr type="primFontSz" for="des" forName="desTx" refType="primFontSz" refFor="des" refForName="parTx" op="lte" fact="0.75"/>
+          <dgm:constr type="h" for="des" forName="compNode" op="equ"/>
+          <dgm:constr type="h" for="des" forName="bgRect" op="equ"/>
+          <dgm:constr type="h" for="des" forName="iconRect" op="equ"/>
+          <dgm:constr type="w" for="des" forName="iconRect" op="equ"/>
+          <dgm:constr type="h" for="des" forName="spaceRect" op="equ"/>
+          <dgm:constr type="h" for="des" forName="parTx" op="equ"/>
+          <dgm:constr type="h" for="des" forName="desTx" op="equ"/>
+        </dgm:constrLst>
+      </dgm:if>
+      <dgm:if name="Name6" axis="ch" ptType="node" func="cnt" op="lte" val="6">
+        <dgm:constrLst>
+          <dgm:constr type="h" for="ch" forName="compNode" refType="h" fact="0.3"/>
+          <dgm:constr type="w" for="ch" forName="compNode" refType="w"/>
+          <dgm:constr type="h" for="ch" forName="sibTrans" refType="h" refFor="ch" refForName="compNode" fact="0.25"/>
+          <dgm:constr type="primFontSz" for="des" forName="parTx" val="19"/>
+          <dgm:constr type="primFontSz" for="des" forName="desTx" refType="primFontSz" refFor="des" refForName="parTx" op="lte" fact="0.75"/>
+          <dgm:constr type="h" for="des" forName="compNode" op="equ"/>
+          <dgm:constr type="h" for="des" forName="bgRect" op="equ"/>
+          <dgm:constr type="h" for="des" forName="iconRect" op="equ"/>
+          <dgm:constr type="w" for="des" forName="iconRect" op="equ"/>
+          <dgm:constr type="h" for="des" forName="spaceRect" op="equ"/>
+          <dgm:constr type="h" for="des" forName="parTx" op="equ"/>
+          <dgm:constr type="h" for="des" forName="desTx" op="equ"/>
+        </dgm:constrLst>
+      </dgm:if>
+      <dgm:else name="Name7">
+        <dgm:constrLst>
+          <dgm:constr type="h" for="ch" forName="compNode" refType="h" fact="0.3"/>
+          <dgm:constr type="w" for="ch" forName="compNode" refType="w"/>
+          <dgm:constr type="h" for="ch" forName="sibTrans" refType="h" refFor="ch" refForName="compNode" fact="0.25"/>
+          <dgm:constr type="primFontSz" for="des" forName="parTx" val="16"/>
+          <dgm:constr type="primFontSz" for="des" forName="desTx" refType="primFontSz" refFor="des" refForName="parTx" op="lte" fact="0.75"/>
+          <dgm:constr type="h" for="des" forName="compNode" op="equ"/>
+          <dgm:constr type="h" for="des" forName="bgRect" op="equ"/>
+          <dgm:constr type="h" for="des" forName="iconRect" op="equ"/>
+          <dgm:constr type="w" for="des" forName="iconRect" op="equ"/>
+          <dgm:constr type="h" for="des" forName="spaceRect" op="equ"/>
+          <dgm:constr type="h" for="des" forName="parTx" op="equ"/>
+          <dgm:constr type="h" for="des" forName="desTx" op="equ"/>
+        </dgm:constrLst>
+      </dgm:else>
+    </dgm:choose>
+    <dgm:ruleLst>
+      <dgm:rule type="h" for="ch" forName="compNode" val="0" fact="NaN" max="NaN"/>
+    </dgm:ruleLst>
+    <dgm:forEach name="Name8" axis="ch" ptType="node">
+      <dgm:layoutNode name="compNode">
+        <dgm:alg type="composite"/>
+        <dgm:shape xmlns:r="http://schemas.openxmlformats.org/officeDocument/2006/relationships" r:blip="">
+          <dgm:adjLst/>
+        </dgm:shape>
+        <dgm:presOf axis="self"/>
+        <dgm:choose name="Name9">
+          <dgm:if name="Name10" axis="ch" ptType="node" func="cnt" op="gte" val="1">
+            <dgm:constrLst>
+              <dgm:constr type="w" for="ch" forName="bgRect" refType="w"/>
+              <dgm:constr type="h" for="ch" forName="bgRect" refType="h"/>
+              <dgm:constr type="l" for="ch" forName="bgRect"/>
+              <dgm:constr type="t" for="ch" forName="bgRect"/>
+              <dgm:constr type="h" for="ch" forName="iconRect" refType="h" fact="0.55"/>
+              <dgm:constr type="w" for="ch" forName="iconRect" refType="h" refFor="ch" refForName="iconRect"/>
+              <dgm:constr type="l" for="ch" forName="iconRect" refType="h" refFor="ch" refForName="iconRect" fact="0.55"/>
+              <dgm:constr type="ctrY" for="ch" forName="iconRect" refType="ctrY" refFor="ch" refForName="bgRect"/>
+              <dgm:constr type="w" for="ch" forName="spaceRect" refType="l" refFor="ch" refForName="iconRect"/>
+              <dgm:constr type="h" for="ch" forName="spaceRect" refType="h"/>
+              <dgm:constr type="l" for="ch" forName="spaceRect" refType="r" refFor="ch" refForName="iconRect"/>
+              <dgm:constr type="t" for="ch" forName="spaceRect"/>
+              <dgm:constr type="w" for="ch" forName="parTx" refType="w" fact="0.45"/>
+              <dgm:constr type="h" for="ch" forName="parTx" refType="h"/>
+              <dgm:constr type="l" for="ch" forName="parTx" refType="r" refFor="ch" refForName="spaceRect"/>
+              <dgm:constr type="t" for="ch" forName="parTx"/>
+              <dgm:constr type="h" for="ch" forName="desTx" refType="h"/>
+              <dgm:constr type="l" for="ch" forName="desTx" refType="r" refFor="ch" refForName="parTx"/>
+              <dgm:constr type="t" for="ch" forName="desTx"/>
+            </dgm:constrLst>
+          </dgm:if>
+          <dgm:else name="Name11">
+            <dgm:constrLst>
+              <dgm:constr type="w" for="ch" forName="bgRect" refType="w"/>
+              <dgm:constr type="h" for="ch" forName="bgRect" refType="h"/>
+              <dgm:constr type="l" for="ch" forName="bgRect"/>
+              <dgm:constr type="t" for="ch" forName="bgRect"/>
+              <dgm:constr type="h" for="ch" forName="iconRect" refType="h" fact="0.55"/>
+              <dgm:constr type="w" for="ch" forName="iconRect" refType="h" refFor="ch" refForName="iconRect"/>
+              <dgm:constr type="l" for="ch" forName="iconRect" refType="h" refFor="ch" refForName="iconRect" fact="0.55"/>
+              <dgm:constr type="ctrY" for="ch" forName="iconRect" refType="ctrY" refFor="ch" refForName="bgRect"/>
+              <dgm:constr type="w" for="ch" forName="spaceRect" refType="l" refFor="ch" refForName="iconRect"/>
+              <dgm:constr type="h" for="ch" forName="spaceRect" refType="h"/>
+              <dgm:constr type="l" for="ch" forName="spaceRect" refType="r" refFor="ch" refForName="iconRect"/>
+              <dgm:constr type="t" for="ch" forName="spaceRect"/>
+              <dgm:constr type="h" for="ch" forName="parTx" refType="h"/>
+              <dgm:constr type="l" for="ch" forName="parTx" refType="r" refFor="ch" refForName="spaceRect"/>
+              <dgm:constr type="t" for="ch" forName="parTx"/>
+            </dgm:constrLst>
+          </dgm:else>
+        </dgm:choose>
+        <dgm:ruleLst>
+          <dgm:rule type="h" val="INF" fact="NaN" max="NaN"/>
+        </dgm:ruleLst>
+        <dgm:layoutNode name="bgRect" styleLbl="bgShp">
+          <dgm:alg type="sp"/>
+          <dgm:shape xmlns:r="http://schemas.openxmlformats.org/officeDocument/2006/relationships" type="roundRect" r:blip="">
+            <dgm:adjLst>
+              <dgm:adj idx="1" val="0.1"/>
+            </dgm:adjLst>
+          </dgm:shape>
+          <dgm:presOf/>
+          <dgm:constrLst/>
+          <dgm:ruleLst/>
+        </dgm:layoutNode>
+        <dgm:layoutNode name="iconRect" styleLbl="node1">
+          <dgm:alg type="sp"/>
+          <dgm:shape xmlns:r="http://schemas.openxmlformats.org/officeDocument/2006/relationships" type="rect" r:blip="" blipPhldr="1">
+            <dgm:adjLst/>
+          </dgm:shape>
+          <dgm:presOf/>
+          <dgm:constrLst/>
+          <dgm:ruleLst/>
+        </dgm:layoutNode>
+        <dgm:layoutNode name="spaceRect">
+          <dgm:alg type="sp"/>
+          <dgm:shape xmlns:r="http://schemas.openxmlformats.org/officeDocument/2006/relationships" r:blip="">
+            <dgm:adjLst/>
+          </dgm:shape>
+          <dgm:presOf/>
+          <dgm:constrLst/>
+          <dgm:ruleLst/>
+        </dgm:layoutNode>
+        <dgm:layoutNode name="parTx" styleLbl="revTx">
+          <dgm:varLst>
+            <dgm:chMax val="0"/>
+            <dgm:chPref val="0"/>
+          </dgm:varLst>
+          <dgm:alg type="tx">
+            <dgm:param type="txAnchorVert" val="mid"/>
+            <dgm:param type="parTxLTRAlign" val="l"/>
+            <dgm:param type="shpTxLTRAlignCh" val="l"/>
+            <dgm:param type="parTxRTLAlign" val="r"/>
+            <dgm:param type="shpTxRTLAlignCh" val="r"/>
+          </dgm:alg>
+          <dgm:shape xmlns:r="http://schemas.openxmlformats.org/officeDocument/2006/relationships" type="rect" r:blip="">
+            <dgm:adjLst/>
+          </dgm:shape>
+          <dgm:presOf axis="self" ptType="node"/>
+          <dgm:constrLst>
+            <dgm:constr type="lMarg" refType="h" fact="0.3"/>
+            <dgm:constr type="rMarg" refType="h" fact="0.3"/>
+            <dgm:constr type="tMarg" refType="h" fact="0.3"/>
+            <dgm:constr type="bMarg" refType="h" fact="0.3"/>
+          </dgm:constrLst>
+          <dgm:ruleLst>
+            <dgm:rule type="primFontSz" val="14" fact="NaN" max="NaN"/>
+            <dgm:rule type="h" val="INF" fact="NaN" max="NaN"/>
+          </dgm:ruleLst>
+        </dgm:layoutNode>
+        <dgm:choose name="Name12">
+          <dgm:if name="Name13" axis="ch" ptType="node" func="cnt" op="gte" val="1">
+            <dgm:layoutNode name="desTx" styleLbl="revTx">
+              <dgm:varLst/>
+              <dgm:alg type="tx">
+                <dgm:param type="txAnchorVertCh" val="mid"/>
+                <dgm:param type="parTxLTRAlign" val="l"/>
+                <dgm:param type="shpTxLTRAlignCh" val="l"/>
+                <dgm:param type="parTxRTLAlign" val="r"/>
+                <dgm:param type="shpTxRTLAlignCh" val="r"/>
+                <dgm:param type="stBulletLvl" val="0"/>
+              </dgm:alg>
+              <dgm:shape xmlns:r="http://schemas.openxmlformats.org/officeDocument/2006/relationships" type="rect" r:blip="">
+                <dgm:adjLst/>
+              </dgm:shape>
+              <dgm:presOf axis="des" ptType="node"/>
+              <dgm:constrLst>
+                <dgm:constr type="primFontSz" val="18"/>
+                <dgm:constr type="secFontSz" refType="primFontSz"/>
+                <dgm:constr type="lMarg" refType="h" fact="0.3"/>
+                <dgm:constr type="rMarg" refType="h" fact="0.3"/>
+                <dgm:constr type="tMarg" refType="h" fact="0.3"/>
+                <dgm:constr type="bMarg" refType="h" fact="0.3"/>
+              </dgm:constrLst>
+              <dgm:ruleLst>
+                <dgm:rule type="primFontSz" val="11" fact="NaN" max="NaN"/>
+              </dgm:ruleLst>
+            </dgm:layoutNode>
+          </dgm:if>
+          <dgm:else name="Name14"/>
+        </dgm:choose>
+      </dgm:layoutNode>
+      <dgm:forEach name="Name15" axis="followSib" ptType="sibTrans" cnt="1">
+        <dgm:layoutNode name="sibTrans">
+          <dgm:alg type="sp"/>
+          <dgm:shape xmlns:r="http://schemas.openxmlformats.org/officeDocument/2006/relationships" r:blip="">
+            <dgm:adjLst/>
+          </dgm:shape>
+          <dgm:presOf axis="self"/>
+          <dgm:constrLst/>
+          <dgm:ruleLst/>
+        </dgm:layoutNode>
+      </dgm:forEach>
+    </dgm:forEach>
+  </dgm:layoutNode>
+  <dgm:extLst>
+    <a:ext uri="{68A01E43-0DF5-4B5B-8FA6-DAF915123BFB}">
+      <dgm1612:lstStyle xmlns:dgm1612="http://schemas.microsoft.com/office/drawing/2016/12/diagram">
+        <a:lvl1pPr>
+          <a:lnSpc>
+            <a:spcPct val="100000"/>
+          </a:lnSpc>
+        </a:lvl1pPr>
+        <a:lvl2pPr>
+          <a:lnSpc>
+            <a:spcPct val="100000"/>
+          </a:lnSpc>
+        </a:lvl2pPr>
+      </dgm1612:lstStyle>
+    </a:ext>
+  </dgm:extLst>
+</dgm:layoutDef>
+</file>
+
 <file path=ppt/diagrams/quickStyle1.xml><?xml version="1.0" encoding="utf-8"?>
 <dgm:styleDef xmlns:dgm="http://schemas.openxmlformats.org/drawingml/2006/diagram" xmlns:a="http://schemas.openxmlformats.org/drawingml/2006/main" uniqueId="urn:microsoft.com/office/officeart/2005/8/quickstyle/simple1">
   <dgm:title val=""/>
@@ -8564,6 +13004,2074 @@
 </file>
 
 <file path=ppt/diagrams/quickStyle3.xml><?xml version="1.0" encoding="utf-8"?>
+<dgm:styleDef xmlns:dgm="http://schemas.openxmlformats.org/drawingml/2006/diagram" xmlns:a="http://schemas.openxmlformats.org/drawingml/2006/main" uniqueId="urn:microsoft.com/office/officeart/2005/8/quickstyle/simple1">
+  <dgm:title val=""/>
+  <dgm:desc val=""/>
+  <dgm:catLst>
+    <dgm:cat type="simple" pri="10100"/>
+  </dgm:catLst>
+  <dgm:scene3d>
+    <a:camera prst="orthographicFront"/>
+    <a:lightRig rig="threePt" dir="t"/>
+  </dgm:scene3d>
+  <dgm:styleLbl name="node0">
+    <dgm:scene3d>
+      <a:camera prst="orthographicFront"/>
+      <a:lightRig rig="threePt" dir="t"/>
+    </dgm:scene3d>
+    <dgm:sp3d/>
+    <dgm:txPr/>
+    <dgm:style>
+      <a:lnRef idx="2">
+        <a:scrgbClr r="0" g="0" b="0"/>
+      </a:lnRef>
+      <a:fillRef idx="1">
+        <a:scrgbClr r="0" g="0" b="0"/>
+      </a:fillRef>
+      <a:effectRef idx="0">
+        <a:scrgbClr r="0" g="0" b="0"/>
+      </a:effectRef>
+      <a:fontRef idx="minor">
+        <a:schemeClr val="lt1"/>
+      </a:fontRef>
+    </dgm:style>
+  </dgm:styleLbl>
+  <dgm:styleLbl name="lnNode1">
+    <dgm:scene3d>
+      <a:camera prst="orthographicFront"/>
+      <a:lightRig rig="threePt" dir="t"/>
+    </dgm:scene3d>
+    <dgm:sp3d/>
+    <dgm:txPr/>
+    <dgm:style>
+      <a:lnRef idx="2">
+        <a:scrgbClr r="0" g="0" b="0"/>
+      </a:lnRef>
+      <a:fillRef idx="1">
+        <a:scrgbClr r="0" g="0" b="0"/>
+      </a:fillRef>
+      <a:effectRef idx="0">
+        <a:scrgbClr r="0" g="0" b="0"/>
+      </a:effectRef>
+      <a:fontRef idx="minor">
+        <a:schemeClr val="lt1"/>
+      </a:fontRef>
+    </dgm:style>
+  </dgm:styleLbl>
+  <dgm:styleLbl name="vennNode1">
+    <dgm:scene3d>
+      <a:camera prst="orthographicFront"/>
+      <a:lightRig rig="threePt" dir="t"/>
+    </dgm:scene3d>
+    <dgm:sp3d/>
+    <dgm:txPr/>
+    <dgm:style>
+      <a:lnRef idx="2">
+        <a:scrgbClr r="0" g="0" b="0"/>
+      </a:lnRef>
+      <a:fillRef idx="1">
+        <a:scrgbClr r="0" g="0" b="0"/>
+      </a:fillRef>
+      <a:effectRef idx="0">
+        <a:scrgbClr r="0" g="0" b="0"/>
+      </a:effectRef>
+      <a:fontRef idx="minor">
+        <a:schemeClr val="tx1"/>
+      </a:fontRef>
+    </dgm:style>
+  </dgm:styleLbl>
+  <dgm:styleLbl name="alignNode1">
+    <dgm:scene3d>
+      <a:camera prst="orthographicFront"/>
+      <a:lightRig rig="threePt" dir="t"/>
+    </dgm:scene3d>
+    <dgm:sp3d/>
+    <dgm:txPr/>
+    <dgm:style>
+      <a:lnRef idx="2">
+        <a:scrgbClr r="0" g="0" b="0"/>
+      </a:lnRef>
+      <a:fillRef idx="1">
+        <a:scrgbClr r="0" g="0" b="0"/>
+      </a:fillRef>
+      <a:effectRef idx="0">
+        <a:scrgbClr r="0" g="0" b="0"/>
+      </a:effectRef>
+      <a:fontRef idx="minor">
+        <a:schemeClr val="lt1"/>
+      </a:fontRef>
+    </dgm:style>
+  </dgm:styleLbl>
+  <dgm:styleLbl name="node1">
+    <dgm:scene3d>
+      <a:camera prst="orthographicFront"/>
+      <a:lightRig rig="threePt" dir="t"/>
+    </dgm:scene3d>
+    <dgm:sp3d/>
+    <dgm:txPr/>
+    <dgm:style>
+      <a:lnRef idx="2">
+        <a:scrgbClr r="0" g="0" b="0"/>
+      </a:lnRef>
+      <a:fillRef idx="1">
+        <a:scrgbClr r="0" g="0" b="0"/>
+      </a:fillRef>
+      <a:effectRef idx="0">
+        <a:scrgbClr r="0" g="0" b="0"/>
+      </a:effectRef>
+      <a:fontRef idx="minor">
+        <a:schemeClr val="lt1"/>
+      </a:fontRef>
+    </dgm:style>
+  </dgm:styleLbl>
+  <dgm:styleLbl name="node2">
+    <dgm:scene3d>
+      <a:camera prst="orthographicFront"/>
+      <a:lightRig rig="threePt" dir="t"/>
+    </dgm:scene3d>
+    <dgm:sp3d/>
+    <dgm:txPr/>
+    <dgm:style>
+      <a:lnRef idx="2">
+        <a:scrgbClr r="0" g="0" b="0"/>
+      </a:lnRef>
+      <a:fillRef idx="1">
+        <a:scrgbClr r="0" g="0" b="0"/>
+      </a:fillRef>
+      <a:effectRef idx="0">
+        <a:scrgbClr r="0" g="0" b="0"/>
+      </a:effectRef>
+      <a:fontRef idx="minor">
+        <a:schemeClr val="lt1"/>
+      </a:fontRef>
+    </dgm:style>
+  </dgm:styleLbl>
+  <dgm:styleLbl name="node3">
+    <dgm:scene3d>
+      <a:camera prst="orthographicFront"/>
+      <a:lightRig rig="threePt" dir="t"/>
+    </dgm:scene3d>
+    <dgm:sp3d/>
+    <dgm:txPr/>
+    <dgm:style>
+      <a:lnRef idx="2">
+        <a:scrgbClr r="0" g="0" b="0"/>
+      </a:lnRef>
+      <a:fillRef idx="1">
+        <a:scrgbClr r="0" g="0" b="0"/>
+      </a:fillRef>
+      <a:effectRef idx="0">
+        <a:scrgbClr r="0" g="0" b="0"/>
+      </a:effectRef>
+      <a:fontRef idx="minor">
+        <a:schemeClr val="lt1"/>
+      </a:fontRef>
+    </dgm:style>
+  </dgm:styleLbl>
+  <dgm:styleLbl name="node4">
+    <dgm:scene3d>
+      <a:camera prst="orthographicFront"/>
+      <a:lightRig rig="threePt" dir="t"/>
+    </dgm:scene3d>
+    <dgm:sp3d/>
+    <dgm:txPr/>
+    <dgm:style>
+      <a:lnRef idx="2">
+        <a:scrgbClr r="0" g="0" b="0"/>
+      </a:lnRef>
+      <a:fillRef idx="1">
+        <a:scrgbClr r="0" g="0" b="0"/>
+      </a:fillRef>
+      <a:effectRef idx="0">
+        <a:scrgbClr r="0" g="0" b="0"/>
+      </a:effectRef>
+      <a:fontRef idx="minor">
+        <a:schemeClr val="lt1"/>
+      </a:fontRef>
+    </dgm:style>
+  </dgm:styleLbl>
+  <dgm:styleLbl name="fgImgPlace1">
+    <dgm:scene3d>
+      <a:camera prst="orthographicFront"/>
+      <a:lightRig rig="threePt" dir="t"/>
+    </dgm:scene3d>
+    <dgm:sp3d/>
+    <dgm:txPr/>
+    <dgm:style>
+      <a:lnRef idx="2">
+        <a:scrgbClr r="0" g="0" b="0"/>
+      </a:lnRef>
+      <a:fillRef idx="1">
+        <a:scrgbClr r="0" g="0" b="0"/>
+      </a:fillRef>
+      <a:effectRef idx="0">
+        <a:scrgbClr r="0" g="0" b="0"/>
+      </a:effectRef>
+      <a:fontRef idx="minor"/>
+    </dgm:style>
+  </dgm:styleLbl>
+  <dgm:styleLbl name="alignImgPlace1">
+    <dgm:scene3d>
+      <a:camera prst="orthographicFront"/>
+      <a:lightRig rig="threePt" dir="t"/>
+    </dgm:scene3d>
+    <dgm:sp3d/>
+    <dgm:txPr/>
+    <dgm:style>
+      <a:lnRef idx="2">
+        <a:scrgbClr r="0" g="0" b="0"/>
+      </a:lnRef>
+      <a:fillRef idx="1">
+        <a:scrgbClr r="0" g="0" b="0"/>
+      </a:fillRef>
+      <a:effectRef idx="0">
+        <a:scrgbClr r="0" g="0" b="0"/>
+      </a:effectRef>
+      <a:fontRef idx="minor"/>
+    </dgm:style>
+  </dgm:styleLbl>
+  <dgm:styleLbl name="bgImgPlace1">
+    <dgm:scene3d>
+      <a:camera prst="orthographicFront"/>
+      <a:lightRig rig="threePt" dir="t"/>
+    </dgm:scene3d>
+    <dgm:sp3d/>
+    <dgm:txPr/>
+    <dgm:style>
+      <a:lnRef idx="2">
+        <a:scrgbClr r="0" g="0" b="0"/>
+      </a:lnRef>
+      <a:fillRef idx="1">
+        <a:scrgbClr r="0" g="0" b="0"/>
+      </a:fillRef>
+      <a:effectRef idx="0">
+        <a:scrgbClr r="0" g="0" b="0"/>
+      </a:effectRef>
+      <a:fontRef idx="minor"/>
+    </dgm:style>
+  </dgm:styleLbl>
+  <dgm:styleLbl name="sibTrans2D1">
+    <dgm:scene3d>
+      <a:camera prst="orthographicFront"/>
+      <a:lightRig rig="threePt" dir="t"/>
+    </dgm:scene3d>
+    <dgm:sp3d/>
+    <dgm:txPr/>
+    <dgm:style>
+      <a:lnRef idx="0">
+        <a:scrgbClr r="0" g="0" b="0"/>
+      </a:lnRef>
+      <a:fillRef idx="1">
+        <a:scrgbClr r="0" g="0" b="0"/>
+      </a:fillRef>
+      <a:effectRef idx="0">
+        <a:scrgbClr r="0" g="0" b="0"/>
+      </a:effectRef>
+      <a:fontRef idx="minor">
+        <a:schemeClr val="lt1"/>
+      </a:fontRef>
+    </dgm:style>
+  </dgm:styleLbl>
+  <dgm:styleLbl name="fgSibTrans2D1">
+    <dgm:scene3d>
+      <a:camera prst="orthographicFront"/>
+      <a:lightRig rig="threePt" dir="t"/>
+    </dgm:scene3d>
+    <dgm:sp3d/>
+    <dgm:txPr/>
+    <dgm:style>
+      <a:lnRef idx="0">
+        <a:scrgbClr r="0" g="0" b="0"/>
+      </a:lnRef>
+      <a:fillRef idx="1">
+        <a:scrgbClr r="0" g="0" b="0"/>
+      </a:fillRef>
+      <a:effectRef idx="0">
+        <a:scrgbClr r="0" g="0" b="0"/>
+      </a:effectRef>
+      <a:fontRef idx="minor">
+        <a:schemeClr val="lt1"/>
+      </a:fontRef>
+    </dgm:style>
+  </dgm:styleLbl>
+  <dgm:styleLbl name="bgSibTrans2D1">
+    <dgm:scene3d>
+      <a:camera prst="orthographicFront"/>
+      <a:lightRig rig="threePt" dir="t"/>
+    </dgm:scene3d>
+    <dgm:sp3d/>
+    <dgm:txPr/>
+    <dgm:style>
+      <a:lnRef idx="0">
+        <a:scrgbClr r="0" g="0" b="0"/>
+      </a:lnRef>
+      <a:fillRef idx="1">
+        <a:scrgbClr r="0" g="0" b="0"/>
+      </a:fillRef>
+      <a:effectRef idx="0">
+        <a:scrgbClr r="0" g="0" b="0"/>
+      </a:effectRef>
+      <a:fontRef idx="minor">
+        <a:schemeClr val="lt1"/>
+      </a:fontRef>
+    </dgm:style>
+  </dgm:styleLbl>
+  <dgm:styleLbl name="sibTrans1D1">
+    <dgm:scene3d>
+      <a:camera prst="orthographicFront"/>
+      <a:lightRig rig="threePt" dir="t"/>
+    </dgm:scene3d>
+    <dgm:sp3d/>
+    <dgm:txPr/>
+    <dgm:style>
+      <a:lnRef idx="1">
+        <a:scrgbClr r="0" g="0" b="0"/>
+      </a:lnRef>
+      <a:fillRef idx="0">
+        <a:scrgbClr r="0" g="0" b="0"/>
+      </a:fillRef>
+      <a:effectRef idx="0">
+        <a:scrgbClr r="0" g="0" b="0"/>
+      </a:effectRef>
+      <a:fontRef idx="minor"/>
+    </dgm:style>
+  </dgm:styleLbl>
+  <dgm:styleLbl name="callout">
+    <dgm:scene3d>
+      <a:camera prst="orthographicFront"/>
+      <a:lightRig rig="threePt" dir="t"/>
+    </dgm:scene3d>
+    <dgm:sp3d/>
+    <dgm:txPr/>
+    <dgm:style>
+      <a:lnRef idx="2">
+        <a:scrgbClr r="0" g="0" b="0"/>
+      </a:lnRef>
+      <a:fillRef idx="1">
+        <a:scrgbClr r="0" g="0" b="0"/>
+      </a:fillRef>
+      <a:effectRef idx="0">
+        <a:scrgbClr r="0" g="0" b="0"/>
+      </a:effectRef>
+      <a:fontRef idx="minor"/>
+    </dgm:style>
+  </dgm:styleLbl>
+  <dgm:styleLbl name="asst0">
+    <dgm:scene3d>
+      <a:camera prst="orthographicFront"/>
+      <a:lightRig rig="threePt" dir="t"/>
+    </dgm:scene3d>
+    <dgm:sp3d/>
+    <dgm:txPr/>
+    <dgm:style>
+      <a:lnRef idx="2">
+        <a:scrgbClr r="0" g="0" b="0"/>
+      </a:lnRef>
+      <a:fillRef idx="1">
+        <a:scrgbClr r="0" g="0" b="0"/>
+      </a:fillRef>
+      <a:effectRef idx="0">
+        <a:scrgbClr r="0" g="0" b="0"/>
+      </a:effectRef>
+      <a:fontRef idx="minor">
+        <a:schemeClr val="lt1"/>
+      </a:fontRef>
+    </dgm:style>
+  </dgm:styleLbl>
+  <dgm:styleLbl name="asst1">
+    <dgm:scene3d>
+      <a:camera prst="orthographicFront"/>
+      <a:lightRig rig="threePt" dir="t"/>
+    </dgm:scene3d>
+    <dgm:sp3d/>
+    <dgm:txPr/>
+    <dgm:style>
+      <a:lnRef idx="2">
+        <a:scrgbClr r="0" g="0" b="0"/>
+      </a:lnRef>
+      <a:fillRef idx="1">
+        <a:scrgbClr r="0" g="0" b="0"/>
+      </a:fillRef>
+      <a:effectRef idx="0">
+        <a:scrgbClr r="0" g="0" b="0"/>
+      </a:effectRef>
+      <a:fontRef idx="minor">
+        <a:schemeClr val="lt1"/>
+      </a:fontRef>
+    </dgm:style>
+  </dgm:styleLbl>
+  <dgm:styleLbl name="asst2">
+    <dgm:scene3d>
+      <a:camera prst="orthographicFront"/>
+      <a:lightRig rig="threePt" dir="t"/>
+    </dgm:scene3d>
+    <dgm:sp3d/>
+    <dgm:txPr/>
+    <dgm:style>
+      <a:lnRef idx="2">
+        <a:scrgbClr r="0" g="0" b="0"/>
+      </a:lnRef>
+      <a:fillRef idx="1">
+        <a:scrgbClr r="0" g="0" b="0"/>
+      </a:fillRef>
+      <a:effectRef idx="0">
+        <a:scrgbClr r="0" g="0" b="0"/>
+      </a:effectRef>
+      <a:fontRef idx="minor">
+        <a:schemeClr val="lt1"/>
+      </a:fontRef>
+    </dgm:style>
+  </dgm:styleLbl>
+  <dgm:styleLbl name="asst3">
+    <dgm:scene3d>
+      <a:camera prst="orthographicFront"/>
+      <a:lightRig rig="threePt" dir="t"/>
+    </dgm:scene3d>
+    <dgm:sp3d/>
+    <dgm:txPr/>
+    <dgm:style>
+      <a:lnRef idx="2">
+        <a:scrgbClr r="0" g="0" b="0"/>
+      </a:lnRef>
+      <a:fillRef idx="1">
+        <a:scrgbClr r="0" g="0" b="0"/>
+      </a:fillRef>
+      <a:effectRef idx="0">
+        <a:scrgbClr r="0" g="0" b="0"/>
+      </a:effectRef>
+      <a:fontRef idx="minor">
+        <a:schemeClr val="lt1"/>
+      </a:fontRef>
+    </dgm:style>
+  </dgm:styleLbl>
+  <dgm:styleLbl name="asst4">
+    <dgm:scene3d>
+      <a:camera prst="orthographicFront"/>
+      <a:lightRig rig="threePt" dir="t"/>
+    </dgm:scene3d>
+    <dgm:sp3d/>
+    <dgm:txPr/>
+    <dgm:style>
+      <a:lnRef idx="2">
+        <a:scrgbClr r="0" g="0" b="0"/>
+      </a:lnRef>
+      <a:fillRef idx="1">
+        <a:scrgbClr r="0" g="0" b="0"/>
+      </a:fillRef>
+      <a:effectRef idx="0">
+        <a:scrgbClr r="0" g="0" b="0"/>
+      </a:effectRef>
+      <a:fontRef idx="minor">
+        <a:schemeClr val="lt1"/>
+      </a:fontRef>
+    </dgm:style>
+  </dgm:styleLbl>
+  <dgm:styleLbl name="parChTrans2D1">
+    <dgm:scene3d>
+      <a:camera prst="orthographicFront"/>
+      <a:lightRig rig="threePt" dir="t"/>
+    </dgm:scene3d>
+    <dgm:sp3d/>
+    <dgm:txPr/>
+    <dgm:style>
+      <a:lnRef idx="2">
+        <a:scrgbClr r="0" g="0" b="0"/>
+      </a:lnRef>
+      <a:fillRef idx="1">
+        <a:scrgbClr r="0" g="0" b="0"/>
+      </a:fillRef>
+      <a:effectRef idx="0">
+        <a:scrgbClr r="0" g="0" b="0"/>
+      </a:effectRef>
+      <a:fontRef idx="minor">
+        <a:schemeClr val="lt1"/>
+      </a:fontRef>
+    </dgm:style>
+  </dgm:styleLbl>
+  <dgm:styleLbl name="parChTrans2D2">
+    <dgm:scene3d>
+      <a:camera prst="orthographicFront"/>
+      <a:lightRig rig="threePt" dir="t"/>
+    </dgm:scene3d>
+    <dgm:sp3d/>
+    <dgm:txPr/>
+    <dgm:style>
+      <a:lnRef idx="2">
+        <a:scrgbClr r="0" g="0" b="0"/>
+      </a:lnRef>
+      <a:fillRef idx="1">
+        <a:scrgbClr r="0" g="0" b="0"/>
+      </a:fillRef>
+      <a:effectRef idx="0">
+        <a:scrgbClr r="0" g="0" b="0"/>
+      </a:effectRef>
+      <a:fontRef idx="minor">
+        <a:schemeClr val="lt1"/>
+      </a:fontRef>
+    </dgm:style>
+  </dgm:styleLbl>
+  <dgm:styleLbl name="parChTrans2D3">
+    <dgm:scene3d>
+      <a:camera prst="orthographicFront"/>
+      <a:lightRig rig="threePt" dir="t"/>
+    </dgm:scene3d>
+    <dgm:sp3d/>
+    <dgm:txPr/>
+    <dgm:style>
+      <a:lnRef idx="2">
+        <a:scrgbClr r="0" g="0" b="0"/>
+      </a:lnRef>
+      <a:fillRef idx="1">
+        <a:scrgbClr r="0" g="0" b="0"/>
+      </a:fillRef>
+      <a:effectRef idx="0">
+        <a:scrgbClr r="0" g="0" b="0"/>
+      </a:effectRef>
+      <a:fontRef idx="minor">
+        <a:schemeClr val="lt1"/>
+      </a:fontRef>
+    </dgm:style>
+  </dgm:styleLbl>
+  <dgm:styleLbl name="parChTrans2D4">
+    <dgm:scene3d>
+      <a:camera prst="orthographicFront"/>
+      <a:lightRig rig="threePt" dir="t"/>
+    </dgm:scene3d>
+    <dgm:sp3d/>
+    <dgm:txPr/>
+    <dgm:style>
+      <a:lnRef idx="2">
+        <a:scrgbClr r="0" g="0" b="0"/>
+      </a:lnRef>
+      <a:fillRef idx="1">
+        <a:scrgbClr r="0" g="0" b="0"/>
+      </a:fillRef>
+      <a:effectRef idx="0">
+        <a:scrgbClr r="0" g="0" b="0"/>
+      </a:effectRef>
+      <a:fontRef idx="minor">
+        <a:schemeClr val="lt1"/>
+      </a:fontRef>
+    </dgm:style>
+  </dgm:styleLbl>
+  <dgm:styleLbl name="parChTrans1D1">
+    <dgm:scene3d>
+      <a:camera prst="orthographicFront"/>
+      <a:lightRig rig="threePt" dir="t"/>
+    </dgm:scene3d>
+    <dgm:sp3d/>
+    <dgm:txPr/>
+    <dgm:style>
+      <a:lnRef idx="2">
+        <a:scrgbClr r="0" g="0" b="0"/>
+      </a:lnRef>
+      <a:fillRef idx="0">
+        <a:scrgbClr r="0" g="0" b="0"/>
+      </a:fillRef>
+      <a:effectRef idx="0">
+        <a:scrgbClr r="0" g="0" b="0"/>
+      </a:effectRef>
+      <a:fontRef idx="minor"/>
+    </dgm:style>
+  </dgm:styleLbl>
+  <dgm:styleLbl name="parChTrans1D2">
+    <dgm:scene3d>
+      <a:camera prst="orthographicFront"/>
+      <a:lightRig rig="threePt" dir="t"/>
+    </dgm:scene3d>
+    <dgm:sp3d/>
+    <dgm:txPr/>
+    <dgm:style>
+      <a:lnRef idx="2">
+        <a:scrgbClr r="0" g="0" b="0"/>
+      </a:lnRef>
+      <a:fillRef idx="0">
+        <a:scrgbClr r="0" g="0" b="0"/>
+      </a:fillRef>
+      <a:effectRef idx="0">
+        <a:scrgbClr r="0" g="0" b="0"/>
+      </a:effectRef>
+      <a:fontRef idx="minor"/>
+    </dgm:style>
+  </dgm:styleLbl>
+  <dgm:styleLbl name="parChTrans1D3">
+    <dgm:scene3d>
+      <a:camera prst="orthographicFront"/>
+      <a:lightRig rig="threePt" dir="t"/>
+    </dgm:scene3d>
+    <dgm:sp3d/>
+    <dgm:txPr/>
+    <dgm:style>
+      <a:lnRef idx="2">
+        <a:scrgbClr r="0" g="0" b="0"/>
+      </a:lnRef>
+      <a:fillRef idx="0">
+        <a:scrgbClr r="0" g="0" b="0"/>
+      </a:fillRef>
+      <a:effectRef idx="0">
+        <a:scrgbClr r="0" g="0" b="0"/>
+      </a:effectRef>
+      <a:fontRef idx="minor"/>
+    </dgm:style>
+  </dgm:styleLbl>
+  <dgm:styleLbl name="parChTrans1D4">
+    <dgm:scene3d>
+      <a:camera prst="orthographicFront"/>
+      <a:lightRig rig="threePt" dir="t"/>
+    </dgm:scene3d>
+    <dgm:sp3d/>
+    <dgm:txPr/>
+    <dgm:style>
+      <a:lnRef idx="2">
+        <a:scrgbClr r="0" g="0" b="0"/>
+      </a:lnRef>
+      <a:fillRef idx="0">
+        <a:scrgbClr r="0" g="0" b="0"/>
+      </a:fillRef>
+      <a:effectRef idx="0">
+        <a:scrgbClr r="0" g="0" b="0"/>
+      </a:effectRef>
+      <a:fontRef idx="minor"/>
+    </dgm:style>
+  </dgm:styleLbl>
+  <dgm:styleLbl name="fgAcc1">
+    <dgm:scene3d>
+      <a:camera prst="orthographicFront"/>
+      <a:lightRig rig="threePt" dir="t"/>
+    </dgm:scene3d>
+    <dgm:sp3d/>
+    <dgm:txPr/>
+    <dgm:style>
+      <a:lnRef idx="2">
+        <a:scrgbClr r="0" g="0" b="0"/>
+      </a:lnRef>
+      <a:fillRef idx="1">
+        <a:scrgbClr r="0" g="0" b="0"/>
+      </a:fillRef>
+      <a:effectRef idx="0">
+        <a:scrgbClr r="0" g="0" b="0"/>
+      </a:effectRef>
+      <a:fontRef idx="minor"/>
+    </dgm:style>
+  </dgm:styleLbl>
+  <dgm:styleLbl name="conFgAcc1">
+    <dgm:scene3d>
+      <a:camera prst="orthographicFront"/>
+      <a:lightRig rig="threePt" dir="t"/>
+    </dgm:scene3d>
+    <dgm:sp3d/>
+    <dgm:txPr/>
+    <dgm:style>
+      <a:lnRef idx="2">
+        <a:scrgbClr r="0" g="0" b="0"/>
+      </a:lnRef>
+      <a:fillRef idx="1">
+        <a:scrgbClr r="0" g="0" b="0"/>
+      </a:fillRef>
+      <a:effectRef idx="0">
+        <a:scrgbClr r="0" g="0" b="0"/>
+      </a:effectRef>
+      <a:fontRef idx="minor"/>
+    </dgm:style>
+  </dgm:styleLbl>
+  <dgm:styleLbl name="alignAcc1">
+    <dgm:scene3d>
+      <a:camera prst="orthographicFront"/>
+      <a:lightRig rig="threePt" dir="t"/>
+    </dgm:scene3d>
+    <dgm:sp3d/>
+    <dgm:txPr/>
+    <dgm:style>
+      <a:lnRef idx="2">
+        <a:scrgbClr r="0" g="0" b="0"/>
+      </a:lnRef>
+      <a:fillRef idx="1">
+        <a:scrgbClr r="0" g="0" b="0"/>
+      </a:fillRef>
+      <a:effectRef idx="0">
+        <a:scrgbClr r="0" g="0" b="0"/>
+      </a:effectRef>
+      <a:fontRef idx="minor"/>
+    </dgm:style>
+  </dgm:styleLbl>
+  <dgm:styleLbl name="trAlignAcc1">
+    <dgm:scene3d>
+      <a:camera prst="orthographicFront"/>
+      <a:lightRig rig="threePt" dir="t"/>
+    </dgm:scene3d>
+    <dgm:sp3d/>
+    <dgm:txPr/>
+    <dgm:style>
+      <a:lnRef idx="1">
+        <a:scrgbClr r="0" g="0" b="0"/>
+      </a:lnRef>
+      <a:fillRef idx="1">
+        <a:scrgbClr r="0" g="0" b="0"/>
+      </a:fillRef>
+      <a:effectRef idx="0">
+        <a:scrgbClr r="0" g="0" b="0"/>
+      </a:effectRef>
+      <a:fontRef idx="minor"/>
+    </dgm:style>
+  </dgm:styleLbl>
+  <dgm:styleLbl name="bgAcc1">
+    <dgm:scene3d>
+      <a:camera prst="orthographicFront"/>
+      <a:lightRig rig="threePt" dir="t"/>
+    </dgm:scene3d>
+    <dgm:sp3d/>
+    <dgm:txPr/>
+    <dgm:style>
+      <a:lnRef idx="2">
+        <a:scrgbClr r="0" g="0" b="0"/>
+      </a:lnRef>
+      <a:fillRef idx="1">
+        <a:scrgbClr r="0" g="0" b="0"/>
+      </a:fillRef>
+      <a:effectRef idx="0">
+        <a:scrgbClr r="0" g="0" b="0"/>
+      </a:effectRef>
+      <a:fontRef idx="minor"/>
+    </dgm:style>
+  </dgm:styleLbl>
+  <dgm:styleLbl name="solidFgAcc1">
+    <dgm:scene3d>
+      <a:camera prst="orthographicFront"/>
+      <a:lightRig rig="threePt" dir="t"/>
+    </dgm:scene3d>
+    <dgm:sp3d/>
+    <dgm:txPr/>
+    <dgm:style>
+      <a:lnRef idx="2">
+        <a:scrgbClr r="0" g="0" b="0"/>
+      </a:lnRef>
+      <a:fillRef idx="1">
+        <a:scrgbClr r="0" g="0" b="0"/>
+      </a:fillRef>
+      <a:effectRef idx="0">
+        <a:scrgbClr r="0" g="0" b="0"/>
+      </a:effectRef>
+      <a:fontRef idx="minor"/>
+    </dgm:style>
+  </dgm:styleLbl>
+  <dgm:styleLbl name="solidAlignAcc1">
+    <dgm:scene3d>
+      <a:camera prst="orthographicFront"/>
+      <a:lightRig rig="threePt" dir="t"/>
+    </dgm:scene3d>
+    <dgm:sp3d/>
+    <dgm:txPr/>
+    <dgm:style>
+      <a:lnRef idx="2">
+        <a:scrgbClr r="0" g="0" b="0"/>
+      </a:lnRef>
+      <a:fillRef idx="1">
+        <a:scrgbClr r="0" g="0" b="0"/>
+      </a:fillRef>
+      <a:effectRef idx="0">
+        <a:scrgbClr r="0" g="0" b="0"/>
+      </a:effectRef>
+      <a:fontRef idx="minor"/>
+    </dgm:style>
+  </dgm:styleLbl>
+  <dgm:styleLbl name="solidBgAcc1">
+    <dgm:scene3d>
+      <a:camera prst="orthographicFront"/>
+      <a:lightRig rig="threePt" dir="t"/>
+    </dgm:scene3d>
+    <dgm:sp3d/>
+    <dgm:txPr/>
+    <dgm:style>
+      <a:lnRef idx="2">
+        <a:scrgbClr r="0" g="0" b="0"/>
+      </a:lnRef>
+      <a:fillRef idx="1">
+        <a:scrgbClr r="0" g="0" b="0"/>
+      </a:fillRef>
+      <a:effectRef idx="0">
+        <a:scrgbClr r="0" g="0" b="0"/>
+      </a:effectRef>
+      <a:fontRef idx="minor"/>
+    </dgm:style>
+  </dgm:styleLbl>
+  <dgm:styleLbl name="fgAccFollowNode1">
+    <dgm:scene3d>
+      <a:camera prst="orthographicFront"/>
+      <a:lightRig rig="threePt" dir="t"/>
+    </dgm:scene3d>
+    <dgm:sp3d/>
+    <dgm:txPr/>
+    <dgm:style>
+      <a:lnRef idx="2">
+        <a:scrgbClr r="0" g="0" b="0"/>
+      </a:lnRef>
+      <a:fillRef idx="1">
+        <a:scrgbClr r="0" g="0" b="0"/>
+      </a:fillRef>
+      <a:effectRef idx="0">
+        <a:scrgbClr r="0" g="0" b="0"/>
+      </a:effectRef>
+      <a:fontRef idx="minor"/>
+    </dgm:style>
+  </dgm:styleLbl>
+  <dgm:styleLbl name="alignAccFollowNode1">
+    <dgm:scene3d>
+      <a:camera prst="orthographicFront"/>
+      <a:lightRig rig="threePt" dir="t"/>
+    </dgm:scene3d>
+    <dgm:sp3d/>
+    <dgm:txPr/>
+    <dgm:style>
+      <a:lnRef idx="2">
+        <a:scrgbClr r="0" g="0" b="0"/>
+      </a:lnRef>
+      <a:fillRef idx="1">
+        <a:scrgbClr r="0" g="0" b="0"/>
+      </a:fillRef>
+      <a:effectRef idx="0">
+        <a:scrgbClr r="0" g="0" b="0"/>
+      </a:effectRef>
+      <a:fontRef idx="minor"/>
+    </dgm:style>
+  </dgm:styleLbl>
+  <dgm:styleLbl name="bgAccFollowNode1">
+    <dgm:scene3d>
+      <a:camera prst="orthographicFront"/>
+      <a:lightRig rig="threePt" dir="t"/>
+    </dgm:scene3d>
+    <dgm:sp3d/>
+    <dgm:txPr/>
+    <dgm:style>
+      <a:lnRef idx="2">
+        <a:scrgbClr r="0" g="0" b="0"/>
+      </a:lnRef>
+      <a:fillRef idx="1">
+        <a:scrgbClr r="0" g="0" b="0"/>
+      </a:fillRef>
+      <a:effectRef idx="0">
+        <a:scrgbClr r="0" g="0" b="0"/>
+      </a:effectRef>
+      <a:fontRef idx="minor"/>
+    </dgm:style>
+  </dgm:styleLbl>
+  <dgm:styleLbl name="fgAcc0">
+    <dgm:scene3d>
+      <a:camera prst="orthographicFront"/>
+      <a:lightRig rig="threePt" dir="t"/>
+    </dgm:scene3d>
+    <dgm:sp3d/>
+    <dgm:txPr/>
+    <dgm:style>
+      <a:lnRef idx="2">
+        <a:scrgbClr r="0" g="0" b="0"/>
+      </a:lnRef>
+      <a:fillRef idx="1">
+        <a:scrgbClr r="0" g="0" b="0"/>
+      </a:fillRef>
+      <a:effectRef idx="0">
+        <a:scrgbClr r="0" g="0" b="0"/>
+      </a:effectRef>
+      <a:fontRef idx="minor"/>
+    </dgm:style>
+  </dgm:styleLbl>
+  <dgm:styleLbl name="fgAcc2">
+    <dgm:scene3d>
+      <a:camera prst="orthographicFront"/>
+      <a:lightRig rig="threePt" dir="t"/>
+    </dgm:scene3d>
+    <dgm:sp3d/>
+    <dgm:txPr/>
+    <dgm:style>
+      <a:lnRef idx="2">
+        <a:scrgbClr r="0" g="0" b="0"/>
+      </a:lnRef>
+      <a:fillRef idx="1">
+        <a:scrgbClr r="0" g="0" b="0"/>
+      </a:fillRef>
+      <a:effectRef idx="0">
+        <a:scrgbClr r="0" g="0" b="0"/>
+      </a:effectRef>
+      <a:fontRef idx="minor"/>
+    </dgm:style>
+  </dgm:styleLbl>
+  <dgm:styleLbl name="fgAcc3">
+    <dgm:scene3d>
+      <a:camera prst="orthographicFront"/>
+      <a:lightRig rig="threePt" dir="t"/>
+    </dgm:scene3d>
+    <dgm:sp3d/>
+    <dgm:txPr/>
+    <dgm:style>
+      <a:lnRef idx="2">
+        <a:scrgbClr r="0" g="0" b="0"/>
+      </a:lnRef>
+      <a:fillRef idx="1">
+        <a:scrgbClr r="0" g="0" b="0"/>
+      </a:fillRef>
+      <a:effectRef idx="0">
+        <a:scrgbClr r="0" g="0" b="0"/>
+      </a:effectRef>
+      <a:fontRef idx="minor"/>
+    </dgm:style>
+  </dgm:styleLbl>
+  <dgm:styleLbl name="fgAcc4">
+    <dgm:scene3d>
+      <a:camera prst="orthographicFront"/>
+      <a:lightRig rig="threePt" dir="t"/>
+    </dgm:scene3d>
+    <dgm:sp3d/>
+    <dgm:txPr/>
+    <dgm:style>
+      <a:lnRef idx="2">
+        <a:scrgbClr r="0" g="0" b="0"/>
+      </a:lnRef>
+      <a:fillRef idx="1">
+        <a:scrgbClr r="0" g="0" b="0"/>
+      </a:fillRef>
+      <a:effectRef idx="0">
+        <a:scrgbClr r="0" g="0" b="0"/>
+      </a:effectRef>
+      <a:fontRef idx="minor"/>
+    </dgm:style>
+  </dgm:styleLbl>
+  <dgm:styleLbl name="bgShp">
+    <dgm:scene3d>
+      <a:camera prst="orthographicFront"/>
+      <a:lightRig rig="threePt" dir="t"/>
+    </dgm:scene3d>
+    <dgm:sp3d/>
+    <dgm:txPr/>
+    <dgm:style>
+      <a:lnRef idx="0">
+        <a:scrgbClr r="0" g="0" b="0"/>
+      </a:lnRef>
+      <a:fillRef idx="1">
+        <a:scrgbClr r="0" g="0" b="0"/>
+      </a:fillRef>
+      <a:effectRef idx="0">
+        <a:scrgbClr r="0" g="0" b="0"/>
+      </a:effectRef>
+      <a:fontRef idx="minor"/>
+    </dgm:style>
+  </dgm:styleLbl>
+  <dgm:styleLbl name="dkBgShp">
+    <dgm:scene3d>
+      <a:camera prst="orthographicFront"/>
+      <a:lightRig rig="threePt" dir="t"/>
+    </dgm:scene3d>
+    <dgm:sp3d/>
+    <dgm:txPr/>
+    <dgm:style>
+      <a:lnRef idx="0">
+        <a:scrgbClr r="0" g="0" b="0"/>
+      </a:lnRef>
+      <a:fillRef idx="1">
+        <a:scrgbClr r="0" g="0" b="0"/>
+      </a:fillRef>
+      <a:effectRef idx="0">
+        <a:scrgbClr r="0" g="0" b="0"/>
+      </a:effectRef>
+      <a:fontRef idx="minor"/>
+    </dgm:style>
+  </dgm:styleLbl>
+  <dgm:styleLbl name="trBgShp">
+    <dgm:scene3d>
+      <a:camera prst="orthographicFront"/>
+      <a:lightRig rig="threePt" dir="t"/>
+    </dgm:scene3d>
+    <dgm:sp3d/>
+    <dgm:txPr/>
+    <dgm:style>
+      <a:lnRef idx="0">
+        <a:scrgbClr r="0" g="0" b="0"/>
+      </a:lnRef>
+      <a:fillRef idx="1">
+        <a:scrgbClr r="0" g="0" b="0"/>
+      </a:fillRef>
+      <a:effectRef idx="0">
+        <a:scrgbClr r="0" g="0" b="0"/>
+      </a:effectRef>
+      <a:fontRef idx="minor"/>
+    </dgm:style>
+  </dgm:styleLbl>
+  <dgm:styleLbl name="fgShp">
+    <dgm:scene3d>
+      <a:camera prst="orthographicFront"/>
+      <a:lightRig rig="threePt" dir="t"/>
+    </dgm:scene3d>
+    <dgm:sp3d/>
+    <dgm:txPr/>
+    <dgm:style>
+      <a:lnRef idx="2">
+        <a:scrgbClr r="0" g="0" b="0"/>
+      </a:lnRef>
+      <a:fillRef idx="1">
+        <a:scrgbClr r="0" g="0" b="0"/>
+      </a:fillRef>
+      <a:effectRef idx="0">
+        <a:scrgbClr r="0" g="0" b="0"/>
+      </a:effectRef>
+      <a:fontRef idx="minor"/>
+    </dgm:style>
+  </dgm:styleLbl>
+  <dgm:styleLbl name="revTx">
+    <dgm:scene3d>
+      <a:camera prst="orthographicFront"/>
+      <a:lightRig rig="threePt" dir="t"/>
+    </dgm:scene3d>
+    <dgm:sp3d/>
+    <dgm:txPr/>
+    <dgm:style>
+      <a:lnRef idx="0">
+        <a:scrgbClr r="0" g="0" b="0"/>
+      </a:lnRef>
+      <a:fillRef idx="0">
+        <a:scrgbClr r="0" g="0" b="0"/>
+      </a:fillRef>
+      <a:effectRef idx="0">
+        <a:scrgbClr r="0" g="0" b="0"/>
+      </a:effectRef>
+      <a:fontRef idx="minor"/>
+    </dgm:style>
+  </dgm:styleLbl>
+</dgm:styleDef>
+</file>
+
+<file path=ppt/diagrams/quickStyle4.xml><?xml version="1.0" encoding="utf-8"?>
+<dgm:styleDef xmlns:dgm="http://schemas.openxmlformats.org/drawingml/2006/diagram" xmlns:a="http://schemas.openxmlformats.org/drawingml/2006/main" uniqueId="urn:microsoft.com/office/officeart/2005/8/quickstyle/simple1">
+  <dgm:title val=""/>
+  <dgm:desc val=""/>
+  <dgm:catLst>
+    <dgm:cat type="simple" pri="10100"/>
+  </dgm:catLst>
+  <dgm:scene3d>
+    <a:camera prst="orthographicFront"/>
+    <a:lightRig rig="threePt" dir="t"/>
+  </dgm:scene3d>
+  <dgm:styleLbl name="node0">
+    <dgm:scene3d>
+      <a:camera prst="orthographicFront"/>
+      <a:lightRig rig="threePt" dir="t"/>
+    </dgm:scene3d>
+    <dgm:sp3d/>
+    <dgm:txPr/>
+    <dgm:style>
+      <a:lnRef idx="2">
+        <a:scrgbClr r="0" g="0" b="0"/>
+      </a:lnRef>
+      <a:fillRef idx="1">
+        <a:scrgbClr r="0" g="0" b="0"/>
+      </a:fillRef>
+      <a:effectRef idx="0">
+        <a:scrgbClr r="0" g="0" b="0"/>
+      </a:effectRef>
+      <a:fontRef idx="minor">
+        <a:schemeClr val="lt1"/>
+      </a:fontRef>
+    </dgm:style>
+  </dgm:styleLbl>
+  <dgm:styleLbl name="lnNode1">
+    <dgm:scene3d>
+      <a:camera prst="orthographicFront"/>
+      <a:lightRig rig="threePt" dir="t"/>
+    </dgm:scene3d>
+    <dgm:sp3d/>
+    <dgm:txPr/>
+    <dgm:style>
+      <a:lnRef idx="2">
+        <a:scrgbClr r="0" g="0" b="0"/>
+      </a:lnRef>
+      <a:fillRef idx="1">
+        <a:scrgbClr r="0" g="0" b="0"/>
+      </a:fillRef>
+      <a:effectRef idx="0">
+        <a:scrgbClr r="0" g="0" b="0"/>
+      </a:effectRef>
+      <a:fontRef idx="minor">
+        <a:schemeClr val="lt1"/>
+      </a:fontRef>
+    </dgm:style>
+  </dgm:styleLbl>
+  <dgm:styleLbl name="vennNode1">
+    <dgm:scene3d>
+      <a:camera prst="orthographicFront"/>
+      <a:lightRig rig="threePt" dir="t"/>
+    </dgm:scene3d>
+    <dgm:sp3d/>
+    <dgm:txPr/>
+    <dgm:style>
+      <a:lnRef idx="2">
+        <a:scrgbClr r="0" g="0" b="0"/>
+      </a:lnRef>
+      <a:fillRef idx="1">
+        <a:scrgbClr r="0" g="0" b="0"/>
+      </a:fillRef>
+      <a:effectRef idx="0">
+        <a:scrgbClr r="0" g="0" b="0"/>
+      </a:effectRef>
+      <a:fontRef idx="minor">
+        <a:schemeClr val="tx1"/>
+      </a:fontRef>
+    </dgm:style>
+  </dgm:styleLbl>
+  <dgm:styleLbl name="alignNode1">
+    <dgm:scene3d>
+      <a:camera prst="orthographicFront"/>
+      <a:lightRig rig="threePt" dir="t"/>
+    </dgm:scene3d>
+    <dgm:sp3d/>
+    <dgm:txPr/>
+    <dgm:style>
+      <a:lnRef idx="2">
+        <a:scrgbClr r="0" g="0" b="0"/>
+      </a:lnRef>
+      <a:fillRef idx="1">
+        <a:scrgbClr r="0" g="0" b="0"/>
+      </a:fillRef>
+      <a:effectRef idx="0">
+        <a:scrgbClr r="0" g="0" b="0"/>
+      </a:effectRef>
+      <a:fontRef idx="minor">
+        <a:schemeClr val="lt1"/>
+      </a:fontRef>
+    </dgm:style>
+  </dgm:styleLbl>
+  <dgm:styleLbl name="node1">
+    <dgm:scene3d>
+      <a:camera prst="orthographicFront"/>
+      <a:lightRig rig="threePt" dir="t"/>
+    </dgm:scene3d>
+    <dgm:sp3d/>
+    <dgm:txPr/>
+    <dgm:style>
+      <a:lnRef idx="2">
+        <a:scrgbClr r="0" g="0" b="0"/>
+      </a:lnRef>
+      <a:fillRef idx="1">
+        <a:scrgbClr r="0" g="0" b="0"/>
+      </a:fillRef>
+      <a:effectRef idx="0">
+        <a:scrgbClr r="0" g="0" b="0"/>
+      </a:effectRef>
+      <a:fontRef idx="minor">
+        <a:schemeClr val="lt1"/>
+      </a:fontRef>
+    </dgm:style>
+  </dgm:styleLbl>
+  <dgm:styleLbl name="node2">
+    <dgm:scene3d>
+      <a:camera prst="orthographicFront"/>
+      <a:lightRig rig="threePt" dir="t"/>
+    </dgm:scene3d>
+    <dgm:sp3d/>
+    <dgm:txPr/>
+    <dgm:style>
+      <a:lnRef idx="2">
+        <a:scrgbClr r="0" g="0" b="0"/>
+      </a:lnRef>
+      <a:fillRef idx="1">
+        <a:scrgbClr r="0" g="0" b="0"/>
+      </a:fillRef>
+      <a:effectRef idx="0">
+        <a:scrgbClr r="0" g="0" b="0"/>
+      </a:effectRef>
+      <a:fontRef idx="minor">
+        <a:schemeClr val="lt1"/>
+      </a:fontRef>
+    </dgm:style>
+  </dgm:styleLbl>
+  <dgm:styleLbl name="node3">
+    <dgm:scene3d>
+      <a:camera prst="orthographicFront"/>
+      <a:lightRig rig="threePt" dir="t"/>
+    </dgm:scene3d>
+    <dgm:sp3d/>
+    <dgm:txPr/>
+    <dgm:style>
+      <a:lnRef idx="2">
+        <a:scrgbClr r="0" g="0" b="0"/>
+      </a:lnRef>
+      <a:fillRef idx="1">
+        <a:scrgbClr r="0" g="0" b="0"/>
+      </a:fillRef>
+      <a:effectRef idx="0">
+        <a:scrgbClr r="0" g="0" b="0"/>
+      </a:effectRef>
+      <a:fontRef idx="minor">
+        <a:schemeClr val="lt1"/>
+      </a:fontRef>
+    </dgm:style>
+  </dgm:styleLbl>
+  <dgm:styleLbl name="node4">
+    <dgm:scene3d>
+      <a:camera prst="orthographicFront"/>
+      <a:lightRig rig="threePt" dir="t"/>
+    </dgm:scene3d>
+    <dgm:sp3d/>
+    <dgm:txPr/>
+    <dgm:style>
+      <a:lnRef idx="2">
+        <a:scrgbClr r="0" g="0" b="0"/>
+      </a:lnRef>
+      <a:fillRef idx="1">
+        <a:scrgbClr r="0" g="0" b="0"/>
+      </a:fillRef>
+      <a:effectRef idx="0">
+        <a:scrgbClr r="0" g="0" b="0"/>
+      </a:effectRef>
+      <a:fontRef idx="minor">
+        <a:schemeClr val="lt1"/>
+      </a:fontRef>
+    </dgm:style>
+  </dgm:styleLbl>
+  <dgm:styleLbl name="fgImgPlace1">
+    <dgm:scene3d>
+      <a:camera prst="orthographicFront"/>
+      <a:lightRig rig="threePt" dir="t"/>
+    </dgm:scene3d>
+    <dgm:sp3d/>
+    <dgm:txPr/>
+    <dgm:style>
+      <a:lnRef idx="2">
+        <a:scrgbClr r="0" g="0" b="0"/>
+      </a:lnRef>
+      <a:fillRef idx="1">
+        <a:scrgbClr r="0" g="0" b="0"/>
+      </a:fillRef>
+      <a:effectRef idx="0">
+        <a:scrgbClr r="0" g="0" b="0"/>
+      </a:effectRef>
+      <a:fontRef idx="minor"/>
+    </dgm:style>
+  </dgm:styleLbl>
+  <dgm:styleLbl name="alignImgPlace1">
+    <dgm:scene3d>
+      <a:camera prst="orthographicFront"/>
+      <a:lightRig rig="threePt" dir="t"/>
+    </dgm:scene3d>
+    <dgm:sp3d/>
+    <dgm:txPr/>
+    <dgm:style>
+      <a:lnRef idx="2">
+        <a:scrgbClr r="0" g="0" b="0"/>
+      </a:lnRef>
+      <a:fillRef idx="1">
+        <a:scrgbClr r="0" g="0" b="0"/>
+      </a:fillRef>
+      <a:effectRef idx="0">
+        <a:scrgbClr r="0" g="0" b="0"/>
+      </a:effectRef>
+      <a:fontRef idx="minor"/>
+    </dgm:style>
+  </dgm:styleLbl>
+  <dgm:styleLbl name="bgImgPlace1">
+    <dgm:scene3d>
+      <a:camera prst="orthographicFront"/>
+      <a:lightRig rig="threePt" dir="t"/>
+    </dgm:scene3d>
+    <dgm:sp3d/>
+    <dgm:txPr/>
+    <dgm:style>
+      <a:lnRef idx="2">
+        <a:scrgbClr r="0" g="0" b="0"/>
+      </a:lnRef>
+      <a:fillRef idx="1">
+        <a:scrgbClr r="0" g="0" b="0"/>
+      </a:fillRef>
+      <a:effectRef idx="0">
+        <a:scrgbClr r="0" g="0" b="0"/>
+      </a:effectRef>
+      <a:fontRef idx="minor"/>
+    </dgm:style>
+  </dgm:styleLbl>
+  <dgm:styleLbl name="sibTrans2D1">
+    <dgm:scene3d>
+      <a:camera prst="orthographicFront"/>
+      <a:lightRig rig="threePt" dir="t"/>
+    </dgm:scene3d>
+    <dgm:sp3d/>
+    <dgm:txPr/>
+    <dgm:style>
+      <a:lnRef idx="0">
+        <a:scrgbClr r="0" g="0" b="0"/>
+      </a:lnRef>
+      <a:fillRef idx="1">
+        <a:scrgbClr r="0" g="0" b="0"/>
+      </a:fillRef>
+      <a:effectRef idx="0">
+        <a:scrgbClr r="0" g="0" b="0"/>
+      </a:effectRef>
+      <a:fontRef idx="minor">
+        <a:schemeClr val="lt1"/>
+      </a:fontRef>
+    </dgm:style>
+  </dgm:styleLbl>
+  <dgm:styleLbl name="fgSibTrans2D1">
+    <dgm:scene3d>
+      <a:camera prst="orthographicFront"/>
+      <a:lightRig rig="threePt" dir="t"/>
+    </dgm:scene3d>
+    <dgm:sp3d/>
+    <dgm:txPr/>
+    <dgm:style>
+      <a:lnRef idx="0">
+        <a:scrgbClr r="0" g="0" b="0"/>
+      </a:lnRef>
+      <a:fillRef idx="1">
+        <a:scrgbClr r="0" g="0" b="0"/>
+      </a:fillRef>
+      <a:effectRef idx="0">
+        <a:scrgbClr r="0" g="0" b="0"/>
+      </a:effectRef>
+      <a:fontRef idx="minor">
+        <a:schemeClr val="lt1"/>
+      </a:fontRef>
+    </dgm:style>
+  </dgm:styleLbl>
+  <dgm:styleLbl name="bgSibTrans2D1">
+    <dgm:scene3d>
+      <a:camera prst="orthographicFront"/>
+      <a:lightRig rig="threePt" dir="t"/>
+    </dgm:scene3d>
+    <dgm:sp3d/>
+    <dgm:txPr/>
+    <dgm:style>
+      <a:lnRef idx="0">
+        <a:scrgbClr r="0" g="0" b="0"/>
+      </a:lnRef>
+      <a:fillRef idx="1">
+        <a:scrgbClr r="0" g="0" b="0"/>
+      </a:fillRef>
+      <a:effectRef idx="0">
+        <a:scrgbClr r="0" g="0" b="0"/>
+      </a:effectRef>
+      <a:fontRef idx="minor">
+        <a:schemeClr val="lt1"/>
+      </a:fontRef>
+    </dgm:style>
+  </dgm:styleLbl>
+  <dgm:styleLbl name="sibTrans1D1">
+    <dgm:scene3d>
+      <a:camera prst="orthographicFront"/>
+      <a:lightRig rig="threePt" dir="t"/>
+    </dgm:scene3d>
+    <dgm:sp3d/>
+    <dgm:txPr/>
+    <dgm:style>
+      <a:lnRef idx="1">
+        <a:scrgbClr r="0" g="0" b="0"/>
+      </a:lnRef>
+      <a:fillRef idx="0">
+        <a:scrgbClr r="0" g="0" b="0"/>
+      </a:fillRef>
+      <a:effectRef idx="0">
+        <a:scrgbClr r="0" g="0" b="0"/>
+      </a:effectRef>
+      <a:fontRef idx="minor"/>
+    </dgm:style>
+  </dgm:styleLbl>
+  <dgm:styleLbl name="callout">
+    <dgm:scene3d>
+      <a:camera prst="orthographicFront"/>
+      <a:lightRig rig="threePt" dir="t"/>
+    </dgm:scene3d>
+    <dgm:sp3d/>
+    <dgm:txPr/>
+    <dgm:style>
+      <a:lnRef idx="2">
+        <a:scrgbClr r="0" g="0" b="0"/>
+      </a:lnRef>
+      <a:fillRef idx="1">
+        <a:scrgbClr r="0" g="0" b="0"/>
+      </a:fillRef>
+      <a:effectRef idx="0">
+        <a:scrgbClr r="0" g="0" b="0"/>
+      </a:effectRef>
+      <a:fontRef idx="minor"/>
+    </dgm:style>
+  </dgm:styleLbl>
+  <dgm:styleLbl name="asst0">
+    <dgm:scene3d>
+      <a:camera prst="orthographicFront"/>
+      <a:lightRig rig="threePt" dir="t"/>
+    </dgm:scene3d>
+    <dgm:sp3d/>
+    <dgm:txPr/>
+    <dgm:style>
+      <a:lnRef idx="2">
+        <a:scrgbClr r="0" g="0" b="0"/>
+      </a:lnRef>
+      <a:fillRef idx="1">
+        <a:scrgbClr r="0" g="0" b="0"/>
+      </a:fillRef>
+      <a:effectRef idx="0">
+        <a:scrgbClr r="0" g="0" b="0"/>
+      </a:effectRef>
+      <a:fontRef idx="minor">
+        <a:schemeClr val="lt1"/>
+      </a:fontRef>
+    </dgm:style>
+  </dgm:styleLbl>
+  <dgm:styleLbl name="asst1">
+    <dgm:scene3d>
+      <a:camera prst="orthographicFront"/>
+      <a:lightRig rig="threePt" dir="t"/>
+    </dgm:scene3d>
+    <dgm:sp3d/>
+    <dgm:txPr/>
+    <dgm:style>
+      <a:lnRef idx="2">
+        <a:scrgbClr r="0" g="0" b="0"/>
+      </a:lnRef>
+      <a:fillRef idx="1">
+        <a:scrgbClr r="0" g="0" b="0"/>
+      </a:fillRef>
+      <a:effectRef idx="0">
+        <a:scrgbClr r="0" g="0" b="0"/>
+      </a:effectRef>
+      <a:fontRef idx="minor">
+        <a:schemeClr val="lt1"/>
+      </a:fontRef>
+    </dgm:style>
+  </dgm:styleLbl>
+  <dgm:styleLbl name="asst2">
+    <dgm:scene3d>
+      <a:camera prst="orthographicFront"/>
+      <a:lightRig rig="threePt" dir="t"/>
+    </dgm:scene3d>
+    <dgm:sp3d/>
+    <dgm:txPr/>
+    <dgm:style>
+      <a:lnRef idx="2">
+        <a:scrgbClr r="0" g="0" b="0"/>
+      </a:lnRef>
+      <a:fillRef idx="1">
+        <a:scrgbClr r="0" g="0" b="0"/>
+      </a:fillRef>
+      <a:effectRef idx="0">
+        <a:scrgbClr r="0" g="0" b="0"/>
+      </a:effectRef>
+      <a:fontRef idx="minor">
+        <a:schemeClr val="lt1"/>
+      </a:fontRef>
+    </dgm:style>
+  </dgm:styleLbl>
+  <dgm:styleLbl name="asst3">
+    <dgm:scene3d>
+      <a:camera prst="orthographicFront"/>
+      <a:lightRig rig="threePt" dir="t"/>
+    </dgm:scene3d>
+    <dgm:sp3d/>
+    <dgm:txPr/>
+    <dgm:style>
+      <a:lnRef idx="2">
+        <a:scrgbClr r="0" g="0" b="0"/>
+      </a:lnRef>
+      <a:fillRef idx="1">
+        <a:scrgbClr r="0" g="0" b="0"/>
+      </a:fillRef>
+      <a:effectRef idx="0">
+        <a:scrgbClr r="0" g="0" b="0"/>
+      </a:effectRef>
+      <a:fontRef idx="minor">
+        <a:schemeClr val="lt1"/>
+      </a:fontRef>
+    </dgm:style>
+  </dgm:styleLbl>
+  <dgm:styleLbl name="asst4">
+    <dgm:scene3d>
+      <a:camera prst="orthographicFront"/>
+      <a:lightRig rig="threePt" dir="t"/>
+    </dgm:scene3d>
+    <dgm:sp3d/>
+    <dgm:txPr/>
+    <dgm:style>
+      <a:lnRef idx="2">
+        <a:scrgbClr r="0" g="0" b="0"/>
+      </a:lnRef>
+      <a:fillRef idx="1">
+        <a:scrgbClr r="0" g="0" b="0"/>
+      </a:fillRef>
+      <a:effectRef idx="0">
+        <a:scrgbClr r="0" g="0" b="0"/>
+      </a:effectRef>
+      <a:fontRef idx="minor">
+        <a:schemeClr val="lt1"/>
+      </a:fontRef>
+    </dgm:style>
+  </dgm:styleLbl>
+  <dgm:styleLbl name="parChTrans2D1">
+    <dgm:scene3d>
+      <a:camera prst="orthographicFront"/>
+      <a:lightRig rig="threePt" dir="t"/>
+    </dgm:scene3d>
+    <dgm:sp3d/>
+    <dgm:txPr/>
+    <dgm:style>
+      <a:lnRef idx="2">
+        <a:scrgbClr r="0" g="0" b="0"/>
+      </a:lnRef>
+      <a:fillRef idx="1">
+        <a:scrgbClr r="0" g="0" b="0"/>
+      </a:fillRef>
+      <a:effectRef idx="0">
+        <a:scrgbClr r="0" g="0" b="0"/>
+      </a:effectRef>
+      <a:fontRef idx="minor">
+        <a:schemeClr val="lt1"/>
+      </a:fontRef>
+    </dgm:style>
+  </dgm:styleLbl>
+  <dgm:styleLbl name="parChTrans2D2">
+    <dgm:scene3d>
+      <a:camera prst="orthographicFront"/>
+      <a:lightRig rig="threePt" dir="t"/>
+    </dgm:scene3d>
+    <dgm:sp3d/>
+    <dgm:txPr/>
+    <dgm:style>
+      <a:lnRef idx="2">
+        <a:scrgbClr r="0" g="0" b="0"/>
+      </a:lnRef>
+      <a:fillRef idx="1">
+        <a:scrgbClr r="0" g="0" b="0"/>
+      </a:fillRef>
+      <a:effectRef idx="0">
+        <a:scrgbClr r="0" g="0" b="0"/>
+      </a:effectRef>
+      <a:fontRef idx="minor">
+        <a:schemeClr val="lt1"/>
+      </a:fontRef>
+    </dgm:style>
+  </dgm:styleLbl>
+  <dgm:styleLbl name="parChTrans2D3">
+    <dgm:scene3d>
+      <a:camera prst="orthographicFront"/>
+      <a:lightRig rig="threePt" dir="t"/>
+    </dgm:scene3d>
+    <dgm:sp3d/>
+    <dgm:txPr/>
+    <dgm:style>
+      <a:lnRef idx="2">
+        <a:scrgbClr r="0" g="0" b="0"/>
+      </a:lnRef>
+      <a:fillRef idx="1">
+        <a:scrgbClr r="0" g="0" b="0"/>
+      </a:fillRef>
+      <a:effectRef idx="0">
+        <a:scrgbClr r="0" g="0" b="0"/>
+      </a:effectRef>
+      <a:fontRef idx="minor">
+        <a:schemeClr val="lt1"/>
+      </a:fontRef>
+    </dgm:style>
+  </dgm:styleLbl>
+  <dgm:styleLbl name="parChTrans2D4">
+    <dgm:scene3d>
+      <a:camera prst="orthographicFront"/>
+      <a:lightRig rig="threePt" dir="t"/>
+    </dgm:scene3d>
+    <dgm:sp3d/>
+    <dgm:txPr/>
+    <dgm:style>
+      <a:lnRef idx="2">
+        <a:scrgbClr r="0" g="0" b="0"/>
+      </a:lnRef>
+      <a:fillRef idx="1">
+        <a:scrgbClr r="0" g="0" b="0"/>
+      </a:fillRef>
+      <a:effectRef idx="0">
+        <a:scrgbClr r="0" g="0" b="0"/>
+      </a:effectRef>
+      <a:fontRef idx="minor">
+        <a:schemeClr val="lt1"/>
+      </a:fontRef>
+    </dgm:style>
+  </dgm:styleLbl>
+  <dgm:styleLbl name="parChTrans1D1">
+    <dgm:scene3d>
+      <a:camera prst="orthographicFront"/>
+      <a:lightRig rig="threePt" dir="t"/>
+    </dgm:scene3d>
+    <dgm:sp3d/>
+    <dgm:txPr/>
+    <dgm:style>
+      <a:lnRef idx="2">
+        <a:scrgbClr r="0" g="0" b="0"/>
+      </a:lnRef>
+      <a:fillRef idx="0">
+        <a:scrgbClr r="0" g="0" b="0"/>
+      </a:fillRef>
+      <a:effectRef idx="0">
+        <a:scrgbClr r="0" g="0" b="0"/>
+      </a:effectRef>
+      <a:fontRef idx="minor"/>
+    </dgm:style>
+  </dgm:styleLbl>
+  <dgm:styleLbl name="parChTrans1D2">
+    <dgm:scene3d>
+      <a:camera prst="orthographicFront"/>
+      <a:lightRig rig="threePt" dir="t"/>
+    </dgm:scene3d>
+    <dgm:sp3d/>
+    <dgm:txPr/>
+    <dgm:style>
+      <a:lnRef idx="2">
+        <a:scrgbClr r="0" g="0" b="0"/>
+      </a:lnRef>
+      <a:fillRef idx="0">
+        <a:scrgbClr r="0" g="0" b="0"/>
+      </a:fillRef>
+      <a:effectRef idx="0">
+        <a:scrgbClr r="0" g="0" b="0"/>
+      </a:effectRef>
+      <a:fontRef idx="minor"/>
+    </dgm:style>
+  </dgm:styleLbl>
+  <dgm:styleLbl name="parChTrans1D3">
+    <dgm:scene3d>
+      <a:camera prst="orthographicFront"/>
+      <a:lightRig rig="threePt" dir="t"/>
+    </dgm:scene3d>
+    <dgm:sp3d/>
+    <dgm:txPr/>
+    <dgm:style>
+      <a:lnRef idx="2">
+        <a:scrgbClr r="0" g="0" b="0"/>
+      </a:lnRef>
+      <a:fillRef idx="0">
+        <a:scrgbClr r="0" g="0" b="0"/>
+      </a:fillRef>
+      <a:effectRef idx="0">
+        <a:scrgbClr r="0" g="0" b="0"/>
+      </a:effectRef>
+      <a:fontRef idx="minor"/>
+    </dgm:style>
+  </dgm:styleLbl>
+  <dgm:styleLbl name="parChTrans1D4">
+    <dgm:scene3d>
+      <a:camera prst="orthographicFront"/>
+      <a:lightRig rig="threePt" dir="t"/>
+    </dgm:scene3d>
+    <dgm:sp3d/>
+    <dgm:txPr/>
+    <dgm:style>
+      <a:lnRef idx="2">
+        <a:scrgbClr r="0" g="0" b="0"/>
+      </a:lnRef>
+      <a:fillRef idx="0">
+        <a:scrgbClr r="0" g="0" b="0"/>
+      </a:fillRef>
+      <a:effectRef idx="0">
+        <a:scrgbClr r="0" g="0" b="0"/>
+      </a:effectRef>
+      <a:fontRef idx="minor"/>
+    </dgm:style>
+  </dgm:styleLbl>
+  <dgm:styleLbl name="fgAcc1">
+    <dgm:scene3d>
+      <a:camera prst="orthographicFront"/>
+      <a:lightRig rig="threePt" dir="t"/>
+    </dgm:scene3d>
+    <dgm:sp3d/>
+    <dgm:txPr/>
+    <dgm:style>
+      <a:lnRef idx="2">
+        <a:scrgbClr r="0" g="0" b="0"/>
+      </a:lnRef>
+      <a:fillRef idx="1">
+        <a:scrgbClr r="0" g="0" b="0"/>
+      </a:fillRef>
+      <a:effectRef idx="0">
+        <a:scrgbClr r="0" g="0" b="0"/>
+      </a:effectRef>
+      <a:fontRef idx="minor"/>
+    </dgm:style>
+  </dgm:styleLbl>
+  <dgm:styleLbl name="conFgAcc1">
+    <dgm:scene3d>
+      <a:camera prst="orthographicFront"/>
+      <a:lightRig rig="threePt" dir="t"/>
+    </dgm:scene3d>
+    <dgm:sp3d/>
+    <dgm:txPr/>
+    <dgm:style>
+      <a:lnRef idx="2">
+        <a:scrgbClr r="0" g="0" b="0"/>
+      </a:lnRef>
+      <a:fillRef idx="1">
+        <a:scrgbClr r="0" g="0" b="0"/>
+      </a:fillRef>
+      <a:effectRef idx="0">
+        <a:scrgbClr r="0" g="0" b="0"/>
+      </a:effectRef>
+      <a:fontRef idx="minor"/>
+    </dgm:style>
+  </dgm:styleLbl>
+  <dgm:styleLbl name="alignAcc1">
+    <dgm:scene3d>
+      <a:camera prst="orthographicFront"/>
+      <a:lightRig rig="threePt" dir="t"/>
+    </dgm:scene3d>
+    <dgm:sp3d/>
+    <dgm:txPr/>
+    <dgm:style>
+      <a:lnRef idx="2">
+        <a:scrgbClr r="0" g="0" b="0"/>
+      </a:lnRef>
+      <a:fillRef idx="1">
+        <a:scrgbClr r="0" g="0" b="0"/>
+      </a:fillRef>
+      <a:effectRef idx="0">
+        <a:scrgbClr r="0" g="0" b="0"/>
+      </a:effectRef>
+      <a:fontRef idx="minor"/>
+    </dgm:style>
+  </dgm:styleLbl>
+  <dgm:styleLbl name="trAlignAcc1">
+    <dgm:scene3d>
+      <a:camera prst="orthographicFront"/>
+      <a:lightRig rig="threePt" dir="t"/>
+    </dgm:scene3d>
+    <dgm:sp3d/>
+    <dgm:txPr/>
+    <dgm:style>
+      <a:lnRef idx="1">
+        <a:scrgbClr r="0" g="0" b="0"/>
+      </a:lnRef>
+      <a:fillRef idx="1">
+        <a:scrgbClr r="0" g="0" b="0"/>
+      </a:fillRef>
+      <a:effectRef idx="0">
+        <a:scrgbClr r="0" g="0" b="0"/>
+      </a:effectRef>
+      <a:fontRef idx="minor"/>
+    </dgm:style>
+  </dgm:styleLbl>
+  <dgm:styleLbl name="bgAcc1">
+    <dgm:scene3d>
+      <a:camera prst="orthographicFront"/>
+      <a:lightRig rig="threePt" dir="t"/>
+    </dgm:scene3d>
+    <dgm:sp3d/>
+    <dgm:txPr/>
+    <dgm:style>
+      <a:lnRef idx="2">
+        <a:scrgbClr r="0" g="0" b="0"/>
+      </a:lnRef>
+      <a:fillRef idx="1">
+        <a:scrgbClr r="0" g="0" b="0"/>
+      </a:fillRef>
+      <a:effectRef idx="0">
+        <a:scrgbClr r="0" g="0" b="0"/>
+      </a:effectRef>
+      <a:fontRef idx="minor"/>
+    </dgm:style>
+  </dgm:styleLbl>
+  <dgm:styleLbl name="solidFgAcc1">
+    <dgm:scene3d>
+      <a:camera prst="orthographicFront"/>
+      <a:lightRig rig="threePt" dir="t"/>
+    </dgm:scene3d>
+    <dgm:sp3d/>
+    <dgm:txPr/>
+    <dgm:style>
+      <a:lnRef idx="2">
+        <a:scrgbClr r="0" g="0" b="0"/>
+      </a:lnRef>
+      <a:fillRef idx="1">
+        <a:scrgbClr r="0" g="0" b="0"/>
+      </a:fillRef>
+      <a:effectRef idx="0">
+        <a:scrgbClr r="0" g="0" b="0"/>
+      </a:effectRef>
+      <a:fontRef idx="minor"/>
+    </dgm:style>
+  </dgm:styleLbl>
+  <dgm:styleLbl name="solidAlignAcc1">
+    <dgm:scene3d>
+      <a:camera prst="orthographicFront"/>
+      <a:lightRig rig="threePt" dir="t"/>
+    </dgm:scene3d>
+    <dgm:sp3d/>
+    <dgm:txPr/>
+    <dgm:style>
+      <a:lnRef idx="2">
+        <a:scrgbClr r="0" g="0" b="0"/>
+      </a:lnRef>
+      <a:fillRef idx="1">
+        <a:scrgbClr r="0" g="0" b="0"/>
+      </a:fillRef>
+      <a:effectRef idx="0">
+        <a:scrgbClr r="0" g="0" b="0"/>
+      </a:effectRef>
+      <a:fontRef idx="minor"/>
+    </dgm:style>
+  </dgm:styleLbl>
+  <dgm:styleLbl name="solidBgAcc1">
+    <dgm:scene3d>
+      <a:camera prst="orthographicFront"/>
+      <a:lightRig rig="threePt" dir="t"/>
+    </dgm:scene3d>
+    <dgm:sp3d/>
+    <dgm:txPr/>
+    <dgm:style>
+      <a:lnRef idx="2">
+        <a:scrgbClr r="0" g="0" b="0"/>
+      </a:lnRef>
+      <a:fillRef idx="1">
+        <a:scrgbClr r="0" g="0" b="0"/>
+      </a:fillRef>
+      <a:effectRef idx="0">
+        <a:scrgbClr r="0" g="0" b="0"/>
+      </a:effectRef>
+      <a:fontRef idx="minor"/>
+    </dgm:style>
+  </dgm:styleLbl>
+  <dgm:styleLbl name="fgAccFollowNode1">
+    <dgm:scene3d>
+      <a:camera prst="orthographicFront"/>
+      <a:lightRig rig="threePt" dir="t"/>
+    </dgm:scene3d>
+    <dgm:sp3d/>
+    <dgm:txPr/>
+    <dgm:style>
+      <a:lnRef idx="2">
+        <a:scrgbClr r="0" g="0" b="0"/>
+      </a:lnRef>
+      <a:fillRef idx="1">
+        <a:scrgbClr r="0" g="0" b="0"/>
+      </a:fillRef>
+      <a:effectRef idx="0">
+        <a:scrgbClr r="0" g="0" b="0"/>
+      </a:effectRef>
+      <a:fontRef idx="minor"/>
+    </dgm:style>
+  </dgm:styleLbl>
+  <dgm:styleLbl name="alignAccFollowNode1">
+    <dgm:scene3d>
+      <a:camera prst="orthographicFront"/>
+      <a:lightRig rig="threePt" dir="t"/>
+    </dgm:scene3d>
+    <dgm:sp3d/>
+    <dgm:txPr/>
+    <dgm:style>
+      <a:lnRef idx="2">
+        <a:scrgbClr r="0" g="0" b="0"/>
+      </a:lnRef>
+      <a:fillRef idx="1">
+        <a:scrgbClr r="0" g="0" b="0"/>
+      </a:fillRef>
+      <a:effectRef idx="0">
+        <a:scrgbClr r="0" g="0" b="0"/>
+      </a:effectRef>
+      <a:fontRef idx="minor"/>
+    </dgm:style>
+  </dgm:styleLbl>
+  <dgm:styleLbl name="bgAccFollowNode1">
+    <dgm:scene3d>
+      <a:camera prst="orthographicFront"/>
+      <a:lightRig rig="threePt" dir="t"/>
+    </dgm:scene3d>
+    <dgm:sp3d/>
+    <dgm:txPr/>
+    <dgm:style>
+      <a:lnRef idx="2">
+        <a:scrgbClr r="0" g="0" b="0"/>
+      </a:lnRef>
+      <a:fillRef idx="1">
+        <a:scrgbClr r="0" g="0" b="0"/>
+      </a:fillRef>
+      <a:effectRef idx="0">
+        <a:scrgbClr r="0" g="0" b="0"/>
+      </a:effectRef>
+      <a:fontRef idx="minor"/>
+    </dgm:style>
+  </dgm:styleLbl>
+  <dgm:styleLbl name="fgAcc0">
+    <dgm:scene3d>
+      <a:camera prst="orthographicFront"/>
+      <a:lightRig rig="threePt" dir="t"/>
+    </dgm:scene3d>
+    <dgm:sp3d/>
+    <dgm:txPr/>
+    <dgm:style>
+      <a:lnRef idx="2">
+        <a:scrgbClr r="0" g="0" b="0"/>
+      </a:lnRef>
+      <a:fillRef idx="1">
+        <a:scrgbClr r="0" g="0" b="0"/>
+      </a:fillRef>
+      <a:effectRef idx="0">
+        <a:scrgbClr r="0" g="0" b="0"/>
+      </a:effectRef>
+      <a:fontRef idx="minor"/>
+    </dgm:style>
+  </dgm:styleLbl>
+  <dgm:styleLbl name="fgAcc2">
+    <dgm:scene3d>
+      <a:camera prst="orthographicFront"/>
+      <a:lightRig rig="threePt" dir="t"/>
+    </dgm:scene3d>
+    <dgm:sp3d/>
+    <dgm:txPr/>
+    <dgm:style>
+      <a:lnRef idx="2">
+        <a:scrgbClr r="0" g="0" b="0"/>
+      </a:lnRef>
+      <a:fillRef idx="1">
+        <a:scrgbClr r="0" g="0" b="0"/>
+      </a:fillRef>
+      <a:effectRef idx="0">
+        <a:scrgbClr r="0" g="0" b="0"/>
+      </a:effectRef>
+      <a:fontRef idx="minor"/>
+    </dgm:style>
+  </dgm:styleLbl>
+  <dgm:styleLbl name="fgAcc3">
+    <dgm:scene3d>
+      <a:camera prst="orthographicFront"/>
+      <a:lightRig rig="threePt" dir="t"/>
+    </dgm:scene3d>
+    <dgm:sp3d/>
+    <dgm:txPr/>
+    <dgm:style>
+      <a:lnRef idx="2">
+        <a:scrgbClr r="0" g="0" b="0"/>
+      </a:lnRef>
+      <a:fillRef idx="1">
+        <a:scrgbClr r="0" g="0" b="0"/>
+      </a:fillRef>
+      <a:effectRef idx="0">
+        <a:scrgbClr r="0" g="0" b="0"/>
+      </a:effectRef>
+      <a:fontRef idx="minor"/>
+    </dgm:style>
+  </dgm:styleLbl>
+  <dgm:styleLbl name="fgAcc4">
+    <dgm:scene3d>
+      <a:camera prst="orthographicFront"/>
+      <a:lightRig rig="threePt" dir="t"/>
+    </dgm:scene3d>
+    <dgm:sp3d/>
+    <dgm:txPr/>
+    <dgm:style>
+      <a:lnRef idx="2">
+        <a:scrgbClr r="0" g="0" b="0"/>
+      </a:lnRef>
+      <a:fillRef idx="1">
+        <a:scrgbClr r="0" g="0" b="0"/>
+      </a:fillRef>
+      <a:effectRef idx="0">
+        <a:scrgbClr r="0" g="0" b="0"/>
+      </a:effectRef>
+      <a:fontRef idx="minor"/>
+    </dgm:style>
+  </dgm:styleLbl>
+  <dgm:styleLbl name="bgShp">
+    <dgm:scene3d>
+      <a:camera prst="orthographicFront"/>
+      <a:lightRig rig="threePt" dir="t"/>
+    </dgm:scene3d>
+    <dgm:sp3d/>
+    <dgm:txPr/>
+    <dgm:style>
+      <a:lnRef idx="0">
+        <a:scrgbClr r="0" g="0" b="0"/>
+      </a:lnRef>
+      <a:fillRef idx="1">
+        <a:scrgbClr r="0" g="0" b="0"/>
+      </a:fillRef>
+      <a:effectRef idx="0">
+        <a:scrgbClr r="0" g="0" b="0"/>
+      </a:effectRef>
+      <a:fontRef idx="minor"/>
+    </dgm:style>
+  </dgm:styleLbl>
+  <dgm:styleLbl name="dkBgShp">
+    <dgm:scene3d>
+      <a:camera prst="orthographicFront"/>
+      <a:lightRig rig="threePt" dir="t"/>
+    </dgm:scene3d>
+    <dgm:sp3d/>
+    <dgm:txPr/>
+    <dgm:style>
+      <a:lnRef idx="0">
+        <a:scrgbClr r="0" g="0" b="0"/>
+      </a:lnRef>
+      <a:fillRef idx="1">
+        <a:scrgbClr r="0" g="0" b="0"/>
+      </a:fillRef>
+      <a:effectRef idx="0">
+        <a:scrgbClr r="0" g="0" b="0"/>
+      </a:effectRef>
+      <a:fontRef idx="minor"/>
+    </dgm:style>
+  </dgm:styleLbl>
+  <dgm:styleLbl name="trBgShp">
+    <dgm:scene3d>
+      <a:camera prst="orthographicFront"/>
+      <a:lightRig rig="threePt" dir="t"/>
+    </dgm:scene3d>
+    <dgm:sp3d/>
+    <dgm:txPr/>
+    <dgm:style>
+      <a:lnRef idx="0">
+        <a:scrgbClr r="0" g="0" b="0"/>
+      </a:lnRef>
+      <a:fillRef idx="1">
+        <a:scrgbClr r="0" g="0" b="0"/>
+      </a:fillRef>
+      <a:effectRef idx="0">
+        <a:scrgbClr r="0" g="0" b="0"/>
+      </a:effectRef>
+      <a:fontRef idx="minor"/>
+    </dgm:style>
+  </dgm:styleLbl>
+  <dgm:styleLbl name="fgShp">
+    <dgm:scene3d>
+      <a:camera prst="orthographicFront"/>
+      <a:lightRig rig="threePt" dir="t"/>
+    </dgm:scene3d>
+    <dgm:sp3d/>
+    <dgm:txPr/>
+    <dgm:style>
+      <a:lnRef idx="2">
+        <a:scrgbClr r="0" g="0" b="0"/>
+      </a:lnRef>
+      <a:fillRef idx="1">
+        <a:scrgbClr r="0" g="0" b="0"/>
+      </a:fillRef>
+      <a:effectRef idx="0">
+        <a:scrgbClr r="0" g="0" b="0"/>
+      </a:effectRef>
+      <a:fontRef idx="minor"/>
+    </dgm:style>
+  </dgm:styleLbl>
+  <dgm:styleLbl name="revTx">
+    <dgm:scene3d>
+      <a:camera prst="orthographicFront"/>
+      <a:lightRig rig="threePt" dir="t"/>
+    </dgm:scene3d>
+    <dgm:sp3d/>
+    <dgm:txPr/>
+    <dgm:style>
+      <a:lnRef idx="0">
+        <a:scrgbClr r="0" g="0" b="0"/>
+      </a:lnRef>
+      <a:fillRef idx="0">
+        <a:scrgbClr r="0" g="0" b="0"/>
+      </a:fillRef>
+      <a:effectRef idx="0">
+        <a:scrgbClr r="0" g="0" b="0"/>
+      </a:effectRef>
+      <a:fontRef idx="minor"/>
+    </dgm:style>
+  </dgm:styleLbl>
+</dgm:styleDef>
+</file>
+
+<file path=ppt/diagrams/quickStyle5.xml><?xml version="1.0" encoding="utf-8"?>
 <dgm:styleDef xmlns:dgm="http://schemas.openxmlformats.org/drawingml/2006/diagram" xmlns:a="http://schemas.openxmlformats.org/drawingml/2006/main" uniqueId="urn:microsoft.com/office/officeart/2005/8/quickstyle/simple1">
   <dgm:title val=""/>
   <dgm:desc val=""/>
@@ -9744,7 +16252,7 @@
           <a:p>
             <a:fld id="{B634EE48-03CC-4D00-B145-A19103A86E2C}" type="datetimeFigureOut">
               <a:rPr lang="en-US" smtClean="0"/>
-              <a:t>5/13/2023</a:t>
+              <a:t>5/15/2023</a:t>
             </a:fld>
             <a:endParaRPr lang="en-US"/>
           </a:p>
@@ -9942,7 +16450,7 @@
           <a:p>
             <a:fld id="{B634EE48-03CC-4D00-B145-A19103A86E2C}" type="datetimeFigureOut">
               <a:rPr lang="en-US" smtClean="0"/>
-              <a:t>5/13/2023</a:t>
+              <a:t>5/15/2023</a:t>
             </a:fld>
             <a:endParaRPr lang="en-US"/>
           </a:p>
@@ -10150,7 +16658,7 @@
           <a:p>
             <a:fld id="{B634EE48-03CC-4D00-B145-A19103A86E2C}" type="datetimeFigureOut">
               <a:rPr lang="en-US" smtClean="0"/>
-              <a:t>5/13/2023</a:t>
+              <a:t>5/15/2023</a:t>
             </a:fld>
             <a:endParaRPr lang="en-US"/>
           </a:p>
@@ -10348,7 +16856,7 @@
           <a:p>
             <a:fld id="{63D456BD-52B8-4176-8486-7C75A30CFD68}" type="datetimeFigureOut">
               <a:rPr lang="en-US" smtClean="0"/>
-              <a:t>5/13/2023</a:t>
+              <a:t>5/15/2023</a:t>
             </a:fld>
             <a:endParaRPr lang="en-US"/>
           </a:p>
@@ -10546,7 +17054,7 @@
           <a:p>
             <a:fld id="{B634EE48-03CC-4D00-B145-A19103A86E2C}" type="datetimeFigureOut">
               <a:rPr lang="en-US" smtClean="0"/>
-              <a:t>5/13/2023</a:t>
+              <a:t>5/15/2023</a:t>
             </a:fld>
             <a:endParaRPr lang="en-US"/>
           </a:p>
@@ -10821,7 +17329,7 @@
           <a:p>
             <a:fld id="{B634EE48-03CC-4D00-B145-A19103A86E2C}" type="datetimeFigureOut">
               <a:rPr lang="en-US" smtClean="0"/>
-              <a:t>5/13/2023</a:t>
+              <a:t>5/15/2023</a:t>
             </a:fld>
             <a:endParaRPr lang="en-US"/>
           </a:p>
@@ -11086,7 +17594,7 @@
           <a:p>
             <a:fld id="{B634EE48-03CC-4D00-B145-A19103A86E2C}" type="datetimeFigureOut">
               <a:rPr lang="en-US" smtClean="0"/>
-              <a:t>5/13/2023</a:t>
+              <a:t>5/15/2023</a:t>
             </a:fld>
             <a:endParaRPr lang="en-US"/>
           </a:p>
@@ -11498,7 +18006,7 @@
           <a:p>
             <a:fld id="{B634EE48-03CC-4D00-B145-A19103A86E2C}" type="datetimeFigureOut">
               <a:rPr lang="en-US" smtClean="0"/>
-              <a:t>5/13/2023</a:t>
+              <a:t>5/15/2023</a:t>
             </a:fld>
             <a:endParaRPr lang="en-US"/>
           </a:p>
@@ -11639,7 +18147,7 @@
           <a:p>
             <a:fld id="{B634EE48-03CC-4D00-B145-A19103A86E2C}" type="datetimeFigureOut">
               <a:rPr lang="en-US" smtClean="0"/>
-              <a:t>5/13/2023</a:t>
+              <a:t>5/15/2023</a:t>
             </a:fld>
             <a:endParaRPr lang="en-US"/>
           </a:p>
@@ -11752,7 +18260,7 @@
           <a:p>
             <a:fld id="{B634EE48-03CC-4D00-B145-A19103A86E2C}" type="datetimeFigureOut">
               <a:rPr lang="en-US" smtClean="0"/>
-              <a:t>5/13/2023</a:t>
+              <a:t>5/15/2023</a:t>
             </a:fld>
             <a:endParaRPr lang="en-US"/>
           </a:p>
@@ -12063,7 +18571,7 @@
           <a:p>
             <a:fld id="{B634EE48-03CC-4D00-B145-A19103A86E2C}" type="datetimeFigureOut">
               <a:rPr lang="en-US" smtClean="0"/>
-              <a:t>5/13/2023</a:t>
+              <a:t>5/15/2023</a:t>
             </a:fld>
             <a:endParaRPr lang="en-US"/>
           </a:p>
@@ -12351,7 +18859,7 @@
           <a:p>
             <a:fld id="{B634EE48-03CC-4D00-B145-A19103A86E2C}" type="datetimeFigureOut">
               <a:rPr lang="en-US" smtClean="0"/>
-              <a:t>5/13/2023</a:t>
+              <a:t>5/15/2023</a:t>
             </a:fld>
             <a:endParaRPr lang="en-US"/>
           </a:p>
@@ -12592,7 +19100,7 @@
           <a:p>
             <a:fld id="{B634EE48-03CC-4D00-B145-A19103A86E2C}" type="datetimeFigureOut">
               <a:rPr lang="en-US" smtClean="0"/>
-              <a:t>5/13/2023</a:t>
+              <a:t>5/15/2023</a:t>
             </a:fld>
             <a:endParaRPr lang="en-US"/>
           </a:p>
@@ -13223,7 +19731,10 @@
           <a:p>
             <a:pPr marR="0"/>
             <a:r>
-              <a:rPr lang="en-US" sz="4000" b="0" i="0" u="none" strike="noStrike" baseline="0" dirty="0"/>
+              <a:rPr lang="en-US" b="0" i="0" u="none" strike="noStrike" baseline="0" dirty="0">
+                <a:latin typeface="Segoe UI" panose="020B0502040204020203" pitchFamily="34" charset="0"/>
+                <a:cs typeface="Segoe UI" panose="020B0502040204020203" pitchFamily="34" charset="0"/>
+              </a:rPr>
               <a:t>Digital Art Solutions</a:t>
             </a:r>
           </a:p>
@@ -13247,13 +19758,13 @@
         </p:nvSpPr>
         <p:spPr>
           <a:xfrm>
-            <a:off x="7531610" y="2434201"/>
-            <a:ext cx="3822189" cy="3742762"/>
+            <a:off x="7531610" y="2107096"/>
+            <a:ext cx="3822189" cy="4069867"/>
           </a:xfrm>
         </p:spPr>
         <p:txBody>
           <a:bodyPr vert="horz" lIns="91440" tIns="45720" rIns="91440" bIns="45720" rtlCol="0">
-            <a:normAutofit/>
+            <a:normAutofit fontScale="92500" lnSpcReduction="10000"/>
           </a:bodyPr>
           <a:lstStyle/>
           <a:p>
@@ -13287,10 +19798,9 @@
           <a:p>
             <a:pPr marR="0" lvl="1"/>
             <a:r>
-              <a:rPr lang="en-US" sz="2000" b="0" i="0" u="none" strike="noStrike" baseline="0"/>
+              <a:rPr lang="en-US" sz="2000" b="0" i="0" u="none" strike="noStrike" baseline="0" dirty="0"/>
               <a:t>Back-end</a:t>
             </a:r>
-            <a:endParaRPr lang="en-US" sz="2000" b="0" i="0" u="none" strike="noStrike" baseline="0" dirty="0"/>
           </a:p>
           <a:p>
             <a:pPr marR="0" lvl="2"/>
@@ -13319,6 +19829,33 @@
               <a:rPr lang="en-US" sz="1800" b="0" i="0" u="none" strike="noStrike" baseline="0" dirty="0"/>
               <a:t>Streamlit</a:t>
             </a:r>
+          </a:p>
+          <a:p>
+            <a:r>
+              <a:rPr lang="en-US" sz="2000" b="0" i="0" u="none" strike="noStrike" baseline="0" dirty="0"/>
+              <a:t>Next Steps</a:t>
+            </a:r>
+          </a:p>
+          <a:p>
+            <a:pPr lvl="1"/>
+            <a:r>
+              <a:rPr lang="en-US" sz="2100" b="0" i="0" u="none" strike="noStrike" baseline="0" dirty="0"/>
+              <a:t>Enhanced multi-auction solution</a:t>
+            </a:r>
+          </a:p>
+          <a:p>
+            <a:pPr lvl="1"/>
+            <a:r>
+              <a:rPr lang="en-US" sz="2100" dirty="0"/>
+              <a:t>Cost estimates</a:t>
+            </a:r>
+            <a:endParaRPr lang="en-US" sz="2100" b="0" i="0" u="none" strike="noStrike" baseline="0" dirty="0"/>
+          </a:p>
+          <a:p>
+            <a:pPr marL="914400" marR="0" lvl="2" indent="0">
+              <a:buNone/>
+            </a:pPr>
+            <a:endParaRPr lang="en-US" sz="1800" dirty="0"/>
           </a:p>
         </p:txBody>
       </p:sp>
@@ -13384,9 +19921,8 @@
                 <a:solidFill>
                   <a:schemeClr val="tx1"/>
                 </a:solidFill>
-                <a:latin typeface="+mj-lt"/>
-                <a:ea typeface="+mj-ea"/>
-                <a:cs typeface="+mj-cs"/>
+                <a:latin typeface="Segoe UI" panose="020B0502040204020203" pitchFamily="34" charset="0"/>
+                <a:cs typeface="Segoe UI" panose="020B0502040204020203" pitchFamily="34" charset="0"/>
               </a:rPr>
               <a:t>NFT Minting and Registration</a:t>
             </a:r>
@@ -13395,6 +19931,7 @@
                 <a:srgbClr val="000000"/>
               </a:solidFill>
               <a:latin typeface="Segoe UI" panose="020B0502040204020203" pitchFamily="34" charset="0"/>
+              <a:cs typeface="Segoe UI" panose="020B0502040204020203" pitchFamily="34" charset="0"/>
             </a:endParaRPr>
           </a:p>
         </p:txBody>
@@ -13412,7 +19949,7 @@
           <p:nvPr>
             <p:extLst>
               <p:ext uri="{D42A27DB-BD31-4B8C-83A1-F6EECF244321}">
-                <p14:modId xmlns:p14="http://schemas.microsoft.com/office/powerpoint/2010/main" val="3911162099"/>
+                <p14:modId xmlns:p14="http://schemas.microsoft.com/office/powerpoint/2010/main" val="198667218"/>
               </p:ext>
             </p:extLst>
           </p:nvPr>
@@ -13480,7 +20017,7 @@
           <a:p>
             <a:pPr marR="0" rtl="0"/>
             <a:r>
-              <a:rPr lang="en-US" b="0" i="0" u="none" strike="noStrike" baseline="0">
+              <a:rPr lang="en-US" b="0" i="0" u="none" strike="noStrike" baseline="0" dirty="0">
                 <a:solidFill>
                   <a:srgbClr val="000000"/>
                 </a:solidFill>
@@ -13615,6 +20152,662 @@
     <p:extLst>
       <p:ext uri="{BB962C8B-B14F-4D97-AF65-F5344CB8AC3E}">
         <p14:creationId xmlns:p14="http://schemas.microsoft.com/office/powerpoint/2010/main" val="1679028479"/>
+      </p:ext>
+    </p:extLst>
+  </p:cSld>
+  <p:clrMapOvr>
+    <a:masterClrMapping/>
+  </p:clrMapOvr>
+</p:sld>
+</file>
+
+<file path=ppt/slides/slide5.xml><?xml version="1.0" encoding="utf-8"?>
+<p:sld xmlns:a="http://schemas.openxmlformats.org/drawingml/2006/main" xmlns:r="http://schemas.openxmlformats.org/officeDocument/2006/relationships" xmlns:p="http://schemas.openxmlformats.org/presentationml/2006/main">
+  <p:cSld>
+    <p:spTree>
+      <p:nvGrpSpPr>
+        <p:cNvPr id="1" name=""/>
+        <p:cNvGrpSpPr/>
+        <p:nvPr/>
+      </p:nvGrpSpPr>
+      <p:grpSpPr>
+        <a:xfrm>
+          <a:off x="0" y="0"/>
+          <a:ext cx="0" cy="0"/>
+          <a:chOff x="0" y="0"/>
+          <a:chExt cx="0" cy="0"/>
+        </a:xfrm>
+      </p:grpSpPr>
+      <p:sp>
+        <p:nvSpPr>
+          <p:cNvPr id="2" name="Title 1">
+            <a:extLst>
+              <a:ext uri="{FF2B5EF4-FFF2-40B4-BE49-F238E27FC236}">
+                <a16:creationId xmlns:a16="http://schemas.microsoft.com/office/drawing/2014/main" id="{515C3DFA-29A7-30B9-82D5-54E787C224E8}"/>
+              </a:ext>
+            </a:extLst>
+          </p:cNvPr>
+          <p:cNvSpPr>
+            <a:spLocks noGrp="1"/>
+          </p:cNvSpPr>
+          <p:nvPr>
+            <p:ph type="title"/>
+          </p:nvPr>
+        </p:nvSpPr>
+        <p:spPr/>
+        <p:txBody>
+          <a:bodyPr/>
+          <a:lstStyle/>
+          <a:p>
+            <a:pPr marR="0" rtl="0"/>
+            <a:r>
+              <a:rPr kumimoji="0" lang="en-US" sz="4400" b="0" i="0" u="none" strike="noStrike" kern="1200" cap="none" spc="0" normalizeH="0" baseline="0" noProof="0" dirty="0">
+                <a:ln>
+                  <a:noFill/>
+                </a:ln>
+                <a:solidFill>
+                  <a:prstClr val="black"/>
+                </a:solidFill>
+                <a:effectLst/>
+                <a:uLnTx/>
+                <a:uFillTx/>
+                <a:latin typeface="Segoe UI" panose="020B0502040204020203" pitchFamily="34" charset="0"/>
+                <a:cs typeface="Segoe UI" panose="020B0502040204020203" pitchFamily="34" charset="0"/>
+              </a:rPr>
+              <a:t>Next Steps</a:t>
+            </a:r>
+            <a:endParaRPr lang="en-US" b="0" i="0" u="none" strike="noStrike" kern="100" baseline="0" dirty="0">
+              <a:solidFill>
+                <a:srgbClr val="2F5496"/>
+              </a:solidFill>
+              <a:latin typeface="Segoe UI" panose="020B0502040204020203" pitchFamily="34" charset="0"/>
+              <a:cs typeface="Segoe UI" panose="020B0502040204020203" pitchFamily="34" charset="0"/>
+            </a:endParaRPr>
+          </a:p>
+        </p:txBody>
+      </p:sp>
+      <p:graphicFrame>
+        <p:nvGraphicFramePr>
+          <p:cNvPr id="16" name="Text Placeholder 2">
+            <a:extLst>
+              <a:ext uri="{FF2B5EF4-FFF2-40B4-BE49-F238E27FC236}">
+                <a16:creationId xmlns:a16="http://schemas.microsoft.com/office/drawing/2014/main" id="{6EB478FA-07FD-E356-8C22-CB4063D5DCF6}"/>
+              </a:ext>
+            </a:extLst>
+          </p:cNvPr>
+          <p:cNvGraphicFramePr/>
+          <p:nvPr>
+            <p:extLst>
+              <p:ext uri="{D42A27DB-BD31-4B8C-83A1-F6EECF244321}">
+                <p14:modId xmlns:p14="http://schemas.microsoft.com/office/powerpoint/2010/main" val="4175853294"/>
+              </p:ext>
+            </p:extLst>
+          </p:nvPr>
+        </p:nvGraphicFramePr>
+        <p:xfrm>
+          <a:off x="838200" y="1825625"/>
+          <a:ext cx="10515600" cy="4351338"/>
+        </p:xfrm>
+        <a:graphic>
+          <a:graphicData uri="http://schemas.openxmlformats.org/drawingml/2006/diagram">
+            <dgm:relIds xmlns:dgm="http://schemas.openxmlformats.org/drawingml/2006/diagram" xmlns:r="http://schemas.openxmlformats.org/officeDocument/2006/relationships" r:dm="rId2" r:lo="rId3" r:qs="rId4" r:cs="rId5"/>
+          </a:graphicData>
+        </a:graphic>
+      </p:graphicFrame>
+    </p:spTree>
+    <p:extLst>
+      <p:ext uri="{BB962C8B-B14F-4D97-AF65-F5344CB8AC3E}">
+        <p14:creationId xmlns:p14="http://schemas.microsoft.com/office/powerpoint/2010/main" val="3002182535"/>
+      </p:ext>
+    </p:extLst>
+  </p:cSld>
+  <p:clrMapOvr>
+    <a:masterClrMapping/>
+  </p:clrMapOvr>
+</p:sld>
+</file>
+
+<file path=ppt/slides/slide6.xml><?xml version="1.0" encoding="utf-8"?>
+<p:sld xmlns:a="http://schemas.openxmlformats.org/drawingml/2006/main" xmlns:r="http://schemas.openxmlformats.org/officeDocument/2006/relationships" xmlns:p="http://schemas.openxmlformats.org/presentationml/2006/main">
+  <p:cSld>
+    <p:spTree>
+      <p:nvGrpSpPr>
+        <p:cNvPr id="1" name=""/>
+        <p:cNvGrpSpPr/>
+        <p:nvPr/>
+      </p:nvGrpSpPr>
+      <p:grpSpPr>
+        <a:xfrm>
+          <a:off x="0" y="0"/>
+          <a:ext cx="0" cy="0"/>
+          <a:chOff x="0" y="0"/>
+          <a:chExt cx="0" cy="0"/>
+        </a:xfrm>
+      </p:grpSpPr>
+      <p:sp>
+        <p:nvSpPr>
+          <p:cNvPr id="2" name="Title 1">
+            <a:extLst>
+              <a:ext uri="{FF2B5EF4-FFF2-40B4-BE49-F238E27FC236}">
+                <a16:creationId xmlns:a16="http://schemas.microsoft.com/office/drawing/2014/main" id="{3470A61B-0B92-B53E-D041-5F8A903C55AC}"/>
+              </a:ext>
+            </a:extLst>
+          </p:cNvPr>
+          <p:cNvSpPr>
+            <a:spLocks noGrp="1"/>
+          </p:cNvSpPr>
+          <p:nvPr>
+            <p:ph type="title"/>
+          </p:nvPr>
+        </p:nvSpPr>
+        <p:spPr/>
+        <p:txBody>
+          <a:bodyPr/>
+          <a:lstStyle/>
+          <a:p>
+            <a:pPr marR="0" rtl="0"/>
+            <a:r>
+              <a:rPr lang="en-US" b="0" i="0" u="none" strike="noStrike" kern="100" baseline="0" dirty="0">
+                <a:latin typeface="Segoe UI" panose="020B0502040204020203" pitchFamily="34" charset="0"/>
+                <a:cs typeface="Segoe UI" panose="020B0502040204020203" pitchFamily="34" charset="0"/>
+              </a:rPr>
+              <a:t>Cost Estimates (number of specialists and hours required):</a:t>
+            </a:r>
+          </a:p>
+        </p:txBody>
+      </p:sp>
+      <p:graphicFrame>
+        <p:nvGraphicFramePr>
+          <p:cNvPr id="7" name="Text Placeholder 2">
+            <a:extLst>
+              <a:ext uri="{FF2B5EF4-FFF2-40B4-BE49-F238E27FC236}">
+                <a16:creationId xmlns:a16="http://schemas.microsoft.com/office/drawing/2014/main" id="{480B2466-5450-89CF-AB06-88B1E8017665}"/>
+              </a:ext>
+            </a:extLst>
+          </p:cNvPr>
+          <p:cNvGraphicFramePr/>
+          <p:nvPr>
+            <p:extLst>
+              <p:ext uri="{D42A27DB-BD31-4B8C-83A1-F6EECF244321}">
+                <p14:modId xmlns:p14="http://schemas.microsoft.com/office/powerpoint/2010/main" val="2842957849"/>
+              </p:ext>
+            </p:extLst>
+          </p:nvPr>
+        </p:nvGraphicFramePr>
+        <p:xfrm>
+          <a:off x="838200" y="1825625"/>
+          <a:ext cx="10515600" cy="4351338"/>
+        </p:xfrm>
+        <a:graphic>
+          <a:graphicData uri="http://schemas.openxmlformats.org/drawingml/2006/diagram">
+            <dgm:relIds xmlns:dgm="http://schemas.openxmlformats.org/drawingml/2006/diagram" xmlns:r="http://schemas.openxmlformats.org/officeDocument/2006/relationships" r:dm="rId2" r:lo="rId3" r:qs="rId4" r:cs="rId5"/>
+          </a:graphicData>
+        </a:graphic>
+      </p:graphicFrame>
+    </p:spTree>
+    <p:extLst>
+      <p:ext uri="{BB962C8B-B14F-4D97-AF65-F5344CB8AC3E}">
+        <p14:creationId xmlns:p14="http://schemas.microsoft.com/office/powerpoint/2010/main" val="679611928"/>
+      </p:ext>
+    </p:extLst>
+  </p:cSld>
+  <p:clrMapOvr>
+    <a:masterClrMapping/>
+  </p:clrMapOvr>
+</p:sld>
+</file>
+
+<file path=ppt/slides/slide7.xml><?xml version="1.0" encoding="utf-8"?>
+<p:sld xmlns:a="http://schemas.openxmlformats.org/drawingml/2006/main" xmlns:r="http://schemas.openxmlformats.org/officeDocument/2006/relationships" xmlns:p="http://schemas.openxmlformats.org/presentationml/2006/main">
+  <p:cSld>
+    <p:bg>
+      <p:bgPr>
+        <a:solidFill>
+          <a:schemeClr val="bg1"/>
+        </a:solidFill>
+        <a:effectLst/>
+      </p:bgPr>
+    </p:bg>
+    <p:spTree>
+      <p:nvGrpSpPr>
+        <p:cNvPr id="1" name=""/>
+        <p:cNvGrpSpPr/>
+        <p:nvPr/>
+      </p:nvGrpSpPr>
+      <p:grpSpPr>
+        <a:xfrm>
+          <a:off x="0" y="0"/>
+          <a:ext cx="0" cy="0"/>
+          <a:chOff x="0" y="0"/>
+          <a:chExt cx="0" cy="0"/>
+        </a:xfrm>
+      </p:grpSpPr>
+      <p:sp useBgFill="1">
+        <p:nvSpPr>
+          <p:cNvPr id="15" name="Rectangle 9">
+            <a:extLst>
+              <a:ext uri="{FF2B5EF4-FFF2-40B4-BE49-F238E27FC236}">
+                <a16:creationId xmlns:a16="http://schemas.microsoft.com/office/drawing/2014/main" id="{2550BE34-C2B8-49B8-8519-67A8CAD51AE9}"/>
+              </a:ext>
+              <a:ext uri="{C183D7F6-B498-43B3-948B-1728B52AA6E4}">
+                <adec:decorative xmlns:adec="http://schemas.microsoft.com/office/drawing/2017/decorative" val="1"/>
+              </a:ext>
+            </a:extLst>
+          </p:cNvPr>
+          <p:cNvSpPr>
+            <a:spLocks noGrp="1" noRot="1" noChangeAspect="1" noMove="1" noResize="1" noEditPoints="1" noAdjustHandles="1" noChangeArrowheads="1" noChangeShapeType="1" noTextEdit="1"/>
+          </p:cNvSpPr>
+          <p:nvPr>
+            <p:extLst>
+              <p:ext uri="{386F3935-93C4-4BCD-93E2-E3B085C9AB24}">
+                <p16:designElem xmlns:p16="http://schemas.microsoft.com/office/powerpoint/2015/main" val="1"/>
+              </p:ext>
+            </p:extLst>
+          </p:nvPr>
+        </p:nvSpPr>
+        <p:spPr>
+          <a:xfrm>
+            <a:off x="0" y="0"/>
+            <a:ext cx="12192000" cy="6858000"/>
+          </a:xfrm>
+          <a:prstGeom prst="rect">
+            <a:avLst/>
+          </a:prstGeom>
+          <a:ln>
+            <a:noFill/>
+          </a:ln>
+        </p:spPr>
+        <p:style>
+          <a:lnRef idx="2">
+            <a:schemeClr val="accent1">
+              <a:shade val="50000"/>
+            </a:schemeClr>
+          </a:lnRef>
+          <a:fillRef idx="1">
+            <a:schemeClr val="accent1"/>
+          </a:fillRef>
+          <a:effectRef idx="0">
+            <a:schemeClr val="accent1"/>
+          </a:effectRef>
+          <a:fontRef idx="minor">
+            <a:schemeClr val="lt1"/>
+          </a:fontRef>
+        </p:style>
+        <p:txBody>
+          <a:bodyPr rtlCol="0" anchor="ctr"/>
+          <a:lstStyle/>
+          <a:p>
+            <a:pPr algn="ctr"/>
+            <a:endParaRPr lang="en-US"/>
+          </a:p>
+        </p:txBody>
+      </p:sp>
+      <p:sp useBgFill="1">
+        <p:nvSpPr>
+          <p:cNvPr id="17" name="Rectangle 11">
+            <a:extLst>
+              <a:ext uri="{FF2B5EF4-FFF2-40B4-BE49-F238E27FC236}">
+                <a16:creationId xmlns:a16="http://schemas.microsoft.com/office/drawing/2014/main" id="{A7457DD9-5A45-400A-AB4B-4B4EDECA25F1}"/>
+              </a:ext>
+              <a:ext uri="{C183D7F6-B498-43B3-948B-1728B52AA6E4}">
+                <adec:decorative xmlns:adec="http://schemas.microsoft.com/office/drawing/2017/decorative" val="1"/>
+              </a:ext>
+            </a:extLst>
+          </p:cNvPr>
+          <p:cNvSpPr>
+            <a:spLocks noGrp="1" noRot="1" noChangeAspect="1" noMove="1" noResize="1" noEditPoints="1" noAdjustHandles="1" noChangeArrowheads="1" noChangeShapeType="1" noTextEdit="1"/>
+          </p:cNvSpPr>
+          <p:nvPr>
+            <p:extLst>
+              <p:ext uri="{386F3935-93C4-4BCD-93E2-E3B085C9AB24}">
+                <p16:designElem xmlns:p16="http://schemas.microsoft.com/office/powerpoint/2015/main" val="1"/>
+              </p:ext>
+            </p:extLst>
+          </p:nvPr>
+        </p:nvSpPr>
+        <p:spPr>
+          <a:xfrm>
+            <a:off x="554416" y="365125"/>
+            <a:ext cx="11167447" cy="2089317"/>
+          </a:xfrm>
+          <a:prstGeom prst="rect">
+            <a:avLst/>
+          </a:prstGeom>
+          <a:ln w="12700">
+            <a:solidFill>
+              <a:srgbClr val="DEDEDE"/>
+            </a:solidFill>
+          </a:ln>
+          <a:effectLst>
+            <a:outerShdw blurRad="50800" dist="38100" dir="2700000" algn="tl" rotWithShape="0">
+              <a:schemeClr val="bg2">
+                <a:lumMod val="85000"/>
+                <a:alpha val="50000"/>
+              </a:schemeClr>
+            </a:outerShdw>
+          </a:effectLst>
+        </p:spPr>
+        <p:style>
+          <a:lnRef idx="2">
+            <a:schemeClr val="accent1">
+              <a:shade val="50000"/>
+            </a:schemeClr>
+          </a:lnRef>
+          <a:fillRef idx="1">
+            <a:schemeClr val="accent1"/>
+          </a:fillRef>
+          <a:effectRef idx="0">
+            <a:schemeClr val="accent1"/>
+          </a:effectRef>
+          <a:fontRef idx="minor">
+            <a:schemeClr val="lt1"/>
+          </a:fontRef>
+        </p:style>
+        <p:txBody>
+          <a:bodyPr rtlCol="0" anchor="ctr"/>
+          <a:lstStyle/>
+          <a:p>
+            <a:pPr marL="0" marR="0" lvl="0" indent="0" algn="ctr" defTabSz="914400" rtl="0" eaLnBrk="1" fontAlgn="auto" latinLnBrk="0" hangingPunct="1">
+              <a:lnSpc>
+                <a:spcPct val="100000"/>
+              </a:lnSpc>
+              <a:spcBef>
+                <a:spcPts val="0"/>
+              </a:spcBef>
+              <a:spcAft>
+                <a:spcPts val="0"/>
+              </a:spcAft>
+              <a:buClrTx/>
+              <a:buSzTx/>
+              <a:buFontTx/>
+              <a:buNone/>
+              <a:tabLst/>
+              <a:defRPr/>
+            </a:pPr>
+            <a:endParaRPr kumimoji="0" lang="en-US" sz="1800" b="0" i="0" u="none" strike="noStrike" kern="1200" cap="none" spc="0" normalizeH="0" baseline="0" noProof="0">
+              <a:ln>
+                <a:noFill/>
+              </a:ln>
+              <a:solidFill>
+                <a:prstClr val="white"/>
+              </a:solidFill>
+              <a:effectLst/>
+              <a:uLnTx/>
+              <a:uFillTx/>
+              <a:latin typeface="Calibri" panose="020F0502020204030204"/>
+              <a:ea typeface="+mn-ea"/>
+              <a:cs typeface="+mn-cs"/>
+            </a:endParaRPr>
+          </a:p>
+        </p:txBody>
+      </p:sp>
+      <p:sp>
+        <p:nvSpPr>
+          <p:cNvPr id="2" name="Title 1">
+            <a:extLst>
+              <a:ext uri="{FF2B5EF4-FFF2-40B4-BE49-F238E27FC236}">
+                <a16:creationId xmlns:a16="http://schemas.microsoft.com/office/drawing/2014/main" id="{8AFF58CD-452D-D6CF-3C14-4F5995B2838F}"/>
+              </a:ext>
+            </a:extLst>
+          </p:cNvPr>
+          <p:cNvSpPr>
+            <a:spLocks noGrp="1"/>
+          </p:cNvSpPr>
+          <p:nvPr>
+            <p:ph type="title"/>
+          </p:nvPr>
+        </p:nvSpPr>
+        <p:spPr>
+          <a:xfrm>
+            <a:off x="1046746" y="586822"/>
+            <a:ext cx="3560252" cy="1645920"/>
+          </a:xfrm>
+        </p:spPr>
+        <p:txBody>
+          <a:bodyPr vert="horz" lIns="91440" tIns="45720" rIns="91440" bIns="45720" rtlCol="0" anchor="ctr">
+            <a:normAutofit/>
+          </a:bodyPr>
+          <a:lstStyle/>
+          <a:p>
+            <a:r>
+              <a:rPr lang="en-US" sz="2700" kern="1200">
+                <a:solidFill>
+                  <a:schemeClr val="tx1"/>
+                </a:solidFill>
+                <a:latin typeface="+mj-lt"/>
+                <a:ea typeface="+mj-ea"/>
+                <a:cs typeface="+mj-cs"/>
+              </a:rPr>
+              <a:t>Next Steps and Cost Estimates (in $ based on 300 hours workload)</a:t>
+            </a:r>
+          </a:p>
+        </p:txBody>
+      </p:sp>
+      <p:sp>
+        <p:nvSpPr>
+          <p:cNvPr id="21" name="Rectangle 13">
+            <a:extLst>
+              <a:ext uri="{FF2B5EF4-FFF2-40B4-BE49-F238E27FC236}">
+                <a16:creationId xmlns:a16="http://schemas.microsoft.com/office/drawing/2014/main" id="{441CF7D6-A660-431A-B0BB-140A0D5556B6}"/>
+              </a:ext>
+              <a:ext uri="{C183D7F6-B498-43B3-948B-1728B52AA6E4}">
+                <adec:decorative xmlns:adec="http://schemas.microsoft.com/office/drawing/2017/decorative" val="1"/>
+              </a:ext>
+            </a:extLst>
+          </p:cNvPr>
+          <p:cNvSpPr>
+            <a:spLocks noGrp="1" noRot="1" noChangeAspect="1" noMove="1" noResize="1" noEditPoints="1" noAdjustHandles="1" noChangeArrowheads="1" noChangeShapeType="1" noTextEdit="1"/>
+          </p:cNvSpPr>
+          <p:nvPr>
+            <p:extLst>
+              <p:ext uri="{386F3935-93C4-4BCD-93E2-E3B085C9AB24}">
+                <p16:designElem xmlns:p16="http://schemas.microsoft.com/office/powerpoint/2015/main" val="1"/>
+              </p:ext>
+            </p:extLst>
+          </p:nvPr>
+        </p:nvSpPr>
+        <p:spPr>
+          <a:xfrm>
+            <a:off x="490408" y="1057739"/>
+            <a:ext cx="128016" cy="704088"/>
+          </a:xfrm>
+          <a:prstGeom prst="rect">
+            <a:avLst/>
+          </a:prstGeom>
+          <a:solidFill>
+            <a:schemeClr val="accent2"/>
+          </a:solidFill>
+          <a:ln>
+            <a:noFill/>
+          </a:ln>
+        </p:spPr>
+        <p:style>
+          <a:lnRef idx="2">
+            <a:schemeClr val="accent1">
+              <a:shade val="50000"/>
+            </a:schemeClr>
+          </a:lnRef>
+          <a:fillRef idx="1">
+            <a:schemeClr val="accent1"/>
+          </a:fillRef>
+          <a:effectRef idx="0">
+            <a:schemeClr val="accent1"/>
+          </a:effectRef>
+          <a:fontRef idx="minor">
+            <a:schemeClr val="lt1"/>
+          </a:fontRef>
+        </p:style>
+        <p:txBody>
+          <a:bodyPr rtlCol="0" anchor="ctr"/>
+          <a:lstStyle/>
+          <a:p>
+            <a:pPr algn="ctr"/>
+            <a:endParaRPr lang="en-US" dirty="0">
+              <a:solidFill>
+                <a:prstClr val="white"/>
+              </a:solidFill>
+              <a:latin typeface="Calibri" panose="020F0502020204030204"/>
+            </a:endParaRPr>
+          </a:p>
+        </p:txBody>
+      </p:sp>
+      <p:sp>
+        <p:nvSpPr>
+          <p:cNvPr id="24" name="Rectangle 15">
+            <a:extLst>
+              <a:ext uri="{FF2B5EF4-FFF2-40B4-BE49-F238E27FC236}">
+                <a16:creationId xmlns:a16="http://schemas.microsoft.com/office/drawing/2014/main" id="{0570A85B-3810-4F95-97B0-CBF4CCDB381C}"/>
+              </a:ext>
+              <a:ext uri="{C183D7F6-B498-43B3-948B-1728B52AA6E4}">
+                <adec:decorative xmlns:adec="http://schemas.microsoft.com/office/drawing/2017/decorative" val="1"/>
+              </a:ext>
+            </a:extLst>
+          </p:cNvPr>
+          <p:cNvSpPr>
+            <a:spLocks noGrp="1" noRot="1" noChangeAspect="1" noMove="1" noResize="1" noEditPoints="1" noAdjustHandles="1" noChangeArrowheads="1" noChangeShapeType="1" noTextEdit="1"/>
+          </p:cNvSpPr>
+          <p:nvPr>
+            <p:extLst>
+              <p:ext uri="{386F3935-93C4-4BCD-93E2-E3B085C9AB24}">
+                <p16:designElem xmlns:p16="http://schemas.microsoft.com/office/powerpoint/2015/main" val="1"/>
+              </p:ext>
+            </p:extLst>
+          </p:nvPr>
+        </p:nvSpPr>
+        <p:spPr>
+          <a:xfrm rot="5400000">
+            <a:off x="4243541" y="1400638"/>
+            <a:ext cx="1463040" cy="18288"/>
+          </a:xfrm>
+          <a:prstGeom prst="rect">
+            <a:avLst/>
+          </a:prstGeom>
+          <a:solidFill>
+            <a:srgbClr val="D5D5D5"/>
+          </a:solidFill>
+          <a:ln w="3175">
+            <a:noFill/>
+          </a:ln>
+          <a:effectLst/>
+        </p:spPr>
+        <p:style>
+          <a:lnRef idx="2">
+            <a:schemeClr val="accent1">
+              <a:shade val="50000"/>
+            </a:schemeClr>
+          </a:lnRef>
+          <a:fillRef idx="1">
+            <a:schemeClr val="accent1"/>
+          </a:fillRef>
+          <a:effectRef idx="0">
+            <a:schemeClr val="accent1"/>
+          </a:effectRef>
+          <a:fontRef idx="minor">
+            <a:schemeClr val="lt1"/>
+          </a:fontRef>
+        </p:style>
+        <p:txBody>
+          <a:bodyPr rtlCol="0" anchor="ctr"/>
+          <a:lstStyle/>
+          <a:p>
+            <a:pPr algn="ctr"/>
+            <a:endParaRPr lang="en-US">
+              <a:solidFill>
+                <a:prstClr val="white"/>
+              </a:solidFill>
+              <a:latin typeface="Calibri" panose="020F0502020204030204"/>
+            </a:endParaRPr>
+          </a:p>
+        </p:txBody>
+      </p:sp>
+      <p:sp>
+        <p:nvSpPr>
+          <p:cNvPr id="3" name="Text Placeholder 2">
+            <a:extLst>
+              <a:ext uri="{FF2B5EF4-FFF2-40B4-BE49-F238E27FC236}">
+                <a16:creationId xmlns:a16="http://schemas.microsoft.com/office/drawing/2014/main" id="{EDC3B961-2033-7536-BD49-6ECFDE29EDF1}"/>
+              </a:ext>
+            </a:extLst>
+          </p:cNvPr>
+          <p:cNvSpPr>
+            <a:spLocks noGrp="1"/>
+          </p:cNvSpPr>
+          <p:nvPr>
+            <p:ph type="body" idx="1"/>
+          </p:nvPr>
+        </p:nvSpPr>
+        <p:spPr>
+          <a:xfrm>
+            <a:off x="5351164" y="586822"/>
+            <a:ext cx="6002636" cy="1645920"/>
+          </a:xfrm>
+        </p:spPr>
+        <p:txBody>
+          <a:bodyPr vert="horz" lIns="91440" tIns="45720" rIns="91440" bIns="45720" rtlCol="0" anchor="ctr">
+            <a:normAutofit/>
+          </a:bodyPr>
+          <a:lstStyle/>
+          <a:p>
+            <a:r>
+              <a:rPr lang="en-US" sz="1500" dirty="0"/>
+              <a:t>We estimate the hourly wage to be $50 for our specialists, which results in the total additional cost of $15,000 to complete the project.</a:t>
+            </a:r>
+          </a:p>
+          <a:p>
+            <a:r>
+              <a:rPr lang="en-US" sz="1500" dirty="0"/>
+              <a:t>The hourly rate estimate is based on </a:t>
+            </a:r>
+            <a:r>
+              <a:rPr lang="en-US" sz="1500" dirty="0">
+                <a:hlinkClick r:id="rId2"/>
+              </a:rPr>
+              <a:t>https://builtin.com/salaries/dev-engineer/implementation-specialist</a:t>
+            </a:r>
+            <a:r>
+              <a:rPr lang="en-US" sz="1500" dirty="0"/>
+              <a:t> (please see below). We raised the rate to get to the $100,000 annual rate to get a higher quality specialists.</a:t>
+            </a:r>
+          </a:p>
+          <a:p>
+            <a:endParaRPr lang="en-US" sz="1500" dirty="0"/>
+          </a:p>
+        </p:txBody>
+      </p:sp>
+      <p:pic>
+        <p:nvPicPr>
+          <p:cNvPr id="5" name="Picture 4">
+            <a:extLst>
+              <a:ext uri="{FF2B5EF4-FFF2-40B4-BE49-F238E27FC236}">
+                <a16:creationId xmlns:a16="http://schemas.microsoft.com/office/drawing/2014/main" id="{F3346A52-259D-1B2F-4C0E-822209497ADC}"/>
+              </a:ext>
+            </a:extLst>
+          </p:cNvPr>
+          <p:cNvPicPr>
+            <a:picLocks noChangeAspect="1"/>
+          </p:cNvPicPr>
+          <p:nvPr/>
+        </p:nvPicPr>
+        <p:blipFill>
+          <a:blip r:embed="rId3"/>
+          <a:stretch>
+            <a:fillRect/>
+          </a:stretch>
+        </p:blipFill>
+        <p:spPr>
+          <a:xfrm>
+            <a:off x="738854" y="2734056"/>
+            <a:ext cx="10802684" cy="3483864"/>
+          </a:xfrm>
+          <a:prstGeom prst="rect">
+            <a:avLst/>
+          </a:prstGeom>
+        </p:spPr>
+      </p:pic>
+    </p:spTree>
+    <p:extLst>
+      <p:ext uri="{BB962C8B-B14F-4D97-AF65-F5344CB8AC3E}">
+        <p14:creationId xmlns:p14="http://schemas.microsoft.com/office/powerpoint/2010/main" val="1932872946"/>
       </p:ext>
     </p:extLst>
   </p:cSld>

--- a/Digital Art Solutions.pptx
+++ b/Digital Art Solutions.pptx
@@ -121,7 +121,7 @@
 <file path=ppt/revisionInfo.xml><?xml version="1.0" encoding="utf-8"?>
 <p1510:revInfo xmlns:a="http://schemas.openxmlformats.org/drawingml/2006/main" xmlns:r="http://schemas.openxmlformats.org/officeDocument/2006/relationships" xmlns:p1510="http://schemas.microsoft.com/office/powerpoint/2015/10/main">
   <p1510:revLst>
-    <p1510:client id="{2AD4B4F2-9A8D-4F93-BE81-9B174DA180E8}" v="1368" dt="2023-05-15T15:16:56.477"/>
+    <p1510:client id="{2AD4B4F2-9A8D-4F93-BE81-9B174DA180E8}" v="1377" dt="2023-05-16T15:54:23.441"/>
   </p1510:revLst>
 </p1510:revInfo>
 </file>
@@ -131,7 +131,7 @@
   <pc:docChgLst>
     <pc:chgData name="b d" userId="d8a693ecc95ea58f" providerId="LiveId" clId="{2AD4B4F2-9A8D-4F93-BE81-9B174DA180E8}"/>
     <pc:docChg chg="undo custSel addSld modSld sldOrd">
-      <pc:chgData name="b d" userId="d8a693ecc95ea58f" providerId="LiveId" clId="{2AD4B4F2-9A8D-4F93-BE81-9B174DA180E8}" dt="2023-05-15T15:37:48.270" v="2247" actId="20577"/>
+      <pc:chgData name="b d" userId="d8a693ecc95ea58f" providerId="LiveId" clId="{2AD4B4F2-9A8D-4F93-BE81-9B174DA180E8}" dt="2023-05-16T15:54:23.441" v="2260"/>
       <pc:docMkLst>
         <pc:docMk/>
       </pc:docMkLst>
@@ -159,7 +159,7 @@
         </pc:spChg>
       </pc:sldChg>
       <pc:sldChg chg="modSp add mod">
-        <pc:chgData name="b d" userId="d8a693ecc95ea58f" providerId="LiveId" clId="{2AD4B4F2-9A8D-4F93-BE81-9B174DA180E8}" dt="2023-05-15T15:22:37.305" v="2161" actId="2711"/>
+        <pc:chgData name="b d" userId="d8a693ecc95ea58f" providerId="LiveId" clId="{2AD4B4F2-9A8D-4F93-BE81-9B174DA180E8}" dt="2023-05-16T15:54:23.441" v="2260"/>
         <pc:sldMkLst>
           <pc:docMk/>
           <pc:sldMk cId="679611928" sldId="258"/>
@@ -173,7 +173,7 @@
           </ac:spMkLst>
         </pc:spChg>
         <pc:graphicFrameChg chg="mod">
-          <ac:chgData name="b d" userId="d8a693ecc95ea58f" providerId="LiveId" clId="{2AD4B4F2-9A8D-4F93-BE81-9B174DA180E8}" dt="2023-05-15T15:16:54.679" v="2117" actId="20577"/>
+          <ac:chgData name="b d" userId="d8a693ecc95ea58f" providerId="LiveId" clId="{2AD4B4F2-9A8D-4F93-BE81-9B174DA180E8}" dt="2023-05-16T15:54:23.441" v="2260"/>
           <ac:graphicFrameMkLst>
             <pc:docMk/>
             <pc:sldMk cId="679611928" sldId="258"/>
@@ -181,8 +181,55 @@
           </ac:graphicFrameMkLst>
         </pc:graphicFrameChg>
       </pc:sldChg>
+      <pc:sldChg chg="addSp delSp modSp mod setBg setClrOvrMap">
+        <pc:chgData name="b d" userId="d8a693ecc95ea58f" providerId="LiveId" clId="{2AD4B4F2-9A8D-4F93-BE81-9B174DA180E8}" dt="2023-05-16T15:47:01.753" v="2252"/>
+        <pc:sldMkLst>
+          <pc:docMk/>
+          <pc:sldMk cId="1800016780" sldId="259"/>
+        </pc:sldMkLst>
+        <pc:spChg chg="mod">
+          <ac:chgData name="b d" userId="d8a693ecc95ea58f" providerId="LiveId" clId="{2AD4B4F2-9A8D-4F93-BE81-9B174DA180E8}" dt="2023-05-16T15:46:31.311" v="2251" actId="26606"/>
+          <ac:spMkLst>
+            <pc:docMk/>
+            <pc:sldMk cId="1800016780" sldId="259"/>
+            <ac:spMk id="2" creationId="{C2B3D22C-836B-C84B-4B28-672653A87BE8}"/>
+          </ac:spMkLst>
+        </pc:spChg>
+        <pc:spChg chg="add del">
+          <ac:chgData name="b d" userId="d8a693ecc95ea58f" providerId="LiveId" clId="{2AD4B4F2-9A8D-4F93-BE81-9B174DA180E8}" dt="2023-05-16T15:46:25.028" v="2249" actId="26606"/>
+          <ac:spMkLst>
+            <pc:docMk/>
+            <pc:sldMk cId="1800016780" sldId="259"/>
+            <ac:spMk id="10" creationId="{6C4028FD-8BAA-4A19-BFDE-594D991B7552}"/>
+          </ac:spMkLst>
+        </pc:spChg>
+        <pc:spChg chg="add del">
+          <ac:chgData name="b d" userId="d8a693ecc95ea58f" providerId="LiveId" clId="{2AD4B4F2-9A8D-4F93-BE81-9B174DA180E8}" dt="2023-05-16T15:46:31.311" v="2251" actId="26606"/>
+          <ac:spMkLst>
+            <pc:docMk/>
+            <pc:sldMk cId="1800016780" sldId="259"/>
+            <ac:spMk id="11" creationId="{9228552E-C8B1-4A80-8448-0787CE0FC704}"/>
+          </ac:spMkLst>
+        </pc:spChg>
+        <pc:graphicFrameChg chg="mod modGraphic">
+          <ac:chgData name="b d" userId="d8a693ecc95ea58f" providerId="LiveId" clId="{2AD4B4F2-9A8D-4F93-BE81-9B174DA180E8}" dt="2023-05-16T15:47:01.753" v="2252"/>
+          <ac:graphicFrameMkLst>
+            <pc:docMk/>
+            <pc:sldMk cId="1800016780" sldId="259"/>
+            <ac:graphicFrameMk id="5" creationId="{E9DAC7D0-FC74-B73D-A277-378F7AA168A0}"/>
+          </ac:graphicFrameMkLst>
+        </pc:graphicFrameChg>
+        <pc:picChg chg="add del">
+          <ac:chgData name="b d" userId="d8a693ecc95ea58f" providerId="LiveId" clId="{2AD4B4F2-9A8D-4F93-BE81-9B174DA180E8}" dt="2023-05-16T15:46:31.311" v="2251" actId="26606"/>
+          <ac:picMkLst>
+            <pc:docMk/>
+            <pc:sldMk cId="1800016780" sldId="259"/>
+            <ac:picMk id="7" creationId="{1DD0AC26-EB33-9031-5D2D-069982E152C7}"/>
+          </ac:picMkLst>
+        </pc:picChg>
+      </pc:sldChg>
       <pc:sldChg chg="modSp mod">
-        <pc:chgData name="b d" userId="d8a693ecc95ea58f" providerId="LiveId" clId="{2AD4B4F2-9A8D-4F93-BE81-9B174DA180E8}" dt="2023-05-15T15:23:14.548" v="2163" actId="2711"/>
+        <pc:chgData name="b d" userId="d8a693ecc95ea58f" providerId="LiveId" clId="{2AD4B4F2-9A8D-4F93-BE81-9B174DA180E8}" dt="2023-05-16T15:50:15.007" v="2257"/>
         <pc:sldMkLst>
           <pc:docMk/>
           <pc:sldMk cId="1528351146" sldId="260"/>
@@ -196,7 +243,7 @@
           </ac:spMkLst>
         </pc:spChg>
         <pc:graphicFrameChg chg="mod modGraphic">
-          <ac:chgData name="b d" userId="d8a693ecc95ea58f" providerId="LiveId" clId="{2AD4B4F2-9A8D-4F93-BE81-9B174DA180E8}" dt="2023-05-15T15:17:41.193" v="2122" actId="207"/>
+          <ac:chgData name="b d" userId="d8a693ecc95ea58f" providerId="LiveId" clId="{2AD4B4F2-9A8D-4F93-BE81-9B174DA180E8}" dt="2023-05-16T15:50:15.007" v="2257"/>
           <ac:graphicFrameMkLst>
             <pc:docMk/>
             <pc:sldMk cId="1528351146" sldId="260"/>
@@ -205,7 +252,7 @@
         </pc:graphicFrameChg>
       </pc:sldChg>
       <pc:sldChg chg="modSp add mod">
-        <pc:chgData name="b d" userId="d8a693ecc95ea58f" providerId="LiveId" clId="{2AD4B4F2-9A8D-4F93-BE81-9B174DA180E8}" dt="2023-05-14T00:48:30.702" v="1347" actId="20577"/>
+        <pc:chgData name="b d" userId="d8a693ecc95ea58f" providerId="LiveId" clId="{2AD4B4F2-9A8D-4F93-BE81-9B174DA180E8}" dt="2023-05-16T15:48:38.834" v="2255"/>
         <pc:sldMkLst>
           <pc:docMk/>
           <pc:sldMk cId="1679028479" sldId="261"/>
@@ -219,7 +266,7 @@
           </ac:spMkLst>
         </pc:spChg>
         <pc:graphicFrameChg chg="mod">
-          <ac:chgData name="b d" userId="d8a693ecc95ea58f" providerId="LiveId" clId="{2AD4B4F2-9A8D-4F93-BE81-9B174DA180E8}" dt="2023-05-14T00:48:30.702" v="1347" actId="20577"/>
+          <ac:chgData name="b d" userId="d8a693ecc95ea58f" providerId="LiveId" clId="{2AD4B4F2-9A8D-4F93-BE81-9B174DA180E8}" dt="2023-05-16T15:48:38.834" v="2255"/>
           <ac:graphicFrameMkLst>
             <pc:docMk/>
             <pc:sldMk cId="1679028479" sldId="261"/>
@@ -4562,6 +4609,9 @@
         <a:blipFill>
           <a:blip xmlns:r="http://schemas.openxmlformats.org/officeDocument/2006/relationships" r:embed="rId1">
             <a:extLst>
+              <a:ext uri="{28A0092B-C50C-407E-A947-70E740481C1C}">
+                <a14:useLocalDpi xmlns:a14="http://schemas.microsoft.com/office/drawing/2010/main" val="0"/>
+              </a:ext>
               <a:ext uri="{96DAC541-7B7A-43D3-8B79-37D633B846F1}">
                 <asvg:svgBlip xmlns:asvg="http://schemas.microsoft.com/office/drawing/2016/SVG/main" r:embed="rId2"/>
               </a:ext>
@@ -4575,7 +4625,7 @@
       </dgm:spPr>
       <dgm:extLst>
         <a:ext uri="{E40237B7-FDA0-4F09-8148-C483321AD2D9}">
-          <dgm14:cNvPr xmlns:dgm14="http://schemas.microsoft.com/office/drawing/2010/diagram" id="0" name="" descr="Coins outline"/>
+          <dgm14:cNvPr xmlns:dgm14="http://schemas.microsoft.com/office/drawing/2010/diagram" id="0" name="" descr="Palette with solid fill"/>
         </a:ext>
       </dgm:extLst>
     </dgm:pt>
@@ -4708,7 +4758,7 @@
             </a:lnSpc>
           </a:pPr>
           <a:r>
-            <a:rPr lang="en-US" b="0" i="0" baseline="0" dirty="0"/>
+            <a:rPr lang="en-US" b="0" i="0" baseline="0"/>
             <a:t>A Solidity based Auction smart contract enables participants to bid on an NFT, with the highest bidder winning the auction. The building blocks of the Auction smart contract include:</a:t>
           </a:r>
           <a:endParaRPr lang="en-US" dirty="0"/>
@@ -4750,7 +4800,7 @@
             </a:lnSpc>
           </a:pPr>
           <a:r>
-            <a:rPr lang="en-US" b="1" i="0" baseline="0" dirty="0">
+            <a:rPr lang="en-US" b="1" i="0" baseline="0">
               <a:solidFill>
                 <a:schemeClr val="accent2">
                   <a:lumMod val="75000"/>
@@ -4760,23 +4810,23 @@
             <a:t>Start Function:</a:t>
           </a:r>
           <a:r>
-            <a:rPr lang="en-US" b="0" i="0" baseline="0" dirty="0"/>
+            <a:rPr lang="en-US" b="0" i="0" baseline="0"/>
             <a:t> Defines the contract's </a:t>
           </a:r>
           <a:r>
-            <a:rPr lang="en-US" b="0" i="1" baseline="0" dirty="0"/>
+            <a:rPr lang="en-US" b="0" i="1" baseline="0"/>
             <a:t>variables</a:t>
           </a:r>
           <a:r>
-            <a:rPr lang="en-US" b="0" i="0" baseline="0" dirty="0"/>
+            <a:rPr lang="en-US" b="0" i="0" baseline="0"/>
             <a:t> and their initial values, such as the token (NFT Registry smart contract), token Id, highest bid, auction end time. </a:t>
           </a:r>
           <a:r>
-            <a:rPr lang="en-US" b="0" i="1" u="none" baseline="0" dirty="0"/>
+            <a:rPr lang="en-US" b="0" i="1" u="none" baseline="0"/>
             <a:t>Conditions</a:t>
           </a:r>
           <a:r>
-            <a:rPr lang="en-US" b="0" i="0" baseline="0" dirty="0"/>
+            <a:rPr lang="en-US" b="0" i="0" baseline="0"/>
             <a:t> for initiation – auction is not in progress; Initiated by the NFT Seller only.</a:t>
           </a:r>
           <a:endParaRPr lang="en-US" dirty="0"/>
@@ -4818,7 +4868,7 @@
             </a:lnSpc>
           </a:pPr>
           <a:r>
-            <a:rPr lang="en-US" b="1" i="0" baseline="0" dirty="0">
+            <a:rPr lang="en-US" b="1" i="0" baseline="0">
               <a:solidFill>
                 <a:schemeClr val="accent2">
                   <a:lumMod val="75000"/>
@@ -4828,7 +4878,7 @@
             <a:t>Bid Function: </a:t>
           </a:r>
           <a:r>
-            <a:rPr lang="en-US" b="0" i="0" baseline="0" dirty="0">
+            <a:rPr lang="en-US" b="0" i="0" baseline="0">
               <a:solidFill>
                 <a:schemeClr val="tx1"/>
               </a:solidFill>
@@ -4836,15 +4886,15 @@
             <a:t>A</a:t>
           </a:r>
           <a:r>
-            <a:rPr lang="en-US" b="0" i="0" baseline="0" dirty="0"/>
+            <a:rPr lang="en-US" b="0" i="0" baseline="0"/>
             <a:t>llows participants to place bids on the auction. When a bid is made, the function verifies that the bid amount is greater than the current highest bid and updates the highest bid and bidder accordingly. </a:t>
           </a:r>
           <a:r>
-            <a:rPr lang="en-US" b="0" i="1" u="none" baseline="0" dirty="0"/>
+            <a:rPr lang="en-US" b="0" i="1" u="none" baseline="0"/>
             <a:t>Conditions</a:t>
           </a:r>
           <a:r>
-            <a:rPr lang="en-US" b="0" i="0" baseline="0" dirty="0"/>
+            <a:rPr lang="en-US" b="0" i="0" baseline="0"/>
             <a:t> for initiation – auction is in progress; a bidder’s balance must be higher than the bid; the seller cannot place bids.</a:t>
           </a:r>
           <a:endParaRPr lang="en-US" dirty="0"/>
@@ -4886,7 +4936,7 @@
             </a:lnSpc>
           </a:pPr>
           <a:r>
-            <a:rPr lang="en-US" b="1" i="0" baseline="0" dirty="0">
+            <a:rPr lang="en-US" b="1" i="0" baseline="0">
               <a:solidFill>
                 <a:schemeClr val="accent2">
                   <a:lumMod val="75000"/>
@@ -4896,15 +4946,15 @@
             <a:t>End Function:</a:t>
           </a:r>
           <a:r>
-            <a:rPr lang="en-US" b="0" i="0" baseline="0" dirty="0"/>
+            <a:rPr lang="en-US" b="0" i="0" baseline="0"/>
             <a:t> Ends the auction after the pre-defined period. When the function is called, it </a:t>
           </a:r>
           <a:r>
-            <a:rPr lang="en-US" b="0" i="1" baseline="0" dirty="0"/>
+            <a:rPr lang="en-US" b="0" i="1" baseline="0"/>
             <a:t>checks if the bidding period has ended</a:t>
           </a:r>
           <a:r>
-            <a:rPr lang="en-US" b="0" i="0" baseline="0" dirty="0"/>
+            <a:rPr lang="en-US" b="0" i="0" baseline="0"/>
             <a:t>. It then transfers the highest bid amount to the Seller’s address and the NFT token to the highest bidder. If there are no bids, the NFT will be returned to the Seller. After the transfers, the function marks the auction as ended.</a:t>
           </a:r>
           <a:endParaRPr lang="en-US" dirty="0"/>
@@ -4946,7 +4996,7 @@
             </a:lnSpc>
           </a:pPr>
           <a:r>
-            <a:rPr lang="en-US" b="1" i="0" baseline="0" dirty="0">
+            <a:rPr lang="en-US" b="1" i="0" baseline="0">
               <a:solidFill>
                 <a:schemeClr val="accent2">
                   <a:lumMod val="75000"/>
@@ -4956,7 +5006,7 @@
             <a:t>Withdraw Function: </a:t>
           </a:r>
           <a:r>
-            <a:rPr lang="en-US" b="0" i="0" baseline="0" dirty="0">
+            <a:rPr lang="en-US" b="0" i="0" baseline="0">
               <a:solidFill>
                 <a:schemeClr val="tx1"/>
               </a:solidFill>
@@ -4964,15 +5014,15 @@
             <a:t>A</a:t>
           </a:r>
           <a:r>
-            <a:rPr lang="en-US" b="0" i="0" baseline="0" dirty="0"/>
+            <a:rPr lang="en-US" b="0" i="0" baseline="0"/>
             <a:t>llows bidders to withdraw their bids if they </a:t>
           </a:r>
           <a:r>
-            <a:rPr lang="en-US" b="0" i="1" baseline="0" dirty="0"/>
+            <a:rPr lang="en-US" b="0" i="1" baseline="0"/>
             <a:t>are not the highest bidder</a:t>
           </a:r>
           <a:r>
-            <a:rPr lang="en-US" b="0" i="0" baseline="0" dirty="0"/>
+            <a:rPr lang="en-US" b="0" i="0" baseline="0"/>
             <a:t>. The function checks the amount of the bid and transfers it back to the bidder's address. Withdrawals are allowed during and after the auction period.</a:t>
           </a:r>
           <a:endParaRPr lang="en-US" dirty="0"/>
@@ -5014,7 +5064,7 @@
             </a:lnSpc>
           </a:pPr>
           <a:r>
-            <a:rPr lang="en-US" b="1" i="0" baseline="0" dirty="0">
+            <a:rPr lang="en-US" b="1" i="0" baseline="0">
               <a:solidFill>
                 <a:schemeClr val="accent2">
                   <a:lumMod val="75000"/>
@@ -5024,7 +5074,7 @@
             <a:t>Event Emission: </a:t>
           </a:r>
           <a:r>
-            <a:rPr lang="en-US" b="0" i="0" baseline="0" dirty="0"/>
+            <a:rPr lang="en-US" b="0" i="0" baseline="0"/>
             <a:t>Each function above emits an event that allows to track the auction's progress and enables users to monitor different stages of the auction.</a:t>
           </a:r>
           <a:endParaRPr lang="en-US" dirty="0"/>
@@ -5066,11 +5116,11 @@
             </a:lnSpc>
           </a:pPr>
           <a:r>
-            <a:rPr lang="en-US" b="1" i="0" baseline="0" dirty="0"/>
+            <a:rPr lang="en-US" b="1" i="0" baseline="0"/>
             <a:t>Admin</a:t>
           </a:r>
           <a:r>
-            <a:rPr lang="en-US" b="0" i="0" baseline="0" dirty="0"/>
+            <a:rPr lang="en-US" b="0" i="0" baseline="0"/>
             <a:t>: NFT Seller is the administrator</a:t>
           </a:r>
         </a:p>
@@ -5081,11 +5131,11 @@
             </a:lnSpc>
           </a:pPr>
           <a:r>
-            <a:rPr lang="en-US" b="1" i="0" baseline="0" dirty="0"/>
+            <a:rPr lang="en-US" b="1" i="0" baseline="0"/>
             <a:t>Deployment</a:t>
           </a:r>
           <a:r>
-            <a:rPr lang="en-US" b="0" i="0" baseline="0" dirty="0"/>
+            <a:rPr lang="en-US" b="0" i="0" baseline="0"/>
             <a:t>: Auction Smart Contract is deployed via the Auction Deployer Smart Contract</a:t>
           </a:r>
           <a:endParaRPr lang="en-US" dirty="0"/>
@@ -5227,33 +5277,33 @@
     </dgm:pt>
   </dgm:ptLst>
   <dgm:cxnLst>
-    <dgm:cxn modelId="{095CC612-1201-4C1C-937E-60313520AED0}" type="presOf" srcId="{CDAA5682-53B8-4162-A759-27FF490D3EA0}" destId="{BB688467-C19F-409F-AEF9-39453290C283}" srcOrd="0" destOrd="0" presId="urn:microsoft.com/office/officeart/2018/2/layout/IconVerticalSolidList"/>
     <dgm:cxn modelId="{E9AC511C-B1BF-47ED-AB2B-9A2A89128723}" srcId="{83C20B4A-93A6-4570-8D0C-E2C7E0EB1B26}" destId="{2C913E6B-AB6C-495F-8194-72840CEF3FAD}" srcOrd="2" destOrd="0" parTransId="{7C2524D1-95F1-4C59-8F8A-4CEEB7E61FEF}" sibTransId="{A41CA1B1-B5FC-47B2-94DC-E0C8869BA3D4}"/>
-    <dgm:cxn modelId="{034C1E20-14B0-41A7-BB69-6289507D2D2F}" type="presOf" srcId="{7701B606-E8BF-4B4D-8DC9-31189527D0C4}" destId="{5E5554BE-4F73-45A3-8F16-AC503B40ED41}" srcOrd="0" destOrd="3" presId="urn:microsoft.com/office/officeart/2018/2/layout/IconVerticalSolidList"/>
-    <dgm:cxn modelId="{2B0C0029-3F64-4CFA-97CA-B160A484DFBB}" type="presOf" srcId="{8AB6F308-FCF1-4AAC-B9AC-37733DCC0DC4}" destId="{7592645E-90DC-4019-BEAE-7E12D2E570A2}" srcOrd="0" destOrd="0" presId="urn:microsoft.com/office/officeart/2018/2/layout/IconVerticalSolidList"/>
-    <dgm:cxn modelId="{B704AF31-9C4A-42DE-8368-251D7A50DDAE}" type="presOf" srcId="{83C20B4A-93A6-4570-8D0C-E2C7E0EB1B26}" destId="{EA26FE2B-44A2-4198-A0D1-7CCD1FF23C26}" srcOrd="0" destOrd="0" presId="urn:microsoft.com/office/officeart/2018/2/layout/IconVerticalSolidList"/>
+    <dgm:cxn modelId="{8DDB5D2E-50DD-4EB3-86BC-8DADD62F3E9A}" type="presOf" srcId="{8CE50C95-A02A-4987-8705-F773D9F03183}" destId="{5E5554BE-4F73-45A3-8F16-AC503B40ED41}" srcOrd="0" destOrd="1" presId="urn:microsoft.com/office/officeart/2018/2/layout/IconVerticalSolidList"/>
     <dgm:cxn modelId="{2CF9913A-A6CD-475A-A4FE-D9A2654803FF}" srcId="{83C20B4A-93A6-4570-8D0C-E2C7E0EB1B26}" destId="{7D8EC1AB-87DF-4E29-AC64-036E16C7032F}" srcOrd="0" destOrd="0" parTransId="{E4403918-C1FA-4DB3-9996-C60B4B7DBD59}" sibTransId="{7C02EC4E-4B38-46DC-B460-84D71BA91883}"/>
-    <dgm:cxn modelId="{0A836867-292E-484E-BB94-B055D60392BD}" type="presOf" srcId="{8CE50C95-A02A-4987-8705-F773D9F03183}" destId="{5E5554BE-4F73-45A3-8F16-AC503B40ED41}" srcOrd="0" destOrd="1" presId="urn:microsoft.com/office/officeart/2018/2/layout/IconVerticalSolidList"/>
-    <dgm:cxn modelId="{9531BA6B-1EFE-4081-8C9C-39EAE0889060}" type="presOf" srcId="{043B3176-E012-4C25-B060-778940DB1539}" destId="{5E5554BE-4F73-45A3-8F16-AC503B40ED41}" srcOrd="0" destOrd="4" presId="urn:microsoft.com/office/officeart/2018/2/layout/IconVerticalSolidList"/>
-    <dgm:cxn modelId="{77BB218F-06AA-4445-8600-912D7FD5FCD9}" type="presOf" srcId="{2C913E6B-AB6C-495F-8194-72840CEF3FAD}" destId="{5E5554BE-4F73-45A3-8F16-AC503B40ED41}" srcOrd="0" destOrd="2" presId="urn:microsoft.com/office/officeart/2018/2/layout/IconVerticalSolidList"/>
+    <dgm:cxn modelId="{32404D5F-E6B7-48AA-8A7D-1DBB74386B6A}" type="presOf" srcId="{2C913E6B-AB6C-495F-8194-72840CEF3FAD}" destId="{5E5554BE-4F73-45A3-8F16-AC503B40ED41}" srcOrd="0" destOrd="2" presId="urn:microsoft.com/office/officeart/2018/2/layout/IconVerticalSolidList"/>
+    <dgm:cxn modelId="{7E4A264B-5B02-4715-BA55-2E8A64688926}" type="presOf" srcId="{043B3176-E012-4C25-B060-778940DB1539}" destId="{5E5554BE-4F73-45A3-8F16-AC503B40ED41}" srcOrd="0" destOrd="4" presId="urn:microsoft.com/office/officeart/2018/2/layout/IconVerticalSolidList"/>
+    <dgm:cxn modelId="{26AA9B73-E16B-49E0-B6C3-7EFBCE9822F6}" type="presOf" srcId="{83C20B4A-93A6-4570-8D0C-E2C7E0EB1B26}" destId="{EA26FE2B-44A2-4198-A0D1-7CCD1FF23C26}" srcOrd="0" destOrd="0" presId="urn:microsoft.com/office/officeart/2018/2/layout/IconVerticalSolidList"/>
+    <dgm:cxn modelId="{B451AA7A-9F5F-470D-8ED8-17F8E4349C6C}" type="presOf" srcId="{7701B606-E8BF-4B4D-8DC9-31189527D0C4}" destId="{5E5554BE-4F73-45A3-8F16-AC503B40ED41}" srcOrd="0" destOrd="3" presId="urn:microsoft.com/office/officeart/2018/2/layout/IconVerticalSolidList"/>
     <dgm:cxn modelId="{318AF794-04D6-483C-9BAE-2C887DD83C0C}" srcId="{83C20B4A-93A6-4570-8D0C-E2C7E0EB1B26}" destId="{043B3176-E012-4C25-B060-778940DB1539}" srcOrd="4" destOrd="0" parTransId="{2D732F6D-D267-40F1-A389-006372DCEE71}" sibTransId="{701534DC-2C35-4F97-A833-6EC33D097F9A}"/>
     <dgm:cxn modelId="{40FA6D9F-73D8-4295-A6EF-ACADA0C1F3DA}" srcId="{83C20B4A-93A6-4570-8D0C-E2C7E0EB1B26}" destId="{7701B606-E8BF-4B4D-8DC9-31189527D0C4}" srcOrd="3" destOrd="0" parTransId="{2C4B43C7-9ED1-4D5B-90C1-3D2267F99744}" sibTransId="{8E66A10E-3F1E-4323-932E-9093840ACFB5}"/>
+    <dgm:cxn modelId="{458604A1-9B7F-4A7A-876C-6CE3505E299B}" type="presOf" srcId="{7D8EC1AB-87DF-4E29-AC64-036E16C7032F}" destId="{5E5554BE-4F73-45A3-8F16-AC503B40ED41}" srcOrd="0" destOrd="0" presId="urn:microsoft.com/office/officeart/2018/2/layout/IconVerticalSolidList"/>
     <dgm:cxn modelId="{F44F14B5-DE74-40CA-AC6D-D772162BCAC3}" srcId="{83C20B4A-93A6-4570-8D0C-E2C7E0EB1B26}" destId="{8CE50C95-A02A-4987-8705-F773D9F03183}" srcOrd="1" destOrd="0" parTransId="{50E9B4BD-1918-4EF1-A311-C6F682DC0A5D}" sibTransId="{03137D31-A743-4E26-BCD0-B470A9FFEEBD}"/>
-    <dgm:cxn modelId="{6F58EDB7-3A8D-4ED1-AC75-8DDEF40889AC}" type="presOf" srcId="{7D8EC1AB-87DF-4E29-AC64-036E16C7032F}" destId="{5E5554BE-4F73-45A3-8F16-AC503B40ED41}" srcOrd="0" destOrd="0" presId="urn:microsoft.com/office/officeart/2018/2/layout/IconVerticalSolidList"/>
+    <dgm:cxn modelId="{0B1F71C8-5546-4EF1-8361-59D56F42B59E}" type="presOf" srcId="{CDAA5682-53B8-4162-A759-27FF490D3EA0}" destId="{BB688467-C19F-409F-AEF9-39453290C283}" srcOrd="0" destOrd="0" presId="urn:microsoft.com/office/officeart/2018/2/layout/IconVerticalSolidList"/>
     <dgm:cxn modelId="{882D1ECA-DEBB-44D9-9837-B7296F4AE817}" srcId="{8AB6F308-FCF1-4AAC-B9AC-37733DCC0DC4}" destId="{83C20B4A-93A6-4570-8D0C-E2C7E0EB1B26}" srcOrd="0" destOrd="0" parTransId="{C17B312B-85CE-441F-B05E-F6B2D2877F1D}" sibTransId="{AE26CF7F-2E6F-481D-8522-67075D2016D1}"/>
+    <dgm:cxn modelId="{BE62DECA-742E-4795-8033-B6AF0296416E}" type="presOf" srcId="{8AB6F308-FCF1-4AAC-B9AC-37733DCC0DC4}" destId="{7592645E-90DC-4019-BEAE-7E12D2E570A2}" srcOrd="0" destOrd="0" presId="urn:microsoft.com/office/officeart/2018/2/layout/IconVerticalSolidList"/>
     <dgm:cxn modelId="{08033CF7-16CD-469A-B587-278B1B89397F}" srcId="{8AB6F308-FCF1-4AAC-B9AC-37733DCC0DC4}" destId="{CDAA5682-53B8-4162-A759-27FF490D3EA0}" srcOrd="1" destOrd="0" parTransId="{BCA94332-E41E-4C30-993E-959332FB4CA7}" sibTransId="{47D446F3-501E-487E-BE0E-CC536A782E9F}"/>
-    <dgm:cxn modelId="{89CCFABB-E49C-440F-861E-01989B74A2D7}" type="presParOf" srcId="{7592645E-90DC-4019-BEAE-7E12D2E570A2}" destId="{D7967FEA-6CD1-444E-9F0B-E62FD70B9F0F}" srcOrd="0" destOrd="0" presId="urn:microsoft.com/office/officeart/2018/2/layout/IconVerticalSolidList"/>
-    <dgm:cxn modelId="{0E0F4E8A-B531-4513-A045-340BC56BC165}" type="presParOf" srcId="{D7967FEA-6CD1-444E-9F0B-E62FD70B9F0F}" destId="{B226A255-440C-44E0-A84A-0973E3DB3A8D}" srcOrd="0" destOrd="0" presId="urn:microsoft.com/office/officeart/2018/2/layout/IconVerticalSolidList"/>
-    <dgm:cxn modelId="{9B4B7E8F-7B60-477F-99B6-4880F997B3D6}" type="presParOf" srcId="{D7967FEA-6CD1-444E-9F0B-E62FD70B9F0F}" destId="{CBDB0C8D-A1B6-4452-B342-783558DD9492}" srcOrd="1" destOrd="0" presId="urn:microsoft.com/office/officeart/2018/2/layout/IconVerticalSolidList"/>
-    <dgm:cxn modelId="{4D10F875-E7F2-48C7-85DC-D4427F20F9BF}" type="presParOf" srcId="{D7967FEA-6CD1-444E-9F0B-E62FD70B9F0F}" destId="{20479F87-12D9-40B5-849A-B8EEA2550022}" srcOrd="2" destOrd="0" presId="urn:microsoft.com/office/officeart/2018/2/layout/IconVerticalSolidList"/>
-    <dgm:cxn modelId="{0F83A3EC-1B15-41C0-A7D5-06DE204D3542}" type="presParOf" srcId="{D7967FEA-6CD1-444E-9F0B-E62FD70B9F0F}" destId="{EA26FE2B-44A2-4198-A0D1-7CCD1FF23C26}" srcOrd="3" destOrd="0" presId="urn:microsoft.com/office/officeart/2018/2/layout/IconVerticalSolidList"/>
-    <dgm:cxn modelId="{CED0650C-43E6-42AA-B7F8-09AFDF591528}" type="presParOf" srcId="{D7967FEA-6CD1-444E-9F0B-E62FD70B9F0F}" destId="{5E5554BE-4F73-45A3-8F16-AC503B40ED41}" srcOrd="4" destOrd="0" presId="urn:microsoft.com/office/officeart/2018/2/layout/IconVerticalSolidList"/>
-    <dgm:cxn modelId="{BBD9AF79-8BF6-4DAB-8A79-C0FD155E5FC4}" type="presParOf" srcId="{7592645E-90DC-4019-BEAE-7E12D2E570A2}" destId="{C3540B8A-6D75-45C9-963D-E53D4E1305BB}" srcOrd="1" destOrd="0" presId="urn:microsoft.com/office/officeart/2018/2/layout/IconVerticalSolidList"/>
-    <dgm:cxn modelId="{9997C04F-633C-4E4B-A4ED-D4A0BFC1B130}" type="presParOf" srcId="{7592645E-90DC-4019-BEAE-7E12D2E570A2}" destId="{22D93C91-547F-466C-9822-C6074B2AB149}" srcOrd="2" destOrd="0" presId="urn:microsoft.com/office/officeart/2018/2/layout/IconVerticalSolidList"/>
-    <dgm:cxn modelId="{5062FFA1-19FB-4461-8B98-9FFC45667A2E}" type="presParOf" srcId="{22D93C91-547F-466C-9822-C6074B2AB149}" destId="{21334611-4C75-4183-8585-5A0FDF696521}" srcOrd="0" destOrd="0" presId="urn:microsoft.com/office/officeart/2018/2/layout/IconVerticalSolidList"/>
-    <dgm:cxn modelId="{EFFCB5E3-8CF5-4EA3-9B0F-37340050A502}" type="presParOf" srcId="{22D93C91-547F-466C-9822-C6074B2AB149}" destId="{CAEE0621-7AF4-442B-8893-A7CE7B7C9FB3}" srcOrd="1" destOrd="0" presId="urn:microsoft.com/office/officeart/2018/2/layout/IconVerticalSolidList"/>
-    <dgm:cxn modelId="{98FE15BD-923C-4DA8-A032-C870DF39ABDF}" type="presParOf" srcId="{22D93C91-547F-466C-9822-C6074B2AB149}" destId="{DFE44B0A-D03C-4B3C-B0F9-4222EE9C981B}" srcOrd="2" destOrd="0" presId="urn:microsoft.com/office/officeart/2018/2/layout/IconVerticalSolidList"/>
-    <dgm:cxn modelId="{A45DC422-6DDF-48C6-92C6-FD6EFA188A23}" type="presParOf" srcId="{22D93C91-547F-466C-9822-C6074B2AB149}" destId="{BB688467-C19F-409F-AEF9-39453290C283}" srcOrd="3" destOrd="0" presId="urn:microsoft.com/office/officeart/2018/2/layout/IconVerticalSolidList"/>
+    <dgm:cxn modelId="{0AE9F210-F272-46F6-9192-C9184A00F7F9}" type="presParOf" srcId="{7592645E-90DC-4019-BEAE-7E12D2E570A2}" destId="{D7967FEA-6CD1-444E-9F0B-E62FD70B9F0F}" srcOrd="0" destOrd="0" presId="urn:microsoft.com/office/officeart/2018/2/layout/IconVerticalSolidList"/>
+    <dgm:cxn modelId="{AAAE2F11-872C-41BB-97E2-A5BCE201D3FF}" type="presParOf" srcId="{D7967FEA-6CD1-444E-9F0B-E62FD70B9F0F}" destId="{B226A255-440C-44E0-A84A-0973E3DB3A8D}" srcOrd="0" destOrd="0" presId="urn:microsoft.com/office/officeart/2018/2/layout/IconVerticalSolidList"/>
+    <dgm:cxn modelId="{F315C29B-C6D7-487A-A85F-0DA78CD0B121}" type="presParOf" srcId="{D7967FEA-6CD1-444E-9F0B-E62FD70B9F0F}" destId="{CBDB0C8D-A1B6-4452-B342-783558DD9492}" srcOrd="1" destOrd="0" presId="urn:microsoft.com/office/officeart/2018/2/layout/IconVerticalSolidList"/>
+    <dgm:cxn modelId="{3A7A0A7B-977A-4193-9031-20D619A629B0}" type="presParOf" srcId="{D7967FEA-6CD1-444E-9F0B-E62FD70B9F0F}" destId="{20479F87-12D9-40B5-849A-B8EEA2550022}" srcOrd="2" destOrd="0" presId="urn:microsoft.com/office/officeart/2018/2/layout/IconVerticalSolidList"/>
+    <dgm:cxn modelId="{24D72FB2-EAB2-420F-9635-D9D9430F0E19}" type="presParOf" srcId="{D7967FEA-6CD1-444E-9F0B-E62FD70B9F0F}" destId="{EA26FE2B-44A2-4198-A0D1-7CCD1FF23C26}" srcOrd="3" destOrd="0" presId="urn:microsoft.com/office/officeart/2018/2/layout/IconVerticalSolidList"/>
+    <dgm:cxn modelId="{2CC7BBF4-37E2-4FA6-BB94-CA5C6A5A6683}" type="presParOf" srcId="{D7967FEA-6CD1-444E-9F0B-E62FD70B9F0F}" destId="{5E5554BE-4F73-45A3-8F16-AC503B40ED41}" srcOrd="4" destOrd="0" presId="urn:microsoft.com/office/officeart/2018/2/layout/IconVerticalSolidList"/>
+    <dgm:cxn modelId="{F8B69C7A-8D2D-4257-9765-73AF5739AD9B}" type="presParOf" srcId="{7592645E-90DC-4019-BEAE-7E12D2E570A2}" destId="{C3540B8A-6D75-45C9-963D-E53D4E1305BB}" srcOrd="1" destOrd="0" presId="urn:microsoft.com/office/officeart/2018/2/layout/IconVerticalSolidList"/>
+    <dgm:cxn modelId="{D5357C09-270D-40D5-92DE-32D3AE91EDC5}" type="presParOf" srcId="{7592645E-90DC-4019-BEAE-7E12D2E570A2}" destId="{22D93C91-547F-466C-9822-C6074B2AB149}" srcOrd="2" destOrd="0" presId="urn:microsoft.com/office/officeart/2018/2/layout/IconVerticalSolidList"/>
+    <dgm:cxn modelId="{0A0409C8-1F8C-4B66-8925-48CB348F4812}" type="presParOf" srcId="{22D93C91-547F-466C-9822-C6074B2AB149}" destId="{21334611-4C75-4183-8585-5A0FDF696521}" srcOrd="0" destOrd="0" presId="urn:microsoft.com/office/officeart/2018/2/layout/IconVerticalSolidList"/>
+    <dgm:cxn modelId="{FA7215D2-8D47-4285-8BC7-61EA717256B4}" type="presParOf" srcId="{22D93C91-547F-466C-9822-C6074B2AB149}" destId="{CAEE0621-7AF4-442B-8893-A7CE7B7C9FB3}" srcOrd="1" destOrd="0" presId="urn:microsoft.com/office/officeart/2018/2/layout/IconVerticalSolidList"/>
+    <dgm:cxn modelId="{FE692A40-B9C6-41A5-A7A9-E335F9730C09}" type="presParOf" srcId="{22D93C91-547F-466C-9822-C6074B2AB149}" destId="{DFE44B0A-D03C-4B3C-B0F9-4222EE9C981B}" srcOrd="2" destOrd="0" presId="urn:microsoft.com/office/officeart/2018/2/layout/IconVerticalSolidList"/>
+    <dgm:cxn modelId="{E1A60CAC-A7E8-4C36-9799-D4C22C14F034}" type="presParOf" srcId="{22D93C91-547F-466C-9822-C6074B2AB149}" destId="{BB688467-C19F-409F-AEF9-39453290C283}" srcOrd="3" destOrd="0" presId="urn:microsoft.com/office/officeart/2018/2/layout/IconVerticalSolidList"/>
   </dgm:cxnLst>
   <dgm:bg/>
   <dgm:whole/>
@@ -5571,14 +5621,12 @@
         <a:blipFill>
           <a:blip xmlns:r="http://schemas.openxmlformats.org/officeDocument/2006/relationships" r:embed="rId1">
             <a:extLst>
-              <a:ext uri="{28A0092B-C50C-407E-A947-70E740481C1C}">
-                <a14:useLocalDpi xmlns:a14="http://schemas.microsoft.com/office/drawing/2010/main" val="0"/>
-              </a:ext>
               <a:ext uri="{96DAC541-7B7A-43D3-8B79-37D633B846F1}">
                 <asvg:svgBlip xmlns:asvg="http://schemas.microsoft.com/office/drawing/2016/SVG/main" r:embed="rId2"/>
               </a:ext>
             </a:extLst>
           </a:blip>
+          <a:srcRect/>
           <a:stretch>
             <a:fillRect/>
           </a:stretch>
@@ -5586,7 +5634,7 @@
       </dgm:spPr>
       <dgm:extLst>
         <a:ext uri="{E40237B7-FDA0-4F09-8148-C483321AD2D9}">
-          <dgm14:cNvPr xmlns:dgm14="http://schemas.microsoft.com/office/drawing/2010/diagram" id="0" name="" descr="Gavel"/>
+          <dgm14:cNvPr xmlns:dgm14="http://schemas.microsoft.com/office/drawing/2010/diagram" id="0" name="" descr="Cmd Terminal with solid fill"/>
         </a:ext>
       </dgm:extLst>
     </dgm:pt>
@@ -5627,14 +5675,12 @@
         <a:blipFill>
           <a:blip xmlns:r="http://schemas.openxmlformats.org/officeDocument/2006/relationships" r:embed="rId3">
             <a:extLst>
-              <a:ext uri="{28A0092B-C50C-407E-A947-70E740481C1C}">
-                <a14:useLocalDpi xmlns:a14="http://schemas.microsoft.com/office/drawing/2010/main" val="0"/>
-              </a:ext>
               <a:ext uri="{96DAC541-7B7A-43D3-8B79-37D633B846F1}">
                 <asvg:svgBlip xmlns:asvg="http://schemas.microsoft.com/office/drawing/2016/SVG/main" r:embed="rId4"/>
               </a:ext>
             </a:extLst>
           </a:blip>
+          <a:srcRect/>
           <a:stretch>
             <a:fillRect/>
           </a:stretch>
@@ -5642,7 +5688,7 @@
       </dgm:spPr>
       <dgm:extLst>
         <a:ext uri="{E40237B7-FDA0-4F09-8148-C483321AD2D9}">
-          <dgm14:cNvPr xmlns:dgm14="http://schemas.microsoft.com/office/drawing/2010/diagram" id="0" name="" descr="Handshake"/>
+          <dgm14:cNvPr xmlns:dgm14="http://schemas.microsoft.com/office/drawing/2010/diagram" id="0" name="" descr="Ui Ux with solid fill"/>
         </a:ext>
       </dgm:extLst>
     </dgm:pt>
@@ -6360,14 +6406,12 @@
         <a:blipFill>
           <a:blip xmlns:r="http://schemas.openxmlformats.org/officeDocument/2006/relationships" r:embed="rId1">
             <a:extLst>
-              <a:ext uri="{28A0092B-C50C-407E-A947-70E740481C1C}">
-                <a14:useLocalDpi xmlns:a14="http://schemas.microsoft.com/office/drawing/2010/main" val="0"/>
-              </a:ext>
               <a:ext uri="{96DAC541-7B7A-43D3-8B79-37D633B846F1}">
                 <asvg:svgBlip xmlns:asvg="http://schemas.microsoft.com/office/drawing/2016/SVG/main" r:embed="rId2"/>
               </a:ext>
             </a:extLst>
           </a:blip>
+          <a:srcRect/>
           <a:stretch>
             <a:fillRect/>
           </a:stretch>
@@ -6375,7 +6419,7 @@
       </dgm:spPr>
       <dgm:extLst>
         <a:ext uri="{E40237B7-FDA0-4F09-8148-C483321AD2D9}">
-          <dgm14:cNvPr xmlns:dgm14="http://schemas.microsoft.com/office/drawing/2010/diagram" id="0" name="" descr="Wedding Rings"/>
+          <dgm14:cNvPr xmlns:dgm14="http://schemas.microsoft.com/office/drawing/2010/diagram" id="0" name="" descr="Programmer female with solid fill"/>
         </a:ext>
       </dgm:extLst>
     </dgm:pt>
@@ -6416,14 +6460,12 @@
         <a:blipFill>
           <a:blip xmlns:r="http://schemas.openxmlformats.org/officeDocument/2006/relationships" r:embed="rId3">
             <a:extLst>
-              <a:ext uri="{28A0092B-C50C-407E-A947-70E740481C1C}">
-                <a14:useLocalDpi xmlns:a14="http://schemas.microsoft.com/office/drawing/2010/main" val="0"/>
-              </a:ext>
               <a:ext uri="{96DAC541-7B7A-43D3-8B79-37D633B846F1}">
                 <asvg:svgBlip xmlns:asvg="http://schemas.microsoft.com/office/drawing/2016/SVG/main" r:embed="rId4"/>
               </a:ext>
             </a:extLst>
           </a:blip>
+          <a:srcRect/>
           <a:stretch>
             <a:fillRect/>
           </a:stretch>
@@ -6431,7 +6473,7 @@
       </dgm:spPr>
       <dgm:extLst>
         <a:ext uri="{E40237B7-FDA0-4F09-8148-C483321AD2D9}">
-          <dgm14:cNvPr xmlns:dgm14="http://schemas.microsoft.com/office/drawing/2010/diagram" id="0" name="" descr="Processor"/>
+          <dgm14:cNvPr xmlns:dgm14="http://schemas.microsoft.com/office/drawing/2010/diagram" id="0" name="" descr="Programmer male with solid fill"/>
         </a:ext>
       </dgm:extLst>
     </dgm:pt>
@@ -6622,6 +6664,9 @@
         <a:blipFill>
           <a:blip xmlns:r="http://schemas.openxmlformats.org/officeDocument/2006/relationships" r:embed="rId1">
             <a:extLst>
+              <a:ext uri="{28A0092B-C50C-407E-A947-70E740481C1C}">
+                <a14:useLocalDpi xmlns:a14="http://schemas.microsoft.com/office/drawing/2010/main" val="0"/>
+              </a:ext>
               <a:ext uri="{96DAC541-7B7A-43D3-8B79-37D633B846F1}">
                 <asvg:svgBlip xmlns:asvg="http://schemas.microsoft.com/office/drawing/2016/SVG/main" r:embed="rId2"/>
               </a:ext>
@@ -7325,7 +7370,7 @@
             <a:buNone/>
           </a:pPr>
           <a:r>
-            <a:rPr lang="en-US" sz="1500" b="0" i="0" kern="1200" baseline="0" dirty="0"/>
+            <a:rPr lang="en-US" sz="1500" b="0" i="0" kern="1200" baseline="0"/>
             <a:t>A Solidity based Auction smart contract enables participants to bid on an NFT, with the highest bidder winning the auction. The building blocks of the Auction smart contract include:</a:t>
           </a:r>
           <a:endParaRPr lang="en-US" sz="1500" kern="1200" dirty="0"/>
@@ -7386,7 +7431,7 @@
             <a:buNone/>
           </a:pPr>
           <a:r>
-            <a:rPr lang="en-US" sz="1100" b="1" i="0" kern="1200" baseline="0" dirty="0">
+            <a:rPr lang="en-US" sz="1100" b="1" i="0" kern="1200" baseline="0">
               <a:solidFill>
                 <a:schemeClr val="accent2">
                   <a:lumMod val="75000"/>
@@ -7396,23 +7441,23 @@
             <a:t>Start Function:</a:t>
           </a:r>
           <a:r>
-            <a:rPr lang="en-US" sz="1100" b="0" i="0" kern="1200" baseline="0" dirty="0"/>
+            <a:rPr lang="en-US" sz="1100" b="0" i="0" kern="1200" baseline="0"/>
             <a:t> Defines the contract's </a:t>
           </a:r>
           <a:r>
-            <a:rPr lang="en-US" sz="1100" b="0" i="1" kern="1200" baseline="0" dirty="0"/>
+            <a:rPr lang="en-US" sz="1100" b="0" i="1" kern="1200" baseline="0"/>
             <a:t>variables</a:t>
           </a:r>
           <a:r>
-            <a:rPr lang="en-US" sz="1100" b="0" i="0" kern="1200" baseline="0" dirty="0"/>
+            <a:rPr lang="en-US" sz="1100" b="0" i="0" kern="1200" baseline="0"/>
             <a:t> and their initial values, such as the token (NFT Registry smart contract), token Id, highest bid, auction end time. </a:t>
           </a:r>
           <a:r>
-            <a:rPr lang="en-US" sz="1100" b="0" i="1" u="none" kern="1200" baseline="0" dirty="0"/>
+            <a:rPr lang="en-US" sz="1100" b="0" i="1" u="none" kern="1200" baseline="0"/>
             <a:t>Conditions</a:t>
           </a:r>
           <a:r>
-            <a:rPr lang="en-US" sz="1100" b="0" i="0" kern="1200" baseline="0" dirty="0"/>
+            <a:rPr lang="en-US" sz="1100" b="0" i="0" kern="1200" baseline="0"/>
             <a:t> for initiation – auction is not in progress; Initiated by the NFT Seller only.</a:t>
           </a:r>
           <a:endParaRPr lang="en-US" sz="1100" kern="1200" dirty="0"/>
@@ -7431,7 +7476,7 @@
             <a:buNone/>
           </a:pPr>
           <a:r>
-            <a:rPr lang="en-US" sz="1100" b="1" i="0" kern="1200" baseline="0" dirty="0">
+            <a:rPr lang="en-US" sz="1100" b="1" i="0" kern="1200" baseline="0">
               <a:solidFill>
                 <a:schemeClr val="accent2">
                   <a:lumMod val="75000"/>
@@ -7441,7 +7486,7 @@
             <a:t>Bid Function: </a:t>
           </a:r>
           <a:r>
-            <a:rPr lang="en-US" sz="1100" b="0" i="0" kern="1200" baseline="0" dirty="0">
+            <a:rPr lang="en-US" sz="1100" b="0" i="0" kern="1200" baseline="0">
               <a:solidFill>
                 <a:schemeClr val="tx1"/>
               </a:solidFill>
@@ -7449,15 +7494,15 @@
             <a:t>A</a:t>
           </a:r>
           <a:r>
-            <a:rPr lang="en-US" sz="1100" b="0" i="0" kern="1200" baseline="0" dirty="0"/>
+            <a:rPr lang="en-US" sz="1100" b="0" i="0" kern="1200" baseline="0"/>
             <a:t>llows participants to place bids on the auction. When a bid is made, the function verifies that the bid amount is greater than the current highest bid and updates the highest bid and bidder accordingly. </a:t>
           </a:r>
           <a:r>
-            <a:rPr lang="en-US" sz="1100" b="0" i="1" u="none" kern="1200" baseline="0" dirty="0"/>
+            <a:rPr lang="en-US" sz="1100" b="0" i="1" u="none" kern="1200" baseline="0"/>
             <a:t>Conditions</a:t>
           </a:r>
           <a:r>
-            <a:rPr lang="en-US" sz="1100" b="0" i="0" kern="1200" baseline="0" dirty="0"/>
+            <a:rPr lang="en-US" sz="1100" b="0" i="0" kern="1200" baseline="0"/>
             <a:t> for initiation – auction is in progress; a bidder’s balance must be higher than the bid; the seller cannot place bids.</a:t>
           </a:r>
           <a:endParaRPr lang="en-US" sz="1100" kern="1200" dirty="0"/>
@@ -7476,7 +7521,7 @@
             <a:buNone/>
           </a:pPr>
           <a:r>
-            <a:rPr lang="en-US" sz="1100" b="1" i="0" kern="1200" baseline="0" dirty="0">
+            <a:rPr lang="en-US" sz="1100" b="1" i="0" kern="1200" baseline="0">
               <a:solidFill>
                 <a:schemeClr val="accent2">
                   <a:lumMod val="75000"/>
@@ -7486,15 +7531,15 @@
             <a:t>End Function:</a:t>
           </a:r>
           <a:r>
-            <a:rPr lang="en-US" sz="1100" b="0" i="0" kern="1200" baseline="0" dirty="0"/>
+            <a:rPr lang="en-US" sz="1100" b="0" i="0" kern="1200" baseline="0"/>
             <a:t> Ends the auction after the pre-defined period. When the function is called, it </a:t>
           </a:r>
           <a:r>
-            <a:rPr lang="en-US" sz="1100" b="0" i="1" kern="1200" baseline="0" dirty="0"/>
+            <a:rPr lang="en-US" sz="1100" b="0" i="1" kern="1200" baseline="0"/>
             <a:t>checks if the bidding period has ended</a:t>
           </a:r>
           <a:r>
-            <a:rPr lang="en-US" sz="1100" b="0" i="0" kern="1200" baseline="0" dirty="0"/>
+            <a:rPr lang="en-US" sz="1100" b="0" i="0" kern="1200" baseline="0"/>
             <a:t>. It then transfers the highest bid amount to the Seller’s address and the NFT token to the highest bidder. If there are no bids, the NFT will be returned to the Seller. After the transfers, the function marks the auction as ended.</a:t>
           </a:r>
           <a:endParaRPr lang="en-US" sz="1100" kern="1200" dirty="0"/>
@@ -7513,7 +7558,7 @@
             <a:buNone/>
           </a:pPr>
           <a:r>
-            <a:rPr lang="en-US" sz="1100" b="1" i="0" kern="1200" baseline="0" dirty="0">
+            <a:rPr lang="en-US" sz="1100" b="1" i="0" kern="1200" baseline="0">
               <a:solidFill>
                 <a:schemeClr val="accent2">
                   <a:lumMod val="75000"/>
@@ -7523,7 +7568,7 @@
             <a:t>Withdraw Function: </a:t>
           </a:r>
           <a:r>
-            <a:rPr lang="en-US" sz="1100" b="0" i="0" kern="1200" baseline="0" dirty="0">
+            <a:rPr lang="en-US" sz="1100" b="0" i="0" kern="1200" baseline="0">
               <a:solidFill>
                 <a:schemeClr val="tx1"/>
               </a:solidFill>
@@ -7531,15 +7576,15 @@
             <a:t>A</a:t>
           </a:r>
           <a:r>
-            <a:rPr lang="en-US" sz="1100" b="0" i="0" kern="1200" baseline="0" dirty="0"/>
+            <a:rPr lang="en-US" sz="1100" b="0" i="0" kern="1200" baseline="0"/>
             <a:t>llows bidders to withdraw their bids if they </a:t>
           </a:r>
           <a:r>
-            <a:rPr lang="en-US" sz="1100" b="0" i="1" kern="1200" baseline="0" dirty="0"/>
+            <a:rPr lang="en-US" sz="1100" b="0" i="1" kern="1200" baseline="0"/>
             <a:t>are not the highest bidder</a:t>
           </a:r>
           <a:r>
-            <a:rPr lang="en-US" sz="1100" b="0" i="0" kern="1200" baseline="0" dirty="0"/>
+            <a:rPr lang="en-US" sz="1100" b="0" i="0" kern="1200" baseline="0"/>
             <a:t>. The function checks the amount of the bid and transfers it back to the bidder's address. Withdrawals are allowed during and after the auction period.</a:t>
           </a:r>
           <a:endParaRPr lang="en-US" sz="1100" kern="1200" dirty="0"/>
@@ -7558,7 +7603,7 @@
             <a:buNone/>
           </a:pPr>
           <a:r>
-            <a:rPr lang="en-US" sz="1100" b="1" i="0" kern="1200" baseline="0" dirty="0">
+            <a:rPr lang="en-US" sz="1100" b="1" i="0" kern="1200" baseline="0">
               <a:solidFill>
                 <a:schemeClr val="accent2">
                   <a:lumMod val="75000"/>
@@ -7568,7 +7613,7 @@
             <a:t>Event Emission: </a:t>
           </a:r>
           <a:r>
-            <a:rPr lang="en-US" sz="1100" b="0" i="0" kern="1200" baseline="0" dirty="0"/>
+            <a:rPr lang="en-US" sz="1100" b="0" i="0" kern="1200" baseline="0"/>
             <a:t>Each function above emits an event that allows to track the auction's progress and enables users to monitor different stages of the auction.</a:t>
           </a:r>
           <a:endParaRPr lang="en-US" sz="1100" kern="1200" dirty="0"/>
@@ -7728,11 +7773,11 @@
             <a:buNone/>
           </a:pPr>
           <a:r>
-            <a:rPr lang="en-US" sz="1500" b="1" i="0" kern="1200" baseline="0" dirty="0"/>
+            <a:rPr lang="en-US" sz="1500" b="1" i="0" kern="1200" baseline="0"/>
             <a:t>Admin</a:t>
           </a:r>
           <a:r>
-            <a:rPr lang="en-US" sz="1500" b="0" i="0" kern="1200" baseline="0" dirty="0"/>
+            <a:rPr lang="en-US" sz="1500" b="0" i="0" kern="1200" baseline="0"/>
             <a:t>: NFT Seller is the administrator</a:t>
           </a:r>
         </a:p>
@@ -7750,11 +7795,11 @@
             <a:buNone/>
           </a:pPr>
           <a:r>
-            <a:rPr lang="en-US" sz="1500" b="1" i="0" kern="1200" baseline="0" dirty="0"/>
+            <a:rPr lang="en-US" sz="1500" b="1" i="0" kern="1200" baseline="0"/>
             <a:t>Deployment</a:t>
           </a:r>
           <a:r>
-            <a:rPr lang="en-US" sz="1500" b="0" i="0" kern="1200" baseline="0" dirty="0"/>
+            <a:rPr lang="en-US" sz="1500" b="0" i="0" kern="1200" baseline="0"/>
             <a:t>: Auction Smart Contract is deployed via the Auction Deployer Smart Contract</a:t>
           </a:r>
           <a:endParaRPr lang="en-US" sz="1500" kern="1200" dirty="0"/>
@@ -7835,14 +7880,12 @@
         <a:blipFill>
           <a:blip xmlns:r="http://schemas.openxmlformats.org/officeDocument/2006/relationships" r:embed="rId1">
             <a:extLst>
-              <a:ext uri="{28A0092B-C50C-407E-A947-70E740481C1C}">
-                <a14:useLocalDpi xmlns:a14="http://schemas.microsoft.com/office/drawing/2010/main" val="0"/>
-              </a:ext>
               <a:ext uri="{96DAC541-7B7A-43D3-8B79-37D633B846F1}">
                 <asvg:svgBlip xmlns:asvg="http://schemas.microsoft.com/office/drawing/2016/SVG/main" r:embed="rId2"/>
               </a:ext>
             </a:extLst>
           </a:blip>
+          <a:srcRect/>
           <a:stretch>
             <a:fillRect/>
           </a:stretch>
@@ -8185,14 +8228,12 @@
         <a:blipFill>
           <a:blip xmlns:r="http://schemas.openxmlformats.org/officeDocument/2006/relationships" r:embed="rId3">
             <a:extLst>
-              <a:ext uri="{28A0092B-C50C-407E-A947-70E740481C1C}">
-                <a14:useLocalDpi xmlns:a14="http://schemas.microsoft.com/office/drawing/2010/main" val="0"/>
-              </a:ext>
               <a:ext uri="{96DAC541-7B7A-43D3-8B79-37D633B846F1}">
                 <asvg:svgBlip xmlns:asvg="http://schemas.microsoft.com/office/drawing/2016/SVG/main" r:embed="rId4"/>
               </a:ext>
             </a:extLst>
           </a:blip>
+          <a:srcRect/>
           <a:stretch>
             <a:fillRect/>
           </a:stretch>
@@ -8856,14 +8897,12 @@
         <a:blipFill>
           <a:blip xmlns:r="http://schemas.openxmlformats.org/officeDocument/2006/relationships" r:embed="rId1">
             <a:extLst>
-              <a:ext uri="{28A0092B-C50C-407E-A947-70E740481C1C}">
-                <a14:useLocalDpi xmlns:a14="http://schemas.microsoft.com/office/drawing/2010/main" val="0"/>
-              </a:ext>
               <a:ext uri="{96DAC541-7B7A-43D3-8B79-37D633B846F1}">
                 <asvg:svgBlip xmlns:asvg="http://schemas.microsoft.com/office/drawing/2016/SVG/main" r:embed="rId2"/>
               </a:ext>
             </a:extLst>
           </a:blip>
+          <a:srcRect/>
           <a:stretch>
             <a:fillRect/>
           </a:stretch>
@@ -9077,14 +9116,12 @@
         <a:blipFill>
           <a:blip xmlns:r="http://schemas.openxmlformats.org/officeDocument/2006/relationships" r:embed="rId3">
             <a:extLst>
-              <a:ext uri="{28A0092B-C50C-407E-A947-70E740481C1C}">
-                <a14:useLocalDpi xmlns:a14="http://schemas.microsoft.com/office/drawing/2010/main" val="0"/>
-              </a:ext>
               <a:ext uri="{96DAC541-7B7A-43D3-8B79-37D633B846F1}">
                 <asvg:svgBlip xmlns:asvg="http://schemas.microsoft.com/office/drawing/2016/SVG/main" r:embed="rId4"/>
               </a:ext>
             </a:extLst>
           </a:blip>
+          <a:srcRect/>
           <a:stretch>
             <a:fillRect/>
           </a:stretch>
@@ -16252,7 +16289,7 @@
           <a:p>
             <a:fld id="{B634EE48-03CC-4D00-B145-A19103A86E2C}" type="datetimeFigureOut">
               <a:rPr lang="en-US" smtClean="0"/>
-              <a:t>5/15/2023</a:t>
+              <a:t>5/16/2023</a:t>
             </a:fld>
             <a:endParaRPr lang="en-US"/>
           </a:p>
@@ -16450,7 +16487,7 @@
           <a:p>
             <a:fld id="{B634EE48-03CC-4D00-B145-A19103A86E2C}" type="datetimeFigureOut">
               <a:rPr lang="en-US" smtClean="0"/>
-              <a:t>5/15/2023</a:t>
+              <a:t>5/16/2023</a:t>
             </a:fld>
             <a:endParaRPr lang="en-US"/>
           </a:p>
@@ -16658,7 +16695,7 @@
           <a:p>
             <a:fld id="{B634EE48-03CC-4D00-B145-A19103A86E2C}" type="datetimeFigureOut">
               <a:rPr lang="en-US" smtClean="0"/>
-              <a:t>5/15/2023</a:t>
+              <a:t>5/16/2023</a:t>
             </a:fld>
             <a:endParaRPr lang="en-US"/>
           </a:p>
@@ -16856,7 +16893,7 @@
           <a:p>
             <a:fld id="{63D456BD-52B8-4176-8486-7C75A30CFD68}" type="datetimeFigureOut">
               <a:rPr lang="en-US" smtClean="0"/>
-              <a:t>5/15/2023</a:t>
+              <a:t>5/16/2023</a:t>
             </a:fld>
             <a:endParaRPr lang="en-US"/>
           </a:p>
@@ -17054,7 +17091,7 @@
           <a:p>
             <a:fld id="{B634EE48-03CC-4D00-B145-A19103A86E2C}" type="datetimeFigureOut">
               <a:rPr lang="en-US" smtClean="0"/>
-              <a:t>5/15/2023</a:t>
+              <a:t>5/16/2023</a:t>
             </a:fld>
             <a:endParaRPr lang="en-US"/>
           </a:p>
@@ -17329,7 +17366,7 @@
           <a:p>
             <a:fld id="{B634EE48-03CC-4D00-B145-A19103A86E2C}" type="datetimeFigureOut">
               <a:rPr lang="en-US" smtClean="0"/>
-              <a:t>5/15/2023</a:t>
+              <a:t>5/16/2023</a:t>
             </a:fld>
             <a:endParaRPr lang="en-US"/>
           </a:p>
@@ -17594,7 +17631,7 @@
           <a:p>
             <a:fld id="{B634EE48-03CC-4D00-B145-A19103A86E2C}" type="datetimeFigureOut">
               <a:rPr lang="en-US" smtClean="0"/>
-              <a:t>5/15/2023</a:t>
+              <a:t>5/16/2023</a:t>
             </a:fld>
             <a:endParaRPr lang="en-US"/>
           </a:p>
@@ -18006,7 +18043,7 @@
           <a:p>
             <a:fld id="{B634EE48-03CC-4D00-B145-A19103A86E2C}" type="datetimeFigureOut">
               <a:rPr lang="en-US" smtClean="0"/>
-              <a:t>5/15/2023</a:t>
+              <a:t>5/16/2023</a:t>
             </a:fld>
             <a:endParaRPr lang="en-US"/>
           </a:p>
@@ -18147,7 +18184,7 @@
           <a:p>
             <a:fld id="{B634EE48-03CC-4D00-B145-A19103A86E2C}" type="datetimeFigureOut">
               <a:rPr lang="en-US" smtClean="0"/>
-              <a:t>5/15/2023</a:t>
+              <a:t>5/16/2023</a:t>
             </a:fld>
             <a:endParaRPr lang="en-US"/>
           </a:p>
@@ -18260,7 +18297,7 @@
           <a:p>
             <a:fld id="{B634EE48-03CC-4D00-B145-A19103A86E2C}" type="datetimeFigureOut">
               <a:rPr lang="en-US" smtClean="0"/>
-              <a:t>5/15/2023</a:t>
+              <a:t>5/16/2023</a:t>
             </a:fld>
             <a:endParaRPr lang="en-US"/>
           </a:p>
@@ -18571,7 +18608,7 @@
           <a:p>
             <a:fld id="{B634EE48-03CC-4D00-B145-A19103A86E2C}" type="datetimeFigureOut">
               <a:rPr lang="en-US" smtClean="0"/>
-              <a:t>5/15/2023</a:t>
+              <a:t>5/16/2023</a:t>
             </a:fld>
             <a:endParaRPr lang="en-US"/>
           </a:p>
@@ -18859,7 +18896,7 @@
           <a:p>
             <a:fld id="{B634EE48-03CC-4D00-B145-A19103A86E2C}" type="datetimeFigureOut">
               <a:rPr lang="en-US" smtClean="0"/>
-              <a:t>5/15/2023</a:t>
+              <a:t>5/16/2023</a:t>
             </a:fld>
             <a:endParaRPr lang="en-US"/>
           </a:p>
@@ -19100,7 +19137,7 @@
           <a:p>
             <a:fld id="{B634EE48-03CC-4D00-B145-A19103A86E2C}" type="datetimeFigureOut">
               <a:rPr lang="en-US" smtClean="0"/>
-              <a:t>5/15/2023</a:t>
+              <a:t>5/16/2023</a:t>
             </a:fld>
             <a:endParaRPr lang="en-US"/>
           </a:p>
@@ -19949,7 +19986,7 @@
           <p:nvPr>
             <p:extLst>
               <p:ext uri="{D42A27DB-BD31-4B8C-83A1-F6EECF244321}">
-                <p14:modId xmlns:p14="http://schemas.microsoft.com/office/powerpoint/2010/main" val="198667218"/>
+                <p14:modId xmlns:p14="http://schemas.microsoft.com/office/powerpoint/2010/main" val="3293927169"/>
               </p:ext>
             </p:extLst>
           </p:nvPr>
@@ -20017,7 +20054,7 @@
           <a:p>
             <a:pPr marR="0" rtl="0"/>
             <a:r>
-              <a:rPr lang="en-US" b="0" i="0" u="none" strike="noStrike" baseline="0" dirty="0">
+              <a:rPr lang="en-US" b="0" i="0" u="none" strike="noStrike" baseline="0">
                 <a:solidFill>
                   <a:srgbClr val="000000"/>
                 </a:solidFill>
@@ -20025,6 +20062,12 @@
               </a:rPr>
               <a:t>Auction Smart Contract</a:t>
             </a:r>
+            <a:endParaRPr lang="en-US" b="0" i="0" u="none" strike="noStrike" baseline="0" dirty="0">
+              <a:solidFill>
+                <a:srgbClr val="000000"/>
+              </a:solidFill>
+              <a:latin typeface="Segoe UI" panose="020B0502040204020203" pitchFamily="34" charset="0"/>
+            </a:endParaRPr>
           </a:p>
         </p:txBody>
       </p:sp>
@@ -20041,7 +20084,7 @@
           <p:nvPr>
             <p:extLst>
               <p:ext uri="{D42A27DB-BD31-4B8C-83A1-F6EECF244321}">
-                <p14:modId xmlns:p14="http://schemas.microsoft.com/office/powerpoint/2010/main" val="2353654667"/>
+                <p14:modId xmlns:p14="http://schemas.microsoft.com/office/powerpoint/2010/main" val="2476788386"/>
               </p:ext>
             </p:extLst>
           </p:nvPr>
@@ -20133,7 +20176,7 @@
           <p:nvPr>
             <p:extLst>
               <p:ext uri="{D42A27DB-BD31-4B8C-83A1-F6EECF244321}">
-                <p14:modId xmlns:p14="http://schemas.microsoft.com/office/powerpoint/2010/main" val="269533616"/>
+                <p14:modId xmlns:p14="http://schemas.microsoft.com/office/powerpoint/2010/main" val="608721873"/>
               </p:ext>
             </p:extLst>
           </p:nvPr>
@@ -20329,7 +20372,7 @@
           <p:nvPr>
             <p:extLst>
               <p:ext uri="{D42A27DB-BD31-4B8C-83A1-F6EECF244321}">
-                <p14:modId xmlns:p14="http://schemas.microsoft.com/office/powerpoint/2010/main" val="2842957849"/>
+                <p14:modId xmlns:p14="http://schemas.microsoft.com/office/powerpoint/2010/main" val="2131166286"/>
               </p:ext>
             </p:extLst>
           </p:nvPr>

--- a/Digital Art Solutions.pptx
+++ b/Digital Art Solutions.pptx
@@ -131,7 +131,7 @@
   <pc:docChgLst>
     <pc:chgData name="b d" userId="d8a693ecc95ea58f" providerId="LiveId" clId="{2AD4B4F2-9A8D-4F93-BE81-9B174DA180E8}"/>
     <pc:docChg chg="undo custSel addSld modSld sldOrd">
-      <pc:chgData name="b d" userId="d8a693ecc95ea58f" providerId="LiveId" clId="{2AD4B4F2-9A8D-4F93-BE81-9B174DA180E8}" dt="2023-05-16T15:54:23.441" v="2260"/>
+      <pc:chgData name="b d" userId="d8a693ecc95ea58f" providerId="LiveId" clId="{2AD4B4F2-9A8D-4F93-BE81-9B174DA180E8}" dt="2023-05-16T15:57:08.678" v="2264" actId="6549"/>
       <pc:docMkLst>
         <pc:docMk/>
       </pc:docMkLst>
@@ -275,7 +275,7 @@
         </pc:graphicFrameChg>
       </pc:sldChg>
       <pc:sldChg chg="addSp delSp modSp new mod ord setBg">
-        <pc:chgData name="b d" userId="d8a693ecc95ea58f" providerId="LiveId" clId="{2AD4B4F2-9A8D-4F93-BE81-9B174DA180E8}" dt="2023-05-15T15:37:48.270" v="2247" actId="20577"/>
+        <pc:chgData name="b d" userId="d8a693ecc95ea58f" providerId="LiveId" clId="{2AD4B4F2-9A8D-4F93-BE81-9B174DA180E8}" dt="2023-05-16T15:57:08.678" v="2264" actId="6549"/>
         <pc:sldMkLst>
           <pc:docMk/>
           <pc:sldMk cId="1932872946" sldId="262"/>
@@ -289,7 +289,7 @@
           </ac:spMkLst>
         </pc:spChg>
         <pc:spChg chg="mod ord">
-          <ac:chgData name="b d" userId="d8a693ecc95ea58f" providerId="LiveId" clId="{2AD4B4F2-9A8D-4F93-BE81-9B174DA180E8}" dt="2023-05-15T15:37:48.270" v="2247" actId="20577"/>
+          <ac:chgData name="b d" userId="d8a693ecc95ea58f" providerId="LiveId" clId="{2AD4B4F2-9A8D-4F93-BE81-9B174DA180E8}" dt="2023-05-16T15:57:08.678" v="2264" actId="6549"/>
           <ac:spMkLst>
             <pc:docMk/>
             <pc:sldMk cId="1932872946" sldId="262"/>
@@ -20809,7 +20809,15 @@
             </a:r>
             <a:r>
               <a:rPr lang="en-US" sz="1500" dirty="0"/>
-              <a:t> (please see below). We raised the rate to get to the $100,000 annual rate to get a higher quality specialists.</a:t>
+              <a:t> (please see below). We raised the rate </a:t>
+            </a:r>
+            <a:r>
+              <a:rPr lang="en-US" sz="1500"/>
+              <a:t>to the </a:t>
+            </a:r>
+            <a:r>
+              <a:rPr lang="en-US" sz="1500" dirty="0"/>
+              <a:t>$100,000 annual rate to get a higher quality specialists.</a:t>
             </a:r>
           </a:p>
           <a:p>
